--- a/Project.pptx
+++ b/Project.pptx
@@ -9,15 +9,19 @@
     <p:sldId id="257" r:id="rId3"/>
     <p:sldId id="259" r:id="rId4"/>
     <p:sldId id="261" r:id="rId5"/>
-    <p:sldId id="260" r:id="rId6"/>
-    <p:sldId id="262" r:id="rId7"/>
-    <p:sldId id="263" r:id="rId8"/>
-    <p:sldId id="264" r:id="rId9"/>
-    <p:sldId id="265" r:id="rId10"/>
-    <p:sldId id="266" r:id="rId11"/>
-    <p:sldId id="267" r:id="rId12"/>
-    <p:sldId id="268" r:id="rId13"/>
-    <p:sldId id="269" r:id="rId14"/>
+    <p:sldId id="271" r:id="rId6"/>
+    <p:sldId id="260" r:id="rId7"/>
+    <p:sldId id="262" r:id="rId8"/>
+    <p:sldId id="263" r:id="rId9"/>
+    <p:sldId id="264" r:id="rId10"/>
+    <p:sldId id="265" r:id="rId11"/>
+    <p:sldId id="266" r:id="rId12"/>
+    <p:sldId id="267" r:id="rId13"/>
+    <p:sldId id="268" r:id="rId14"/>
+    <p:sldId id="269" r:id="rId15"/>
+    <p:sldId id="270" r:id="rId16"/>
+    <p:sldId id="272" r:id="rId17"/>
+    <p:sldId id="273" r:id="rId18"/>
   </p:sldIdLst>
   <p:sldSz cx="12192000" cy="6858000"/>
   <p:notesSz cx="6858000" cy="9144000"/>
@@ -116,6 +120,11 @@
       </a:defRPr>
     </a:lvl9pPr>
   </p:defaultTextStyle>
+  <p:extLst>
+    <p:ext uri="{EFAFB233-063F-42B5-8137-9DF3F51BA10A}">
+      <p15:sldGuideLst xmlns:p15="http://schemas.microsoft.com/office/powerpoint/2012/main"/>
+    </p:ext>
+  </p:extLst>
 </p:presentation>
 </file>
 
@@ -4210,7 +4219,7 @@
         </p:nvSpPr>
         <p:spPr>
           <a:xfrm>
-            <a:off x="833257" y="5959606"/>
+            <a:off x="833257" y="5432058"/>
             <a:ext cx="3901736" cy="503539"/>
           </a:xfrm>
         </p:spPr>
@@ -4221,7 +4230,7 @@
           <a:lstStyle/>
           <a:p>
             <a:r>
-              <a:rPr lang="en-US" dirty="0"/>
+              <a:rPr lang="en-US" b="1" dirty="0"/>
               <a:t>Group 7</a:t>
             </a:r>
           </a:p>
@@ -4429,10 +4438,336 @@
   <p:clrMapOvr>
     <a:masterClrMapping/>
   </p:clrMapOvr>
+  <p:timing>
+    <p:tnLst>
+      <p:par>
+        <p:cTn id="1" dur="indefinite" restart="never" nodeType="tmRoot">
+          <p:childTnLst>
+            <p:seq concurrent="1" nextAc="seek">
+              <p:cTn id="2" dur="indefinite" nodeType="mainSeq">
+                <p:childTnLst>
+                  <p:par>
+                    <p:cTn id="3" fill="hold">
+                      <p:stCondLst>
+                        <p:cond delay="indefinite"/>
+                      </p:stCondLst>
+                      <p:childTnLst>
+                        <p:par>
+                          <p:cTn id="4" fill="hold">
+                            <p:stCondLst>
+                              <p:cond delay="0"/>
+                            </p:stCondLst>
+                            <p:childTnLst>
+                              <p:par>
+                                <p:cTn id="5" presetID="42" presetClass="entr" presetSubtype="0" fill="hold" grpId="0" nodeType="clickEffect">
+                                  <p:stCondLst>
+                                    <p:cond delay="0"/>
+                                  </p:stCondLst>
+                                  <p:childTnLst>
+                                    <p:set>
+                                      <p:cBhvr>
+                                        <p:cTn id="6" dur="1" fill="hold">
+                                          <p:stCondLst>
+                                            <p:cond delay="0"/>
+                                          </p:stCondLst>
+                                        </p:cTn>
+                                        <p:tgtEl>
+                                          <p:spTgt spid="2"/>
+                                        </p:tgtEl>
+                                        <p:attrNameLst>
+                                          <p:attrName>style.visibility</p:attrName>
+                                        </p:attrNameLst>
+                                      </p:cBhvr>
+                                      <p:to>
+                                        <p:strVal val="visible"/>
+                                      </p:to>
+                                    </p:set>
+                                    <p:animEffect transition="in" filter="fade">
+                                      <p:cBhvr>
+                                        <p:cTn id="7" dur="1000"/>
+                                        <p:tgtEl>
+                                          <p:spTgt spid="2"/>
+                                        </p:tgtEl>
+                                      </p:cBhvr>
+                                    </p:animEffect>
+                                    <p:anim calcmode="lin" valueType="num">
+                                      <p:cBhvr>
+                                        <p:cTn id="8" dur="1000" fill="hold"/>
+                                        <p:tgtEl>
+                                          <p:spTgt spid="2"/>
+                                        </p:tgtEl>
+                                        <p:attrNameLst>
+                                          <p:attrName>ppt_x</p:attrName>
+                                        </p:attrNameLst>
+                                      </p:cBhvr>
+                                      <p:tavLst>
+                                        <p:tav tm="0">
+                                          <p:val>
+                                            <p:strVal val="#ppt_x"/>
+                                          </p:val>
+                                        </p:tav>
+                                        <p:tav tm="100000">
+                                          <p:val>
+                                            <p:strVal val="#ppt_x"/>
+                                          </p:val>
+                                        </p:tav>
+                                      </p:tavLst>
+                                    </p:anim>
+                                    <p:anim calcmode="lin" valueType="num">
+                                      <p:cBhvr>
+                                        <p:cTn id="9" dur="1000" fill="hold"/>
+                                        <p:tgtEl>
+                                          <p:spTgt spid="2"/>
+                                        </p:tgtEl>
+                                        <p:attrNameLst>
+                                          <p:attrName>ppt_y</p:attrName>
+                                        </p:attrNameLst>
+                                      </p:cBhvr>
+                                      <p:tavLst>
+                                        <p:tav tm="0">
+                                          <p:val>
+                                            <p:strVal val="#ppt_y+.1"/>
+                                          </p:val>
+                                        </p:tav>
+                                        <p:tav tm="100000">
+                                          <p:val>
+                                            <p:strVal val="#ppt_y"/>
+                                          </p:val>
+                                        </p:tav>
+                                      </p:tavLst>
+                                    </p:anim>
+                                  </p:childTnLst>
+                                </p:cTn>
+                              </p:par>
+                            </p:childTnLst>
+                          </p:cTn>
+                        </p:par>
+                      </p:childTnLst>
+                    </p:cTn>
+                  </p:par>
+                </p:childTnLst>
+              </p:cTn>
+              <p:prevCondLst>
+                <p:cond evt="onPrev" delay="0">
+                  <p:tgtEl>
+                    <p:sldTgt/>
+                  </p:tgtEl>
+                </p:cond>
+              </p:prevCondLst>
+              <p:nextCondLst>
+                <p:cond evt="onNext" delay="0">
+                  <p:tgtEl>
+                    <p:sldTgt/>
+                  </p:tgtEl>
+                </p:cond>
+              </p:nextCondLst>
+            </p:seq>
+          </p:childTnLst>
+        </p:cTn>
+      </p:par>
+    </p:tnLst>
+    <p:bldLst>
+      <p:bldP spid="2" grpId="0"/>
+    </p:bldLst>
+  </p:timing>
 </p:sld>
 </file>
 
 <file path=ppt/slides/slide10.xml><?xml version="1.0" encoding="utf-8"?>
+<p:sld xmlns:a="http://schemas.openxmlformats.org/drawingml/2006/main" xmlns:r="http://schemas.openxmlformats.org/officeDocument/2006/relationships" xmlns:p="http://schemas.openxmlformats.org/presentationml/2006/main">
+  <p:cSld>
+    <p:spTree>
+      <p:nvGrpSpPr>
+        <p:cNvPr id="1" name=""/>
+        <p:cNvGrpSpPr/>
+        <p:nvPr/>
+      </p:nvGrpSpPr>
+      <p:grpSpPr>
+        <a:xfrm>
+          <a:off x="0" y="0"/>
+          <a:ext cx="0" cy="0"/>
+          <a:chOff x="0" y="0"/>
+          <a:chExt cx="0" cy="0"/>
+        </a:xfrm>
+      </p:grpSpPr>
+      <p:sp>
+        <p:nvSpPr>
+          <p:cNvPr id="2" name="Title 1">
+            <a:extLst>
+              <a:ext uri="{FF2B5EF4-FFF2-40B4-BE49-F238E27FC236}">
+                <a16:creationId xmlns:a16="http://schemas.microsoft.com/office/drawing/2014/main" id="{F13E0346-52B1-DF36-E0FB-015BB0BC147A}"/>
+              </a:ext>
+            </a:extLst>
+          </p:cNvPr>
+          <p:cNvSpPr>
+            <a:spLocks noGrp="1"/>
+          </p:cNvSpPr>
+          <p:nvPr>
+            <p:ph type="title"/>
+          </p:nvPr>
+        </p:nvSpPr>
+        <p:spPr>
+          <a:xfrm>
+            <a:off x="609600" y="557784"/>
+            <a:ext cx="10972800" cy="751471"/>
+          </a:xfrm>
+        </p:spPr>
+        <p:txBody>
+          <a:bodyPr>
+            <a:normAutofit fontScale="90000"/>
+          </a:bodyPr>
+          <a:lstStyle/>
+          <a:p>
+            <a:r>
+              <a:rPr lang="en-US" dirty="0"/>
+              <a:t>Peak Season Analysis</a:t>
+            </a:r>
+          </a:p>
+        </p:txBody>
+      </p:sp>
+      <p:sp>
+        <p:nvSpPr>
+          <p:cNvPr id="3" name="Content Placeholder 2">
+            <a:extLst>
+              <a:ext uri="{FF2B5EF4-FFF2-40B4-BE49-F238E27FC236}">
+                <a16:creationId xmlns:a16="http://schemas.microsoft.com/office/drawing/2014/main" id="{6F3D3805-B2BD-A221-B15A-73FBC9F7103C}"/>
+              </a:ext>
+            </a:extLst>
+          </p:cNvPr>
+          <p:cNvSpPr>
+            <a:spLocks noGrp="1"/>
+          </p:cNvSpPr>
+          <p:nvPr>
+            <p:ph idx="1"/>
+          </p:nvPr>
+        </p:nvSpPr>
+        <p:spPr>
+          <a:xfrm>
+            <a:off x="609600" y="1846431"/>
+            <a:ext cx="10972800" cy="1146151"/>
+          </a:xfrm>
+        </p:spPr>
+        <p:txBody>
+          <a:bodyPr>
+            <a:normAutofit/>
+          </a:bodyPr>
+          <a:lstStyle/>
+          <a:p>
+            <a:r>
+              <a:rPr lang="en-US" sz="2400" b="1" dirty="0"/>
+              <a:t>→ COVID accelerated the e-commerce peak season, leading to a sharp increase in parcel demand</a:t>
+            </a:r>
+          </a:p>
+        </p:txBody>
+      </p:sp>
+    </p:spTree>
+    <p:extLst>
+      <p:ext uri="{BB962C8B-B14F-4D97-AF65-F5344CB8AC3E}">
+        <p14:creationId xmlns:p14="http://schemas.microsoft.com/office/powerpoint/2010/main" val="2801668312"/>
+      </p:ext>
+    </p:extLst>
+  </p:cSld>
+  <p:clrMapOvr>
+    <a:masterClrMapping/>
+  </p:clrMapOvr>
+  <p:timing>
+    <p:tnLst>
+      <p:par>
+        <p:cTn id="1" dur="indefinite" restart="never" nodeType="tmRoot">
+          <p:childTnLst>
+            <p:seq concurrent="1" nextAc="seek">
+              <p:cTn id="2" dur="indefinite" nodeType="mainSeq">
+                <p:childTnLst>
+                  <p:par>
+                    <p:cTn id="3" fill="hold">
+                      <p:stCondLst>
+                        <p:cond delay="indefinite"/>
+                      </p:stCondLst>
+                      <p:childTnLst>
+                        <p:par>
+                          <p:cTn id="4" fill="hold">
+                            <p:stCondLst>
+                              <p:cond delay="0"/>
+                            </p:stCondLst>
+                            <p:childTnLst>
+                              <p:par>
+                                <p:cTn id="5" presetID="14" presetClass="entr" presetSubtype="10" fill="hold" grpId="0" nodeType="clickEffect">
+                                  <p:stCondLst>
+                                    <p:cond delay="0"/>
+                                  </p:stCondLst>
+                                  <p:childTnLst>
+                                    <p:set>
+                                      <p:cBhvr>
+                                        <p:cTn id="6" dur="1" fill="hold">
+                                          <p:stCondLst>
+                                            <p:cond delay="0"/>
+                                          </p:stCondLst>
+                                        </p:cTn>
+                                        <p:tgtEl>
+                                          <p:spTgt spid="3">
+                                            <p:txEl>
+                                              <p:pRg st="0" end="0"/>
+                                            </p:txEl>
+                                          </p:spTgt>
+                                        </p:tgtEl>
+                                        <p:attrNameLst>
+                                          <p:attrName>style.visibility</p:attrName>
+                                        </p:attrNameLst>
+                                      </p:cBhvr>
+                                      <p:to>
+                                        <p:strVal val="visible"/>
+                                      </p:to>
+                                    </p:set>
+                                    <p:animEffect transition="in" filter="randombar(horizontal)">
+                                      <p:cBhvr>
+                                        <p:cTn id="7" dur="500"/>
+                                        <p:tgtEl>
+                                          <p:spTgt spid="3">
+                                            <p:txEl>
+                                              <p:pRg st="0" end="0"/>
+                                            </p:txEl>
+                                          </p:spTgt>
+                                        </p:tgtEl>
+                                      </p:cBhvr>
+                                    </p:animEffect>
+                                  </p:childTnLst>
+                                </p:cTn>
+                              </p:par>
+                            </p:childTnLst>
+                          </p:cTn>
+                        </p:par>
+                      </p:childTnLst>
+                    </p:cTn>
+                  </p:par>
+                </p:childTnLst>
+              </p:cTn>
+              <p:prevCondLst>
+                <p:cond evt="onPrev" delay="0">
+                  <p:tgtEl>
+                    <p:sldTgt/>
+                  </p:tgtEl>
+                </p:cond>
+              </p:prevCondLst>
+              <p:nextCondLst>
+                <p:cond evt="onNext" delay="0">
+                  <p:tgtEl>
+                    <p:sldTgt/>
+                  </p:tgtEl>
+                </p:cond>
+              </p:nextCondLst>
+            </p:seq>
+          </p:childTnLst>
+        </p:cTn>
+      </p:par>
+    </p:tnLst>
+    <p:bldLst>
+      <p:bldP spid="3" grpId="0" build="p"/>
+    </p:bldLst>
+  </p:timing>
+</p:sld>
+</file>
+
+<file path=ppt/slides/slide11.xml><?xml version="1.0" encoding="utf-8"?>
 <p:sld xmlns:a="http://schemas.openxmlformats.org/drawingml/2006/main" xmlns:r="http://schemas.openxmlformats.org/officeDocument/2006/relationships" xmlns:p="http://schemas.openxmlformats.org/presentationml/2006/main">
   <p:cSld>
     <p:spTree>
@@ -4584,10 +4919,237 @@
   <p:clrMapOvr>
     <a:masterClrMapping/>
   </p:clrMapOvr>
+  <p:timing>
+    <p:tnLst>
+      <p:par>
+        <p:cTn id="1" dur="indefinite" restart="never" nodeType="tmRoot">
+          <p:childTnLst>
+            <p:seq concurrent="1" nextAc="seek">
+              <p:cTn id="2" dur="indefinite" nodeType="mainSeq">
+                <p:childTnLst>
+                  <p:par>
+                    <p:cTn id="3" fill="hold">
+                      <p:stCondLst>
+                        <p:cond delay="indefinite"/>
+                      </p:stCondLst>
+                      <p:childTnLst>
+                        <p:par>
+                          <p:cTn id="4" fill="hold">
+                            <p:stCondLst>
+                              <p:cond delay="0"/>
+                            </p:stCondLst>
+                            <p:childTnLst>
+                              <p:par>
+                                <p:cTn id="5" presetID="16" presetClass="entr" presetSubtype="21" fill="hold" grpId="0" nodeType="clickEffect">
+                                  <p:stCondLst>
+                                    <p:cond delay="0"/>
+                                  </p:stCondLst>
+                                  <p:childTnLst>
+                                    <p:set>
+                                      <p:cBhvr>
+                                        <p:cTn id="6" dur="1" fill="hold">
+                                          <p:stCondLst>
+                                            <p:cond delay="0"/>
+                                          </p:stCondLst>
+                                        </p:cTn>
+                                        <p:tgtEl>
+                                          <p:spTgt spid="2"/>
+                                        </p:tgtEl>
+                                        <p:attrNameLst>
+                                          <p:attrName>style.visibility</p:attrName>
+                                        </p:attrNameLst>
+                                      </p:cBhvr>
+                                      <p:to>
+                                        <p:strVal val="visible"/>
+                                      </p:to>
+                                    </p:set>
+                                    <p:animEffect transition="in" filter="barn(inVertical)">
+                                      <p:cBhvr>
+                                        <p:cTn id="7" dur="500"/>
+                                        <p:tgtEl>
+                                          <p:spTgt spid="2"/>
+                                        </p:tgtEl>
+                                      </p:cBhvr>
+                                    </p:animEffect>
+                                  </p:childTnLst>
+                                </p:cTn>
+                              </p:par>
+                            </p:childTnLst>
+                          </p:cTn>
+                        </p:par>
+                      </p:childTnLst>
+                    </p:cTn>
+                  </p:par>
+                  <p:par>
+                    <p:cTn id="8" fill="hold">
+                      <p:stCondLst>
+                        <p:cond delay="indefinite"/>
+                      </p:stCondLst>
+                      <p:childTnLst>
+                        <p:par>
+                          <p:cTn id="9" fill="hold">
+                            <p:stCondLst>
+                              <p:cond delay="0"/>
+                            </p:stCondLst>
+                            <p:childTnLst>
+                              <p:par>
+                                <p:cTn id="10" presetID="10" presetClass="entr" presetSubtype="0" fill="hold" nodeType="clickEffect">
+                                  <p:stCondLst>
+                                    <p:cond delay="0"/>
+                                  </p:stCondLst>
+                                  <p:childTnLst>
+                                    <p:set>
+                                      <p:cBhvr>
+                                        <p:cTn id="11" dur="1" fill="hold">
+                                          <p:stCondLst>
+                                            <p:cond delay="0"/>
+                                          </p:stCondLst>
+                                        </p:cTn>
+                                        <p:tgtEl>
+                                          <p:spTgt spid="5"/>
+                                        </p:tgtEl>
+                                        <p:attrNameLst>
+                                          <p:attrName>style.visibility</p:attrName>
+                                        </p:attrNameLst>
+                                      </p:cBhvr>
+                                      <p:to>
+                                        <p:strVal val="visible"/>
+                                      </p:to>
+                                    </p:set>
+                                    <p:animEffect transition="in" filter="fade">
+                                      <p:cBhvr>
+                                        <p:cTn id="12" dur="500"/>
+                                        <p:tgtEl>
+                                          <p:spTgt spid="5"/>
+                                        </p:tgtEl>
+                                      </p:cBhvr>
+                                    </p:animEffect>
+                                  </p:childTnLst>
+                                </p:cTn>
+                              </p:par>
+                            </p:childTnLst>
+                          </p:cTn>
+                        </p:par>
+                      </p:childTnLst>
+                    </p:cTn>
+                  </p:par>
+                  <p:par>
+                    <p:cTn id="13" fill="hold">
+                      <p:stCondLst>
+                        <p:cond delay="indefinite"/>
+                      </p:stCondLst>
+                      <p:childTnLst>
+                        <p:par>
+                          <p:cTn id="14" fill="hold">
+                            <p:stCondLst>
+                              <p:cond delay="0"/>
+                            </p:stCondLst>
+                            <p:childTnLst>
+                              <p:par>
+                                <p:cTn id="15" presetID="10" presetClass="entr" presetSubtype="0" fill="hold" nodeType="clickEffect">
+                                  <p:stCondLst>
+                                    <p:cond delay="0"/>
+                                  </p:stCondLst>
+                                  <p:childTnLst>
+                                    <p:set>
+                                      <p:cBhvr>
+                                        <p:cTn id="16" dur="1" fill="hold">
+                                          <p:stCondLst>
+                                            <p:cond delay="0"/>
+                                          </p:stCondLst>
+                                        </p:cTn>
+                                        <p:tgtEl>
+                                          <p:spTgt spid="9"/>
+                                        </p:tgtEl>
+                                        <p:attrNameLst>
+                                          <p:attrName>style.visibility</p:attrName>
+                                        </p:attrNameLst>
+                                      </p:cBhvr>
+                                      <p:to>
+                                        <p:strVal val="visible"/>
+                                      </p:to>
+                                    </p:set>
+                                    <p:animEffect transition="in" filter="fade">
+                                      <p:cBhvr>
+                                        <p:cTn id="17" dur="500"/>
+                                        <p:tgtEl>
+                                          <p:spTgt spid="9"/>
+                                        </p:tgtEl>
+                                      </p:cBhvr>
+                                    </p:animEffect>
+                                  </p:childTnLst>
+                                </p:cTn>
+                              </p:par>
+                              <p:par>
+                                <p:cTn id="18" presetID="10" presetClass="entr" presetSubtype="0" fill="hold" nodeType="withEffect">
+                                  <p:stCondLst>
+                                    <p:cond delay="0"/>
+                                  </p:stCondLst>
+                                  <p:childTnLst>
+                                    <p:set>
+                                      <p:cBhvr>
+                                        <p:cTn id="19" dur="1" fill="hold">
+                                          <p:stCondLst>
+                                            <p:cond delay="0"/>
+                                          </p:stCondLst>
+                                        </p:cTn>
+                                        <p:tgtEl>
+                                          <p:spTgt spid="11"/>
+                                        </p:tgtEl>
+                                        <p:attrNameLst>
+                                          <p:attrName>style.visibility</p:attrName>
+                                        </p:attrNameLst>
+                                      </p:cBhvr>
+                                      <p:to>
+                                        <p:strVal val="visible"/>
+                                      </p:to>
+                                    </p:set>
+                                    <p:animEffect transition="in" filter="fade">
+                                      <p:cBhvr>
+                                        <p:cTn id="20" dur="500"/>
+                                        <p:tgtEl>
+                                          <p:spTgt spid="11"/>
+                                        </p:tgtEl>
+                                      </p:cBhvr>
+                                    </p:animEffect>
+                                  </p:childTnLst>
+                                </p:cTn>
+                              </p:par>
+                            </p:childTnLst>
+                          </p:cTn>
+                        </p:par>
+                      </p:childTnLst>
+                    </p:cTn>
+                  </p:par>
+                </p:childTnLst>
+              </p:cTn>
+              <p:prevCondLst>
+                <p:cond evt="onPrev" delay="0">
+                  <p:tgtEl>
+                    <p:sldTgt/>
+                  </p:tgtEl>
+                </p:cond>
+              </p:prevCondLst>
+              <p:nextCondLst>
+                <p:cond evt="onNext" delay="0">
+                  <p:tgtEl>
+                    <p:sldTgt/>
+                  </p:tgtEl>
+                </p:cond>
+              </p:nextCondLst>
+            </p:seq>
+          </p:childTnLst>
+        </p:cTn>
+      </p:par>
+    </p:tnLst>
+    <p:bldLst>
+      <p:bldP spid="2" grpId="0"/>
+    </p:bldLst>
+  </p:timing>
 </p:sld>
 </file>
 
-<file path=ppt/slides/slide11.xml><?xml version="1.0" encoding="utf-8"?>
+<file path=ppt/slides/slide12.xml><?xml version="1.0" encoding="utf-8"?>
 <p:sld xmlns:a="http://schemas.openxmlformats.org/drawingml/2006/main" xmlns:r="http://schemas.openxmlformats.org/officeDocument/2006/relationships" xmlns:p="http://schemas.openxmlformats.org/presentationml/2006/main">
   <p:cSld>
     <p:spTree>
@@ -4709,10 +5271,146 @@
   <p:clrMapOvr>
     <a:masterClrMapping/>
   </p:clrMapOvr>
+  <p:timing>
+    <p:tnLst>
+      <p:par>
+        <p:cTn id="1" dur="indefinite" restart="never" nodeType="tmRoot">
+          <p:childTnLst>
+            <p:seq concurrent="1" nextAc="seek">
+              <p:cTn id="2" dur="indefinite" nodeType="mainSeq">
+                <p:childTnLst>
+                  <p:par>
+                    <p:cTn id="3" fill="hold">
+                      <p:stCondLst>
+                        <p:cond delay="indefinite"/>
+                      </p:stCondLst>
+                      <p:childTnLst>
+                        <p:par>
+                          <p:cTn id="4" fill="hold">
+                            <p:stCondLst>
+                              <p:cond delay="0"/>
+                            </p:stCondLst>
+                            <p:childTnLst>
+                              <p:par>
+                                <p:cTn id="5" presetID="10" presetClass="entr" presetSubtype="0" fill="hold" nodeType="clickEffect">
+                                  <p:stCondLst>
+                                    <p:cond delay="0"/>
+                                  </p:stCondLst>
+                                  <p:childTnLst>
+                                    <p:set>
+                                      <p:cBhvr>
+                                        <p:cTn id="6" dur="1" fill="hold">
+                                          <p:stCondLst>
+                                            <p:cond delay="0"/>
+                                          </p:stCondLst>
+                                        </p:cTn>
+                                        <p:tgtEl>
+                                          <p:spTgt spid="9"/>
+                                        </p:tgtEl>
+                                        <p:attrNameLst>
+                                          <p:attrName>style.visibility</p:attrName>
+                                        </p:attrNameLst>
+                                      </p:cBhvr>
+                                      <p:to>
+                                        <p:strVal val="visible"/>
+                                      </p:to>
+                                    </p:set>
+                                    <p:animEffect transition="in" filter="fade">
+                                      <p:cBhvr>
+                                        <p:cTn id="7" dur="500"/>
+                                        <p:tgtEl>
+                                          <p:spTgt spid="9"/>
+                                        </p:tgtEl>
+                                      </p:cBhvr>
+                                    </p:animEffect>
+                                  </p:childTnLst>
+                                </p:cTn>
+                              </p:par>
+                            </p:childTnLst>
+                          </p:cTn>
+                        </p:par>
+                      </p:childTnLst>
+                    </p:cTn>
+                  </p:par>
+                  <p:par>
+                    <p:cTn id="8" fill="hold">
+                      <p:stCondLst>
+                        <p:cond delay="indefinite"/>
+                      </p:stCondLst>
+                      <p:childTnLst>
+                        <p:par>
+                          <p:cTn id="9" fill="hold">
+                            <p:stCondLst>
+                              <p:cond delay="0"/>
+                            </p:stCondLst>
+                            <p:childTnLst>
+                              <p:par>
+                                <p:cTn id="10" presetID="10" presetClass="entr" presetSubtype="0" fill="hold" nodeType="clickEffect">
+                                  <p:stCondLst>
+                                    <p:cond delay="0"/>
+                                  </p:stCondLst>
+                                  <p:childTnLst>
+                                    <p:set>
+                                      <p:cBhvr>
+                                        <p:cTn id="11" dur="1" fill="hold">
+                                          <p:stCondLst>
+                                            <p:cond delay="0"/>
+                                          </p:stCondLst>
+                                        </p:cTn>
+                                        <p:tgtEl>
+                                          <p:spTgt spid="11"/>
+                                        </p:tgtEl>
+                                        <p:attrNameLst>
+                                          <p:attrName>style.visibility</p:attrName>
+                                        </p:attrNameLst>
+                                      </p:cBhvr>
+                                      <p:to>
+                                        <p:strVal val="visible"/>
+                                      </p:to>
+                                    </p:set>
+                                    <p:animEffect transition="in" filter="fade">
+                                      <p:cBhvr>
+                                        <p:cTn id="12" dur="500"/>
+                                        <p:tgtEl>
+                                          <p:spTgt spid="11"/>
+                                        </p:tgtEl>
+                                      </p:cBhvr>
+                                    </p:animEffect>
+                                  </p:childTnLst>
+                                </p:cTn>
+                              </p:par>
+                            </p:childTnLst>
+                          </p:cTn>
+                        </p:par>
+                      </p:childTnLst>
+                    </p:cTn>
+                  </p:par>
+                </p:childTnLst>
+              </p:cTn>
+              <p:prevCondLst>
+                <p:cond evt="onPrev" delay="0">
+                  <p:tgtEl>
+                    <p:sldTgt/>
+                  </p:tgtEl>
+                </p:cond>
+              </p:prevCondLst>
+              <p:nextCondLst>
+                <p:cond evt="onNext" delay="0">
+                  <p:tgtEl>
+                    <p:sldTgt/>
+                  </p:tgtEl>
+                </p:cond>
+              </p:nextCondLst>
+            </p:seq>
+          </p:childTnLst>
+        </p:cTn>
+      </p:par>
+    </p:tnLst>
+  </p:timing>
 </p:sld>
 </file>
 
-<file path=ppt/slides/slide12.xml><?xml version="1.0" encoding="utf-8"?>
+<file path=ppt/slides/slide13.xml><?xml version="1.0" encoding="utf-8"?>
 <p:sld xmlns:a="http://schemas.openxmlformats.org/drawingml/2006/main" xmlns:r="http://schemas.openxmlformats.org/officeDocument/2006/relationships" xmlns:p="http://schemas.openxmlformats.org/presentationml/2006/main">
   <p:cSld>
     <p:spTree>
@@ -5101,10 +5799,226 @@
   <p:clrMapOvr>
     <a:masterClrMapping/>
   </p:clrMapOvr>
+  <p:timing>
+    <p:tnLst>
+      <p:par>
+        <p:cTn id="1" dur="indefinite" restart="never" nodeType="tmRoot">
+          <p:childTnLst>
+            <p:seq concurrent="1" nextAc="seek">
+              <p:cTn id="2" dur="indefinite" nodeType="mainSeq">
+                <p:childTnLst>
+                  <p:par>
+                    <p:cTn id="3" fill="hold">
+                      <p:stCondLst>
+                        <p:cond delay="indefinite"/>
+                      </p:stCondLst>
+                      <p:childTnLst>
+                        <p:par>
+                          <p:cTn id="4" fill="hold">
+                            <p:stCondLst>
+                              <p:cond delay="0"/>
+                            </p:stCondLst>
+                            <p:childTnLst>
+                              <p:par>
+                                <p:cTn id="5" presetID="14" presetClass="entr" presetSubtype="10" fill="hold" grpId="0" nodeType="clickEffect">
+                                  <p:stCondLst>
+                                    <p:cond delay="0"/>
+                                  </p:stCondLst>
+                                  <p:childTnLst>
+                                    <p:set>
+                                      <p:cBhvr>
+                                        <p:cTn id="6" dur="1" fill="hold">
+                                          <p:stCondLst>
+                                            <p:cond delay="0"/>
+                                          </p:stCondLst>
+                                        </p:cTn>
+                                        <p:tgtEl>
+                                          <p:spTgt spid="4">
+                                            <p:txEl>
+                                              <p:pRg st="0" end="0"/>
+                                            </p:txEl>
+                                          </p:spTgt>
+                                        </p:tgtEl>
+                                        <p:attrNameLst>
+                                          <p:attrName>style.visibility</p:attrName>
+                                        </p:attrNameLst>
+                                      </p:cBhvr>
+                                      <p:to>
+                                        <p:strVal val="visible"/>
+                                      </p:to>
+                                    </p:set>
+                                    <p:animEffect transition="in" filter="randombar(horizontal)">
+                                      <p:cBhvr>
+                                        <p:cTn id="7" dur="500"/>
+                                        <p:tgtEl>
+                                          <p:spTgt spid="4">
+                                            <p:txEl>
+                                              <p:pRg st="0" end="0"/>
+                                            </p:txEl>
+                                          </p:spTgt>
+                                        </p:tgtEl>
+                                      </p:cBhvr>
+                                    </p:animEffect>
+                                  </p:childTnLst>
+                                </p:cTn>
+                              </p:par>
+                            </p:childTnLst>
+                          </p:cTn>
+                        </p:par>
+                      </p:childTnLst>
+                    </p:cTn>
+                  </p:par>
+                  <p:par>
+                    <p:cTn id="8" fill="hold">
+                      <p:stCondLst>
+                        <p:cond delay="indefinite"/>
+                      </p:stCondLst>
+                      <p:childTnLst>
+                        <p:par>
+                          <p:cTn id="9" fill="hold">
+                            <p:stCondLst>
+                              <p:cond delay="0"/>
+                            </p:stCondLst>
+                            <p:childTnLst>
+                              <p:par>
+                                <p:cTn id="10" presetID="14" presetClass="entr" presetSubtype="10" fill="hold" grpId="0" nodeType="clickEffect">
+                                  <p:stCondLst>
+                                    <p:cond delay="0"/>
+                                  </p:stCondLst>
+                                  <p:childTnLst>
+                                    <p:set>
+                                      <p:cBhvr>
+                                        <p:cTn id="11" dur="1" fill="hold">
+                                          <p:stCondLst>
+                                            <p:cond delay="0"/>
+                                          </p:stCondLst>
+                                        </p:cTn>
+                                        <p:tgtEl>
+                                          <p:spTgt spid="4">
+                                            <p:txEl>
+                                              <p:pRg st="2" end="2"/>
+                                            </p:txEl>
+                                          </p:spTgt>
+                                        </p:tgtEl>
+                                        <p:attrNameLst>
+                                          <p:attrName>style.visibility</p:attrName>
+                                        </p:attrNameLst>
+                                      </p:cBhvr>
+                                      <p:to>
+                                        <p:strVal val="visible"/>
+                                      </p:to>
+                                    </p:set>
+                                    <p:animEffect transition="in" filter="randombar(horizontal)">
+                                      <p:cBhvr>
+                                        <p:cTn id="12" dur="500"/>
+                                        <p:tgtEl>
+                                          <p:spTgt spid="4">
+                                            <p:txEl>
+                                              <p:pRg st="2" end="2"/>
+                                            </p:txEl>
+                                          </p:spTgt>
+                                        </p:tgtEl>
+                                      </p:cBhvr>
+                                    </p:animEffect>
+                                  </p:childTnLst>
+                                </p:cTn>
+                              </p:par>
+                            </p:childTnLst>
+                          </p:cTn>
+                        </p:par>
+                      </p:childTnLst>
+                    </p:cTn>
+                  </p:par>
+                  <p:par>
+                    <p:cTn id="13" fill="hold">
+                      <p:stCondLst>
+                        <p:cond delay="indefinite"/>
+                      </p:stCondLst>
+                      <p:childTnLst>
+                        <p:par>
+                          <p:cTn id="14" fill="hold">
+                            <p:stCondLst>
+                              <p:cond delay="0"/>
+                            </p:stCondLst>
+                            <p:childTnLst>
+                              <p:par>
+                                <p:cTn id="15" presetID="14" presetClass="entr" presetSubtype="10" fill="hold" grpId="0" nodeType="clickEffect">
+                                  <p:stCondLst>
+                                    <p:cond delay="0"/>
+                                  </p:stCondLst>
+                                  <p:childTnLst>
+                                    <p:set>
+                                      <p:cBhvr>
+                                        <p:cTn id="16" dur="1" fill="hold">
+                                          <p:stCondLst>
+                                            <p:cond delay="0"/>
+                                          </p:stCondLst>
+                                        </p:cTn>
+                                        <p:tgtEl>
+                                          <p:spTgt spid="4">
+                                            <p:txEl>
+                                              <p:pRg st="4" end="4"/>
+                                            </p:txEl>
+                                          </p:spTgt>
+                                        </p:tgtEl>
+                                        <p:attrNameLst>
+                                          <p:attrName>style.visibility</p:attrName>
+                                        </p:attrNameLst>
+                                      </p:cBhvr>
+                                      <p:to>
+                                        <p:strVal val="visible"/>
+                                      </p:to>
+                                    </p:set>
+                                    <p:animEffect transition="in" filter="randombar(horizontal)">
+                                      <p:cBhvr>
+                                        <p:cTn id="17" dur="500"/>
+                                        <p:tgtEl>
+                                          <p:spTgt spid="4">
+                                            <p:txEl>
+                                              <p:pRg st="4" end="4"/>
+                                            </p:txEl>
+                                          </p:spTgt>
+                                        </p:tgtEl>
+                                      </p:cBhvr>
+                                    </p:animEffect>
+                                  </p:childTnLst>
+                                </p:cTn>
+                              </p:par>
+                            </p:childTnLst>
+                          </p:cTn>
+                        </p:par>
+                      </p:childTnLst>
+                    </p:cTn>
+                  </p:par>
+                </p:childTnLst>
+              </p:cTn>
+              <p:prevCondLst>
+                <p:cond evt="onPrev" delay="0">
+                  <p:tgtEl>
+                    <p:sldTgt/>
+                  </p:tgtEl>
+                </p:cond>
+              </p:prevCondLst>
+              <p:nextCondLst>
+                <p:cond evt="onNext" delay="0">
+                  <p:tgtEl>
+                    <p:sldTgt/>
+                  </p:tgtEl>
+                </p:cond>
+              </p:nextCondLst>
+            </p:seq>
+          </p:childTnLst>
+        </p:cTn>
+      </p:par>
+    </p:tnLst>
+    <p:bldLst>
+      <p:bldP spid="4" grpId="0" build="p"/>
+    </p:bldLst>
+  </p:timing>
 </p:sld>
 </file>
 
-<file path=ppt/slides/slide13.xml><?xml version="1.0" encoding="utf-8"?>
+<file path=ppt/slides/slide14.xml><?xml version="1.0" encoding="utf-8"?>
 <p:sld xmlns:a="http://schemas.openxmlformats.org/drawingml/2006/main" xmlns:r="http://schemas.openxmlformats.org/officeDocument/2006/relationships" xmlns:p="http://schemas.openxmlformats.org/presentationml/2006/main">
   <p:cSld>
     <p:spTree>
@@ -5137,12 +6051,22 @@
             <p:ph type="title"/>
           </p:nvPr>
         </p:nvSpPr>
-        <p:spPr/>
+        <p:spPr>
+          <a:xfrm>
+            <a:off x="609600" y="233320"/>
+            <a:ext cx="10972800" cy="730242"/>
+          </a:xfrm>
+        </p:spPr>
         <p:txBody>
-          <a:bodyPr/>
+          <a:bodyPr>
+            <a:normAutofit fontScale="90000"/>
+          </a:bodyPr>
           <a:lstStyle/>
           <a:p>
-            <a:endParaRPr lang="en-US"/>
+            <a:r>
+              <a:rPr lang="en-US" dirty="0"/>
+              <a:t>Revenue Estimation</a:t>
+            </a:r>
           </a:p>
         </p:txBody>
       </p:sp>
@@ -5162,7 +6086,12 @@
             <p:ph idx="1"/>
           </p:nvPr>
         </p:nvSpPr>
-        <p:spPr/>
+        <p:spPr>
+          <a:xfrm>
+            <a:off x="609600" y="1160206"/>
+            <a:ext cx="10972800" cy="4982532"/>
+          </a:xfrm>
+        </p:spPr>
         <p:txBody>
           <a:bodyPr/>
           <a:lstStyle/>
@@ -5181,6 +6110,2310 @@
   <p:clrMapOvr>
     <a:masterClrMapping/>
   </p:clrMapOvr>
+</p:sld>
+</file>
+
+<file path=ppt/slides/slide15.xml><?xml version="1.0" encoding="utf-8"?>
+<p:sld xmlns:a="http://schemas.openxmlformats.org/drawingml/2006/main" xmlns:r="http://schemas.openxmlformats.org/officeDocument/2006/relationships" xmlns:p="http://schemas.openxmlformats.org/presentationml/2006/main">
+  <p:cSld>
+    <p:spTree>
+      <p:nvGrpSpPr>
+        <p:cNvPr id="1" name=""/>
+        <p:cNvGrpSpPr/>
+        <p:nvPr/>
+      </p:nvGrpSpPr>
+      <p:grpSpPr>
+        <a:xfrm>
+          <a:off x="0" y="0"/>
+          <a:ext cx="0" cy="0"/>
+          <a:chOff x="0" y="0"/>
+          <a:chExt cx="0" cy="0"/>
+        </a:xfrm>
+      </p:grpSpPr>
+      <p:sp>
+        <p:nvSpPr>
+          <p:cNvPr id="2" name="Title 1">
+            <a:extLst>
+              <a:ext uri="{FF2B5EF4-FFF2-40B4-BE49-F238E27FC236}">
+                <a16:creationId xmlns:a16="http://schemas.microsoft.com/office/drawing/2014/main" id="{85F157B7-345E-9FB7-646A-E4576330A9BF}"/>
+              </a:ext>
+            </a:extLst>
+          </p:cNvPr>
+          <p:cNvSpPr>
+            <a:spLocks noGrp="1"/>
+          </p:cNvSpPr>
+          <p:nvPr>
+            <p:ph type="title"/>
+          </p:nvPr>
+        </p:nvSpPr>
+        <p:spPr>
+          <a:xfrm>
+            <a:off x="609600" y="164495"/>
+            <a:ext cx="10972800" cy="740074"/>
+          </a:xfrm>
+        </p:spPr>
+        <p:txBody>
+          <a:bodyPr>
+            <a:normAutofit fontScale="90000"/>
+          </a:bodyPr>
+          <a:lstStyle/>
+          <a:p>
+            <a:r>
+              <a:rPr lang="en-US" dirty="0"/>
+              <a:t>Key Findings &amp; Insights</a:t>
+            </a:r>
+          </a:p>
+        </p:txBody>
+      </p:sp>
+      <p:sp>
+        <p:nvSpPr>
+          <p:cNvPr id="4" name="Rectangle 1">
+            <a:extLst>
+              <a:ext uri="{FF2B5EF4-FFF2-40B4-BE49-F238E27FC236}">
+                <a16:creationId xmlns:a16="http://schemas.microsoft.com/office/drawing/2014/main" id="{EF4828C4-8BB9-49EE-CBB3-F2E7745E7813}"/>
+              </a:ext>
+            </a:extLst>
+          </p:cNvPr>
+          <p:cNvSpPr>
+            <a:spLocks noChangeArrowheads="1"/>
+          </p:cNvSpPr>
+          <p:nvPr/>
+        </p:nvSpPr>
+        <p:spPr bwMode="auto">
+          <a:xfrm rot="10800000" flipV="1">
+            <a:off x="609600" y="589097"/>
+            <a:ext cx="11248104" cy="4401205"/>
+          </a:xfrm>
+          <a:prstGeom prst="rect">
+            <a:avLst/>
+          </a:prstGeom>
+          <a:noFill/>
+          <a:ln>
+            <a:noFill/>
+          </a:ln>
+          <a:effectLst/>
+          <a:extLst>
+            <a:ext uri="{909E8E84-426E-40DD-AFC4-6F175D3DCCD1}">
+              <a14:hiddenFill xmlns:a14="http://schemas.microsoft.com/office/drawing/2010/main">
+                <a:solidFill>
+                  <a:schemeClr val="accent1"/>
+                </a:solidFill>
+              </a14:hiddenFill>
+            </a:ext>
+            <a:ext uri="{91240B29-F687-4F45-9708-019B960494DF}">
+              <a14:hiddenLine xmlns:a14="http://schemas.microsoft.com/office/drawing/2010/main" w="9525">
+                <a:solidFill>
+                  <a:schemeClr val="tx1"/>
+                </a:solidFill>
+                <a:miter lim="800000"/>
+                <a:headEnd/>
+                <a:tailEnd/>
+              </a14:hiddenLine>
+            </a:ext>
+            <a:ext uri="{AF507438-7753-43E0-B8FC-AC1667EBCBE1}">
+              <a14:hiddenEffects xmlns:a14="http://schemas.microsoft.com/office/drawing/2010/main">
+                <a:effectLst>
+                  <a:outerShdw dist="35921" dir="2700000" algn="ctr" rotWithShape="0">
+                    <a:schemeClr val="bg2"/>
+                  </a:outerShdw>
+                </a:effectLst>
+              </a14:hiddenEffects>
+            </a:ext>
+          </a:extLst>
+        </p:spPr>
+        <p:txBody>
+          <a:bodyPr vert="horz" wrap="square" lIns="91440" tIns="45720" rIns="91440" bIns="45720" numCol="1" anchor="ctr" anchorCtr="0" compatLnSpc="1">
+            <a:prstTxWarp prst="textNoShape">
+              <a:avLst/>
+            </a:prstTxWarp>
+            <a:spAutoFit/>
+          </a:bodyPr>
+          <a:lstStyle/>
+          <a:p>
+            <a:pPr marL="0" marR="0" lvl="0" indent="0" algn="l" defTabSz="914400" rtl="0" eaLnBrk="0" fontAlgn="base" latinLnBrk="0" hangingPunct="0">
+              <a:lnSpc>
+                <a:spcPct val="100000"/>
+              </a:lnSpc>
+              <a:spcBef>
+                <a:spcPct val="0"/>
+              </a:spcBef>
+              <a:spcAft>
+                <a:spcPct val="0"/>
+              </a:spcAft>
+              <a:buClrTx/>
+              <a:buSzTx/>
+              <a:buFontTx/>
+              <a:buNone/>
+              <a:tabLst/>
+            </a:pPr>
+            <a:endParaRPr kumimoji="0" lang="en-US" altLang="en-US" sz="2000" b="0" i="0" u="none" strike="noStrike" cap="none" normalizeH="0" baseline="0" dirty="0">
+              <a:ln>
+                <a:noFill/>
+              </a:ln>
+              <a:solidFill>
+                <a:schemeClr val="tx1"/>
+              </a:solidFill>
+              <a:effectLst/>
+              <a:latin typeface="Arial" panose="020B0604020202020204" pitchFamily="34" charset="0"/>
+            </a:endParaRPr>
+          </a:p>
+          <a:p>
+            <a:pPr marL="0" marR="0" lvl="0" indent="0" algn="l" defTabSz="914400" rtl="0" eaLnBrk="0" fontAlgn="base" latinLnBrk="0" hangingPunct="0">
+              <a:lnSpc>
+                <a:spcPct val="100000"/>
+              </a:lnSpc>
+              <a:spcBef>
+                <a:spcPct val="0"/>
+              </a:spcBef>
+              <a:spcAft>
+                <a:spcPct val="0"/>
+              </a:spcAft>
+              <a:buClrTx/>
+              <a:buSzTx/>
+              <a:tabLst/>
+            </a:pPr>
+            <a:r>
+              <a:rPr kumimoji="0" lang="en-US" altLang="en-US" sz="2000" b="0" i="0" u="none" strike="noStrike" cap="none" normalizeH="0" baseline="0" dirty="0">
+                <a:ln>
+                  <a:noFill/>
+                </a:ln>
+                <a:solidFill>
+                  <a:schemeClr val="tx1"/>
+                </a:solidFill>
+                <a:effectLst/>
+                <a:latin typeface="Arial" panose="020B0604020202020204" pitchFamily="34" charset="0"/>
+              </a:rPr>
+              <a:t>⚡ </a:t>
+            </a:r>
+            <a:r>
+              <a:rPr kumimoji="0" lang="en-US" altLang="en-US" sz="2000" b="1" i="0" u="none" strike="noStrike" cap="none" normalizeH="0" baseline="0" dirty="0">
+                <a:ln>
+                  <a:noFill/>
+                </a:ln>
+                <a:solidFill>
+                  <a:schemeClr val="tx1"/>
+                </a:solidFill>
+                <a:effectLst/>
+                <a:latin typeface="Arial" panose="020B0604020202020204" pitchFamily="34" charset="0"/>
+              </a:rPr>
+              <a:t>Parcel volume surged from Week 12 (2020)</a:t>
+            </a:r>
+            <a:r>
+              <a:rPr kumimoji="0" lang="en-US" altLang="en-US" sz="2000" b="0" i="0" u="none" strike="noStrike" cap="none" normalizeH="0" baseline="0" dirty="0">
+                <a:ln>
+                  <a:noFill/>
+                </a:ln>
+                <a:solidFill>
+                  <a:schemeClr val="tx1"/>
+                </a:solidFill>
+                <a:effectLst/>
+                <a:latin typeface="Arial" panose="020B0604020202020204" pitchFamily="34" charset="0"/>
+              </a:rPr>
+              <a:t> as lockdowns began and e-commerce demand accelerated</a:t>
+            </a:r>
+          </a:p>
+          <a:p>
+            <a:pPr marL="0" marR="0" lvl="0" indent="0" algn="l" defTabSz="914400" rtl="0" eaLnBrk="0" fontAlgn="base" latinLnBrk="0" hangingPunct="0">
+              <a:lnSpc>
+                <a:spcPct val="100000"/>
+              </a:lnSpc>
+              <a:spcBef>
+                <a:spcPct val="0"/>
+              </a:spcBef>
+              <a:spcAft>
+                <a:spcPct val="0"/>
+              </a:spcAft>
+              <a:buClrTx/>
+              <a:buSzTx/>
+              <a:buFontTx/>
+              <a:buChar char="•"/>
+              <a:tabLst/>
+            </a:pPr>
+            <a:endParaRPr kumimoji="0" lang="en-US" altLang="en-US" sz="2000" b="0" i="0" u="none" strike="noStrike" cap="none" normalizeH="0" baseline="0" dirty="0">
+              <a:ln>
+                <a:noFill/>
+              </a:ln>
+              <a:solidFill>
+                <a:schemeClr val="tx1"/>
+              </a:solidFill>
+              <a:effectLst/>
+              <a:latin typeface="Arial" panose="020B0604020202020204" pitchFamily="34" charset="0"/>
+            </a:endParaRPr>
+          </a:p>
+          <a:p>
+            <a:pPr marL="0" marR="0" lvl="0" indent="0" algn="l" defTabSz="914400" rtl="0" eaLnBrk="0" fontAlgn="base" latinLnBrk="0" hangingPunct="0">
+              <a:lnSpc>
+                <a:spcPct val="100000"/>
+              </a:lnSpc>
+              <a:spcBef>
+                <a:spcPct val="0"/>
+              </a:spcBef>
+              <a:spcAft>
+                <a:spcPct val="0"/>
+              </a:spcAft>
+              <a:buClrTx/>
+              <a:buSzTx/>
+              <a:tabLst/>
+            </a:pPr>
+            <a:r>
+              <a:rPr kumimoji="0" lang="en-US" altLang="en-US" sz="2000" b="0" i="0" u="none" strike="noStrike" cap="none" normalizeH="0" baseline="0" dirty="0">
+                <a:ln>
+                  <a:noFill/>
+                </a:ln>
+                <a:solidFill>
+                  <a:schemeClr val="tx1"/>
+                </a:solidFill>
+                <a:effectLst/>
+                <a:latin typeface="Arial" panose="020B0604020202020204" pitchFamily="34" charset="0"/>
+              </a:rPr>
+              <a:t>📊 </a:t>
+            </a:r>
+            <a:r>
+              <a:rPr kumimoji="0" lang="en-US" altLang="en-US" sz="2000" b="1" i="0" u="none" strike="noStrike" cap="none" normalizeH="0" baseline="0" dirty="0">
+                <a:ln>
+                  <a:noFill/>
+                </a:ln>
+                <a:solidFill>
+                  <a:schemeClr val="tx1"/>
+                </a:solidFill>
+                <a:effectLst/>
+                <a:latin typeface="Arial" panose="020B0604020202020204" pitchFamily="34" charset="0"/>
+              </a:rPr>
+              <a:t>2020 peak season volume</a:t>
+            </a:r>
+            <a:r>
+              <a:rPr kumimoji="0" lang="en-US" altLang="en-US" sz="2000" b="0" i="0" u="none" strike="noStrike" cap="none" normalizeH="0" baseline="0" dirty="0">
+                <a:ln>
+                  <a:noFill/>
+                </a:ln>
+                <a:solidFill>
+                  <a:schemeClr val="tx1"/>
+                </a:solidFill>
+                <a:effectLst/>
+                <a:latin typeface="Arial" panose="020B0604020202020204" pitchFamily="34" charset="0"/>
+              </a:rPr>
+              <a:t> increased by </a:t>
+            </a:r>
+            <a:r>
+              <a:rPr kumimoji="0" lang="en-US" altLang="en-US" sz="2000" b="1" i="0" u="none" strike="noStrike" cap="none" normalizeH="0" baseline="0" dirty="0">
+                <a:ln>
+                  <a:noFill/>
+                </a:ln>
+                <a:solidFill>
+                  <a:schemeClr val="tx1"/>
+                </a:solidFill>
+                <a:effectLst/>
+                <a:latin typeface="Arial" panose="020B0604020202020204" pitchFamily="34" charset="0"/>
+              </a:rPr>
+              <a:t>26.48%</a:t>
+            </a:r>
+            <a:r>
+              <a:rPr kumimoji="0" lang="en-US" altLang="en-US" sz="2000" b="0" i="0" u="none" strike="noStrike" cap="none" normalizeH="0" baseline="0" dirty="0">
+                <a:ln>
+                  <a:noFill/>
+                </a:ln>
+                <a:solidFill>
+                  <a:schemeClr val="tx1"/>
+                </a:solidFill>
+                <a:effectLst/>
+                <a:latin typeface="Arial" panose="020B0604020202020204" pitchFamily="34" charset="0"/>
+              </a:rPr>
+              <a:t> compared to 2019</a:t>
+            </a:r>
+          </a:p>
+          <a:p>
+            <a:pPr marL="0" marR="0" lvl="0" indent="0" algn="l" defTabSz="914400" rtl="0" eaLnBrk="0" fontAlgn="base" latinLnBrk="0" hangingPunct="0">
+              <a:lnSpc>
+                <a:spcPct val="100000"/>
+              </a:lnSpc>
+              <a:spcBef>
+                <a:spcPct val="0"/>
+              </a:spcBef>
+              <a:spcAft>
+                <a:spcPct val="0"/>
+              </a:spcAft>
+              <a:buClrTx/>
+              <a:buSzTx/>
+              <a:buFontTx/>
+              <a:buChar char="•"/>
+              <a:tabLst/>
+            </a:pPr>
+            <a:endParaRPr kumimoji="0" lang="en-US" altLang="en-US" sz="2000" b="0" i="0" u="none" strike="noStrike" cap="none" normalizeH="0" baseline="0" dirty="0">
+              <a:ln>
+                <a:noFill/>
+              </a:ln>
+              <a:solidFill>
+                <a:schemeClr val="tx1"/>
+              </a:solidFill>
+              <a:effectLst/>
+              <a:latin typeface="Arial" panose="020B0604020202020204" pitchFamily="34" charset="0"/>
+            </a:endParaRPr>
+          </a:p>
+          <a:p>
+            <a:pPr marL="0" marR="0" lvl="0" indent="0" algn="l" defTabSz="914400" rtl="0" eaLnBrk="0" fontAlgn="base" latinLnBrk="0" hangingPunct="0">
+              <a:lnSpc>
+                <a:spcPct val="100000"/>
+              </a:lnSpc>
+              <a:spcBef>
+                <a:spcPct val="0"/>
+              </a:spcBef>
+              <a:spcAft>
+                <a:spcPct val="0"/>
+              </a:spcAft>
+              <a:buClrTx/>
+              <a:buSzTx/>
+              <a:tabLst/>
+            </a:pPr>
+            <a:r>
+              <a:rPr kumimoji="0" lang="en-US" altLang="en-US" sz="2000" b="0" i="0" u="none" strike="noStrike" cap="none" normalizeH="0" baseline="0" dirty="0">
+                <a:ln>
+                  <a:noFill/>
+                </a:ln>
+                <a:solidFill>
+                  <a:schemeClr val="tx1"/>
+                </a:solidFill>
+                <a:effectLst/>
+                <a:latin typeface="Arial" panose="020B0604020202020204" pitchFamily="34" charset="0"/>
+              </a:rPr>
+              <a:t>💰 </a:t>
+            </a:r>
+            <a:r>
+              <a:rPr kumimoji="0" lang="en-US" altLang="en-US" sz="2000" b="1" i="0" u="none" strike="noStrike" cap="none" normalizeH="0" baseline="0" dirty="0">
+                <a:ln>
+                  <a:noFill/>
+                </a:ln>
+                <a:solidFill>
+                  <a:schemeClr val="tx1"/>
+                </a:solidFill>
+                <a:effectLst/>
+                <a:latin typeface="Arial" panose="020B0604020202020204" pitchFamily="34" charset="0"/>
+              </a:rPr>
+              <a:t>Estimated revenue</a:t>
+            </a:r>
+            <a:r>
+              <a:rPr kumimoji="0" lang="en-US" altLang="en-US" sz="2000" b="0" i="0" u="none" strike="noStrike" cap="none" normalizeH="0" baseline="0" dirty="0">
+                <a:ln>
+                  <a:noFill/>
+                </a:ln>
+                <a:solidFill>
+                  <a:schemeClr val="tx1"/>
+                </a:solidFill>
+                <a:effectLst/>
+                <a:latin typeface="Arial" panose="020B0604020202020204" pitchFamily="34" charset="0"/>
+              </a:rPr>
+              <a:t> rose proportionally, reflecting strong commercial impact</a:t>
+            </a:r>
+          </a:p>
+          <a:p>
+            <a:pPr marL="0" marR="0" lvl="0" indent="0" algn="l" defTabSz="914400" rtl="0" eaLnBrk="0" fontAlgn="base" latinLnBrk="0" hangingPunct="0">
+              <a:lnSpc>
+                <a:spcPct val="100000"/>
+              </a:lnSpc>
+              <a:spcBef>
+                <a:spcPct val="0"/>
+              </a:spcBef>
+              <a:spcAft>
+                <a:spcPct val="0"/>
+              </a:spcAft>
+              <a:buClrTx/>
+              <a:buSzTx/>
+              <a:buFontTx/>
+              <a:buChar char="•"/>
+              <a:tabLst/>
+            </a:pPr>
+            <a:endParaRPr kumimoji="0" lang="en-US" altLang="en-US" sz="2000" b="0" i="0" u="none" strike="noStrike" cap="none" normalizeH="0" baseline="0" dirty="0">
+              <a:ln>
+                <a:noFill/>
+              </a:ln>
+              <a:solidFill>
+                <a:schemeClr val="tx1"/>
+              </a:solidFill>
+              <a:effectLst/>
+              <a:latin typeface="Arial" panose="020B0604020202020204" pitchFamily="34" charset="0"/>
+            </a:endParaRPr>
+          </a:p>
+          <a:p>
+            <a:pPr marL="0" marR="0" lvl="0" indent="0" algn="l" defTabSz="914400" rtl="0" eaLnBrk="0" fontAlgn="base" latinLnBrk="0" hangingPunct="0">
+              <a:lnSpc>
+                <a:spcPct val="100000"/>
+              </a:lnSpc>
+              <a:spcBef>
+                <a:spcPct val="0"/>
+              </a:spcBef>
+              <a:spcAft>
+                <a:spcPct val="0"/>
+              </a:spcAft>
+              <a:buClrTx/>
+              <a:buSzTx/>
+              <a:tabLst/>
+            </a:pPr>
+            <a:r>
+              <a:rPr kumimoji="0" lang="en-US" altLang="en-US" sz="2000" b="0" i="0" u="none" strike="noStrike" cap="none" normalizeH="0" baseline="0" dirty="0">
+                <a:ln>
+                  <a:noFill/>
+                </a:ln>
+                <a:solidFill>
+                  <a:schemeClr val="tx1"/>
+                </a:solidFill>
+                <a:effectLst/>
+                <a:latin typeface="Arial" panose="020B0604020202020204" pitchFamily="34" charset="0"/>
+              </a:rPr>
+              <a:t>📈 </a:t>
+            </a:r>
+            <a:r>
+              <a:rPr kumimoji="0" lang="en-US" altLang="en-US" sz="2000" b="1" i="0" u="none" strike="noStrike" cap="none" normalizeH="0" baseline="0" dirty="0">
+                <a:ln>
+                  <a:noFill/>
+                </a:ln>
+                <a:solidFill>
+                  <a:schemeClr val="tx1"/>
+                </a:solidFill>
+                <a:effectLst/>
+                <a:latin typeface="Arial" panose="020B0604020202020204" pitchFamily="34" charset="0"/>
+              </a:rPr>
+              <a:t>High-growth customers</a:t>
+            </a:r>
+            <a:r>
+              <a:rPr kumimoji="0" lang="en-US" altLang="en-US" sz="2000" b="0" i="0" u="none" strike="noStrike" cap="none" normalizeH="0" baseline="0" dirty="0">
+                <a:ln>
+                  <a:noFill/>
+                </a:ln>
+                <a:solidFill>
+                  <a:schemeClr val="tx1"/>
+                </a:solidFill>
+                <a:effectLst/>
+                <a:latin typeface="Arial" panose="020B0604020202020204" pitchFamily="34" charset="0"/>
+              </a:rPr>
+              <a:t> represented only 19.7% but contributed significantly to volume</a:t>
+            </a:r>
+          </a:p>
+          <a:p>
+            <a:pPr marL="0" marR="0" lvl="0" indent="0" algn="l" defTabSz="914400" rtl="0" eaLnBrk="0" fontAlgn="base" latinLnBrk="0" hangingPunct="0">
+              <a:lnSpc>
+                <a:spcPct val="100000"/>
+              </a:lnSpc>
+              <a:spcBef>
+                <a:spcPct val="0"/>
+              </a:spcBef>
+              <a:spcAft>
+                <a:spcPct val="0"/>
+              </a:spcAft>
+              <a:buClrTx/>
+              <a:buSzTx/>
+              <a:buFontTx/>
+              <a:buChar char="•"/>
+              <a:tabLst/>
+            </a:pPr>
+            <a:endParaRPr kumimoji="0" lang="en-US" altLang="en-US" sz="2000" b="0" i="0" u="none" strike="noStrike" cap="none" normalizeH="0" baseline="0" dirty="0">
+              <a:ln>
+                <a:noFill/>
+              </a:ln>
+              <a:solidFill>
+                <a:schemeClr val="tx1"/>
+              </a:solidFill>
+              <a:effectLst/>
+              <a:latin typeface="Arial" panose="020B0604020202020204" pitchFamily="34" charset="0"/>
+            </a:endParaRPr>
+          </a:p>
+          <a:p>
+            <a:pPr marL="0" marR="0" lvl="0" indent="0" algn="l" defTabSz="914400" rtl="0" eaLnBrk="0" fontAlgn="base" latinLnBrk="0" hangingPunct="0">
+              <a:lnSpc>
+                <a:spcPct val="100000"/>
+              </a:lnSpc>
+              <a:spcBef>
+                <a:spcPct val="0"/>
+              </a:spcBef>
+              <a:spcAft>
+                <a:spcPct val="0"/>
+              </a:spcAft>
+              <a:buClrTx/>
+              <a:buSzTx/>
+              <a:tabLst/>
+            </a:pPr>
+            <a:r>
+              <a:rPr kumimoji="0" lang="en-US" altLang="en-US" sz="2000" b="0" i="0" u="none" strike="noStrike" cap="none" normalizeH="0" baseline="0" dirty="0">
+                <a:ln>
+                  <a:noFill/>
+                </a:ln>
+                <a:solidFill>
+                  <a:schemeClr val="tx1"/>
+                </a:solidFill>
+                <a:effectLst/>
+                <a:latin typeface="Arial" panose="020B0604020202020204" pitchFamily="34" charset="0"/>
+              </a:rPr>
+              <a:t>👥 </a:t>
+            </a:r>
+            <a:r>
+              <a:rPr kumimoji="0" lang="en-US" altLang="en-US" sz="2000" b="1" i="0" u="none" strike="noStrike" cap="none" normalizeH="0" baseline="0" dirty="0">
+                <a:ln>
+                  <a:noFill/>
+                </a:ln>
+                <a:solidFill>
+                  <a:schemeClr val="tx1"/>
+                </a:solidFill>
+                <a:effectLst/>
+                <a:latin typeface="Arial" panose="020B0604020202020204" pitchFamily="34" charset="0"/>
+              </a:rPr>
+              <a:t>Small segment dominated in size</a:t>
+            </a:r>
+            <a:r>
+              <a:rPr kumimoji="0" lang="en-US" altLang="en-US" sz="2000" b="0" i="0" u="none" strike="noStrike" cap="none" normalizeH="0" baseline="0" dirty="0">
+                <a:ln>
+                  <a:noFill/>
+                </a:ln>
+                <a:solidFill>
+                  <a:schemeClr val="tx1"/>
+                </a:solidFill>
+                <a:effectLst/>
+                <a:latin typeface="Arial" panose="020B0604020202020204" pitchFamily="34" charset="0"/>
+              </a:rPr>
+              <a:t> but had the highest attrition rate</a:t>
+            </a:r>
+          </a:p>
+          <a:p>
+            <a:pPr marL="0" marR="0" lvl="0" indent="0" algn="l" defTabSz="914400" rtl="0" eaLnBrk="0" fontAlgn="base" latinLnBrk="0" hangingPunct="0">
+              <a:lnSpc>
+                <a:spcPct val="100000"/>
+              </a:lnSpc>
+              <a:spcBef>
+                <a:spcPct val="0"/>
+              </a:spcBef>
+              <a:spcAft>
+                <a:spcPct val="0"/>
+              </a:spcAft>
+              <a:buClrTx/>
+              <a:buSzTx/>
+              <a:tabLst/>
+            </a:pPr>
+            <a:endParaRPr kumimoji="0" lang="en-US" altLang="en-US" sz="2000" b="0" i="0" u="none" strike="noStrike" cap="none" normalizeH="0" baseline="0" dirty="0">
+              <a:ln>
+                <a:noFill/>
+              </a:ln>
+              <a:solidFill>
+                <a:schemeClr val="tx1"/>
+              </a:solidFill>
+              <a:effectLst/>
+              <a:latin typeface="Arial" panose="020B0604020202020204" pitchFamily="34" charset="0"/>
+            </a:endParaRPr>
+          </a:p>
+          <a:p>
+            <a:pPr marL="0" marR="0" lvl="0" indent="0" algn="l" defTabSz="914400" rtl="0" eaLnBrk="0" fontAlgn="base" latinLnBrk="0" hangingPunct="0">
+              <a:lnSpc>
+                <a:spcPct val="100000"/>
+              </a:lnSpc>
+              <a:spcBef>
+                <a:spcPct val="0"/>
+              </a:spcBef>
+              <a:spcAft>
+                <a:spcPct val="0"/>
+              </a:spcAft>
+              <a:buClrTx/>
+              <a:buSzTx/>
+              <a:tabLst/>
+            </a:pPr>
+            <a:r>
+              <a:rPr kumimoji="0" lang="en-US" altLang="en-US" sz="2000" b="0" i="0" u="none" strike="noStrike" cap="none" normalizeH="0" baseline="0" dirty="0">
+                <a:ln>
+                  <a:noFill/>
+                </a:ln>
+                <a:solidFill>
+                  <a:schemeClr val="tx1"/>
+                </a:solidFill>
+                <a:effectLst/>
+                <a:latin typeface="Arial" panose="020B0604020202020204" pitchFamily="34" charset="0"/>
+              </a:rPr>
+              <a:t>❌ </a:t>
+            </a:r>
+            <a:r>
+              <a:rPr kumimoji="0" lang="en-US" altLang="en-US" sz="2000" b="1" i="0" u="none" strike="noStrike" cap="none" normalizeH="0" baseline="0" dirty="0">
+                <a:ln>
+                  <a:noFill/>
+                </a:ln>
+                <a:solidFill>
+                  <a:schemeClr val="tx1"/>
+                </a:solidFill>
+                <a:effectLst/>
+                <a:latin typeface="Arial" panose="020B0604020202020204" pitchFamily="34" charset="0"/>
+              </a:rPr>
+              <a:t>59.7% of customers declined</a:t>
+            </a:r>
+            <a:r>
+              <a:rPr kumimoji="0" lang="en-US" altLang="en-US" sz="2000" b="0" i="0" u="none" strike="noStrike" cap="none" normalizeH="0" baseline="0" dirty="0">
+                <a:ln>
+                  <a:noFill/>
+                </a:ln>
+                <a:solidFill>
+                  <a:schemeClr val="tx1"/>
+                </a:solidFill>
+                <a:effectLst/>
+                <a:latin typeface="Arial" panose="020B0604020202020204" pitchFamily="34" charset="0"/>
+              </a:rPr>
+              <a:t> in activity post-COVID, </a:t>
+            </a:r>
+            <a:r>
+              <a:rPr kumimoji="0" lang="en-US" altLang="en-US" sz="2000" b="0" i="0" u="none" strike="noStrike" cap="none" normalizeH="0" baseline="0" dirty="0" err="1">
+                <a:ln>
+                  <a:noFill/>
+                </a:ln>
+                <a:solidFill>
+                  <a:schemeClr val="tx1"/>
+                </a:solidFill>
+                <a:effectLst/>
+                <a:latin typeface="Arial" panose="020B0604020202020204" pitchFamily="34" charset="0"/>
+              </a:rPr>
+              <a:t>signalling</a:t>
+            </a:r>
+            <a:r>
+              <a:rPr kumimoji="0" lang="en-US" altLang="en-US" sz="2000" b="0" i="0" u="none" strike="noStrike" cap="none" normalizeH="0" baseline="0" dirty="0">
+                <a:ln>
+                  <a:noFill/>
+                </a:ln>
+                <a:solidFill>
+                  <a:schemeClr val="tx1"/>
+                </a:solidFill>
+                <a:effectLst/>
+                <a:latin typeface="Arial" panose="020B0604020202020204" pitchFamily="34" charset="0"/>
+              </a:rPr>
+              <a:t> retention challenges</a:t>
+            </a:r>
+          </a:p>
+          <a:p>
+            <a:pPr marL="0" marR="0" lvl="0" indent="0" algn="l" defTabSz="914400" rtl="0" eaLnBrk="0" fontAlgn="base" latinLnBrk="0" hangingPunct="0">
+              <a:lnSpc>
+                <a:spcPct val="100000"/>
+              </a:lnSpc>
+              <a:spcBef>
+                <a:spcPct val="0"/>
+              </a:spcBef>
+              <a:spcAft>
+                <a:spcPct val="0"/>
+              </a:spcAft>
+              <a:buClrTx/>
+              <a:buSzTx/>
+              <a:buFontTx/>
+              <a:buNone/>
+              <a:tabLst/>
+            </a:pPr>
+            <a:endParaRPr kumimoji="0" lang="en-US" altLang="en-US" sz="2000" b="0" i="0" u="none" strike="noStrike" cap="none" normalizeH="0" baseline="0" dirty="0">
+              <a:ln>
+                <a:noFill/>
+              </a:ln>
+              <a:solidFill>
+                <a:schemeClr val="tx1"/>
+              </a:solidFill>
+              <a:effectLst/>
+              <a:latin typeface="Arial" panose="020B0604020202020204" pitchFamily="34" charset="0"/>
+            </a:endParaRPr>
+          </a:p>
+        </p:txBody>
+      </p:sp>
+    </p:spTree>
+    <p:extLst>
+      <p:ext uri="{BB962C8B-B14F-4D97-AF65-F5344CB8AC3E}">
+        <p14:creationId xmlns:p14="http://schemas.microsoft.com/office/powerpoint/2010/main" val="2569148120"/>
+      </p:ext>
+    </p:extLst>
+  </p:cSld>
+  <p:clrMapOvr>
+    <a:masterClrMapping/>
+  </p:clrMapOvr>
+  <p:timing>
+    <p:tnLst>
+      <p:par>
+        <p:cTn id="1" dur="indefinite" restart="never" nodeType="tmRoot">
+          <p:childTnLst>
+            <p:seq concurrent="1" nextAc="seek">
+              <p:cTn id="2" dur="indefinite" nodeType="mainSeq">
+                <p:childTnLst>
+                  <p:par>
+                    <p:cTn id="3" fill="hold">
+                      <p:stCondLst>
+                        <p:cond delay="indefinite"/>
+                      </p:stCondLst>
+                      <p:childTnLst>
+                        <p:par>
+                          <p:cTn id="4" fill="hold">
+                            <p:stCondLst>
+                              <p:cond delay="0"/>
+                            </p:stCondLst>
+                            <p:childTnLst>
+                              <p:par>
+                                <p:cTn id="5" presetID="16" presetClass="entr" presetSubtype="21" fill="hold" grpId="0" nodeType="clickEffect">
+                                  <p:stCondLst>
+                                    <p:cond delay="0"/>
+                                  </p:stCondLst>
+                                  <p:childTnLst>
+                                    <p:set>
+                                      <p:cBhvr>
+                                        <p:cTn id="6" dur="1" fill="hold">
+                                          <p:stCondLst>
+                                            <p:cond delay="0"/>
+                                          </p:stCondLst>
+                                        </p:cTn>
+                                        <p:tgtEl>
+                                          <p:spTgt spid="2"/>
+                                        </p:tgtEl>
+                                        <p:attrNameLst>
+                                          <p:attrName>style.visibility</p:attrName>
+                                        </p:attrNameLst>
+                                      </p:cBhvr>
+                                      <p:to>
+                                        <p:strVal val="visible"/>
+                                      </p:to>
+                                    </p:set>
+                                    <p:animEffect transition="in" filter="barn(inVertical)">
+                                      <p:cBhvr>
+                                        <p:cTn id="7" dur="500"/>
+                                        <p:tgtEl>
+                                          <p:spTgt spid="2"/>
+                                        </p:tgtEl>
+                                      </p:cBhvr>
+                                    </p:animEffect>
+                                  </p:childTnLst>
+                                </p:cTn>
+                              </p:par>
+                            </p:childTnLst>
+                          </p:cTn>
+                        </p:par>
+                      </p:childTnLst>
+                    </p:cTn>
+                  </p:par>
+                  <p:par>
+                    <p:cTn id="8" fill="hold">
+                      <p:stCondLst>
+                        <p:cond delay="indefinite"/>
+                      </p:stCondLst>
+                      <p:childTnLst>
+                        <p:par>
+                          <p:cTn id="9" fill="hold">
+                            <p:stCondLst>
+                              <p:cond delay="0"/>
+                            </p:stCondLst>
+                            <p:childTnLst>
+                              <p:par>
+                                <p:cTn id="10" presetID="14" presetClass="entr" presetSubtype="10" fill="hold" nodeType="clickEffect">
+                                  <p:stCondLst>
+                                    <p:cond delay="0"/>
+                                  </p:stCondLst>
+                                  <p:childTnLst>
+                                    <p:set>
+                                      <p:cBhvr>
+                                        <p:cTn id="11" dur="1" fill="hold">
+                                          <p:stCondLst>
+                                            <p:cond delay="0"/>
+                                          </p:stCondLst>
+                                        </p:cTn>
+                                        <p:tgtEl>
+                                          <p:spTgt spid="4">
+                                            <p:txEl>
+                                              <p:pRg st="1" end="1"/>
+                                            </p:txEl>
+                                          </p:spTgt>
+                                        </p:tgtEl>
+                                        <p:attrNameLst>
+                                          <p:attrName>style.visibility</p:attrName>
+                                        </p:attrNameLst>
+                                      </p:cBhvr>
+                                      <p:to>
+                                        <p:strVal val="visible"/>
+                                      </p:to>
+                                    </p:set>
+                                    <p:animEffect transition="in" filter="randombar(horizontal)">
+                                      <p:cBhvr>
+                                        <p:cTn id="12" dur="500"/>
+                                        <p:tgtEl>
+                                          <p:spTgt spid="4">
+                                            <p:txEl>
+                                              <p:pRg st="1" end="1"/>
+                                            </p:txEl>
+                                          </p:spTgt>
+                                        </p:tgtEl>
+                                      </p:cBhvr>
+                                    </p:animEffect>
+                                  </p:childTnLst>
+                                </p:cTn>
+                              </p:par>
+                            </p:childTnLst>
+                          </p:cTn>
+                        </p:par>
+                      </p:childTnLst>
+                    </p:cTn>
+                  </p:par>
+                  <p:par>
+                    <p:cTn id="13" fill="hold">
+                      <p:stCondLst>
+                        <p:cond delay="indefinite"/>
+                      </p:stCondLst>
+                      <p:childTnLst>
+                        <p:par>
+                          <p:cTn id="14" fill="hold">
+                            <p:stCondLst>
+                              <p:cond delay="0"/>
+                            </p:stCondLst>
+                            <p:childTnLst>
+                              <p:par>
+                                <p:cTn id="15" presetID="14" presetClass="entr" presetSubtype="10" fill="hold" nodeType="clickEffect">
+                                  <p:stCondLst>
+                                    <p:cond delay="0"/>
+                                  </p:stCondLst>
+                                  <p:childTnLst>
+                                    <p:set>
+                                      <p:cBhvr>
+                                        <p:cTn id="16" dur="1" fill="hold">
+                                          <p:stCondLst>
+                                            <p:cond delay="0"/>
+                                          </p:stCondLst>
+                                        </p:cTn>
+                                        <p:tgtEl>
+                                          <p:spTgt spid="4">
+                                            <p:txEl>
+                                              <p:pRg st="3" end="3"/>
+                                            </p:txEl>
+                                          </p:spTgt>
+                                        </p:tgtEl>
+                                        <p:attrNameLst>
+                                          <p:attrName>style.visibility</p:attrName>
+                                        </p:attrNameLst>
+                                      </p:cBhvr>
+                                      <p:to>
+                                        <p:strVal val="visible"/>
+                                      </p:to>
+                                    </p:set>
+                                    <p:animEffect transition="in" filter="randombar(horizontal)">
+                                      <p:cBhvr>
+                                        <p:cTn id="17" dur="500"/>
+                                        <p:tgtEl>
+                                          <p:spTgt spid="4">
+                                            <p:txEl>
+                                              <p:pRg st="3" end="3"/>
+                                            </p:txEl>
+                                          </p:spTgt>
+                                        </p:tgtEl>
+                                      </p:cBhvr>
+                                    </p:animEffect>
+                                  </p:childTnLst>
+                                </p:cTn>
+                              </p:par>
+                            </p:childTnLst>
+                          </p:cTn>
+                        </p:par>
+                      </p:childTnLst>
+                    </p:cTn>
+                  </p:par>
+                  <p:par>
+                    <p:cTn id="18" fill="hold">
+                      <p:stCondLst>
+                        <p:cond delay="indefinite"/>
+                      </p:stCondLst>
+                      <p:childTnLst>
+                        <p:par>
+                          <p:cTn id="19" fill="hold">
+                            <p:stCondLst>
+                              <p:cond delay="0"/>
+                            </p:stCondLst>
+                            <p:childTnLst>
+                              <p:par>
+                                <p:cTn id="20" presetID="14" presetClass="entr" presetSubtype="10" fill="hold" nodeType="clickEffect">
+                                  <p:stCondLst>
+                                    <p:cond delay="0"/>
+                                  </p:stCondLst>
+                                  <p:childTnLst>
+                                    <p:set>
+                                      <p:cBhvr>
+                                        <p:cTn id="21" dur="1" fill="hold">
+                                          <p:stCondLst>
+                                            <p:cond delay="0"/>
+                                          </p:stCondLst>
+                                        </p:cTn>
+                                        <p:tgtEl>
+                                          <p:spTgt spid="4">
+                                            <p:txEl>
+                                              <p:pRg st="5" end="5"/>
+                                            </p:txEl>
+                                          </p:spTgt>
+                                        </p:tgtEl>
+                                        <p:attrNameLst>
+                                          <p:attrName>style.visibility</p:attrName>
+                                        </p:attrNameLst>
+                                      </p:cBhvr>
+                                      <p:to>
+                                        <p:strVal val="visible"/>
+                                      </p:to>
+                                    </p:set>
+                                    <p:animEffect transition="in" filter="randombar(horizontal)">
+                                      <p:cBhvr>
+                                        <p:cTn id="22" dur="500"/>
+                                        <p:tgtEl>
+                                          <p:spTgt spid="4">
+                                            <p:txEl>
+                                              <p:pRg st="5" end="5"/>
+                                            </p:txEl>
+                                          </p:spTgt>
+                                        </p:tgtEl>
+                                      </p:cBhvr>
+                                    </p:animEffect>
+                                  </p:childTnLst>
+                                </p:cTn>
+                              </p:par>
+                            </p:childTnLst>
+                          </p:cTn>
+                        </p:par>
+                      </p:childTnLst>
+                    </p:cTn>
+                  </p:par>
+                  <p:par>
+                    <p:cTn id="23" fill="hold">
+                      <p:stCondLst>
+                        <p:cond delay="indefinite"/>
+                      </p:stCondLst>
+                      <p:childTnLst>
+                        <p:par>
+                          <p:cTn id="24" fill="hold">
+                            <p:stCondLst>
+                              <p:cond delay="0"/>
+                            </p:stCondLst>
+                            <p:childTnLst>
+                              <p:par>
+                                <p:cTn id="25" presetID="14" presetClass="entr" presetSubtype="10" fill="hold" nodeType="clickEffect">
+                                  <p:stCondLst>
+                                    <p:cond delay="0"/>
+                                  </p:stCondLst>
+                                  <p:childTnLst>
+                                    <p:set>
+                                      <p:cBhvr>
+                                        <p:cTn id="26" dur="1" fill="hold">
+                                          <p:stCondLst>
+                                            <p:cond delay="0"/>
+                                          </p:stCondLst>
+                                        </p:cTn>
+                                        <p:tgtEl>
+                                          <p:spTgt spid="4">
+                                            <p:txEl>
+                                              <p:pRg st="7" end="7"/>
+                                            </p:txEl>
+                                          </p:spTgt>
+                                        </p:tgtEl>
+                                        <p:attrNameLst>
+                                          <p:attrName>style.visibility</p:attrName>
+                                        </p:attrNameLst>
+                                      </p:cBhvr>
+                                      <p:to>
+                                        <p:strVal val="visible"/>
+                                      </p:to>
+                                    </p:set>
+                                    <p:animEffect transition="in" filter="randombar(horizontal)">
+                                      <p:cBhvr>
+                                        <p:cTn id="27" dur="500"/>
+                                        <p:tgtEl>
+                                          <p:spTgt spid="4">
+                                            <p:txEl>
+                                              <p:pRg st="7" end="7"/>
+                                            </p:txEl>
+                                          </p:spTgt>
+                                        </p:tgtEl>
+                                      </p:cBhvr>
+                                    </p:animEffect>
+                                  </p:childTnLst>
+                                </p:cTn>
+                              </p:par>
+                            </p:childTnLst>
+                          </p:cTn>
+                        </p:par>
+                      </p:childTnLst>
+                    </p:cTn>
+                  </p:par>
+                  <p:par>
+                    <p:cTn id="28" fill="hold">
+                      <p:stCondLst>
+                        <p:cond delay="indefinite"/>
+                      </p:stCondLst>
+                      <p:childTnLst>
+                        <p:par>
+                          <p:cTn id="29" fill="hold">
+                            <p:stCondLst>
+                              <p:cond delay="0"/>
+                            </p:stCondLst>
+                            <p:childTnLst>
+                              <p:par>
+                                <p:cTn id="30" presetID="14" presetClass="entr" presetSubtype="10" fill="hold" nodeType="clickEffect">
+                                  <p:stCondLst>
+                                    <p:cond delay="0"/>
+                                  </p:stCondLst>
+                                  <p:childTnLst>
+                                    <p:set>
+                                      <p:cBhvr>
+                                        <p:cTn id="31" dur="1" fill="hold">
+                                          <p:stCondLst>
+                                            <p:cond delay="0"/>
+                                          </p:stCondLst>
+                                        </p:cTn>
+                                        <p:tgtEl>
+                                          <p:spTgt spid="4">
+                                            <p:txEl>
+                                              <p:pRg st="9" end="9"/>
+                                            </p:txEl>
+                                          </p:spTgt>
+                                        </p:tgtEl>
+                                        <p:attrNameLst>
+                                          <p:attrName>style.visibility</p:attrName>
+                                        </p:attrNameLst>
+                                      </p:cBhvr>
+                                      <p:to>
+                                        <p:strVal val="visible"/>
+                                      </p:to>
+                                    </p:set>
+                                    <p:animEffect transition="in" filter="randombar(horizontal)">
+                                      <p:cBhvr>
+                                        <p:cTn id="32" dur="500"/>
+                                        <p:tgtEl>
+                                          <p:spTgt spid="4">
+                                            <p:txEl>
+                                              <p:pRg st="9" end="9"/>
+                                            </p:txEl>
+                                          </p:spTgt>
+                                        </p:tgtEl>
+                                      </p:cBhvr>
+                                    </p:animEffect>
+                                  </p:childTnLst>
+                                </p:cTn>
+                              </p:par>
+                            </p:childTnLst>
+                          </p:cTn>
+                        </p:par>
+                      </p:childTnLst>
+                    </p:cTn>
+                  </p:par>
+                  <p:par>
+                    <p:cTn id="33" fill="hold">
+                      <p:stCondLst>
+                        <p:cond delay="indefinite"/>
+                      </p:stCondLst>
+                      <p:childTnLst>
+                        <p:par>
+                          <p:cTn id="34" fill="hold">
+                            <p:stCondLst>
+                              <p:cond delay="0"/>
+                            </p:stCondLst>
+                            <p:childTnLst>
+                              <p:par>
+                                <p:cTn id="35" presetID="14" presetClass="entr" presetSubtype="10" fill="hold" nodeType="clickEffect">
+                                  <p:stCondLst>
+                                    <p:cond delay="0"/>
+                                  </p:stCondLst>
+                                  <p:childTnLst>
+                                    <p:set>
+                                      <p:cBhvr>
+                                        <p:cTn id="36" dur="1" fill="hold">
+                                          <p:stCondLst>
+                                            <p:cond delay="0"/>
+                                          </p:stCondLst>
+                                        </p:cTn>
+                                        <p:tgtEl>
+                                          <p:spTgt spid="4">
+                                            <p:txEl>
+                                              <p:pRg st="11" end="11"/>
+                                            </p:txEl>
+                                          </p:spTgt>
+                                        </p:tgtEl>
+                                        <p:attrNameLst>
+                                          <p:attrName>style.visibility</p:attrName>
+                                        </p:attrNameLst>
+                                      </p:cBhvr>
+                                      <p:to>
+                                        <p:strVal val="visible"/>
+                                      </p:to>
+                                    </p:set>
+                                    <p:animEffect transition="in" filter="randombar(horizontal)">
+                                      <p:cBhvr>
+                                        <p:cTn id="37" dur="500"/>
+                                        <p:tgtEl>
+                                          <p:spTgt spid="4">
+                                            <p:txEl>
+                                              <p:pRg st="11" end="11"/>
+                                            </p:txEl>
+                                          </p:spTgt>
+                                        </p:tgtEl>
+                                      </p:cBhvr>
+                                    </p:animEffect>
+                                  </p:childTnLst>
+                                </p:cTn>
+                              </p:par>
+                            </p:childTnLst>
+                          </p:cTn>
+                        </p:par>
+                      </p:childTnLst>
+                    </p:cTn>
+                  </p:par>
+                </p:childTnLst>
+              </p:cTn>
+              <p:prevCondLst>
+                <p:cond evt="onPrev" delay="0">
+                  <p:tgtEl>
+                    <p:sldTgt/>
+                  </p:tgtEl>
+                </p:cond>
+              </p:prevCondLst>
+              <p:nextCondLst>
+                <p:cond evt="onNext" delay="0">
+                  <p:tgtEl>
+                    <p:sldTgt/>
+                  </p:tgtEl>
+                </p:cond>
+              </p:nextCondLst>
+            </p:seq>
+          </p:childTnLst>
+        </p:cTn>
+      </p:par>
+    </p:tnLst>
+    <p:bldLst>
+      <p:bldP spid="2" grpId="0"/>
+    </p:bldLst>
+  </p:timing>
+</p:sld>
+</file>
+
+<file path=ppt/slides/slide16.xml><?xml version="1.0" encoding="utf-8"?>
+<p:sld xmlns:a="http://schemas.openxmlformats.org/drawingml/2006/main" xmlns:r="http://schemas.openxmlformats.org/officeDocument/2006/relationships" xmlns:p="http://schemas.openxmlformats.org/presentationml/2006/main">
+  <p:cSld>
+    <p:spTree>
+      <p:nvGrpSpPr>
+        <p:cNvPr id="1" name=""/>
+        <p:cNvGrpSpPr/>
+        <p:nvPr/>
+      </p:nvGrpSpPr>
+      <p:grpSpPr>
+        <a:xfrm>
+          <a:off x="0" y="0"/>
+          <a:ext cx="0" cy="0"/>
+          <a:chOff x="0" y="0"/>
+          <a:chExt cx="0" cy="0"/>
+        </a:xfrm>
+      </p:grpSpPr>
+      <p:sp>
+        <p:nvSpPr>
+          <p:cNvPr id="2" name="Title 1">
+            <a:extLst>
+              <a:ext uri="{FF2B5EF4-FFF2-40B4-BE49-F238E27FC236}">
+                <a16:creationId xmlns:a16="http://schemas.microsoft.com/office/drawing/2014/main" id="{4ACB2FEA-DEE8-B9B8-9ABE-D42A1D701766}"/>
+              </a:ext>
+            </a:extLst>
+          </p:cNvPr>
+          <p:cNvSpPr>
+            <a:spLocks noGrp="1"/>
+          </p:cNvSpPr>
+          <p:nvPr>
+            <p:ph type="title"/>
+          </p:nvPr>
+        </p:nvSpPr>
+        <p:spPr>
+          <a:xfrm>
+            <a:off x="609600" y="557785"/>
+            <a:ext cx="10972800" cy="730242"/>
+          </a:xfrm>
+        </p:spPr>
+        <p:txBody>
+          <a:bodyPr>
+            <a:normAutofit fontScale="90000"/>
+          </a:bodyPr>
+          <a:lstStyle/>
+          <a:p>
+            <a:r>
+              <a:rPr lang="en-US" dirty="0"/>
+              <a:t>Recommendations</a:t>
+            </a:r>
+          </a:p>
+        </p:txBody>
+      </p:sp>
+      <p:sp>
+        <p:nvSpPr>
+          <p:cNvPr id="3" name="Content Placeholder 2">
+            <a:extLst>
+              <a:ext uri="{FF2B5EF4-FFF2-40B4-BE49-F238E27FC236}">
+                <a16:creationId xmlns:a16="http://schemas.microsoft.com/office/drawing/2014/main" id="{E1804C80-3E89-F0F5-AAE3-E7D6E1A2F0C2}"/>
+              </a:ext>
+            </a:extLst>
+          </p:cNvPr>
+          <p:cNvSpPr>
+            <a:spLocks noGrp="1"/>
+          </p:cNvSpPr>
+          <p:nvPr>
+            <p:ph idx="1"/>
+          </p:nvPr>
+        </p:nvSpPr>
+        <p:spPr/>
+        <p:txBody>
+          <a:bodyPr>
+            <a:normAutofit/>
+          </a:bodyPr>
+          <a:lstStyle/>
+          <a:p>
+            <a:r>
+              <a:rPr lang="en-US" b="1" dirty="0"/>
+              <a:t>📊 Focus on Retaining Small Customers</a:t>
+            </a:r>
+          </a:p>
+          <a:p>
+            <a:endParaRPr lang="en-US" b="1" dirty="0"/>
+          </a:p>
+          <a:p>
+            <a:r>
+              <a:rPr lang="en-US" b="1" dirty="0"/>
+              <a:t>📈 Invest in High-Growth Segments</a:t>
+            </a:r>
+          </a:p>
+          <a:p>
+            <a:endParaRPr lang="en-US" b="1" dirty="0"/>
+          </a:p>
+          <a:p>
+            <a:r>
+              <a:rPr lang="en-US" b="1" dirty="0"/>
+              <a:t>👥 Expand Medium Customer Base</a:t>
+            </a:r>
+          </a:p>
+          <a:p>
+            <a:endParaRPr lang="en-US" b="1" dirty="0"/>
+          </a:p>
+        </p:txBody>
+      </p:sp>
+    </p:spTree>
+    <p:extLst>
+      <p:ext uri="{BB962C8B-B14F-4D97-AF65-F5344CB8AC3E}">
+        <p14:creationId xmlns:p14="http://schemas.microsoft.com/office/powerpoint/2010/main" val="1005776825"/>
+      </p:ext>
+    </p:extLst>
+  </p:cSld>
+  <p:clrMapOvr>
+    <a:masterClrMapping/>
+  </p:clrMapOvr>
+  <p:timing>
+    <p:tnLst>
+      <p:par>
+        <p:cTn id="1" dur="indefinite" restart="never" nodeType="tmRoot">
+          <p:childTnLst>
+            <p:seq concurrent="1" nextAc="seek">
+              <p:cTn id="2" dur="indefinite" nodeType="mainSeq">
+                <p:childTnLst>
+                  <p:par>
+                    <p:cTn id="3" fill="hold">
+                      <p:stCondLst>
+                        <p:cond delay="indefinite"/>
+                      </p:stCondLst>
+                      <p:childTnLst>
+                        <p:par>
+                          <p:cTn id="4" fill="hold">
+                            <p:stCondLst>
+                              <p:cond delay="0"/>
+                            </p:stCondLst>
+                            <p:childTnLst>
+                              <p:par>
+                                <p:cTn id="5" presetID="16" presetClass="entr" presetSubtype="21" fill="hold" grpId="0" nodeType="clickEffect">
+                                  <p:stCondLst>
+                                    <p:cond delay="0"/>
+                                  </p:stCondLst>
+                                  <p:childTnLst>
+                                    <p:set>
+                                      <p:cBhvr>
+                                        <p:cTn id="6" dur="1" fill="hold">
+                                          <p:stCondLst>
+                                            <p:cond delay="0"/>
+                                          </p:stCondLst>
+                                        </p:cTn>
+                                        <p:tgtEl>
+                                          <p:spTgt spid="2"/>
+                                        </p:tgtEl>
+                                        <p:attrNameLst>
+                                          <p:attrName>style.visibility</p:attrName>
+                                        </p:attrNameLst>
+                                      </p:cBhvr>
+                                      <p:to>
+                                        <p:strVal val="visible"/>
+                                      </p:to>
+                                    </p:set>
+                                    <p:animEffect transition="in" filter="barn(inVertical)">
+                                      <p:cBhvr>
+                                        <p:cTn id="7" dur="500"/>
+                                        <p:tgtEl>
+                                          <p:spTgt spid="2"/>
+                                        </p:tgtEl>
+                                      </p:cBhvr>
+                                    </p:animEffect>
+                                  </p:childTnLst>
+                                </p:cTn>
+                              </p:par>
+                            </p:childTnLst>
+                          </p:cTn>
+                        </p:par>
+                      </p:childTnLst>
+                    </p:cTn>
+                  </p:par>
+                  <p:par>
+                    <p:cTn id="8" fill="hold">
+                      <p:stCondLst>
+                        <p:cond delay="indefinite"/>
+                      </p:stCondLst>
+                      <p:childTnLst>
+                        <p:par>
+                          <p:cTn id="9" fill="hold">
+                            <p:stCondLst>
+                              <p:cond delay="0"/>
+                            </p:stCondLst>
+                            <p:childTnLst>
+                              <p:par>
+                                <p:cTn id="10" presetID="14" presetClass="entr" presetSubtype="10" fill="hold" grpId="0" nodeType="clickEffect">
+                                  <p:stCondLst>
+                                    <p:cond delay="0"/>
+                                  </p:stCondLst>
+                                  <p:childTnLst>
+                                    <p:set>
+                                      <p:cBhvr>
+                                        <p:cTn id="11" dur="1" fill="hold">
+                                          <p:stCondLst>
+                                            <p:cond delay="0"/>
+                                          </p:stCondLst>
+                                        </p:cTn>
+                                        <p:tgtEl>
+                                          <p:spTgt spid="3">
+                                            <p:txEl>
+                                              <p:pRg st="0" end="0"/>
+                                            </p:txEl>
+                                          </p:spTgt>
+                                        </p:tgtEl>
+                                        <p:attrNameLst>
+                                          <p:attrName>style.visibility</p:attrName>
+                                        </p:attrNameLst>
+                                      </p:cBhvr>
+                                      <p:to>
+                                        <p:strVal val="visible"/>
+                                      </p:to>
+                                    </p:set>
+                                    <p:animEffect transition="in" filter="randombar(horizontal)">
+                                      <p:cBhvr>
+                                        <p:cTn id="12" dur="500"/>
+                                        <p:tgtEl>
+                                          <p:spTgt spid="3">
+                                            <p:txEl>
+                                              <p:pRg st="0" end="0"/>
+                                            </p:txEl>
+                                          </p:spTgt>
+                                        </p:tgtEl>
+                                      </p:cBhvr>
+                                    </p:animEffect>
+                                  </p:childTnLst>
+                                </p:cTn>
+                              </p:par>
+                            </p:childTnLst>
+                          </p:cTn>
+                        </p:par>
+                      </p:childTnLst>
+                    </p:cTn>
+                  </p:par>
+                  <p:par>
+                    <p:cTn id="13" fill="hold">
+                      <p:stCondLst>
+                        <p:cond delay="indefinite"/>
+                      </p:stCondLst>
+                      <p:childTnLst>
+                        <p:par>
+                          <p:cTn id="14" fill="hold">
+                            <p:stCondLst>
+                              <p:cond delay="0"/>
+                            </p:stCondLst>
+                            <p:childTnLst>
+                              <p:par>
+                                <p:cTn id="15" presetID="14" presetClass="entr" presetSubtype="10" fill="hold" grpId="0" nodeType="clickEffect">
+                                  <p:stCondLst>
+                                    <p:cond delay="0"/>
+                                  </p:stCondLst>
+                                  <p:childTnLst>
+                                    <p:set>
+                                      <p:cBhvr>
+                                        <p:cTn id="16" dur="1" fill="hold">
+                                          <p:stCondLst>
+                                            <p:cond delay="0"/>
+                                          </p:stCondLst>
+                                        </p:cTn>
+                                        <p:tgtEl>
+                                          <p:spTgt spid="3">
+                                            <p:txEl>
+                                              <p:pRg st="2" end="2"/>
+                                            </p:txEl>
+                                          </p:spTgt>
+                                        </p:tgtEl>
+                                        <p:attrNameLst>
+                                          <p:attrName>style.visibility</p:attrName>
+                                        </p:attrNameLst>
+                                      </p:cBhvr>
+                                      <p:to>
+                                        <p:strVal val="visible"/>
+                                      </p:to>
+                                    </p:set>
+                                    <p:animEffect transition="in" filter="randombar(horizontal)">
+                                      <p:cBhvr>
+                                        <p:cTn id="17" dur="500"/>
+                                        <p:tgtEl>
+                                          <p:spTgt spid="3">
+                                            <p:txEl>
+                                              <p:pRg st="2" end="2"/>
+                                            </p:txEl>
+                                          </p:spTgt>
+                                        </p:tgtEl>
+                                      </p:cBhvr>
+                                    </p:animEffect>
+                                  </p:childTnLst>
+                                </p:cTn>
+                              </p:par>
+                            </p:childTnLst>
+                          </p:cTn>
+                        </p:par>
+                      </p:childTnLst>
+                    </p:cTn>
+                  </p:par>
+                  <p:par>
+                    <p:cTn id="18" fill="hold">
+                      <p:stCondLst>
+                        <p:cond delay="indefinite"/>
+                      </p:stCondLst>
+                      <p:childTnLst>
+                        <p:par>
+                          <p:cTn id="19" fill="hold">
+                            <p:stCondLst>
+                              <p:cond delay="0"/>
+                            </p:stCondLst>
+                            <p:childTnLst>
+                              <p:par>
+                                <p:cTn id="20" presetID="14" presetClass="entr" presetSubtype="10" fill="hold" grpId="0" nodeType="clickEffect">
+                                  <p:stCondLst>
+                                    <p:cond delay="0"/>
+                                  </p:stCondLst>
+                                  <p:childTnLst>
+                                    <p:set>
+                                      <p:cBhvr>
+                                        <p:cTn id="21" dur="1" fill="hold">
+                                          <p:stCondLst>
+                                            <p:cond delay="0"/>
+                                          </p:stCondLst>
+                                        </p:cTn>
+                                        <p:tgtEl>
+                                          <p:spTgt spid="3">
+                                            <p:txEl>
+                                              <p:pRg st="4" end="4"/>
+                                            </p:txEl>
+                                          </p:spTgt>
+                                        </p:tgtEl>
+                                        <p:attrNameLst>
+                                          <p:attrName>style.visibility</p:attrName>
+                                        </p:attrNameLst>
+                                      </p:cBhvr>
+                                      <p:to>
+                                        <p:strVal val="visible"/>
+                                      </p:to>
+                                    </p:set>
+                                    <p:animEffect transition="in" filter="randombar(horizontal)">
+                                      <p:cBhvr>
+                                        <p:cTn id="22" dur="500"/>
+                                        <p:tgtEl>
+                                          <p:spTgt spid="3">
+                                            <p:txEl>
+                                              <p:pRg st="4" end="4"/>
+                                            </p:txEl>
+                                          </p:spTgt>
+                                        </p:tgtEl>
+                                      </p:cBhvr>
+                                    </p:animEffect>
+                                  </p:childTnLst>
+                                </p:cTn>
+                              </p:par>
+                            </p:childTnLst>
+                          </p:cTn>
+                        </p:par>
+                      </p:childTnLst>
+                    </p:cTn>
+                  </p:par>
+                </p:childTnLst>
+              </p:cTn>
+              <p:prevCondLst>
+                <p:cond evt="onPrev" delay="0">
+                  <p:tgtEl>
+                    <p:sldTgt/>
+                  </p:tgtEl>
+                </p:cond>
+              </p:prevCondLst>
+              <p:nextCondLst>
+                <p:cond evt="onNext" delay="0">
+                  <p:tgtEl>
+                    <p:sldTgt/>
+                  </p:tgtEl>
+                </p:cond>
+              </p:nextCondLst>
+            </p:seq>
+          </p:childTnLst>
+        </p:cTn>
+      </p:par>
+    </p:tnLst>
+    <p:bldLst>
+      <p:bldP spid="2" grpId="0"/>
+      <p:bldP spid="3" grpId="0" build="p"/>
+    </p:bldLst>
+  </p:timing>
+</p:sld>
+</file>
+
+<file path=ppt/slides/slide17.xml><?xml version="1.0" encoding="utf-8"?>
+<p:sld xmlns:a="http://schemas.openxmlformats.org/drawingml/2006/main" xmlns:r="http://schemas.openxmlformats.org/officeDocument/2006/relationships" xmlns:p="http://schemas.openxmlformats.org/presentationml/2006/main">
+  <p:cSld>
+    <p:bg>
+      <p:bgPr>
+        <a:solidFill>
+          <a:schemeClr val="bg2"/>
+        </a:solidFill>
+        <a:effectLst/>
+      </p:bgPr>
+    </p:bg>
+    <p:spTree>
+      <p:nvGrpSpPr>
+        <p:cNvPr id="1" name=""/>
+        <p:cNvGrpSpPr/>
+        <p:nvPr/>
+      </p:nvGrpSpPr>
+      <p:grpSpPr>
+        <a:xfrm>
+          <a:off x="0" y="0"/>
+          <a:ext cx="0" cy="0"/>
+          <a:chOff x="0" y="0"/>
+          <a:chExt cx="0" cy="0"/>
+        </a:xfrm>
+      </p:grpSpPr>
+      <p:sp useBgFill="1">
+        <p:nvSpPr>
+          <p:cNvPr id="8" name="Background Fill">
+            <a:extLst>
+              <a:ext uri="{FF2B5EF4-FFF2-40B4-BE49-F238E27FC236}">
+                <a16:creationId xmlns:a16="http://schemas.microsoft.com/office/drawing/2014/main" id="{B937640E-EF7A-4A6C-A950-D12B7D5C923E}"/>
+              </a:ext>
+              <a:ext uri="{C183D7F6-B498-43B3-948B-1728B52AA6E4}">
+                <adec:decorative xmlns:adec="http://schemas.microsoft.com/office/drawing/2017/decorative" val="1"/>
+              </a:ext>
+            </a:extLst>
+          </p:cNvPr>
+          <p:cNvSpPr>
+            <a:spLocks noGrp="1" noRot="1" noChangeAspect="1" noMove="1" noResize="1" noEditPoints="1" noAdjustHandles="1" noChangeArrowheads="1" noChangeShapeType="1" noTextEdit="1"/>
+          </p:cNvSpPr>
+          <p:nvPr>
+            <p:extLst>
+              <p:ext uri="{386F3935-93C4-4BCD-93E2-E3B085C9AB24}">
+                <p16:designElem xmlns:p16="http://schemas.microsoft.com/office/powerpoint/2015/main" val="1"/>
+              </p:ext>
+            </p:extLst>
+          </p:nvPr>
+        </p:nvSpPr>
+        <p:spPr>
+          <a:xfrm>
+            <a:off x="1524" y="0"/>
+            <a:ext cx="12188952" cy="6858000"/>
+          </a:xfrm>
+          <a:prstGeom prst="rect">
+            <a:avLst/>
+          </a:prstGeom>
+          <a:ln>
+            <a:noFill/>
+          </a:ln>
+        </p:spPr>
+        <p:style>
+          <a:lnRef idx="2">
+            <a:schemeClr val="accent1">
+              <a:shade val="50000"/>
+            </a:schemeClr>
+          </a:lnRef>
+          <a:fillRef idx="1">
+            <a:schemeClr val="accent1"/>
+          </a:fillRef>
+          <a:effectRef idx="0">
+            <a:schemeClr val="accent1"/>
+          </a:effectRef>
+          <a:fontRef idx="minor">
+            <a:schemeClr val="lt1"/>
+          </a:fontRef>
+        </p:style>
+        <p:txBody>
+          <a:bodyPr rtlCol="0" anchor="ctr"/>
+          <a:lstStyle/>
+          <a:p>
+            <a:pPr algn="ctr"/>
+            <a:endParaRPr lang="en-US"/>
+          </a:p>
+        </p:txBody>
+      </p:sp>
+      <p:sp>
+        <p:nvSpPr>
+          <p:cNvPr id="10" name="Rectangle 9">
+            <a:extLst>
+              <a:ext uri="{FF2B5EF4-FFF2-40B4-BE49-F238E27FC236}">
+                <a16:creationId xmlns:a16="http://schemas.microsoft.com/office/drawing/2014/main" id="{ACEAA54B-B322-4943-83DF-6B95378DA125}"/>
+              </a:ext>
+              <a:ext uri="{C183D7F6-B498-43B3-948B-1728B52AA6E4}">
+                <adec:decorative xmlns:adec="http://schemas.microsoft.com/office/drawing/2017/decorative" val="1"/>
+              </a:ext>
+            </a:extLst>
+          </p:cNvPr>
+          <p:cNvSpPr>
+            <a:spLocks noGrp="1" noRot="1" noChangeAspect="1" noMove="1" noResize="1" noEditPoints="1" noAdjustHandles="1" noChangeArrowheads="1" noChangeShapeType="1" noTextEdit="1"/>
+          </p:cNvSpPr>
+          <p:nvPr>
+            <p:extLst>
+              <p:ext uri="{386F3935-93C4-4BCD-93E2-E3B085C9AB24}">
+                <p16:designElem xmlns:p16="http://schemas.microsoft.com/office/powerpoint/2015/main" val="1"/>
+              </p:ext>
+            </p:extLst>
+          </p:nvPr>
+        </p:nvSpPr>
+        <p:spPr>
+          <a:xfrm>
+            <a:off x="0" y="0"/>
+            <a:ext cx="12192001" cy="6858000"/>
+          </a:xfrm>
+          <a:prstGeom prst="rect">
+            <a:avLst/>
+          </a:prstGeom>
+          <a:solidFill>
+            <a:srgbClr val="AEAEAE">
+              <a:alpha val="10000"/>
+            </a:srgbClr>
+          </a:solidFill>
+          <a:ln>
+            <a:noFill/>
+          </a:ln>
+        </p:spPr>
+        <p:style>
+          <a:lnRef idx="2">
+            <a:schemeClr val="accent1">
+              <a:shade val="50000"/>
+            </a:schemeClr>
+          </a:lnRef>
+          <a:fillRef idx="1">
+            <a:schemeClr val="accent1"/>
+          </a:fillRef>
+          <a:effectRef idx="0">
+            <a:schemeClr val="accent1"/>
+          </a:effectRef>
+          <a:fontRef idx="minor">
+            <a:schemeClr val="lt1"/>
+          </a:fontRef>
+        </p:style>
+        <p:txBody>
+          <a:bodyPr rtlCol="0" anchor="ctr"/>
+          <a:lstStyle/>
+          <a:p>
+            <a:pPr algn="ctr"/>
+            <a:endParaRPr lang="en-US" dirty="0"/>
+          </a:p>
+        </p:txBody>
+      </p:sp>
+      <p:sp>
+        <p:nvSpPr>
+          <p:cNvPr id="12" name="Freeform: Shape 11">
+            <a:extLst>
+              <a:ext uri="{FF2B5EF4-FFF2-40B4-BE49-F238E27FC236}">
+                <a16:creationId xmlns:a16="http://schemas.microsoft.com/office/drawing/2014/main" id="{27181C69-1FEA-47A3-8E1A-C3573A1360A7}"/>
+              </a:ext>
+              <a:ext uri="{C183D7F6-B498-43B3-948B-1728B52AA6E4}">
+                <adec:decorative xmlns:adec="http://schemas.microsoft.com/office/drawing/2017/decorative" val="1"/>
+              </a:ext>
+            </a:extLst>
+          </p:cNvPr>
+          <p:cNvSpPr>
+            <a:spLocks noGrp="1" noRot="1" noChangeAspect="1" noMove="1" noResize="1" noEditPoints="1" noAdjustHandles="1" noChangeArrowheads="1" noChangeShapeType="1" noTextEdit="1"/>
+          </p:cNvSpPr>
+          <p:nvPr>
+            <p:extLst>
+              <p:ext uri="{386F3935-93C4-4BCD-93E2-E3B085C9AB24}">
+                <p16:designElem xmlns:p16="http://schemas.microsoft.com/office/powerpoint/2015/main" val="1"/>
+              </p:ext>
+            </p:extLst>
+          </p:nvPr>
+        </p:nvSpPr>
+        <p:spPr>
+          <a:xfrm>
+            <a:off x="837986" y="0"/>
+            <a:ext cx="10615628" cy="6858000"/>
+          </a:xfrm>
+          <a:custGeom>
+            <a:avLst/>
+            <a:gdLst>
+              <a:gd name="connsiteX0" fmla="*/ 7169275 w 10615628"/>
+              <a:gd name="connsiteY0" fmla="*/ 5665108 h 6858000"/>
+              <a:gd name="connsiteX1" fmla="*/ 7514896 w 10615628"/>
+              <a:gd name="connsiteY1" fmla="*/ 6010729 h 6858000"/>
+              <a:gd name="connsiteX2" fmla="*/ 7169275 w 10615628"/>
+              <a:gd name="connsiteY2" fmla="*/ 6356350 h 6858000"/>
+              <a:gd name="connsiteX3" fmla="*/ 6823654 w 10615628"/>
+              <a:gd name="connsiteY3" fmla="*/ 6010729 h 6858000"/>
+              <a:gd name="connsiteX4" fmla="*/ 7169275 w 10615628"/>
+              <a:gd name="connsiteY4" fmla="*/ 5665108 h 6858000"/>
+              <a:gd name="connsiteX5" fmla="*/ 10010445 w 10615628"/>
+              <a:gd name="connsiteY5" fmla="*/ 2285547 h 6858000"/>
+              <a:gd name="connsiteX6" fmla="*/ 10456759 w 10615628"/>
+              <a:gd name="connsiteY6" fmla="*/ 2731861 h 6858000"/>
+              <a:gd name="connsiteX7" fmla="*/ 10010445 w 10615628"/>
+              <a:gd name="connsiteY7" fmla="*/ 3178175 h 6858000"/>
+              <a:gd name="connsiteX8" fmla="*/ 9564131 w 10615628"/>
+              <a:gd name="connsiteY8" fmla="*/ 2731861 h 6858000"/>
+              <a:gd name="connsiteX9" fmla="*/ 10010445 w 10615628"/>
+              <a:gd name="connsiteY9" fmla="*/ 2285547 h 6858000"/>
+              <a:gd name="connsiteX10" fmla="*/ 10354144 w 10615628"/>
+              <a:gd name="connsiteY10" fmla="*/ 1626055 h 6858000"/>
+              <a:gd name="connsiteX11" fmla="*/ 10615628 w 10615628"/>
+              <a:gd name="connsiteY11" fmla="*/ 1887539 h 6858000"/>
+              <a:gd name="connsiteX12" fmla="*/ 10354144 w 10615628"/>
+              <a:gd name="connsiteY12" fmla="*/ 2149023 h 6858000"/>
+              <a:gd name="connsiteX13" fmla="*/ 10092660 w 10615628"/>
+              <a:gd name="connsiteY13" fmla="*/ 1887539 h 6858000"/>
+              <a:gd name="connsiteX14" fmla="*/ 10354144 w 10615628"/>
+              <a:gd name="connsiteY14" fmla="*/ 1626055 h 6858000"/>
+              <a:gd name="connsiteX15" fmla="*/ 1458900 w 10615628"/>
+              <a:gd name="connsiteY15" fmla="*/ 620486 h 6858000"/>
+              <a:gd name="connsiteX16" fmla="*/ 1905214 w 10615628"/>
+              <a:gd name="connsiteY16" fmla="*/ 1066801 h 6858000"/>
+              <a:gd name="connsiteX17" fmla="*/ 1458900 w 10615628"/>
+              <a:gd name="connsiteY17" fmla="*/ 1513115 h 6858000"/>
+              <a:gd name="connsiteX18" fmla="*/ 1012586 w 10615628"/>
+              <a:gd name="connsiteY18" fmla="*/ 1066801 h 6858000"/>
+              <a:gd name="connsiteX19" fmla="*/ 1458900 w 10615628"/>
+              <a:gd name="connsiteY19" fmla="*/ 620486 h 6858000"/>
+              <a:gd name="connsiteX20" fmla="*/ 6634576 w 10615628"/>
+              <a:gd name="connsiteY20" fmla="*/ 0 h 6858000"/>
+              <a:gd name="connsiteX21" fmla="*/ 10141833 w 10615628"/>
+              <a:gd name="connsiteY21" fmla="*/ 0 h 6858000"/>
+              <a:gd name="connsiteX22" fmla="*/ 10200259 w 10615628"/>
+              <a:gd name="connsiteY22" fmla="*/ 112226 h 6858000"/>
+              <a:gd name="connsiteX23" fmla="*/ 9914574 w 10615628"/>
+              <a:gd name="connsiteY23" fmla="*/ 1675664 h 6858000"/>
+              <a:gd name="connsiteX24" fmla="*/ 9361608 w 10615628"/>
+              <a:gd name="connsiteY24" fmla="*/ 2357295 h 6858000"/>
+              <a:gd name="connsiteX25" fmla="*/ 9334634 w 10615628"/>
+              <a:gd name="connsiteY25" fmla="*/ 3068329 h 6858000"/>
+              <a:gd name="connsiteX26" fmla="*/ 9815041 w 10615628"/>
+              <a:gd name="connsiteY26" fmla="*/ 3852733 h 6858000"/>
+              <a:gd name="connsiteX27" fmla="*/ 9376175 w 10615628"/>
+              <a:gd name="connsiteY27" fmla="*/ 5163128 h 6858000"/>
+              <a:gd name="connsiteX28" fmla="*/ 7869812 w 10615628"/>
+              <a:gd name="connsiteY28" fmla="*/ 5397802 h 6858000"/>
+              <a:gd name="connsiteX29" fmla="*/ 6545391 w 10615628"/>
+              <a:gd name="connsiteY29" fmla="*/ 5591204 h 6858000"/>
+              <a:gd name="connsiteX30" fmla="*/ 5772722 w 10615628"/>
+              <a:gd name="connsiteY30" fmla="*/ 6463273 h 6858000"/>
+              <a:gd name="connsiteX31" fmla="*/ 5542128 w 10615628"/>
+              <a:gd name="connsiteY31" fmla="*/ 6751894 h 6858000"/>
+              <a:gd name="connsiteX32" fmla="*/ 5455474 w 10615628"/>
+              <a:gd name="connsiteY32" fmla="*/ 6858000 h 6858000"/>
+              <a:gd name="connsiteX33" fmla="*/ 3884321 w 10615628"/>
+              <a:gd name="connsiteY33" fmla="*/ 6858000 h 6858000"/>
+              <a:gd name="connsiteX34" fmla="*/ 3874161 w 10615628"/>
+              <a:gd name="connsiteY34" fmla="*/ 6844415 h 6858000"/>
+              <a:gd name="connsiteX35" fmla="*/ 3692625 w 10615628"/>
+              <a:gd name="connsiteY35" fmla="*/ 6276208 h 6858000"/>
+              <a:gd name="connsiteX36" fmla="*/ 2561203 w 10615628"/>
+              <a:gd name="connsiteY36" fmla="*/ 5655807 h 6858000"/>
+              <a:gd name="connsiteX37" fmla="*/ 69616 w 10615628"/>
+              <a:gd name="connsiteY37" fmla="*/ 4277707 h 6858000"/>
+              <a:gd name="connsiteX38" fmla="*/ 1642 w 10615628"/>
+              <a:gd name="connsiteY38" fmla="*/ 3679829 h 6858000"/>
+              <a:gd name="connsiteX39" fmla="*/ 368893 w 10615628"/>
+              <a:gd name="connsiteY39" fmla="*/ 2516307 h 6858000"/>
+              <a:gd name="connsiteX40" fmla="*/ 1113509 w 10615628"/>
+              <a:gd name="connsiteY40" fmla="*/ 2192619 h 6858000"/>
+              <a:gd name="connsiteX41" fmla="*/ 2037232 w 10615628"/>
+              <a:gd name="connsiteY41" fmla="*/ 2005556 h 6858000"/>
+              <a:gd name="connsiteX42" fmla="*/ 2547311 w 10615628"/>
+              <a:gd name="connsiteY42" fmla="*/ 1405116 h 6858000"/>
+              <a:gd name="connsiteX43" fmla="*/ 3900863 w 10615628"/>
+              <a:gd name="connsiteY43" fmla="*/ 578768 h 6858000"/>
+              <a:gd name="connsiteX44" fmla="*/ 4571571 w 10615628"/>
+              <a:gd name="connsiteY44" fmla="*/ 860779 h 6858000"/>
+              <a:gd name="connsiteX45" fmla="*/ 6039225 w 10615628"/>
+              <a:gd name="connsiteY45" fmla="*/ 631501 h 6858000"/>
+              <a:gd name="connsiteX46" fmla="*/ 6449432 w 10615628"/>
+              <a:gd name="connsiteY46" fmla="*/ 193259 h 6858000"/>
+            </a:gdLst>
+            <a:ahLst/>
+            <a:cxnLst>
+              <a:cxn ang="0">
+                <a:pos x="connsiteX0" y="connsiteY0"/>
+              </a:cxn>
+              <a:cxn ang="0">
+                <a:pos x="connsiteX1" y="connsiteY1"/>
+              </a:cxn>
+              <a:cxn ang="0">
+                <a:pos x="connsiteX2" y="connsiteY2"/>
+              </a:cxn>
+              <a:cxn ang="0">
+                <a:pos x="connsiteX3" y="connsiteY3"/>
+              </a:cxn>
+              <a:cxn ang="0">
+                <a:pos x="connsiteX4" y="connsiteY4"/>
+              </a:cxn>
+              <a:cxn ang="0">
+                <a:pos x="connsiteX5" y="connsiteY5"/>
+              </a:cxn>
+              <a:cxn ang="0">
+                <a:pos x="connsiteX6" y="connsiteY6"/>
+              </a:cxn>
+              <a:cxn ang="0">
+                <a:pos x="connsiteX7" y="connsiteY7"/>
+              </a:cxn>
+              <a:cxn ang="0">
+                <a:pos x="connsiteX8" y="connsiteY8"/>
+              </a:cxn>
+              <a:cxn ang="0">
+                <a:pos x="connsiteX9" y="connsiteY9"/>
+              </a:cxn>
+              <a:cxn ang="0">
+                <a:pos x="connsiteX10" y="connsiteY10"/>
+              </a:cxn>
+              <a:cxn ang="0">
+                <a:pos x="connsiteX11" y="connsiteY11"/>
+              </a:cxn>
+              <a:cxn ang="0">
+                <a:pos x="connsiteX12" y="connsiteY12"/>
+              </a:cxn>
+              <a:cxn ang="0">
+                <a:pos x="connsiteX13" y="connsiteY13"/>
+              </a:cxn>
+              <a:cxn ang="0">
+                <a:pos x="connsiteX14" y="connsiteY14"/>
+              </a:cxn>
+              <a:cxn ang="0">
+                <a:pos x="connsiteX15" y="connsiteY15"/>
+              </a:cxn>
+              <a:cxn ang="0">
+                <a:pos x="connsiteX16" y="connsiteY16"/>
+              </a:cxn>
+              <a:cxn ang="0">
+                <a:pos x="connsiteX17" y="connsiteY17"/>
+              </a:cxn>
+              <a:cxn ang="0">
+                <a:pos x="connsiteX18" y="connsiteY18"/>
+              </a:cxn>
+              <a:cxn ang="0">
+                <a:pos x="connsiteX19" y="connsiteY19"/>
+              </a:cxn>
+              <a:cxn ang="0">
+                <a:pos x="connsiteX20" y="connsiteY20"/>
+              </a:cxn>
+              <a:cxn ang="0">
+                <a:pos x="connsiteX21" y="connsiteY21"/>
+              </a:cxn>
+              <a:cxn ang="0">
+                <a:pos x="connsiteX22" y="connsiteY22"/>
+              </a:cxn>
+              <a:cxn ang="0">
+                <a:pos x="connsiteX23" y="connsiteY23"/>
+              </a:cxn>
+              <a:cxn ang="0">
+                <a:pos x="connsiteX24" y="connsiteY24"/>
+              </a:cxn>
+              <a:cxn ang="0">
+                <a:pos x="connsiteX25" y="connsiteY25"/>
+              </a:cxn>
+              <a:cxn ang="0">
+                <a:pos x="connsiteX26" y="connsiteY26"/>
+              </a:cxn>
+              <a:cxn ang="0">
+                <a:pos x="connsiteX27" y="connsiteY27"/>
+              </a:cxn>
+              <a:cxn ang="0">
+                <a:pos x="connsiteX28" y="connsiteY28"/>
+              </a:cxn>
+              <a:cxn ang="0">
+                <a:pos x="connsiteX29" y="connsiteY29"/>
+              </a:cxn>
+              <a:cxn ang="0">
+                <a:pos x="connsiteX30" y="connsiteY30"/>
+              </a:cxn>
+              <a:cxn ang="0">
+                <a:pos x="connsiteX31" y="connsiteY31"/>
+              </a:cxn>
+              <a:cxn ang="0">
+                <a:pos x="connsiteX32" y="connsiteY32"/>
+              </a:cxn>
+              <a:cxn ang="0">
+                <a:pos x="connsiteX33" y="connsiteY33"/>
+              </a:cxn>
+              <a:cxn ang="0">
+                <a:pos x="connsiteX34" y="connsiteY34"/>
+              </a:cxn>
+              <a:cxn ang="0">
+                <a:pos x="connsiteX35" y="connsiteY35"/>
+              </a:cxn>
+              <a:cxn ang="0">
+                <a:pos x="connsiteX36" y="connsiteY36"/>
+              </a:cxn>
+              <a:cxn ang="0">
+                <a:pos x="connsiteX37" y="connsiteY37"/>
+              </a:cxn>
+              <a:cxn ang="0">
+                <a:pos x="connsiteX38" y="connsiteY38"/>
+              </a:cxn>
+              <a:cxn ang="0">
+                <a:pos x="connsiteX39" y="connsiteY39"/>
+              </a:cxn>
+              <a:cxn ang="0">
+                <a:pos x="connsiteX40" y="connsiteY40"/>
+              </a:cxn>
+              <a:cxn ang="0">
+                <a:pos x="connsiteX41" y="connsiteY41"/>
+              </a:cxn>
+              <a:cxn ang="0">
+                <a:pos x="connsiteX42" y="connsiteY42"/>
+              </a:cxn>
+              <a:cxn ang="0">
+                <a:pos x="connsiteX43" y="connsiteY43"/>
+              </a:cxn>
+              <a:cxn ang="0">
+                <a:pos x="connsiteX44" y="connsiteY44"/>
+              </a:cxn>
+              <a:cxn ang="0">
+                <a:pos x="connsiteX45" y="connsiteY45"/>
+              </a:cxn>
+              <a:cxn ang="0">
+                <a:pos x="connsiteX46" y="connsiteY46"/>
+              </a:cxn>
+            </a:cxnLst>
+            <a:rect l="l" t="t" r="r" b="b"/>
+            <a:pathLst>
+              <a:path w="10615628" h="6858000">
+                <a:moveTo>
+                  <a:pt x="7169275" y="5665108"/>
+                </a:moveTo>
+                <a:cubicBezTo>
+                  <a:pt x="7360156" y="5665108"/>
+                  <a:pt x="7514896" y="5819848"/>
+                  <a:pt x="7514896" y="6010729"/>
+                </a:cubicBezTo>
+                <a:cubicBezTo>
+                  <a:pt x="7514896" y="6201610"/>
+                  <a:pt x="7360156" y="6356350"/>
+                  <a:pt x="7169275" y="6356350"/>
+                </a:cubicBezTo>
+                <a:cubicBezTo>
+                  <a:pt x="6978394" y="6356350"/>
+                  <a:pt x="6823654" y="6201610"/>
+                  <a:pt x="6823654" y="6010729"/>
+                </a:cubicBezTo>
+                <a:cubicBezTo>
+                  <a:pt x="6823654" y="5819848"/>
+                  <a:pt x="6978394" y="5665108"/>
+                  <a:pt x="7169275" y="5665108"/>
+                </a:cubicBezTo>
+                <a:close/>
+                <a:moveTo>
+                  <a:pt x="10010445" y="2285547"/>
+                </a:moveTo>
+                <a:cubicBezTo>
+                  <a:pt x="10256937" y="2285547"/>
+                  <a:pt x="10456759" y="2485369"/>
+                  <a:pt x="10456759" y="2731861"/>
+                </a:cubicBezTo>
+                <a:cubicBezTo>
+                  <a:pt x="10456759" y="2978353"/>
+                  <a:pt x="10256937" y="3178175"/>
+                  <a:pt x="10010445" y="3178175"/>
+                </a:cubicBezTo>
+                <a:cubicBezTo>
+                  <a:pt x="9763953" y="3178175"/>
+                  <a:pt x="9564131" y="2978353"/>
+                  <a:pt x="9564131" y="2731861"/>
+                </a:cubicBezTo>
+                <a:cubicBezTo>
+                  <a:pt x="9564131" y="2485369"/>
+                  <a:pt x="9763953" y="2285547"/>
+                  <a:pt x="10010445" y="2285547"/>
+                </a:cubicBezTo>
+                <a:close/>
+                <a:moveTo>
+                  <a:pt x="10354144" y="1626055"/>
+                </a:moveTo>
+                <a:cubicBezTo>
+                  <a:pt x="10498558" y="1626055"/>
+                  <a:pt x="10615628" y="1743125"/>
+                  <a:pt x="10615628" y="1887539"/>
+                </a:cubicBezTo>
+                <a:cubicBezTo>
+                  <a:pt x="10615628" y="2031953"/>
+                  <a:pt x="10498558" y="2149023"/>
+                  <a:pt x="10354144" y="2149023"/>
+                </a:cubicBezTo>
+                <a:cubicBezTo>
+                  <a:pt x="10209730" y="2149023"/>
+                  <a:pt x="10092660" y="2031953"/>
+                  <a:pt x="10092660" y="1887539"/>
+                </a:cubicBezTo>
+                <a:cubicBezTo>
+                  <a:pt x="10092660" y="1743125"/>
+                  <a:pt x="10209730" y="1626055"/>
+                  <a:pt x="10354144" y="1626055"/>
+                </a:cubicBezTo>
+                <a:close/>
+                <a:moveTo>
+                  <a:pt x="1458900" y="620486"/>
+                </a:moveTo>
+                <a:cubicBezTo>
+                  <a:pt x="1705392" y="620486"/>
+                  <a:pt x="1905214" y="820308"/>
+                  <a:pt x="1905214" y="1066801"/>
+                </a:cubicBezTo>
+                <a:cubicBezTo>
+                  <a:pt x="1905214" y="1313293"/>
+                  <a:pt x="1705392" y="1513115"/>
+                  <a:pt x="1458900" y="1513115"/>
+                </a:cubicBezTo>
+                <a:cubicBezTo>
+                  <a:pt x="1212408" y="1513115"/>
+                  <a:pt x="1012586" y="1313293"/>
+                  <a:pt x="1012586" y="1066801"/>
+                </a:cubicBezTo>
+                <a:cubicBezTo>
+                  <a:pt x="1012586" y="820308"/>
+                  <a:pt x="1212408" y="620486"/>
+                  <a:pt x="1458900" y="620486"/>
+                </a:cubicBezTo>
+                <a:close/>
+                <a:moveTo>
+                  <a:pt x="6634576" y="0"/>
+                </a:moveTo>
+                <a:lnTo>
+                  <a:pt x="10141833" y="0"/>
+                </a:lnTo>
+                <a:lnTo>
+                  <a:pt x="10200259" y="112226"/>
+                </a:lnTo>
+                <a:cubicBezTo>
+                  <a:pt x="10410238" y="575267"/>
+                  <a:pt x="10394871" y="1153566"/>
+                  <a:pt x="9914574" y="1675664"/>
+                </a:cubicBezTo>
+                <a:cubicBezTo>
+                  <a:pt x="9716855" y="1890647"/>
+                  <a:pt x="9539637" y="2125050"/>
+                  <a:pt x="9361608" y="2357295"/>
+                </a:cubicBezTo>
+                <a:cubicBezTo>
+                  <a:pt x="9193291" y="2576999"/>
+                  <a:pt x="9188571" y="2830555"/>
+                  <a:pt x="9334634" y="3068329"/>
+                </a:cubicBezTo>
+                <a:cubicBezTo>
+                  <a:pt x="9495669" y="3329572"/>
+                  <a:pt x="9683003" y="3577867"/>
+                  <a:pt x="9815041" y="3852733"/>
+                </a:cubicBezTo>
+                <a:cubicBezTo>
+                  <a:pt x="10050524" y="4342849"/>
+                  <a:pt x="9955574" y="4825683"/>
+                  <a:pt x="9376175" y="5163128"/>
+                </a:cubicBezTo>
+                <a:cubicBezTo>
+                  <a:pt x="8901028" y="5439881"/>
+                  <a:pt x="8396076" y="5450671"/>
+                  <a:pt x="7869812" y="5397802"/>
+                </a:cubicBezTo>
+                <a:cubicBezTo>
+                  <a:pt x="7414763" y="5352215"/>
+                  <a:pt x="6924916" y="5316880"/>
+                  <a:pt x="6545391" y="5591204"/>
+                </a:cubicBezTo>
+                <a:cubicBezTo>
+                  <a:pt x="6238293" y="5813470"/>
+                  <a:pt x="6024794" y="6166020"/>
+                  <a:pt x="5772722" y="6463273"/>
+                </a:cubicBezTo>
+                <a:cubicBezTo>
+                  <a:pt x="5693284" y="6557075"/>
+                  <a:pt x="5618532" y="6655327"/>
+                  <a:pt x="5542128" y="6751894"/>
+                </a:cubicBezTo>
+                <a:lnTo>
+                  <a:pt x="5455474" y="6858000"/>
+                </a:lnTo>
+                <a:lnTo>
+                  <a:pt x="3884321" y="6858000"/>
+                </a:lnTo>
+                <a:lnTo>
+                  <a:pt x="3874161" y="6844415"/>
+                </a:lnTo>
+                <a:cubicBezTo>
+                  <a:pt x="3769501" y="6682571"/>
+                  <a:pt x="3725803" y="6471500"/>
+                  <a:pt x="3692625" y="6276208"/>
+                </a:cubicBezTo>
+                <a:cubicBezTo>
+                  <a:pt x="3594979" y="5704765"/>
+                  <a:pt x="2996562" y="5529974"/>
+                  <a:pt x="2561203" y="5655807"/>
+                </a:cubicBezTo>
+                <a:cubicBezTo>
+                  <a:pt x="1295583" y="6024676"/>
+                  <a:pt x="405172" y="5378784"/>
+                  <a:pt x="69616" y="4277707"/>
+                </a:cubicBezTo>
+                <a:cubicBezTo>
+                  <a:pt x="12162" y="4089023"/>
+                  <a:pt x="22817" y="3880246"/>
+                  <a:pt x="1642" y="3679829"/>
+                </a:cubicBezTo>
+                <a:cubicBezTo>
+                  <a:pt x="-11845" y="3246492"/>
+                  <a:pt x="53163" y="2840534"/>
+                  <a:pt x="368893" y="2516307"/>
+                </a:cubicBezTo>
+                <a:cubicBezTo>
+                  <a:pt x="570253" y="2309552"/>
+                  <a:pt x="826642" y="2227146"/>
+                  <a:pt x="1113509" y="2192619"/>
+                </a:cubicBezTo>
+                <a:cubicBezTo>
+                  <a:pt x="1425464" y="2154856"/>
+                  <a:pt x="1739170" y="2099965"/>
+                  <a:pt x="2037232" y="2005556"/>
+                </a:cubicBezTo>
+                <a:cubicBezTo>
+                  <a:pt x="2313447" y="1917890"/>
+                  <a:pt x="2430109" y="1649903"/>
+                  <a:pt x="2547311" y="1405116"/>
+                </a:cubicBezTo>
+                <a:cubicBezTo>
+                  <a:pt x="2839303" y="794963"/>
+                  <a:pt x="3300289" y="490428"/>
+                  <a:pt x="3900863" y="578768"/>
+                </a:cubicBezTo>
+                <a:cubicBezTo>
+                  <a:pt x="4133784" y="613024"/>
+                  <a:pt x="4362118" y="739802"/>
+                  <a:pt x="4571571" y="860779"/>
+                </a:cubicBezTo>
+                <a:cubicBezTo>
+                  <a:pt x="5133169" y="1185277"/>
+                  <a:pt x="5641898" y="1029502"/>
+                  <a:pt x="6039225" y="631501"/>
+                </a:cubicBezTo>
+                <a:cubicBezTo>
+                  <a:pt x="6180164" y="489888"/>
+                  <a:pt x="6313483" y="339980"/>
+                  <a:pt x="6449432" y="193259"/>
+                </a:cubicBezTo>
+                <a:close/>
+              </a:path>
+            </a:pathLst>
+          </a:custGeom>
+          <a:solidFill>
+            <a:schemeClr val="bg1"/>
+          </a:solidFill>
+          <a:ln>
+            <a:noFill/>
+          </a:ln>
+        </p:spPr>
+        <p:style>
+          <a:lnRef idx="2">
+            <a:schemeClr val="accent1">
+              <a:shade val="50000"/>
+            </a:schemeClr>
+          </a:lnRef>
+          <a:fillRef idx="1">
+            <a:schemeClr val="accent1"/>
+          </a:fillRef>
+          <a:effectRef idx="0">
+            <a:schemeClr val="accent1"/>
+          </a:effectRef>
+          <a:fontRef idx="minor">
+            <a:schemeClr val="lt1"/>
+          </a:fontRef>
+        </p:style>
+        <p:txBody>
+          <a:bodyPr wrap="square" rtlCol="0" anchor="ctr">
+            <a:noAutofit/>
+          </a:bodyPr>
+          <a:lstStyle/>
+          <a:p>
+            <a:pPr algn="ctr"/>
+            <a:endParaRPr lang="en-US"/>
+          </a:p>
+        </p:txBody>
+      </p:sp>
+      <p:sp>
+        <p:nvSpPr>
+          <p:cNvPr id="3" name="Content Placeholder 2">
+            <a:extLst>
+              <a:ext uri="{FF2B5EF4-FFF2-40B4-BE49-F238E27FC236}">
+                <a16:creationId xmlns:a16="http://schemas.microsoft.com/office/drawing/2014/main" id="{043C7ABF-B9E1-7E26-BB38-B696E004E7EF}"/>
+              </a:ext>
+            </a:extLst>
+          </p:cNvPr>
+          <p:cNvSpPr>
+            <a:spLocks noGrp="1"/>
+          </p:cNvSpPr>
+          <p:nvPr>
+            <p:ph idx="1"/>
+          </p:nvPr>
+        </p:nvSpPr>
+        <p:spPr>
+          <a:xfrm>
+            <a:off x="2141489" y="3097174"/>
+            <a:ext cx="7125252" cy="2391879"/>
+          </a:xfrm>
+        </p:spPr>
+        <p:txBody>
+          <a:bodyPr>
+            <a:normAutofit/>
+          </a:bodyPr>
+          <a:lstStyle/>
+          <a:p>
+            <a:pPr algn="ctr"/>
+            <a:r>
+              <a:rPr lang="en-US" sz="5400" dirty="0">
+                <a:solidFill>
+                  <a:schemeClr val="accent3">
+                    <a:lumMod val="50000"/>
+                  </a:schemeClr>
+                </a:solidFill>
+                <a:latin typeface="+mj-lt"/>
+              </a:rPr>
+              <a:t>Thank you</a:t>
+            </a:r>
+          </a:p>
+          <a:p>
+            <a:pPr algn="ctr"/>
+            <a:endParaRPr lang="en-US" sz="5400" dirty="0">
+              <a:solidFill>
+                <a:schemeClr val="accent3">
+                  <a:lumMod val="50000"/>
+                </a:schemeClr>
+              </a:solidFill>
+              <a:latin typeface="+mj-lt"/>
+            </a:endParaRPr>
+          </a:p>
+        </p:txBody>
+      </p:sp>
+    </p:spTree>
+    <p:extLst>
+      <p:ext uri="{BB962C8B-B14F-4D97-AF65-F5344CB8AC3E}">
+        <p14:creationId xmlns:p14="http://schemas.microsoft.com/office/powerpoint/2010/main" val="1287208460"/>
+      </p:ext>
+    </p:extLst>
+  </p:cSld>
+  <p:clrMapOvr>
+    <a:masterClrMapping/>
+  </p:clrMapOvr>
+  <mc:AlternateContent xmlns:mc="http://schemas.openxmlformats.org/markup-compatibility/2006">
+    <mc:Choice xmlns:p14="http://schemas.microsoft.com/office/powerpoint/2010/main" Requires="p14">
+      <p:transition spd="med" p14:dur="700">
+        <p:fade/>
+      </p:transition>
+    </mc:Choice>
+    <mc:Fallback>
+      <p:transition spd="med">
+        <p:fade/>
+      </p:transition>
+    </mc:Fallback>
+  </mc:AlternateContent>
 </p:sld>
 </file>
 
@@ -5418,6 +8651,515 @@
   <p:clrMapOvr>
     <a:masterClrMapping/>
   </p:clrMapOvr>
+  <p:timing>
+    <p:tnLst>
+      <p:par>
+        <p:cTn id="1" dur="indefinite" restart="never" nodeType="tmRoot">
+          <p:childTnLst>
+            <p:seq concurrent="1" nextAc="seek">
+              <p:cTn id="2" dur="indefinite" nodeType="mainSeq">
+                <p:childTnLst>
+                  <p:par>
+                    <p:cTn id="3" fill="hold">
+                      <p:stCondLst>
+                        <p:cond delay="indefinite"/>
+                      </p:stCondLst>
+                      <p:childTnLst>
+                        <p:par>
+                          <p:cTn id="4" fill="hold">
+                            <p:stCondLst>
+                              <p:cond delay="0"/>
+                            </p:stCondLst>
+                            <p:childTnLst>
+                              <p:par>
+                                <p:cTn id="5" presetID="10" presetClass="entr" presetSubtype="0" fill="hold" grpId="0" nodeType="clickEffect">
+                                  <p:stCondLst>
+                                    <p:cond delay="0"/>
+                                  </p:stCondLst>
+                                  <p:childTnLst>
+                                    <p:set>
+                                      <p:cBhvr>
+                                        <p:cTn id="6" dur="1" fill="hold">
+                                          <p:stCondLst>
+                                            <p:cond delay="0"/>
+                                          </p:stCondLst>
+                                        </p:cTn>
+                                        <p:tgtEl>
+                                          <p:spTgt spid="2"/>
+                                        </p:tgtEl>
+                                        <p:attrNameLst>
+                                          <p:attrName>style.visibility</p:attrName>
+                                        </p:attrNameLst>
+                                      </p:cBhvr>
+                                      <p:to>
+                                        <p:strVal val="visible"/>
+                                      </p:to>
+                                    </p:set>
+                                    <p:animEffect transition="in" filter="fade">
+                                      <p:cBhvr>
+                                        <p:cTn id="7" dur="500"/>
+                                        <p:tgtEl>
+                                          <p:spTgt spid="2"/>
+                                        </p:tgtEl>
+                                      </p:cBhvr>
+                                    </p:animEffect>
+                                  </p:childTnLst>
+                                </p:cTn>
+                              </p:par>
+                            </p:childTnLst>
+                          </p:cTn>
+                        </p:par>
+                      </p:childTnLst>
+                    </p:cTn>
+                  </p:par>
+                  <p:par>
+                    <p:cTn id="8" fill="hold">
+                      <p:stCondLst>
+                        <p:cond delay="indefinite"/>
+                      </p:stCondLst>
+                      <p:childTnLst>
+                        <p:par>
+                          <p:cTn id="9" fill="hold">
+                            <p:stCondLst>
+                              <p:cond delay="0"/>
+                            </p:stCondLst>
+                            <p:childTnLst>
+                              <p:par>
+                                <p:cTn id="10" presetID="10" presetClass="entr" presetSubtype="0" fill="hold" nodeType="clickEffect">
+                                  <p:stCondLst>
+                                    <p:cond delay="0"/>
+                                  </p:stCondLst>
+                                  <p:childTnLst>
+                                    <p:set>
+                                      <p:cBhvr>
+                                        <p:cTn id="11" dur="1" fill="hold">
+                                          <p:stCondLst>
+                                            <p:cond delay="0"/>
+                                          </p:stCondLst>
+                                        </p:cTn>
+                                        <p:tgtEl>
+                                          <p:spTgt spid="3">
+                                            <p:txEl>
+                                              <p:pRg st="0" end="0"/>
+                                            </p:txEl>
+                                          </p:spTgt>
+                                        </p:tgtEl>
+                                        <p:attrNameLst>
+                                          <p:attrName>style.visibility</p:attrName>
+                                        </p:attrNameLst>
+                                      </p:cBhvr>
+                                      <p:to>
+                                        <p:strVal val="visible"/>
+                                      </p:to>
+                                    </p:set>
+                                    <p:animEffect transition="in" filter="fade">
+                                      <p:cBhvr>
+                                        <p:cTn id="12" dur="500"/>
+                                        <p:tgtEl>
+                                          <p:spTgt spid="3">
+                                            <p:txEl>
+                                              <p:pRg st="0" end="0"/>
+                                            </p:txEl>
+                                          </p:spTgt>
+                                        </p:tgtEl>
+                                      </p:cBhvr>
+                                    </p:animEffect>
+                                  </p:childTnLst>
+                                </p:cTn>
+                              </p:par>
+                              <p:par>
+                                <p:cTn id="13" presetID="10" presetClass="entr" presetSubtype="0" fill="hold" nodeType="withEffect">
+                                  <p:stCondLst>
+                                    <p:cond delay="0"/>
+                                  </p:stCondLst>
+                                  <p:childTnLst>
+                                    <p:set>
+                                      <p:cBhvr>
+                                        <p:cTn id="14" dur="1" fill="hold">
+                                          <p:stCondLst>
+                                            <p:cond delay="0"/>
+                                          </p:stCondLst>
+                                        </p:cTn>
+                                        <p:tgtEl>
+                                          <p:spTgt spid="3">
+                                            <p:txEl>
+                                              <p:pRg st="1" end="1"/>
+                                            </p:txEl>
+                                          </p:spTgt>
+                                        </p:tgtEl>
+                                        <p:attrNameLst>
+                                          <p:attrName>style.visibility</p:attrName>
+                                        </p:attrNameLst>
+                                      </p:cBhvr>
+                                      <p:to>
+                                        <p:strVal val="visible"/>
+                                      </p:to>
+                                    </p:set>
+                                    <p:animEffect transition="in" filter="fade">
+                                      <p:cBhvr>
+                                        <p:cTn id="15" dur="500"/>
+                                        <p:tgtEl>
+                                          <p:spTgt spid="3">
+                                            <p:txEl>
+                                              <p:pRg st="1" end="1"/>
+                                            </p:txEl>
+                                          </p:spTgt>
+                                        </p:tgtEl>
+                                      </p:cBhvr>
+                                    </p:animEffect>
+                                  </p:childTnLst>
+                                </p:cTn>
+                              </p:par>
+                              <p:par>
+                                <p:cTn id="16" presetID="10" presetClass="entr" presetSubtype="0" fill="hold" nodeType="withEffect">
+                                  <p:stCondLst>
+                                    <p:cond delay="0"/>
+                                  </p:stCondLst>
+                                  <p:childTnLst>
+                                    <p:set>
+                                      <p:cBhvr>
+                                        <p:cTn id="17" dur="1" fill="hold">
+                                          <p:stCondLst>
+                                            <p:cond delay="0"/>
+                                          </p:stCondLst>
+                                        </p:cTn>
+                                        <p:tgtEl>
+                                          <p:spTgt spid="3">
+                                            <p:txEl>
+                                              <p:pRg st="2" end="2"/>
+                                            </p:txEl>
+                                          </p:spTgt>
+                                        </p:tgtEl>
+                                        <p:attrNameLst>
+                                          <p:attrName>style.visibility</p:attrName>
+                                        </p:attrNameLst>
+                                      </p:cBhvr>
+                                      <p:to>
+                                        <p:strVal val="visible"/>
+                                      </p:to>
+                                    </p:set>
+                                    <p:animEffect transition="in" filter="fade">
+                                      <p:cBhvr>
+                                        <p:cTn id="18" dur="500"/>
+                                        <p:tgtEl>
+                                          <p:spTgt spid="3">
+                                            <p:txEl>
+                                              <p:pRg st="2" end="2"/>
+                                            </p:txEl>
+                                          </p:spTgt>
+                                        </p:tgtEl>
+                                      </p:cBhvr>
+                                    </p:animEffect>
+                                  </p:childTnLst>
+                                </p:cTn>
+                              </p:par>
+                              <p:par>
+                                <p:cTn id="19" presetID="10" presetClass="entr" presetSubtype="0" fill="hold" nodeType="withEffect">
+                                  <p:stCondLst>
+                                    <p:cond delay="0"/>
+                                  </p:stCondLst>
+                                  <p:childTnLst>
+                                    <p:set>
+                                      <p:cBhvr>
+                                        <p:cTn id="20" dur="1" fill="hold">
+                                          <p:stCondLst>
+                                            <p:cond delay="0"/>
+                                          </p:stCondLst>
+                                        </p:cTn>
+                                        <p:tgtEl>
+                                          <p:spTgt spid="3">
+                                            <p:txEl>
+                                              <p:pRg st="3" end="3"/>
+                                            </p:txEl>
+                                          </p:spTgt>
+                                        </p:tgtEl>
+                                        <p:attrNameLst>
+                                          <p:attrName>style.visibility</p:attrName>
+                                        </p:attrNameLst>
+                                      </p:cBhvr>
+                                      <p:to>
+                                        <p:strVal val="visible"/>
+                                      </p:to>
+                                    </p:set>
+                                    <p:animEffect transition="in" filter="fade">
+                                      <p:cBhvr>
+                                        <p:cTn id="21" dur="500"/>
+                                        <p:tgtEl>
+                                          <p:spTgt spid="3">
+                                            <p:txEl>
+                                              <p:pRg st="3" end="3"/>
+                                            </p:txEl>
+                                          </p:spTgt>
+                                        </p:tgtEl>
+                                      </p:cBhvr>
+                                    </p:animEffect>
+                                  </p:childTnLst>
+                                </p:cTn>
+                              </p:par>
+                            </p:childTnLst>
+                          </p:cTn>
+                        </p:par>
+                      </p:childTnLst>
+                    </p:cTn>
+                  </p:par>
+                  <p:par>
+                    <p:cTn id="22" fill="hold">
+                      <p:stCondLst>
+                        <p:cond delay="indefinite"/>
+                      </p:stCondLst>
+                      <p:childTnLst>
+                        <p:par>
+                          <p:cTn id="23" fill="hold">
+                            <p:stCondLst>
+                              <p:cond delay="0"/>
+                            </p:stCondLst>
+                            <p:childTnLst>
+                              <p:par>
+                                <p:cTn id="24" presetID="10" presetClass="entr" presetSubtype="0" fill="hold" nodeType="clickEffect">
+                                  <p:stCondLst>
+                                    <p:cond delay="0"/>
+                                  </p:stCondLst>
+                                  <p:childTnLst>
+                                    <p:set>
+                                      <p:cBhvr>
+                                        <p:cTn id="25" dur="1" fill="hold">
+                                          <p:stCondLst>
+                                            <p:cond delay="0"/>
+                                          </p:stCondLst>
+                                        </p:cTn>
+                                        <p:tgtEl>
+                                          <p:spTgt spid="3">
+                                            <p:txEl>
+                                              <p:pRg st="5" end="5"/>
+                                            </p:txEl>
+                                          </p:spTgt>
+                                        </p:tgtEl>
+                                        <p:attrNameLst>
+                                          <p:attrName>style.visibility</p:attrName>
+                                        </p:attrNameLst>
+                                      </p:cBhvr>
+                                      <p:to>
+                                        <p:strVal val="visible"/>
+                                      </p:to>
+                                    </p:set>
+                                    <p:animEffect transition="in" filter="fade">
+                                      <p:cBhvr>
+                                        <p:cTn id="26" dur="500"/>
+                                        <p:tgtEl>
+                                          <p:spTgt spid="3">
+                                            <p:txEl>
+                                              <p:pRg st="5" end="5"/>
+                                            </p:txEl>
+                                          </p:spTgt>
+                                        </p:tgtEl>
+                                      </p:cBhvr>
+                                    </p:animEffect>
+                                  </p:childTnLst>
+                                </p:cTn>
+                              </p:par>
+                              <p:par>
+                                <p:cTn id="27" presetID="10" presetClass="entr" presetSubtype="0" fill="hold" nodeType="withEffect">
+                                  <p:stCondLst>
+                                    <p:cond delay="0"/>
+                                  </p:stCondLst>
+                                  <p:childTnLst>
+                                    <p:set>
+                                      <p:cBhvr>
+                                        <p:cTn id="28" dur="1" fill="hold">
+                                          <p:stCondLst>
+                                            <p:cond delay="0"/>
+                                          </p:stCondLst>
+                                        </p:cTn>
+                                        <p:tgtEl>
+                                          <p:spTgt spid="3">
+                                            <p:txEl>
+                                              <p:pRg st="6" end="6"/>
+                                            </p:txEl>
+                                          </p:spTgt>
+                                        </p:tgtEl>
+                                        <p:attrNameLst>
+                                          <p:attrName>style.visibility</p:attrName>
+                                        </p:attrNameLst>
+                                      </p:cBhvr>
+                                      <p:to>
+                                        <p:strVal val="visible"/>
+                                      </p:to>
+                                    </p:set>
+                                    <p:animEffect transition="in" filter="fade">
+                                      <p:cBhvr>
+                                        <p:cTn id="29" dur="500"/>
+                                        <p:tgtEl>
+                                          <p:spTgt spid="3">
+                                            <p:txEl>
+                                              <p:pRg st="6" end="6"/>
+                                            </p:txEl>
+                                          </p:spTgt>
+                                        </p:tgtEl>
+                                      </p:cBhvr>
+                                    </p:animEffect>
+                                  </p:childTnLst>
+                                </p:cTn>
+                              </p:par>
+                              <p:par>
+                                <p:cTn id="30" presetID="10" presetClass="entr" presetSubtype="0" fill="hold" nodeType="withEffect">
+                                  <p:stCondLst>
+                                    <p:cond delay="0"/>
+                                  </p:stCondLst>
+                                  <p:childTnLst>
+                                    <p:set>
+                                      <p:cBhvr>
+                                        <p:cTn id="31" dur="1" fill="hold">
+                                          <p:stCondLst>
+                                            <p:cond delay="0"/>
+                                          </p:stCondLst>
+                                        </p:cTn>
+                                        <p:tgtEl>
+                                          <p:spTgt spid="3">
+                                            <p:txEl>
+                                              <p:pRg st="7" end="7"/>
+                                            </p:txEl>
+                                          </p:spTgt>
+                                        </p:tgtEl>
+                                        <p:attrNameLst>
+                                          <p:attrName>style.visibility</p:attrName>
+                                        </p:attrNameLst>
+                                      </p:cBhvr>
+                                      <p:to>
+                                        <p:strVal val="visible"/>
+                                      </p:to>
+                                    </p:set>
+                                    <p:animEffect transition="in" filter="fade">
+                                      <p:cBhvr>
+                                        <p:cTn id="32" dur="500"/>
+                                        <p:tgtEl>
+                                          <p:spTgt spid="3">
+                                            <p:txEl>
+                                              <p:pRg st="7" end="7"/>
+                                            </p:txEl>
+                                          </p:spTgt>
+                                        </p:tgtEl>
+                                      </p:cBhvr>
+                                    </p:animEffect>
+                                  </p:childTnLst>
+                                </p:cTn>
+                              </p:par>
+                              <p:par>
+                                <p:cTn id="33" presetID="10" presetClass="entr" presetSubtype="0" fill="hold" nodeType="withEffect">
+                                  <p:stCondLst>
+                                    <p:cond delay="0"/>
+                                  </p:stCondLst>
+                                  <p:childTnLst>
+                                    <p:set>
+                                      <p:cBhvr>
+                                        <p:cTn id="34" dur="1" fill="hold">
+                                          <p:stCondLst>
+                                            <p:cond delay="0"/>
+                                          </p:stCondLst>
+                                        </p:cTn>
+                                        <p:tgtEl>
+                                          <p:spTgt spid="3">
+                                            <p:txEl>
+                                              <p:pRg st="8" end="8"/>
+                                            </p:txEl>
+                                          </p:spTgt>
+                                        </p:tgtEl>
+                                        <p:attrNameLst>
+                                          <p:attrName>style.visibility</p:attrName>
+                                        </p:attrNameLst>
+                                      </p:cBhvr>
+                                      <p:to>
+                                        <p:strVal val="visible"/>
+                                      </p:to>
+                                    </p:set>
+                                    <p:animEffect transition="in" filter="fade">
+                                      <p:cBhvr>
+                                        <p:cTn id="35" dur="500"/>
+                                        <p:tgtEl>
+                                          <p:spTgt spid="3">
+                                            <p:txEl>
+                                              <p:pRg st="8" end="8"/>
+                                            </p:txEl>
+                                          </p:spTgt>
+                                        </p:tgtEl>
+                                      </p:cBhvr>
+                                    </p:animEffect>
+                                  </p:childTnLst>
+                                </p:cTn>
+                              </p:par>
+                              <p:par>
+                                <p:cTn id="36" presetID="10" presetClass="entr" presetSubtype="0" fill="hold" nodeType="withEffect">
+                                  <p:stCondLst>
+                                    <p:cond delay="0"/>
+                                  </p:stCondLst>
+                                  <p:childTnLst>
+                                    <p:set>
+                                      <p:cBhvr>
+                                        <p:cTn id="37" dur="1" fill="hold">
+                                          <p:stCondLst>
+                                            <p:cond delay="0"/>
+                                          </p:stCondLst>
+                                        </p:cTn>
+                                        <p:tgtEl>
+                                          <p:spTgt spid="3">
+                                            <p:txEl>
+                                              <p:pRg st="9" end="9"/>
+                                            </p:txEl>
+                                          </p:spTgt>
+                                        </p:tgtEl>
+                                        <p:attrNameLst>
+                                          <p:attrName>style.visibility</p:attrName>
+                                        </p:attrNameLst>
+                                      </p:cBhvr>
+                                      <p:to>
+                                        <p:strVal val="visible"/>
+                                      </p:to>
+                                    </p:set>
+                                    <p:animEffect transition="in" filter="fade">
+                                      <p:cBhvr>
+                                        <p:cTn id="38" dur="500"/>
+                                        <p:tgtEl>
+                                          <p:spTgt spid="3">
+                                            <p:txEl>
+                                              <p:pRg st="9" end="9"/>
+                                            </p:txEl>
+                                          </p:spTgt>
+                                        </p:tgtEl>
+                                      </p:cBhvr>
+                                    </p:animEffect>
+                                  </p:childTnLst>
+                                </p:cTn>
+                              </p:par>
+                            </p:childTnLst>
+                          </p:cTn>
+                        </p:par>
+                      </p:childTnLst>
+                    </p:cTn>
+                  </p:par>
+                </p:childTnLst>
+              </p:cTn>
+              <p:prevCondLst>
+                <p:cond evt="onPrev" delay="0">
+                  <p:tgtEl>
+                    <p:sldTgt/>
+                  </p:tgtEl>
+                </p:cond>
+              </p:prevCondLst>
+              <p:nextCondLst>
+                <p:cond evt="onNext" delay="0">
+                  <p:tgtEl>
+                    <p:sldTgt/>
+                  </p:tgtEl>
+                </p:cond>
+              </p:nextCondLst>
+            </p:seq>
+          </p:childTnLst>
+        </p:cTn>
+      </p:par>
+    </p:tnLst>
+    <p:bldLst>
+      <p:bldP spid="2" grpId="0"/>
+    </p:bldLst>
+  </p:timing>
 </p:sld>
 </file>
 
@@ -5466,17 +9208,17 @@
           <a:p>
             <a:r>
               <a:rPr lang="en-US" dirty="0"/>
-              <a:t>First impact of COVID 19</a:t>
+              <a:t>First impact of COVID-19</a:t>
             </a:r>
           </a:p>
         </p:txBody>
       </p:sp>
       <p:pic>
         <p:nvPicPr>
-          <p:cNvPr id="17" name="Picture 16">
+          <p:cNvPr id="6" name="Picture 5">
             <a:extLst>
               <a:ext uri="{FF2B5EF4-FFF2-40B4-BE49-F238E27FC236}">
-                <a16:creationId xmlns:a16="http://schemas.microsoft.com/office/drawing/2014/main" id="{1827BF9D-4C46-8BBF-30C1-83BF2F51201F}"/>
+                <a16:creationId xmlns:a16="http://schemas.microsoft.com/office/drawing/2014/main" id="{18741CDD-0E4F-F70E-0491-ED7AD2B93B60}"/>
               </a:ext>
             </a:extLst>
           </p:cNvPr>
@@ -5493,8 +9235,8 @@
         </p:blipFill>
         <p:spPr>
           <a:xfrm>
-            <a:off x="0" y="1253236"/>
-            <a:ext cx="12192000" cy="5604764"/>
+            <a:off x="0" y="1215736"/>
+            <a:ext cx="12192000" cy="5575095"/>
           </a:xfrm>
           <a:prstGeom prst="rect">
             <a:avLst/>
@@ -5511,6 +9253,145 @@
   <p:clrMapOvr>
     <a:masterClrMapping/>
   </p:clrMapOvr>
+  <p:timing>
+    <p:tnLst>
+      <p:par>
+        <p:cTn id="1" dur="indefinite" restart="never" nodeType="tmRoot">
+          <p:childTnLst>
+            <p:seq concurrent="1" nextAc="seek">
+              <p:cTn id="2" dur="indefinite" nodeType="mainSeq">
+                <p:childTnLst>
+                  <p:par>
+                    <p:cTn id="3" fill="hold">
+                      <p:stCondLst>
+                        <p:cond delay="indefinite"/>
+                      </p:stCondLst>
+                      <p:childTnLst>
+                        <p:par>
+                          <p:cTn id="4" fill="hold">
+                            <p:stCondLst>
+                              <p:cond delay="0"/>
+                            </p:stCondLst>
+                            <p:childTnLst>
+                              <p:par>
+                                <p:cTn id="5" presetID="6" presetClass="entr" presetSubtype="16" fill="hold" grpId="0" nodeType="clickEffect">
+                                  <p:stCondLst>
+                                    <p:cond delay="0"/>
+                                  </p:stCondLst>
+                                  <p:childTnLst>
+                                    <p:set>
+                                      <p:cBhvr>
+                                        <p:cTn id="6" dur="1" fill="hold">
+                                          <p:stCondLst>
+                                            <p:cond delay="0"/>
+                                          </p:stCondLst>
+                                        </p:cTn>
+                                        <p:tgtEl>
+                                          <p:spTgt spid="2"/>
+                                        </p:tgtEl>
+                                        <p:attrNameLst>
+                                          <p:attrName>style.visibility</p:attrName>
+                                        </p:attrNameLst>
+                                      </p:cBhvr>
+                                      <p:to>
+                                        <p:strVal val="visible"/>
+                                      </p:to>
+                                    </p:set>
+                                    <p:animEffect transition="in" filter="circle(in)">
+                                      <p:cBhvr>
+                                        <p:cTn id="7" dur="1000"/>
+                                        <p:tgtEl>
+                                          <p:spTgt spid="2"/>
+                                        </p:tgtEl>
+                                      </p:cBhvr>
+                                    </p:animEffect>
+                                  </p:childTnLst>
+                                </p:cTn>
+                              </p:par>
+                            </p:childTnLst>
+                          </p:cTn>
+                        </p:par>
+                      </p:childTnLst>
+                    </p:cTn>
+                  </p:par>
+                  <p:par>
+                    <p:cTn id="8" fill="hold">
+                      <p:stCondLst>
+                        <p:cond delay="indefinite"/>
+                      </p:stCondLst>
+                      <p:childTnLst>
+                        <p:par>
+                          <p:cTn id="9" fill="hold">
+                            <p:stCondLst>
+                              <p:cond delay="0"/>
+                            </p:stCondLst>
+                            <p:childTnLst>
+                              <p:par>
+                                <p:cTn id="10" presetID="10" presetClass="entr" presetSubtype="0" fill="hold" nodeType="clickEffect">
+                                  <p:stCondLst>
+                                    <p:cond delay="0"/>
+                                  </p:stCondLst>
+                                  <p:childTnLst>
+                                    <p:set>
+                                      <p:cBhvr>
+                                        <p:cTn id="11" dur="1" fill="hold">
+                                          <p:stCondLst>
+                                            <p:cond delay="0"/>
+                                          </p:stCondLst>
+                                        </p:cTn>
+                                        <p:tgtEl>
+                                          <p:spTgt spid="6"/>
+                                        </p:tgtEl>
+                                        <p:attrNameLst>
+                                          <p:attrName>style.visibility</p:attrName>
+                                        </p:attrNameLst>
+                                      </p:cBhvr>
+                                      <p:to>
+                                        <p:strVal val="visible"/>
+                                      </p:to>
+                                    </p:set>
+                                    <p:animEffect transition="in" filter="fade">
+                                      <p:cBhvr>
+                                        <p:cTn id="12" dur="500"/>
+                                        <p:tgtEl>
+                                          <p:spTgt spid="6"/>
+                                        </p:tgtEl>
+                                      </p:cBhvr>
+                                    </p:animEffect>
+                                  </p:childTnLst>
+                                </p:cTn>
+                              </p:par>
+                            </p:childTnLst>
+                          </p:cTn>
+                        </p:par>
+                      </p:childTnLst>
+                    </p:cTn>
+                  </p:par>
+                </p:childTnLst>
+              </p:cTn>
+              <p:prevCondLst>
+                <p:cond evt="onPrev" delay="0">
+                  <p:tgtEl>
+                    <p:sldTgt/>
+                  </p:tgtEl>
+                </p:cond>
+              </p:prevCondLst>
+              <p:nextCondLst>
+                <p:cond evt="onNext" delay="0">
+                  <p:tgtEl>
+                    <p:sldTgt/>
+                  </p:tgtEl>
+                </p:cond>
+              </p:nextCondLst>
+            </p:seq>
+          </p:childTnLst>
+        </p:cTn>
+      </p:par>
+    </p:tnLst>
+    <p:bldLst>
+      <p:bldP spid="2" grpId="0"/>
+    </p:bldLst>
+  </p:timing>
 </p:sld>
 </file>
 
@@ -5555,18 +9436,18 @@
         </p:nvSpPr>
         <p:spPr>
           <a:xfrm>
-            <a:off x="612648" y="495438"/>
+            <a:off x="611124" y="436444"/>
             <a:ext cx="10969752" cy="782644"/>
           </a:xfrm>
         </p:spPr>
         <p:txBody>
           <a:bodyPr>
-            <a:normAutofit fontScale="90000"/>
+            <a:normAutofit/>
           </a:bodyPr>
           <a:lstStyle/>
           <a:p>
             <a:r>
-              <a:rPr lang="en-US" dirty="0"/>
+              <a:rPr lang="en-US" sz="4400" dirty="0"/>
               <a:t>First impact of COVID-19</a:t>
             </a:r>
           </a:p>
@@ -5633,6 +9514,183 @@
   <p:clrMapOvr>
     <a:masterClrMapping/>
   </p:clrMapOvr>
+  <p:timing>
+    <p:tnLst>
+      <p:par>
+        <p:cTn id="1" dur="indefinite" restart="never" nodeType="tmRoot">
+          <p:childTnLst>
+            <p:seq concurrent="1" nextAc="seek">
+              <p:cTn id="2" dur="indefinite" nodeType="mainSeq">
+                <p:childTnLst>
+                  <p:par>
+                    <p:cTn id="3" fill="hold">
+                      <p:stCondLst>
+                        <p:cond delay="indefinite"/>
+                      </p:stCondLst>
+                      <p:childTnLst>
+                        <p:par>
+                          <p:cTn id="4" fill="hold">
+                            <p:stCondLst>
+                              <p:cond delay="0"/>
+                            </p:stCondLst>
+                            <p:childTnLst>
+                              <p:par>
+                                <p:cTn id="5" presetID="10" presetClass="entr" presetSubtype="0" fill="hold" nodeType="clickEffect">
+                                  <p:stCondLst>
+                                    <p:cond delay="0"/>
+                                  </p:stCondLst>
+                                  <p:childTnLst>
+                                    <p:set>
+                                      <p:cBhvr>
+                                        <p:cTn id="6" dur="1" fill="hold">
+                                          <p:stCondLst>
+                                            <p:cond delay="0"/>
+                                          </p:stCondLst>
+                                        </p:cTn>
+                                        <p:tgtEl>
+                                          <p:spTgt spid="3">
+                                            <p:txEl>
+                                              <p:pRg st="0" end="0"/>
+                                            </p:txEl>
+                                          </p:spTgt>
+                                        </p:tgtEl>
+                                        <p:attrNameLst>
+                                          <p:attrName>style.visibility</p:attrName>
+                                        </p:attrNameLst>
+                                      </p:cBhvr>
+                                      <p:to>
+                                        <p:strVal val="visible"/>
+                                      </p:to>
+                                    </p:set>
+                                    <p:animEffect transition="in" filter="fade">
+                                      <p:cBhvr>
+                                        <p:cTn id="7" dur="500"/>
+                                        <p:tgtEl>
+                                          <p:spTgt spid="3">
+                                            <p:txEl>
+                                              <p:pRg st="0" end="0"/>
+                                            </p:txEl>
+                                          </p:spTgt>
+                                        </p:tgtEl>
+                                      </p:cBhvr>
+                                    </p:animEffect>
+                                  </p:childTnLst>
+                                </p:cTn>
+                              </p:par>
+                              <p:par>
+                                <p:cTn id="8" presetID="10" presetClass="entr" presetSubtype="0" fill="hold" nodeType="withEffect">
+                                  <p:stCondLst>
+                                    <p:cond delay="0"/>
+                                  </p:stCondLst>
+                                  <p:childTnLst>
+                                    <p:set>
+                                      <p:cBhvr>
+                                        <p:cTn id="9" dur="1" fill="hold">
+                                          <p:stCondLst>
+                                            <p:cond delay="0"/>
+                                          </p:stCondLst>
+                                        </p:cTn>
+                                        <p:tgtEl>
+                                          <p:spTgt spid="3">
+                                            <p:txEl>
+                                              <p:pRg st="1" end="1"/>
+                                            </p:txEl>
+                                          </p:spTgt>
+                                        </p:tgtEl>
+                                        <p:attrNameLst>
+                                          <p:attrName>style.visibility</p:attrName>
+                                        </p:attrNameLst>
+                                      </p:cBhvr>
+                                      <p:to>
+                                        <p:strVal val="visible"/>
+                                      </p:to>
+                                    </p:set>
+                                    <p:animEffect transition="in" filter="fade">
+                                      <p:cBhvr>
+                                        <p:cTn id="10" dur="500"/>
+                                        <p:tgtEl>
+                                          <p:spTgt spid="3">
+                                            <p:txEl>
+                                              <p:pRg st="1" end="1"/>
+                                            </p:txEl>
+                                          </p:spTgt>
+                                        </p:tgtEl>
+                                      </p:cBhvr>
+                                    </p:animEffect>
+                                  </p:childTnLst>
+                                </p:cTn>
+                              </p:par>
+                              <p:par>
+                                <p:cTn id="11" presetID="10" presetClass="entr" presetSubtype="0" fill="hold" nodeType="withEffect">
+                                  <p:stCondLst>
+                                    <p:cond delay="0"/>
+                                  </p:stCondLst>
+                                  <p:childTnLst>
+                                    <p:set>
+                                      <p:cBhvr>
+                                        <p:cTn id="12" dur="1" fill="hold">
+                                          <p:stCondLst>
+                                            <p:cond delay="0"/>
+                                          </p:stCondLst>
+                                        </p:cTn>
+                                        <p:tgtEl>
+                                          <p:spTgt spid="3">
+                                            <p:txEl>
+                                              <p:pRg st="2" end="2"/>
+                                            </p:txEl>
+                                          </p:spTgt>
+                                        </p:tgtEl>
+                                        <p:attrNameLst>
+                                          <p:attrName>style.visibility</p:attrName>
+                                        </p:attrNameLst>
+                                      </p:cBhvr>
+                                      <p:to>
+                                        <p:strVal val="visible"/>
+                                      </p:to>
+                                    </p:set>
+                                    <p:animEffect transition="in" filter="fade">
+                                      <p:cBhvr>
+                                        <p:cTn id="13" dur="500"/>
+                                        <p:tgtEl>
+                                          <p:spTgt spid="3">
+                                            <p:txEl>
+                                              <p:pRg st="2" end="2"/>
+                                            </p:txEl>
+                                          </p:spTgt>
+                                        </p:tgtEl>
+                                      </p:cBhvr>
+                                    </p:animEffect>
+                                  </p:childTnLst>
+                                </p:cTn>
+                              </p:par>
+                            </p:childTnLst>
+                          </p:cTn>
+                        </p:par>
+                      </p:childTnLst>
+                    </p:cTn>
+                  </p:par>
+                </p:childTnLst>
+              </p:cTn>
+              <p:prevCondLst>
+                <p:cond evt="onPrev" delay="0">
+                  <p:tgtEl>
+                    <p:sldTgt/>
+                  </p:tgtEl>
+                </p:cond>
+              </p:prevCondLst>
+              <p:nextCondLst>
+                <p:cond evt="onNext" delay="0">
+                  <p:tgtEl>
+                    <p:sldTgt/>
+                  </p:tgtEl>
+                </p:cond>
+              </p:nextCondLst>
+            </p:seq>
+          </p:childTnLst>
+        </p:cTn>
+      </p:par>
+    </p:tnLst>
+  </p:timing>
 </p:sld>
 </file>
 
@@ -5658,6 +9716,268 @@
           <p:cNvPr id="2" name="Title 1">
             <a:extLst>
               <a:ext uri="{FF2B5EF4-FFF2-40B4-BE49-F238E27FC236}">
+                <a16:creationId xmlns:a16="http://schemas.microsoft.com/office/drawing/2014/main" id="{5E36E97A-30BA-0727-9682-955D7A348CEC}"/>
+              </a:ext>
+            </a:extLst>
+          </p:cNvPr>
+          <p:cNvSpPr>
+            <a:spLocks noGrp="1"/>
+          </p:cNvSpPr>
+          <p:nvPr>
+            <p:ph type="title"/>
+          </p:nvPr>
+        </p:nvSpPr>
+        <p:spPr>
+          <a:xfrm>
+            <a:off x="609600" y="557784"/>
+            <a:ext cx="10972800" cy="779403"/>
+          </a:xfrm>
+        </p:spPr>
+        <p:txBody>
+          <a:bodyPr/>
+          <a:lstStyle/>
+          <a:p>
+            <a:r>
+              <a:rPr lang="en-US" dirty="0"/>
+              <a:t>COVID Timeline vs Volume Spike</a:t>
+            </a:r>
+          </a:p>
+        </p:txBody>
+      </p:sp>
+      <p:pic>
+        <p:nvPicPr>
+          <p:cNvPr id="9" name="Picture 8">
+            <a:extLst>
+              <a:ext uri="{FF2B5EF4-FFF2-40B4-BE49-F238E27FC236}">
+                <a16:creationId xmlns:a16="http://schemas.microsoft.com/office/drawing/2014/main" id="{B9599B7A-502A-C4A9-7390-75D46F00D24A}"/>
+              </a:ext>
+            </a:extLst>
+          </p:cNvPr>
+          <p:cNvPicPr>
+            <a:picLocks noChangeAspect="1"/>
+          </p:cNvPicPr>
+          <p:nvPr/>
+        </p:nvPicPr>
+        <p:blipFill>
+          <a:blip r:embed="rId2"/>
+          <a:stretch>
+            <a:fillRect/>
+          </a:stretch>
+        </p:blipFill>
+        <p:spPr>
+          <a:xfrm>
+            <a:off x="773723" y="1337187"/>
+            <a:ext cx="10972800" cy="5400675"/>
+          </a:xfrm>
+          <a:prstGeom prst="rect">
+            <a:avLst/>
+          </a:prstGeom>
+        </p:spPr>
+      </p:pic>
+    </p:spTree>
+    <p:extLst>
+      <p:ext uri="{BB962C8B-B14F-4D97-AF65-F5344CB8AC3E}">
+        <p14:creationId xmlns:p14="http://schemas.microsoft.com/office/powerpoint/2010/main" val="1963768160"/>
+      </p:ext>
+    </p:extLst>
+  </p:cSld>
+  <p:clrMapOvr>
+    <a:masterClrMapping/>
+  </p:clrMapOvr>
+  <p:timing>
+    <p:tnLst>
+      <p:par>
+        <p:cTn id="1" dur="indefinite" restart="never" nodeType="tmRoot">
+          <p:childTnLst>
+            <p:seq concurrent="1" nextAc="seek">
+              <p:cTn id="2" dur="indefinite" nodeType="mainSeq">
+                <p:childTnLst>
+                  <p:par>
+                    <p:cTn id="3" fill="hold">
+                      <p:stCondLst>
+                        <p:cond delay="indefinite"/>
+                      </p:stCondLst>
+                      <p:childTnLst>
+                        <p:par>
+                          <p:cTn id="4" fill="hold">
+                            <p:stCondLst>
+                              <p:cond delay="0"/>
+                            </p:stCondLst>
+                            <p:childTnLst>
+                              <p:par>
+                                <p:cTn id="5" presetID="16" presetClass="entr" presetSubtype="21" fill="hold" grpId="0" nodeType="clickEffect">
+                                  <p:stCondLst>
+                                    <p:cond delay="0"/>
+                                  </p:stCondLst>
+                                  <p:childTnLst>
+                                    <p:set>
+                                      <p:cBhvr>
+                                        <p:cTn id="6" dur="1" fill="hold">
+                                          <p:stCondLst>
+                                            <p:cond delay="0"/>
+                                          </p:stCondLst>
+                                        </p:cTn>
+                                        <p:tgtEl>
+                                          <p:spTgt spid="2"/>
+                                        </p:tgtEl>
+                                        <p:attrNameLst>
+                                          <p:attrName>style.visibility</p:attrName>
+                                        </p:attrNameLst>
+                                      </p:cBhvr>
+                                      <p:to>
+                                        <p:strVal val="visible"/>
+                                      </p:to>
+                                    </p:set>
+                                    <p:animEffect transition="in" filter="barn(inVertical)">
+                                      <p:cBhvr>
+                                        <p:cTn id="7" dur="500"/>
+                                        <p:tgtEl>
+                                          <p:spTgt spid="2"/>
+                                        </p:tgtEl>
+                                      </p:cBhvr>
+                                    </p:animEffect>
+                                  </p:childTnLst>
+                                </p:cTn>
+                              </p:par>
+                            </p:childTnLst>
+                          </p:cTn>
+                        </p:par>
+                      </p:childTnLst>
+                    </p:cTn>
+                  </p:par>
+                  <p:par>
+                    <p:cTn id="8" fill="hold">
+                      <p:stCondLst>
+                        <p:cond delay="indefinite"/>
+                      </p:stCondLst>
+                      <p:childTnLst>
+                        <p:par>
+                          <p:cTn id="9" fill="hold">
+                            <p:stCondLst>
+                              <p:cond delay="0"/>
+                            </p:stCondLst>
+                            <p:childTnLst>
+                              <p:par>
+                                <p:cTn id="10" presetID="10" presetClass="entr" presetSubtype="0" fill="hold" nodeType="clickEffect">
+                                  <p:stCondLst>
+                                    <p:cond delay="0"/>
+                                  </p:stCondLst>
+                                  <p:childTnLst>
+                                    <p:set>
+                                      <p:cBhvr>
+                                        <p:cTn id="11" dur="1" fill="hold">
+                                          <p:stCondLst>
+                                            <p:cond delay="0"/>
+                                          </p:stCondLst>
+                                        </p:cTn>
+                                        <p:tgtEl>
+                                          <p:spTgt spid="9"/>
+                                        </p:tgtEl>
+                                        <p:attrNameLst>
+                                          <p:attrName>style.visibility</p:attrName>
+                                        </p:attrNameLst>
+                                      </p:cBhvr>
+                                      <p:to>
+                                        <p:strVal val="visible"/>
+                                      </p:to>
+                                    </p:set>
+                                    <p:animEffect transition="in" filter="fade">
+                                      <p:cBhvr>
+                                        <p:cTn id="12" dur="500"/>
+                                        <p:tgtEl>
+                                          <p:spTgt spid="9"/>
+                                        </p:tgtEl>
+                                      </p:cBhvr>
+                                    </p:animEffect>
+                                  </p:childTnLst>
+                                </p:cTn>
+                              </p:par>
+                            </p:childTnLst>
+                          </p:cTn>
+                        </p:par>
+                      </p:childTnLst>
+                    </p:cTn>
+                  </p:par>
+                </p:childTnLst>
+              </p:cTn>
+              <p:prevCondLst>
+                <p:cond evt="onPrev" delay="0">
+                  <p:tgtEl>
+                    <p:sldTgt/>
+                  </p:tgtEl>
+                </p:cond>
+              </p:prevCondLst>
+              <p:nextCondLst>
+                <p:cond evt="onNext" delay="0">
+                  <p:tgtEl>
+                    <p:sldTgt/>
+                  </p:tgtEl>
+                </p:cond>
+              </p:nextCondLst>
+            </p:seq>
+          </p:childTnLst>
+        </p:cTn>
+      </p:par>
+    </p:tnLst>
+    <p:bldLst>
+      <p:bldP spid="2" grpId="0"/>
+    </p:bldLst>
+  </p:timing>
+</p:sld>
+</file>
+
+<file path=ppt/slides/slide6.xml><?xml version="1.0" encoding="utf-8"?>
+<p:sld xmlns:a="http://schemas.openxmlformats.org/drawingml/2006/main" xmlns:r="http://schemas.openxmlformats.org/officeDocument/2006/relationships" xmlns:p="http://schemas.openxmlformats.org/presentationml/2006/main">
+  <p:cSld>
+    <p:spTree>
+      <p:nvGrpSpPr>
+        <p:cNvPr id="1" name=""/>
+        <p:cNvGrpSpPr/>
+        <p:nvPr/>
+      </p:nvGrpSpPr>
+      <p:grpSpPr>
+        <a:xfrm>
+          <a:off x="0" y="0"/>
+          <a:ext cx="0" cy="0"/>
+          <a:chOff x="0" y="0"/>
+          <a:chExt cx="0" cy="0"/>
+        </a:xfrm>
+      </p:grpSpPr>
+      <p:pic>
+        <p:nvPicPr>
+          <p:cNvPr id="4" name="Picture 3">
+            <a:extLst>
+              <a:ext uri="{FF2B5EF4-FFF2-40B4-BE49-F238E27FC236}">
+                <a16:creationId xmlns:a16="http://schemas.microsoft.com/office/drawing/2014/main" id="{787C8572-E57B-2F50-3D92-C29A2B0918F8}"/>
+              </a:ext>
+            </a:extLst>
+          </p:cNvPr>
+          <p:cNvPicPr>
+            <a:picLocks noChangeAspect="1"/>
+          </p:cNvPicPr>
+          <p:nvPr/>
+        </p:nvPicPr>
+        <p:blipFill>
+          <a:blip r:embed="rId2"/>
+          <a:stretch>
+            <a:fillRect/>
+          </a:stretch>
+        </p:blipFill>
+        <p:spPr>
+          <a:xfrm>
+            <a:off x="632102" y="1319645"/>
+            <a:ext cx="10972800" cy="5471711"/>
+          </a:xfrm>
+          <a:prstGeom prst="rect">
+            <a:avLst/>
+          </a:prstGeom>
+        </p:spPr>
+      </p:pic>
+      <p:sp>
+        <p:nvSpPr>
+          <p:cNvPr id="2" name="Title 1">
+            <a:extLst>
+              <a:ext uri="{FF2B5EF4-FFF2-40B4-BE49-F238E27FC236}">
                 <a16:creationId xmlns:a16="http://schemas.microsoft.com/office/drawing/2014/main" id="{D90915F6-596C-17A4-8A35-CE84DFC63CB3}"/>
               </a:ext>
             </a:extLst>
@@ -5677,7 +9997,7 @@
         </p:spPr>
         <p:txBody>
           <a:bodyPr>
-            <a:normAutofit fontScale="90000"/>
+            <a:noAutofit/>
           </a:bodyPr>
           <a:lstStyle/>
           <a:p>
@@ -5688,35 +10008,6 @@
           </a:p>
         </p:txBody>
       </p:sp>
-      <p:pic>
-        <p:nvPicPr>
-          <p:cNvPr id="5" name="Content Placeholder 4">
-            <a:extLst>
-              <a:ext uri="{FF2B5EF4-FFF2-40B4-BE49-F238E27FC236}">
-                <a16:creationId xmlns:a16="http://schemas.microsoft.com/office/drawing/2014/main" id="{F64BF953-D4E0-BA00-98A7-41178AD67080}"/>
-              </a:ext>
-            </a:extLst>
-          </p:cNvPr>
-          <p:cNvPicPr>
-            <a:picLocks noGrp="1" noChangeAspect="1"/>
-          </p:cNvPicPr>
-          <p:nvPr>
-            <p:ph idx="1"/>
-          </p:nvPr>
-        </p:nvPicPr>
-        <p:blipFill>
-          <a:blip r:embed="rId2"/>
-          <a:stretch>
-            <a:fillRect/>
-          </a:stretch>
-        </p:blipFill>
-        <p:spPr>
-          <a:xfrm>
-            <a:off x="0" y="1319646"/>
-            <a:ext cx="12192000" cy="5538354"/>
-          </a:xfrm>
-        </p:spPr>
-      </p:pic>
       <p:graphicFrame>
         <p:nvGraphicFramePr>
           <p:cNvPr id="9" name="Table 8">
@@ -5732,14 +10023,14 @@
           <p:nvPr>
             <p:extLst>
               <p:ext uri="{D42A27DB-BD31-4B8C-83A1-F6EECF244321}">
-                <p14:modId xmlns:p14="http://schemas.microsoft.com/office/powerpoint/2010/main" val="2245883032"/>
+                <p14:modId xmlns:p14="http://schemas.microsoft.com/office/powerpoint/2010/main" val="2796335087"/>
               </p:ext>
             </p:extLst>
           </p:nvPr>
         </p:nvGraphicFramePr>
         <p:xfrm>
-          <a:off x="5648037" y="1319645"/>
-          <a:ext cx="4628571" cy="1785665"/>
+          <a:off x="5165013" y="1383357"/>
+          <a:ext cx="4441211" cy="1785665"/>
         </p:xfrm>
         <a:graphic>
           <a:graphicData uri="http://schemas.openxmlformats.org/drawingml/2006/table">
@@ -5748,35 +10039,35 @@
                 <a:tableStyleId>{9D7B26C5-4107-4FEC-AEDC-1716B250A1EF}</a:tableStyleId>
               </a:tblPr>
               <a:tblGrid>
-                <a:gridCol w="1674468">
+                <a:gridCol w="1606687">
                   <a:extLst>
                     <a:ext uri="{9D8B030D-6E8A-4147-A177-3AD203B41FA5}">
                       <a16:colId xmlns:a16="http://schemas.microsoft.com/office/drawing/2014/main" val="584425468"/>
                     </a:ext>
                   </a:extLst>
                 </a:gridCol>
-                <a:gridCol w="695712">
+                <a:gridCol w="667550">
                   <a:extLst>
                     <a:ext uri="{9D8B030D-6E8A-4147-A177-3AD203B41FA5}">
                       <a16:colId xmlns:a16="http://schemas.microsoft.com/office/drawing/2014/main" val="2768743516"/>
                     </a:ext>
                   </a:extLst>
                 </a:gridCol>
-                <a:gridCol w="772381">
+                <a:gridCol w="741116">
                   <a:extLst>
                     <a:ext uri="{9D8B030D-6E8A-4147-A177-3AD203B41FA5}">
                       <a16:colId xmlns:a16="http://schemas.microsoft.com/office/drawing/2014/main" val="2304160170"/>
                     </a:ext>
                   </a:extLst>
                 </a:gridCol>
-                <a:gridCol w="752781">
+                <a:gridCol w="722309">
                   <a:extLst>
                     <a:ext uri="{9D8B030D-6E8A-4147-A177-3AD203B41FA5}">
                       <a16:colId xmlns:a16="http://schemas.microsoft.com/office/drawing/2014/main" val="3777036179"/>
                     </a:ext>
                   </a:extLst>
                 </a:gridCol>
-                <a:gridCol w="733229">
+                <a:gridCol w="703549">
                   <a:extLst>
                     <a:ext uri="{9D8B030D-6E8A-4147-A177-3AD203B41FA5}">
                       <a16:colId xmlns:a16="http://schemas.microsoft.com/office/drawing/2014/main" val="3053037997"/>
@@ -6251,10 +10542,128 @@
   <p:clrMapOvr>
     <a:masterClrMapping/>
   </p:clrMapOvr>
+  <p:timing>
+    <p:tnLst>
+      <p:par>
+        <p:cTn id="1" dur="indefinite" restart="never" nodeType="tmRoot">
+          <p:childTnLst>
+            <p:seq concurrent="1" nextAc="seek">
+              <p:cTn id="2" dur="indefinite" nodeType="mainSeq">
+                <p:childTnLst>
+                  <p:par>
+                    <p:cTn id="3" fill="hold">
+                      <p:stCondLst>
+                        <p:cond delay="indefinite"/>
+                      </p:stCondLst>
+                      <p:childTnLst>
+                        <p:par>
+                          <p:cTn id="4" fill="hold">
+                            <p:stCondLst>
+                              <p:cond delay="0"/>
+                            </p:stCondLst>
+                            <p:childTnLst>
+                              <p:par>
+                                <p:cTn id="5" presetID="10" presetClass="entr" presetSubtype="0" fill="hold" nodeType="clickEffect">
+                                  <p:stCondLst>
+                                    <p:cond delay="0"/>
+                                  </p:stCondLst>
+                                  <p:childTnLst>
+                                    <p:set>
+                                      <p:cBhvr>
+                                        <p:cTn id="6" dur="1" fill="hold">
+                                          <p:stCondLst>
+                                            <p:cond delay="0"/>
+                                          </p:stCondLst>
+                                        </p:cTn>
+                                        <p:tgtEl>
+                                          <p:spTgt spid="4"/>
+                                        </p:tgtEl>
+                                        <p:attrNameLst>
+                                          <p:attrName>style.visibility</p:attrName>
+                                        </p:attrNameLst>
+                                      </p:cBhvr>
+                                      <p:to>
+                                        <p:strVal val="visible"/>
+                                      </p:to>
+                                    </p:set>
+                                    <p:animEffect transition="in" filter="fade">
+                                      <p:cBhvr>
+                                        <p:cTn id="7" dur="500"/>
+                                        <p:tgtEl>
+                                          <p:spTgt spid="4"/>
+                                        </p:tgtEl>
+                                      </p:cBhvr>
+                                    </p:animEffect>
+                                  </p:childTnLst>
+                                </p:cTn>
+                              </p:par>
+                              <p:par>
+                                <p:cTn id="8" presetID="10" presetClass="entr" presetSubtype="0" fill="hold" nodeType="withEffect">
+                                  <p:stCondLst>
+                                    <p:cond delay="0"/>
+                                  </p:stCondLst>
+                                  <p:childTnLst>
+                                    <p:set>
+                                      <p:cBhvr>
+                                        <p:cTn id="9" dur="1" fill="hold">
+                                          <p:stCondLst>
+                                            <p:cond delay="0"/>
+                                          </p:stCondLst>
+                                        </p:cTn>
+                                        <p:tgtEl>
+                                          <p:spTgt spid="9"/>
+                                        </p:tgtEl>
+                                        <p:attrNameLst>
+                                          <p:attrName>style.visibility</p:attrName>
+                                        </p:attrNameLst>
+                                      </p:cBhvr>
+                                      <p:to>
+                                        <p:strVal val="visible"/>
+                                      </p:to>
+                                    </p:set>
+                                    <p:animEffect transition="in" filter="fade">
+                                      <p:cBhvr>
+                                        <p:cTn id="10" dur="500"/>
+                                        <p:tgtEl>
+                                          <p:spTgt spid="9"/>
+                                        </p:tgtEl>
+                                      </p:cBhvr>
+                                    </p:animEffect>
+                                  </p:childTnLst>
+                                </p:cTn>
+                              </p:par>
+                            </p:childTnLst>
+                          </p:cTn>
+                        </p:par>
+                      </p:childTnLst>
+                    </p:cTn>
+                  </p:par>
+                </p:childTnLst>
+              </p:cTn>
+              <p:prevCondLst>
+                <p:cond evt="onPrev" delay="0">
+                  <p:tgtEl>
+                    <p:sldTgt/>
+                  </p:tgtEl>
+                </p:cond>
+              </p:prevCondLst>
+              <p:nextCondLst>
+                <p:cond evt="onNext" delay="0">
+                  <p:tgtEl>
+                    <p:sldTgt/>
+                  </p:tgtEl>
+                </p:cond>
+              </p:nextCondLst>
+            </p:seq>
+          </p:childTnLst>
+        </p:cTn>
+      </p:par>
+    </p:tnLst>
+  </p:timing>
 </p:sld>
 </file>
 
-<file path=ppt/slides/slide6.xml><?xml version="1.0" encoding="utf-8"?>
+<file path=ppt/slides/slide7.xml><?xml version="1.0" encoding="utf-8"?>
 <p:sld xmlns:a="http://schemas.openxmlformats.org/drawingml/2006/main" xmlns:r="http://schemas.openxmlformats.org/officeDocument/2006/relationships" xmlns:p="http://schemas.openxmlformats.org/presentationml/2006/main">
   <p:cSld>
     <p:spTree>
@@ -6337,7 +10746,7 @@
         </p:nvSpPr>
         <p:spPr>
           <a:xfrm>
-            <a:off x="609600" y="557213"/>
+            <a:off x="609600" y="439226"/>
             <a:ext cx="10972800" cy="907905"/>
           </a:xfrm>
         </p:spPr>
@@ -6364,10 +10773,144 @@
   <p:clrMapOvr>
     <a:masterClrMapping/>
   </p:clrMapOvr>
+  <p:timing>
+    <p:tnLst>
+      <p:par>
+        <p:cTn id="1" dur="indefinite" restart="never" nodeType="tmRoot">
+          <p:childTnLst>
+            <p:seq concurrent="1" nextAc="seek">
+              <p:cTn id="2" dur="indefinite" nodeType="mainSeq">
+                <p:childTnLst>
+                  <p:par>
+                    <p:cTn id="3" fill="hold">
+                      <p:stCondLst>
+                        <p:cond delay="indefinite"/>
+                      </p:stCondLst>
+                      <p:childTnLst>
+                        <p:par>
+                          <p:cTn id="4" fill="hold">
+                            <p:stCondLst>
+                              <p:cond delay="0"/>
+                            </p:stCondLst>
+                            <p:childTnLst>
+                              <p:par>
+                                <p:cTn id="5" presetID="16" presetClass="entr" presetSubtype="21" fill="hold" nodeType="clickEffect">
+                                  <p:stCondLst>
+                                    <p:cond delay="0"/>
+                                  </p:stCondLst>
+                                  <p:childTnLst>
+                                    <p:set>
+                                      <p:cBhvr>
+                                        <p:cTn id="6" dur="1" fill="hold">
+                                          <p:stCondLst>
+                                            <p:cond delay="0"/>
+                                          </p:stCondLst>
+                                        </p:cTn>
+                                        <p:tgtEl>
+                                          <p:spTgt spid="3">
+                                            <p:txEl>
+                                              <p:pRg st="0" end="0"/>
+                                            </p:txEl>
+                                          </p:spTgt>
+                                        </p:tgtEl>
+                                        <p:attrNameLst>
+                                          <p:attrName>style.visibility</p:attrName>
+                                        </p:attrNameLst>
+                                      </p:cBhvr>
+                                      <p:to>
+                                        <p:strVal val="visible"/>
+                                      </p:to>
+                                    </p:set>
+                                    <p:animEffect transition="in" filter="barn(inVertical)">
+                                      <p:cBhvr>
+                                        <p:cTn id="7" dur="500"/>
+                                        <p:tgtEl>
+                                          <p:spTgt spid="3">
+                                            <p:txEl>
+                                              <p:pRg st="0" end="0"/>
+                                            </p:txEl>
+                                          </p:spTgt>
+                                        </p:tgtEl>
+                                      </p:cBhvr>
+                                    </p:animEffect>
+                                  </p:childTnLst>
+                                </p:cTn>
+                              </p:par>
+                              <p:par>
+                                <p:cTn id="8" presetID="16" presetClass="entr" presetSubtype="21" fill="hold" nodeType="withEffect">
+                                  <p:stCondLst>
+                                    <p:cond delay="0"/>
+                                  </p:stCondLst>
+                                  <p:childTnLst>
+                                    <p:set>
+                                      <p:cBhvr>
+                                        <p:cTn id="9" dur="1" fill="hold">
+                                          <p:stCondLst>
+                                            <p:cond delay="0"/>
+                                          </p:stCondLst>
+                                        </p:cTn>
+                                        <p:tgtEl>
+                                          <p:spTgt spid="3">
+                                            <p:txEl>
+                                              <p:pRg st="1" end="1"/>
+                                            </p:txEl>
+                                          </p:spTgt>
+                                        </p:tgtEl>
+                                        <p:attrNameLst>
+                                          <p:attrName>style.visibility</p:attrName>
+                                        </p:attrNameLst>
+                                      </p:cBhvr>
+                                      <p:to>
+                                        <p:strVal val="visible"/>
+                                      </p:to>
+                                    </p:set>
+                                    <p:animEffect transition="in" filter="barn(inVertical)">
+                                      <p:cBhvr>
+                                        <p:cTn id="10" dur="500"/>
+                                        <p:tgtEl>
+                                          <p:spTgt spid="3">
+                                            <p:txEl>
+                                              <p:pRg st="1" end="1"/>
+                                            </p:txEl>
+                                          </p:spTgt>
+                                        </p:tgtEl>
+                                      </p:cBhvr>
+                                    </p:animEffect>
+                                  </p:childTnLst>
+                                </p:cTn>
+                              </p:par>
+                            </p:childTnLst>
+                          </p:cTn>
+                        </p:par>
+                      </p:childTnLst>
+                    </p:cTn>
+                  </p:par>
+                </p:childTnLst>
+              </p:cTn>
+              <p:prevCondLst>
+                <p:cond evt="onPrev" delay="0">
+                  <p:tgtEl>
+                    <p:sldTgt/>
+                  </p:tgtEl>
+                </p:cond>
+              </p:prevCondLst>
+              <p:nextCondLst>
+                <p:cond evt="onNext" delay="0">
+                  <p:tgtEl>
+                    <p:sldTgt/>
+                  </p:tgtEl>
+                </p:cond>
+              </p:nextCondLst>
+            </p:seq>
+          </p:childTnLst>
+        </p:cTn>
+      </p:par>
+    </p:tnLst>
+  </p:timing>
 </p:sld>
 </file>
 
-<file path=ppt/slides/slide7.xml><?xml version="1.0" encoding="utf-8"?>
+<file path=ppt/slides/slide8.xml><?xml version="1.0" encoding="utf-8"?>
 <p:sld xmlns:a="http://schemas.openxmlformats.org/drawingml/2006/main" xmlns:r="http://schemas.openxmlformats.org/officeDocument/2006/relationships" xmlns:p="http://schemas.openxmlformats.org/presentationml/2006/main">
   <p:cSld>
     <p:spTree>
@@ -6509,10 +11052,149 @@
   <p:clrMapOvr>
     <a:masterClrMapping/>
   </p:clrMapOvr>
+  <p:timing>
+    <p:tnLst>
+      <p:par>
+        <p:cTn id="1" dur="indefinite" restart="never" nodeType="tmRoot">
+          <p:childTnLst>
+            <p:seq concurrent="1" nextAc="seek">
+              <p:cTn id="2" dur="indefinite" nodeType="mainSeq">
+                <p:childTnLst>
+                  <p:par>
+                    <p:cTn id="3" fill="hold">
+                      <p:stCondLst>
+                        <p:cond delay="indefinite"/>
+                      </p:stCondLst>
+                      <p:childTnLst>
+                        <p:par>
+                          <p:cTn id="4" fill="hold">
+                            <p:stCondLst>
+                              <p:cond delay="0"/>
+                            </p:stCondLst>
+                            <p:childTnLst>
+                              <p:par>
+                                <p:cTn id="5" presetID="16" presetClass="entr" presetSubtype="21" fill="hold" grpId="0" nodeType="clickEffect">
+                                  <p:stCondLst>
+                                    <p:cond delay="0"/>
+                                  </p:stCondLst>
+                                  <p:childTnLst>
+                                    <p:set>
+                                      <p:cBhvr>
+                                        <p:cTn id="6" dur="1" fill="hold">
+                                          <p:stCondLst>
+                                            <p:cond delay="0"/>
+                                          </p:stCondLst>
+                                        </p:cTn>
+                                        <p:tgtEl>
+                                          <p:spTgt spid="2"/>
+                                        </p:tgtEl>
+                                        <p:attrNameLst>
+                                          <p:attrName>style.visibility</p:attrName>
+                                        </p:attrNameLst>
+                                      </p:cBhvr>
+                                      <p:to>
+                                        <p:strVal val="visible"/>
+                                      </p:to>
+                                    </p:set>
+                                    <p:animEffect transition="in" filter="barn(inVertical)">
+                                      <p:cBhvr>
+                                        <p:cTn id="7" dur="500"/>
+                                        <p:tgtEl>
+                                          <p:spTgt spid="2"/>
+                                        </p:tgtEl>
+                                      </p:cBhvr>
+                                    </p:animEffect>
+                                  </p:childTnLst>
+                                </p:cTn>
+                              </p:par>
+                            </p:childTnLst>
+                          </p:cTn>
+                        </p:par>
+                      </p:childTnLst>
+                    </p:cTn>
+                  </p:par>
+                  <p:par>
+                    <p:cTn id="8" fill="hold">
+                      <p:stCondLst>
+                        <p:cond delay="indefinite"/>
+                      </p:stCondLst>
+                      <p:childTnLst>
+                        <p:par>
+                          <p:cTn id="9" fill="hold">
+                            <p:stCondLst>
+                              <p:cond delay="0"/>
+                            </p:stCondLst>
+                            <p:childTnLst>
+                              <p:par>
+                                <p:cTn id="10" presetID="10" presetClass="entr" presetSubtype="0" fill="hold" nodeType="clickEffect">
+                                  <p:stCondLst>
+                                    <p:cond delay="0"/>
+                                  </p:stCondLst>
+                                  <p:childTnLst>
+                                    <p:set>
+                                      <p:cBhvr>
+                                        <p:cTn id="11" dur="1" fill="hold">
+                                          <p:stCondLst>
+                                            <p:cond delay="0"/>
+                                          </p:stCondLst>
+                                        </p:cTn>
+                                        <p:tgtEl>
+                                          <p:spTgt spid="28"/>
+                                        </p:tgtEl>
+                                        <p:attrNameLst>
+                                          <p:attrName>style.visibility</p:attrName>
+                                        </p:attrNameLst>
+                                      </p:cBhvr>
+                                      <p:to>
+                                        <p:strVal val="visible"/>
+                                      </p:to>
+                                    </p:set>
+                                    <p:animEffect transition="in" filter="fade">
+                                      <p:cBhvr>
+                                        <p:cTn id="12" dur="500"/>
+                                        <p:tgtEl>
+                                          <p:spTgt spid="28"/>
+                                        </p:tgtEl>
+                                      </p:cBhvr>
+                                    </p:animEffect>
+                                  </p:childTnLst>
+                                </p:cTn>
+                              </p:par>
+                            </p:childTnLst>
+                          </p:cTn>
+                        </p:par>
+                      </p:childTnLst>
+                    </p:cTn>
+                  </p:par>
+                </p:childTnLst>
+              </p:cTn>
+              <p:prevCondLst>
+                <p:cond evt="onPrev" delay="0">
+                  <p:tgtEl>
+                    <p:sldTgt/>
+                  </p:tgtEl>
+                </p:cond>
+              </p:prevCondLst>
+              <p:nextCondLst>
+                <p:cond evt="onNext" delay="0">
+                  <p:tgtEl>
+                    <p:sldTgt/>
+                  </p:tgtEl>
+                </p:cond>
+              </p:nextCondLst>
+            </p:seq>
+          </p:childTnLst>
+        </p:cTn>
+      </p:par>
+    </p:tnLst>
+    <p:bldLst>
+      <p:bldP spid="2" grpId="0"/>
+    </p:bldLst>
+  </p:timing>
 </p:sld>
 </file>
 
-<file path=ppt/slides/slide8.xml><?xml version="1.0" encoding="utf-8"?>
+<file path=ppt/slides/slide9.xml><?xml version="1.0" encoding="utf-8"?>
 <p:sld xmlns:a="http://schemas.openxmlformats.org/drawingml/2006/main" xmlns:r="http://schemas.openxmlformats.org/officeDocument/2006/relationships" xmlns:p="http://schemas.openxmlformats.org/presentationml/2006/main">
   <p:cSld>
     <p:spTree>
@@ -6604,106 +11286,145 @@
   <p:clrMapOvr>
     <a:masterClrMapping/>
   </p:clrMapOvr>
-</p:sld>
-</file>
-
-<file path=ppt/slides/slide9.xml><?xml version="1.0" encoding="utf-8"?>
-<p:sld xmlns:a="http://schemas.openxmlformats.org/drawingml/2006/main" xmlns:r="http://schemas.openxmlformats.org/officeDocument/2006/relationships" xmlns:p="http://schemas.openxmlformats.org/presentationml/2006/main">
-  <p:cSld>
-    <p:spTree>
-      <p:nvGrpSpPr>
-        <p:cNvPr id="1" name=""/>
-        <p:cNvGrpSpPr/>
-        <p:nvPr/>
-      </p:nvGrpSpPr>
-      <p:grpSpPr>
-        <a:xfrm>
-          <a:off x="0" y="0"/>
-          <a:ext cx="0" cy="0"/>
-          <a:chOff x="0" y="0"/>
-          <a:chExt cx="0" cy="0"/>
-        </a:xfrm>
-      </p:grpSpPr>
-      <p:sp>
-        <p:nvSpPr>
-          <p:cNvPr id="2" name="Title 1">
-            <a:extLst>
-              <a:ext uri="{FF2B5EF4-FFF2-40B4-BE49-F238E27FC236}">
-                <a16:creationId xmlns:a16="http://schemas.microsoft.com/office/drawing/2014/main" id="{F13E0346-52B1-DF36-E0FB-015BB0BC147A}"/>
-              </a:ext>
-            </a:extLst>
-          </p:cNvPr>
-          <p:cNvSpPr>
-            <a:spLocks noGrp="1"/>
-          </p:cNvSpPr>
-          <p:nvPr>
-            <p:ph type="title"/>
-          </p:nvPr>
-        </p:nvSpPr>
-        <p:spPr>
-          <a:xfrm>
-            <a:off x="609600" y="557784"/>
-            <a:ext cx="10972800" cy="751471"/>
-          </a:xfrm>
-        </p:spPr>
-        <p:txBody>
-          <a:bodyPr>
-            <a:normAutofit fontScale="90000"/>
-          </a:bodyPr>
-          <a:lstStyle/>
-          <a:p>
-            <a:r>
-              <a:rPr lang="en-US" dirty="0"/>
-              <a:t>Peak Season Analysis</a:t>
-            </a:r>
-          </a:p>
-        </p:txBody>
-      </p:sp>
-      <p:sp>
-        <p:nvSpPr>
-          <p:cNvPr id="3" name="Content Placeholder 2">
-            <a:extLst>
-              <a:ext uri="{FF2B5EF4-FFF2-40B4-BE49-F238E27FC236}">
-                <a16:creationId xmlns:a16="http://schemas.microsoft.com/office/drawing/2014/main" id="{6F3D3805-B2BD-A221-B15A-73FBC9F7103C}"/>
-              </a:ext>
-            </a:extLst>
-          </p:cNvPr>
-          <p:cNvSpPr>
-            <a:spLocks noGrp="1"/>
-          </p:cNvSpPr>
-          <p:nvPr>
-            <p:ph idx="1"/>
-          </p:nvPr>
-        </p:nvSpPr>
-        <p:spPr>
-          <a:xfrm>
-            <a:off x="609600" y="1846431"/>
-            <a:ext cx="10972800" cy="1146151"/>
-          </a:xfrm>
-        </p:spPr>
-        <p:txBody>
-          <a:bodyPr>
-            <a:normAutofit/>
-          </a:bodyPr>
-          <a:lstStyle/>
-          <a:p>
-            <a:r>
-              <a:rPr lang="en-US" sz="2400" b="1" dirty="0"/>
-              <a:t>→ COVID accelerated the e-commerce peak season, leading to a sharp increase in parcel demand</a:t>
-            </a:r>
-          </a:p>
-        </p:txBody>
-      </p:sp>
-    </p:spTree>
-    <p:extLst>
-      <p:ext uri="{BB962C8B-B14F-4D97-AF65-F5344CB8AC3E}">
-        <p14:creationId xmlns:p14="http://schemas.microsoft.com/office/powerpoint/2010/main" val="2801668312"/>
-      </p:ext>
-    </p:extLst>
-  </p:cSld>
-  <p:clrMapOvr>
-    <a:masterClrMapping/>
-  </p:clrMapOvr>
+  <p:timing>
+    <p:tnLst>
+      <p:par>
+        <p:cTn id="1" dur="indefinite" restart="never" nodeType="tmRoot">
+          <p:childTnLst>
+            <p:seq concurrent="1" nextAc="seek">
+              <p:cTn id="2" dur="indefinite" nodeType="mainSeq">
+                <p:childTnLst>
+                  <p:par>
+                    <p:cTn id="3" fill="hold">
+                      <p:stCondLst>
+                        <p:cond delay="indefinite"/>
+                      </p:stCondLst>
+                      <p:childTnLst>
+                        <p:par>
+                          <p:cTn id="4" fill="hold">
+                            <p:stCondLst>
+                              <p:cond delay="0"/>
+                            </p:stCondLst>
+                            <p:childTnLst>
+                              <p:par>
+                                <p:cTn id="5" presetID="16" presetClass="entr" presetSubtype="21" fill="hold" grpId="0" nodeType="clickEffect">
+                                  <p:stCondLst>
+                                    <p:cond delay="0"/>
+                                  </p:stCondLst>
+                                  <p:childTnLst>
+                                    <p:set>
+                                      <p:cBhvr>
+                                        <p:cTn id="6" dur="1" fill="hold">
+                                          <p:stCondLst>
+                                            <p:cond delay="0"/>
+                                          </p:stCondLst>
+                                        </p:cTn>
+                                        <p:tgtEl>
+                                          <p:spTgt spid="2"/>
+                                        </p:tgtEl>
+                                        <p:attrNameLst>
+                                          <p:attrName>style.visibility</p:attrName>
+                                        </p:attrNameLst>
+                                      </p:cBhvr>
+                                      <p:to>
+                                        <p:strVal val="visible"/>
+                                      </p:to>
+                                    </p:set>
+                                    <p:animEffect transition="in" filter="barn(inVertical)">
+                                      <p:cBhvr>
+                                        <p:cTn id="7" dur="500"/>
+                                        <p:tgtEl>
+                                          <p:spTgt spid="2"/>
+                                        </p:tgtEl>
+                                      </p:cBhvr>
+                                    </p:animEffect>
+                                  </p:childTnLst>
+                                </p:cTn>
+                              </p:par>
+                            </p:childTnLst>
+                          </p:cTn>
+                        </p:par>
+                      </p:childTnLst>
+                    </p:cTn>
+                  </p:par>
+                  <p:par>
+                    <p:cTn id="8" fill="hold">
+                      <p:stCondLst>
+                        <p:cond delay="indefinite"/>
+                      </p:stCondLst>
+                      <p:childTnLst>
+                        <p:par>
+                          <p:cTn id="9" fill="hold">
+                            <p:stCondLst>
+                              <p:cond delay="0"/>
+                            </p:stCondLst>
+                            <p:childTnLst>
+                              <p:par>
+                                <p:cTn id="10" presetID="10" presetClass="entr" presetSubtype="0" fill="hold" nodeType="clickEffect">
+                                  <p:stCondLst>
+                                    <p:cond delay="0"/>
+                                  </p:stCondLst>
+                                  <p:childTnLst>
+                                    <p:set>
+                                      <p:cBhvr>
+                                        <p:cTn id="11" dur="1" fill="hold">
+                                          <p:stCondLst>
+                                            <p:cond delay="0"/>
+                                          </p:stCondLst>
+                                        </p:cTn>
+                                        <p:tgtEl>
+                                          <p:spTgt spid="5"/>
+                                        </p:tgtEl>
+                                        <p:attrNameLst>
+                                          <p:attrName>style.visibility</p:attrName>
+                                        </p:attrNameLst>
+                                      </p:cBhvr>
+                                      <p:to>
+                                        <p:strVal val="visible"/>
+                                      </p:to>
+                                    </p:set>
+                                    <p:animEffect transition="in" filter="fade">
+                                      <p:cBhvr>
+                                        <p:cTn id="12" dur="500"/>
+                                        <p:tgtEl>
+                                          <p:spTgt spid="5"/>
+                                        </p:tgtEl>
+                                      </p:cBhvr>
+                                    </p:animEffect>
+                                  </p:childTnLst>
+                                </p:cTn>
+                              </p:par>
+                            </p:childTnLst>
+                          </p:cTn>
+                        </p:par>
+                      </p:childTnLst>
+                    </p:cTn>
+                  </p:par>
+                </p:childTnLst>
+              </p:cTn>
+              <p:prevCondLst>
+                <p:cond evt="onPrev" delay="0">
+                  <p:tgtEl>
+                    <p:sldTgt/>
+                  </p:tgtEl>
+                </p:cond>
+              </p:prevCondLst>
+              <p:nextCondLst>
+                <p:cond evt="onNext" delay="0">
+                  <p:tgtEl>
+                    <p:sldTgt/>
+                  </p:tgtEl>
+                </p:cond>
+              </p:nextCondLst>
+            </p:seq>
+          </p:childTnLst>
+        </p:cTn>
+      </p:par>
+    </p:tnLst>
+    <p:bldLst>
+      <p:bldP spid="2" grpId="0"/>
+    </p:bldLst>
+  </p:timing>
 </p:sld>
 </file>
 

--- a/Project.pptx
+++ b/Project.pptx
@@ -7,21 +7,23 @@
   <p:sldIdLst>
     <p:sldId id="256" r:id="rId2"/>
     <p:sldId id="257" r:id="rId3"/>
-    <p:sldId id="259" r:id="rId4"/>
-    <p:sldId id="261" r:id="rId5"/>
-    <p:sldId id="271" r:id="rId6"/>
-    <p:sldId id="260" r:id="rId7"/>
-    <p:sldId id="262" r:id="rId8"/>
-    <p:sldId id="263" r:id="rId9"/>
-    <p:sldId id="264" r:id="rId10"/>
-    <p:sldId id="265" r:id="rId11"/>
-    <p:sldId id="266" r:id="rId12"/>
-    <p:sldId id="267" r:id="rId13"/>
-    <p:sldId id="268" r:id="rId14"/>
-    <p:sldId id="269" r:id="rId15"/>
-    <p:sldId id="270" r:id="rId16"/>
-    <p:sldId id="272" r:id="rId17"/>
-    <p:sldId id="273" r:id="rId18"/>
+    <p:sldId id="274" r:id="rId4"/>
+    <p:sldId id="275" r:id="rId5"/>
+    <p:sldId id="259" r:id="rId6"/>
+    <p:sldId id="261" r:id="rId7"/>
+    <p:sldId id="271" r:id="rId8"/>
+    <p:sldId id="260" r:id="rId9"/>
+    <p:sldId id="262" r:id="rId10"/>
+    <p:sldId id="263" r:id="rId11"/>
+    <p:sldId id="264" r:id="rId12"/>
+    <p:sldId id="265" r:id="rId13"/>
+    <p:sldId id="266" r:id="rId14"/>
+    <p:sldId id="267" r:id="rId15"/>
+    <p:sldId id="268" r:id="rId16"/>
+    <p:sldId id="269" r:id="rId17"/>
+    <p:sldId id="270" r:id="rId18"/>
+    <p:sldId id="272" r:id="rId19"/>
+    <p:sldId id="273" r:id="rId20"/>
   </p:sldIdLst>
   <p:sldSz cx="12192000" cy="6858000"/>
   <p:notesSz cx="6858000" cy="9144000"/>
@@ -4595,6 +4597,524 @@
           <p:cNvPr id="2" name="Title 1">
             <a:extLst>
               <a:ext uri="{FF2B5EF4-FFF2-40B4-BE49-F238E27FC236}">
+                <a16:creationId xmlns:a16="http://schemas.microsoft.com/office/drawing/2014/main" id="{44CF171D-2B56-4ED9-151A-7775F4853279}"/>
+              </a:ext>
+            </a:extLst>
+          </p:cNvPr>
+          <p:cNvSpPr>
+            <a:spLocks noGrp="1"/>
+          </p:cNvSpPr>
+          <p:nvPr>
+            <p:ph type="title"/>
+          </p:nvPr>
+        </p:nvSpPr>
+        <p:spPr>
+          <a:xfrm>
+            <a:off x="609600" y="173320"/>
+            <a:ext cx="10972800" cy="844989"/>
+          </a:xfrm>
+        </p:spPr>
+        <p:txBody>
+          <a:bodyPr/>
+          <a:lstStyle/>
+          <a:p>
+            <a:pPr algn="ctr"/>
+            <a:r>
+              <a:rPr lang="en-US" dirty="0"/>
+              <a:t>Peak Season Analysis (2019 vs 2020)</a:t>
+            </a:r>
+          </a:p>
+        </p:txBody>
+      </p:sp>
+      <p:grpSp>
+        <p:nvGrpSpPr>
+          <p:cNvPr id="28" name="Group 27">
+            <a:extLst>
+              <a:ext uri="{FF2B5EF4-FFF2-40B4-BE49-F238E27FC236}">
+                <a16:creationId xmlns:a16="http://schemas.microsoft.com/office/drawing/2014/main" id="{A4AA3BA3-9499-73CA-987F-E0911B2B66C0}"/>
+              </a:ext>
+            </a:extLst>
+          </p:cNvPr>
+          <p:cNvGrpSpPr/>
+          <p:nvPr/>
+        </p:nvGrpSpPr>
+        <p:grpSpPr>
+          <a:xfrm>
+            <a:off x="431440" y="1018309"/>
+            <a:ext cx="11495376" cy="5839691"/>
+            <a:chOff x="265185" y="928117"/>
+            <a:chExt cx="11495376" cy="5929883"/>
+          </a:xfrm>
+        </p:grpSpPr>
+        <p:pic>
+          <p:nvPicPr>
+            <p:cNvPr id="26" name="Picture 25">
+              <a:extLst>
+                <a:ext uri="{FF2B5EF4-FFF2-40B4-BE49-F238E27FC236}">
+                  <a16:creationId xmlns:a16="http://schemas.microsoft.com/office/drawing/2014/main" id="{DEBB884E-886A-074B-B9D5-796C5FEB7A45}"/>
+                </a:ext>
+              </a:extLst>
+            </p:cNvPr>
+            <p:cNvPicPr>
+              <a:picLocks noChangeAspect="1"/>
+            </p:cNvPicPr>
+            <p:nvPr/>
+          </p:nvPicPr>
+          <p:blipFill>
+            <a:blip r:embed="rId2"/>
+            <a:stretch>
+              <a:fillRect/>
+            </a:stretch>
+          </p:blipFill>
+          <p:spPr>
+            <a:xfrm>
+              <a:off x="265185" y="928117"/>
+              <a:ext cx="11495376" cy="5839691"/>
+            </a:xfrm>
+            <a:prstGeom prst="rect">
+              <a:avLst/>
+            </a:prstGeom>
+          </p:spPr>
+        </p:pic>
+        <p:pic>
+          <p:nvPicPr>
+            <p:cNvPr id="16" name="Picture 15">
+              <a:extLst>
+                <a:ext uri="{FF2B5EF4-FFF2-40B4-BE49-F238E27FC236}">
+                  <a16:creationId xmlns:a16="http://schemas.microsoft.com/office/drawing/2014/main" id="{8B344489-F898-A33F-CECF-C21735A8005B}"/>
+                </a:ext>
+              </a:extLst>
+            </p:cNvPr>
+            <p:cNvPicPr>
+              <a:picLocks noChangeAspect="1"/>
+            </p:cNvPicPr>
+            <p:nvPr/>
+          </p:nvPicPr>
+          <p:blipFill>
+            <a:blip r:embed="rId3"/>
+            <a:stretch>
+              <a:fillRect/>
+            </a:stretch>
+          </p:blipFill>
+          <p:spPr>
+            <a:xfrm>
+              <a:off x="6729846" y="5638938"/>
+              <a:ext cx="3143250" cy="1219062"/>
+            </a:xfrm>
+            <a:prstGeom prst="rect">
+              <a:avLst/>
+            </a:prstGeom>
+          </p:spPr>
+        </p:pic>
+      </p:grpSp>
+    </p:spTree>
+    <p:extLst>
+      <p:ext uri="{BB962C8B-B14F-4D97-AF65-F5344CB8AC3E}">
+        <p14:creationId xmlns:p14="http://schemas.microsoft.com/office/powerpoint/2010/main" val="3306896646"/>
+      </p:ext>
+    </p:extLst>
+  </p:cSld>
+  <p:clrMapOvr>
+    <a:masterClrMapping/>
+  </p:clrMapOvr>
+  <p:timing>
+    <p:tnLst>
+      <p:par>
+        <p:cTn id="1" dur="indefinite" restart="never" nodeType="tmRoot">
+          <p:childTnLst>
+            <p:seq concurrent="1" nextAc="seek">
+              <p:cTn id="2" dur="indefinite" nodeType="mainSeq">
+                <p:childTnLst>
+                  <p:par>
+                    <p:cTn id="3" fill="hold">
+                      <p:stCondLst>
+                        <p:cond delay="indefinite"/>
+                      </p:stCondLst>
+                      <p:childTnLst>
+                        <p:par>
+                          <p:cTn id="4" fill="hold">
+                            <p:stCondLst>
+                              <p:cond delay="0"/>
+                            </p:stCondLst>
+                            <p:childTnLst>
+                              <p:par>
+                                <p:cTn id="5" presetID="16" presetClass="entr" presetSubtype="21" fill="hold" grpId="0" nodeType="clickEffect">
+                                  <p:stCondLst>
+                                    <p:cond delay="0"/>
+                                  </p:stCondLst>
+                                  <p:childTnLst>
+                                    <p:set>
+                                      <p:cBhvr>
+                                        <p:cTn id="6" dur="1" fill="hold">
+                                          <p:stCondLst>
+                                            <p:cond delay="0"/>
+                                          </p:stCondLst>
+                                        </p:cTn>
+                                        <p:tgtEl>
+                                          <p:spTgt spid="2"/>
+                                        </p:tgtEl>
+                                        <p:attrNameLst>
+                                          <p:attrName>style.visibility</p:attrName>
+                                        </p:attrNameLst>
+                                      </p:cBhvr>
+                                      <p:to>
+                                        <p:strVal val="visible"/>
+                                      </p:to>
+                                    </p:set>
+                                    <p:animEffect transition="in" filter="barn(inVertical)">
+                                      <p:cBhvr>
+                                        <p:cTn id="7" dur="500"/>
+                                        <p:tgtEl>
+                                          <p:spTgt spid="2"/>
+                                        </p:tgtEl>
+                                      </p:cBhvr>
+                                    </p:animEffect>
+                                  </p:childTnLst>
+                                </p:cTn>
+                              </p:par>
+                            </p:childTnLst>
+                          </p:cTn>
+                        </p:par>
+                      </p:childTnLst>
+                    </p:cTn>
+                  </p:par>
+                  <p:par>
+                    <p:cTn id="8" fill="hold">
+                      <p:stCondLst>
+                        <p:cond delay="indefinite"/>
+                      </p:stCondLst>
+                      <p:childTnLst>
+                        <p:par>
+                          <p:cTn id="9" fill="hold">
+                            <p:stCondLst>
+                              <p:cond delay="0"/>
+                            </p:stCondLst>
+                            <p:childTnLst>
+                              <p:par>
+                                <p:cTn id="10" presetID="10" presetClass="entr" presetSubtype="0" fill="hold" nodeType="clickEffect">
+                                  <p:stCondLst>
+                                    <p:cond delay="0"/>
+                                  </p:stCondLst>
+                                  <p:childTnLst>
+                                    <p:set>
+                                      <p:cBhvr>
+                                        <p:cTn id="11" dur="1" fill="hold">
+                                          <p:stCondLst>
+                                            <p:cond delay="0"/>
+                                          </p:stCondLst>
+                                        </p:cTn>
+                                        <p:tgtEl>
+                                          <p:spTgt spid="28"/>
+                                        </p:tgtEl>
+                                        <p:attrNameLst>
+                                          <p:attrName>style.visibility</p:attrName>
+                                        </p:attrNameLst>
+                                      </p:cBhvr>
+                                      <p:to>
+                                        <p:strVal val="visible"/>
+                                      </p:to>
+                                    </p:set>
+                                    <p:animEffect transition="in" filter="fade">
+                                      <p:cBhvr>
+                                        <p:cTn id="12" dur="500"/>
+                                        <p:tgtEl>
+                                          <p:spTgt spid="28"/>
+                                        </p:tgtEl>
+                                      </p:cBhvr>
+                                    </p:animEffect>
+                                  </p:childTnLst>
+                                </p:cTn>
+                              </p:par>
+                            </p:childTnLst>
+                          </p:cTn>
+                        </p:par>
+                      </p:childTnLst>
+                    </p:cTn>
+                  </p:par>
+                </p:childTnLst>
+              </p:cTn>
+              <p:prevCondLst>
+                <p:cond evt="onPrev" delay="0">
+                  <p:tgtEl>
+                    <p:sldTgt/>
+                  </p:tgtEl>
+                </p:cond>
+              </p:prevCondLst>
+              <p:nextCondLst>
+                <p:cond evt="onNext" delay="0">
+                  <p:tgtEl>
+                    <p:sldTgt/>
+                  </p:tgtEl>
+                </p:cond>
+              </p:nextCondLst>
+            </p:seq>
+          </p:childTnLst>
+        </p:cTn>
+      </p:par>
+    </p:tnLst>
+    <p:bldLst>
+      <p:bldP spid="2" grpId="0"/>
+    </p:bldLst>
+  </p:timing>
+</p:sld>
+</file>
+
+<file path=ppt/slides/slide11.xml><?xml version="1.0" encoding="utf-8"?>
+<p:sld xmlns:a="http://schemas.openxmlformats.org/drawingml/2006/main" xmlns:r="http://schemas.openxmlformats.org/officeDocument/2006/relationships" xmlns:p="http://schemas.openxmlformats.org/presentationml/2006/main">
+  <p:cSld>
+    <p:spTree>
+      <p:nvGrpSpPr>
+        <p:cNvPr id="1" name=""/>
+        <p:cNvGrpSpPr/>
+        <p:nvPr/>
+      </p:nvGrpSpPr>
+      <p:grpSpPr>
+        <a:xfrm>
+          <a:off x="0" y="0"/>
+          <a:ext cx="0" cy="0"/>
+          <a:chOff x="0" y="0"/>
+          <a:chExt cx="0" cy="0"/>
+        </a:xfrm>
+      </p:grpSpPr>
+      <p:sp>
+        <p:nvSpPr>
+          <p:cNvPr id="2" name="Title 1">
+            <a:extLst>
+              <a:ext uri="{FF2B5EF4-FFF2-40B4-BE49-F238E27FC236}">
+                <a16:creationId xmlns:a16="http://schemas.microsoft.com/office/drawing/2014/main" id="{F588A945-E1A5-C740-0749-7206BB505B89}"/>
+              </a:ext>
+            </a:extLst>
+          </p:cNvPr>
+          <p:cNvSpPr>
+            <a:spLocks noGrp="1"/>
+          </p:cNvSpPr>
+          <p:nvPr>
+            <p:ph type="title"/>
+          </p:nvPr>
+        </p:nvSpPr>
+        <p:spPr>
+          <a:xfrm>
+            <a:off x="609600" y="557784"/>
+            <a:ext cx="10972800" cy="1094371"/>
+          </a:xfrm>
+        </p:spPr>
+        <p:txBody>
+          <a:bodyPr>
+            <a:normAutofit fontScale="90000"/>
+          </a:bodyPr>
+          <a:lstStyle/>
+          <a:p>
+            <a:r>
+              <a:rPr lang="en-US" dirty="0"/>
+              <a:t>Peak Season Analysis (Pre-COVID and COVID Observation Period )</a:t>
+            </a:r>
+          </a:p>
+        </p:txBody>
+      </p:sp>
+      <p:pic>
+        <p:nvPicPr>
+          <p:cNvPr id="5" name="Picture 4">
+            <a:extLst>
+              <a:ext uri="{FF2B5EF4-FFF2-40B4-BE49-F238E27FC236}">
+                <a16:creationId xmlns:a16="http://schemas.microsoft.com/office/drawing/2014/main" id="{0A3A4FBF-BF19-CEEA-5C3A-EC711C3957F2}"/>
+              </a:ext>
+            </a:extLst>
+          </p:cNvPr>
+          <p:cNvPicPr>
+            <a:picLocks noChangeAspect="1"/>
+          </p:cNvPicPr>
+          <p:nvPr/>
+        </p:nvPicPr>
+        <p:blipFill>
+          <a:blip r:embed="rId2"/>
+          <a:stretch>
+            <a:fillRect/>
+          </a:stretch>
+        </p:blipFill>
+        <p:spPr>
+          <a:xfrm>
+            <a:off x="249382" y="1652154"/>
+            <a:ext cx="11565082" cy="5205845"/>
+          </a:xfrm>
+          <a:prstGeom prst="rect">
+            <a:avLst/>
+          </a:prstGeom>
+        </p:spPr>
+      </p:pic>
+    </p:spTree>
+    <p:extLst>
+      <p:ext uri="{BB962C8B-B14F-4D97-AF65-F5344CB8AC3E}">
+        <p14:creationId xmlns:p14="http://schemas.microsoft.com/office/powerpoint/2010/main" val="524735799"/>
+      </p:ext>
+    </p:extLst>
+  </p:cSld>
+  <p:clrMapOvr>
+    <a:masterClrMapping/>
+  </p:clrMapOvr>
+  <p:timing>
+    <p:tnLst>
+      <p:par>
+        <p:cTn id="1" dur="indefinite" restart="never" nodeType="tmRoot">
+          <p:childTnLst>
+            <p:seq concurrent="1" nextAc="seek">
+              <p:cTn id="2" dur="indefinite" nodeType="mainSeq">
+                <p:childTnLst>
+                  <p:par>
+                    <p:cTn id="3" fill="hold">
+                      <p:stCondLst>
+                        <p:cond delay="indefinite"/>
+                      </p:stCondLst>
+                      <p:childTnLst>
+                        <p:par>
+                          <p:cTn id="4" fill="hold">
+                            <p:stCondLst>
+                              <p:cond delay="0"/>
+                            </p:stCondLst>
+                            <p:childTnLst>
+                              <p:par>
+                                <p:cTn id="5" presetID="16" presetClass="entr" presetSubtype="21" fill="hold" grpId="0" nodeType="clickEffect">
+                                  <p:stCondLst>
+                                    <p:cond delay="0"/>
+                                  </p:stCondLst>
+                                  <p:childTnLst>
+                                    <p:set>
+                                      <p:cBhvr>
+                                        <p:cTn id="6" dur="1" fill="hold">
+                                          <p:stCondLst>
+                                            <p:cond delay="0"/>
+                                          </p:stCondLst>
+                                        </p:cTn>
+                                        <p:tgtEl>
+                                          <p:spTgt spid="2"/>
+                                        </p:tgtEl>
+                                        <p:attrNameLst>
+                                          <p:attrName>style.visibility</p:attrName>
+                                        </p:attrNameLst>
+                                      </p:cBhvr>
+                                      <p:to>
+                                        <p:strVal val="visible"/>
+                                      </p:to>
+                                    </p:set>
+                                    <p:animEffect transition="in" filter="barn(inVertical)">
+                                      <p:cBhvr>
+                                        <p:cTn id="7" dur="500"/>
+                                        <p:tgtEl>
+                                          <p:spTgt spid="2"/>
+                                        </p:tgtEl>
+                                      </p:cBhvr>
+                                    </p:animEffect>
+                                  </p:childTnLst>
+                                </p:cTn>
+                              </p:par>
+                            </p:childTnLst>
+                          </p:cTn>
+                        </p:par>
+                      </p:childTnLst>
+                    </p:cTn>
+                  </p:par>
+                  <p:par>
+                    <p:cTn id="8" fill="hold">
+                      <p:stCondLst>
+                        <p:cond delay="indefinite"/>
+                      </p:stCondLst>
+                      <p:childTnLst>
+                        <p:par>
+                          <p:cTn id="9" fill="hold">
+                            <p:stCondLst>
+                              <p:cond delay="0"/>
+                            </p:stCondLst>
+                            <p:childTnLst>
+                              <p:par>
+                                <p:cTn id="10" presetID="10" presetClass="entr" presetSubtype="0" fill="hold" nodeType="clickEffect">
+                                  <p:stCondLst>
+                                    <p:cond delay="0"/>
+                                  </p:stCondLst>
+                                  <p:childTnLst>
+                                    <p:set>
+                                      <p:cBhvr>
+                                        <p:cTn id="11" dur="1" fill="hold">
+                                          <p:stCondLst>
+                                            <p:cond delay="0"/>
+                                          </p:stCondLst>
+                                        </p:cTn>
+                                        <p:tgtEl>
+                                          <p:spTgt spid="5"/>
+                                        </p:tgtEl>
+                                        <p:attrNameLst>
+                                          <p:attrName>style.visibility</p:attrName>
+                                        </p:attrNameLst>
+                                      </p:cBhvr>
+                                      <p:to>
+                                        <p:strVal val="visible"/>
+                                      </p:to>
+                                    </p:set>
+                                    <p:animEffect transition="in" filter="fade">
+                                      <p:cBhvr>
+                                        <p:cTn id="12" dur="500"/>
+                                        <p:tgtEl>
+                                          <p:spTgt spid="5"/>
+                                        </p:tgtEl>
+                                      </p:cBhvr>
+                                    </p:animEffect>
+                                  </p:childTnLst>
+                                </p:cTn>
+                              </p:par>
+                            </p:childTnLst>
+                          </p:cTn>
+                        </p:par>
+                      </p:childTnLst>
+                    </p:cTn>
+                  </p:par>
+                </p:childTnLst>
+              </p:cTn>
+              <p:prevCondLst>
+                <p:cond evt="onPrev" delay="0">
+                  <p:tgtEl>
+                    <p:sldTgt/>
+                  </p:tgtEl>
+                </p:cond>
+              </p:prevCondLst>
+              <p:nextCondLst>
+                <p:cond evt="onNext" delay="0">
+                  <p:tgtEl>
+                    <p:sldTgt/>
+                  </p:tgtEl>
+                </p:cond>
+              </p:nextCondLst>
+            </p:seq>
+          </p:childTnLst>
+        </p:cTn>
+      </p:par>
+    </p:tnLst>
+    <p:bldLst>
+      <p:bldP spid="2" grpId="0"/>
+    </p:bldLst>
+  </p:timing>
+</p:sld>
+</file>
+
+<file path=ppt/slides/slide12.xml><?xml version="1.0" encoding="utf-8"?>
+<p:sld xmlns:a="http://schemas.openxmlformats.org/drawingml/2006/main" xmlns:r="http://schemas.openxmlformats.org/officeDocument/2006/relationships" xmlns:p="http://schemas.openxmlformats.org/presentationml/2006/main">
+  <p:cSld>
+    <p:spTree>
+      <p:nvGrpSpPr>
+        <p:cNvPr id="1" name=""/>
+        <p:cNvGrpSpPr/>
+        <p:nvPr/>
+      </p:nvGrpSpPr>
+      <p:grpSpPr>
+        <a:xfrm>
+          <a:off x="0" y="0"/>
+          <a:ext cx="0" cy="0"/>
+          <a:chOff x="0" y="0"/>
+          <a:chExt cx="0" cy="0"/>
+        </a:xfrm>
+      </p:grpSpPr>
+      <p:sp>
+        <p:nvSpPr>
+          <p:cNvPr id="2" name="Title 1">
+            <a:extLst>
+              <a:ext uri="{FF2B5EF4-FFF2-40B4-BE49-F238E27FC236}">
                 <a16:creationId xmlns:a16="http://schemas.microsoft.com/office/drawing/2014/main" id="{F13E0346-52B1-DF36-E0FB-015BB0BC147A}"/>
               </a:ext>
             </a:extLst>
@@ -4767,7 +5287,7 @@
 </p:sld>
 </file>
 
-<file path=ppt/slides/slide11.xml><?xml version="1.0" encoding="utf-8"?>
+<file path=ppt/slides/slide13.xml><?xml version="1.0" encoding="utf-8"?>
 <p:sld xmlns:a="http://schemas.openxmlformats.org/drawingml/2006/main" xmlns:r="http://schemas.openxmlformats.org/officeDocument/2006/relationships" xmlns:p="http://schemas.openxmlformats.org/presentationml/2006/main">
   <p:cSld>
     <p:spTree>
@@ -5149,7 +5669,7 @@
 </p:sld>
 </file>
 
-<file path=ppt/slides/slide12.xml><?xml version="1.0" encoding="utf-8"?>
+<file path=ppt/slides/slide14.xml><?xml version="1.0" encoding="utf-8"?>
 <p:sld xmlns:a="http://schemas.openxmlformats.org/drawingml/2006/main" xmlns:r="http://schemas.openxmlformats.org/officeDocument/2006/relationships" xmlns:p="http://schemas.openxmlformats.org/presentationml/2006/main">
   <p:cSld>
     <p:spTree>
@@ -5410,7 +5930,7 @@
 </p:sld>
 </file>
 
-<file path=ppt/slides/slide13.xml><?xml version="1.0" encoding="utf-8"?>
+<file path=ppt/slides/slide15.xml><?xml version="1.0" encoding="utf-8"?>
 <p:sld xmlns:a="http://schemas.openxmlformats.org/drawingml/2006/main" xmlns:r="http://schemas.openxmlformats.org/officeDocument/2006/relationships" xmlns:p="http://schemas.openxmlformats.org/presentationml/2006/main">
   <p:cSld>
     <p:spTree>
@@ -6018,7 +6538,7 @@
 </p:sld>
 </file>
 
-<file path=ppt/slides/slide14.xml><?xml version="1.0" encoding="utf-8"?>
+<file path=ppt/slides/slide16.xml><?xml version="1.0" encoding="utf-8"?>
 <p:sld xmlns:a="http://schemas.openxmlformats.org/drawingml/2006/main" xmlns:r="http://schemas.openxmlformats.org/officeDocument/2006/relationships" xmlns:p="http://schemas.openxmlformats.org/presentationml/2006/main">
   <p:cSld>
     <p:spTree>
@@ -6113,7 +6633,7 @@
 </p:sld>
 </file>
 
-<file path=ppt/slides/slide15.xml><?xml version="1.0" encoding="utf-8"?>
+<file path=ppt/slides/slide17.xml><?xml version="1.0" encoding="utf-8"?>
 <p:sld xmlns:a="http://schemas.openxmlformats.org/drawingml/2006/main" xmlns:r="http://schemas.openxmlformats.org/officeDocument/2006/relationships" xmlns:p="http://schemas.openxmlformats.org/presentationml/2006/main">
   <p:cSld>
     <p:spTree>
@@ -7272,7 +7792,7 @@
 </p:sld>
 </file>
 
-<file path=ppt/slides/slide16.xml><?xml version="1.0" encoding="utf-8"?>
+<file path=ppt/slides/slide18.xml><?xml version="1.0" encoding="utf-8"?>
 <p:sld xmlns:a="http://schemas.openxmlformats.org/drawingml/2006/main" xmlns:r="http://schemas.openxmlformats.org/officeDocument/2006/relationships" xmlns:p="http://schemas.openxmlformats.org/presentationml/2006/main">
   <p:cSld>
     <p:spTree>
@@ -7658,7 +8178,7 @@
 </p:sld>
 </file>
 
-<file path=ppt/slides/slide17.xml><?xml version="1.0" encoding="utf-8"?>
+<file path=ppt/slides/slide19.xml><?xml version="1.0" encoding="utf-8"?>
 <p:sld xmlns:a="http://schemas.openxmlformats.org/drawingml/2006/main" xmlns:r="http://schemas.openxmlformats.org/officeDocument/2006/relationships" xmlns:p="http://schemas.openxmlformats.org/presentationml/2006/main">
   <p:cSld>
     <p:bg>
@@ -8402,13 +8922,13 @@
   <p:clrMapOvr>
     <a:masterClrMapping/>
   </p:clrMapOvr>
-  <mc:AlternateContent xmlns:mc="http://schemas.openxmlformats.org/markup-compatibility/2006">
-    <mc:Choice xmlns:p14="http://schemas.microsoft.com/office/powerpoint/2010/main" Requires="p14">
+  <mc:AlternateContent xmlns:mc="http://schemas.openxmlformats.org/markup-compatibility/2006" xmlns:p14="http://schemas.microsoft.com/office/powerpoint/2010/main">
+    <mc:Choice Requires="p14">
       <p:transition spd="med" p14:dur="700">
         <p:fade/>
       </p:transition>
     </mc:Choice>
-    <mc:Fallback>
+    <mc:Fallback xmlns="">
       <p:transition spd="med">
         <p:fade/>
       </p:transition>
@@ -9185,6 +9705,480 @@
           <p:cNvPr id="2" name="Title 1">
             <a:extLst>
               <a:ext uri="{FF2B5EF4-FFF2-40B4-BE49-F238E27FC236}">
+                <a16:creationId xmlns:a16="http://schemas.microsoft.com/office/drawing/2014/main" id="{099C2767-8938-DF8F-377D-2BA158D45BFB}"/>
+              </a:ext>
+            </a:extLst>
+          </p:cNvPr>
+          <p:cNvSpPr>
+            <a:spLocks noGrp="1"/>
+          </p:cNvSpPr>
+          <p:nvPr>
+            <p:ph type="title"/>
+          </p:nvPr>
+        </p:nvSpPr>
+        <p:spPr>
+          <a:xfrm>
+            <a:off x="609600" y="292313"/>
+            <a:ext cx="10972800" cy="838397"/>
+          </a:xfrm>
+        </p:spPr>
+        <p:txBody>
+          <a:bodyPr>
+            <a:normAutofit/>
+          </a:bodyPr>
+          <a:lstStyle/>
+          <a:p>
+            <a:r>
+              <a:rPr lang="en-US" dirty="0"/>
+              <a:t>Business Overview</a:t>
+            </a:r>
+          </a:p>
+        </p:txBody>
+      </p:sp>
+      <p:pic>
+        <p:nvPicPr>
+          <p:cNvPr id="7" name="Picture 6">
+            <a:extLst>
+              <a:ext uri="{FF2B5EF4-FFF2-40B4-BE49-F238E27FC236}">
+                <a16:creationId xmlns:a16="http://schemas.microsoft.com/office/drawing/2014/main" id="{7BBFC01E-84F6-F02F-00AE-3989096AF6B0}"/>
+              </a:ext>
+            </a:extLst>
+          </p:cNvPr>
+          <p:cNvPicPr>
+            <a:picLocks noChangeAspect="1"/>
+          </p:cNvPicPr>
+          <p:nvPr/>
+        </p:nvPicPr>
+        <p:blipFill>
+          <a:blip r:embed="rId2"/>
+          <a:stretch>
+            <a:fillRect/>
+          </a:stretch>
+        </p:blipFill>
+        <p:spPr>
+          <a:xfrm>
+            <a:off x="753627" y="1130709"/>
+            <a:ext cx="10619224" cy="5651928"/>
+          </a:xfrm>
+          <a:prstGeom prst="rect">
+            <a:avLst/>
+          </a:prstGeom>
+        </p:spPr>
+      </p:pic>
+    </p:spTree>
+    <p:extLst>
+      <p:ext uri="{BB962C8B-B14F-4D97-AF65-F5344CB8AC3E}">
+        <p14:creationId xmlns:p14="http://schemas.microsoft.com/office/powerpoint/2010/main" val="1909840194"/>
+      </p:ext>
+    </p:extLst>
+  </p:cSld>
+  <p:clrMapOvr>
+    <a:masterClrMapping/>
+  </p:clrMapOvr>
+  <p:timing>
+    <p:tnLst>
+      <p:par>
+        <p:cTn id="1" dur="indefinite" restart="never" nodeType="tmRoot">
+          <p:childTnLst>
+            <p:seq concurrent="1" nextAc="seek">
+              <p:cTn id="2" dur="indefinite" nodeType="mainSeq">
+                <p:childTnLst>
+                  <p:par>
+                    <p:cTn id="3" fill="hold">
+                      <p:stCondLst>
+                        <p:cond delay="indefinite"/>
+                      </p:stCondLst>
+                      <p:childTnLst>
+                        <p:par>
+                          <p:cTn id="4" fill="hold">
+                            <p:stCondLst>
+                              <p:cond delay="0"/>
+                            </p:stCondLst>
+                            <p:childTnLst>
+                              <p:par>
+                                <p:cTn id="5" presetID="16" presetClass="entr" presetSubtype="21" fill="hold" grpId="0" nodeType="clickEffect">
+                                  <p:stCondLst>
+                                    <p:cond delay="0"/>
+                                  </p:stCondLst>
+                                  <p:childTnLst>
+                                    <p:set>
+                                      <p:cBhvr>
+                                        <p:cTn id="6" dur="1" fill="hold">
+                                          <p:stCondLst>
+                                            <p:cond delay="0"/>
+                                          </p:stCondLst>
+                                        </p:cTn>
+                                        <p:tgtEl>
+                                          <p:spTgt spid="2"/>
+                                        </p:tgtEl>
+                                        <p:attrNameLst>
+                                          <p:attrName>style.visibility</p:attrName>
+                                        </p:attrNameLst>
+                                      </p:cBhvr>
+                                      <p:to>
+                                        <p:strVal val="visible"/>
+                                      </p:to>
+                                    </p:set>
+                                    <p:animEffect transition="in" filter="barn(inVertical)">
+                                      <p:cBhvr>
+                                        <p:cTn id="7" dur="500"/>
+                                        <p:tgtEl>
+                                          <p:spTgt spid="2"/>
+                                        </p:tgtEl>
+                                      </p:cBhvr>
+                                    </p:animEffect>
+                                  </p:childTnLst>
+                                </p:cTn>
+                              </p:par>
+                            </p:childTnLst>
+                          </p:cTn>
+                        </p:par>
+                      </p:childTnLst>
+                    </p:cTn>
+                  </p:par>
+                  <p:par>
+                    <p:cTn id="8" fill="hold">
+                      <p:stCondLst>
+                        <p:cond delay="indefinite"/>
+                      </p:stCondLst>
+                      <p:childTnLst>
+                        <p:par>
+                          <p:cTn id="9" fill="hold">
+                            <p:stCondLst>
+                              <p:cond delay="0"/>
+                            </p:stCondLst>
+                            <p:childTnLst>
+                              <p:par>
+                                <p:cTn id="10" presetID="10" presetClass="entr" presetSubtype="0" fill="hold" nodeType="clickEffect">
+                                  <p:stCondLst>
+                                    <p:cond delay="0"/>
+                                  </p:stCondLst>
+                                  <p:childTnLst>
+                                    <p:set>
+                                      <p:cBhvr>
+                                        <p:cTn id="11" dur="1" fill="hold">
+                                          <p:stCondLst>
+                                            <p:cond delay="0"/>
+                                          </p:stCondLst>
+                                        </p:cTn>
+                                        <p:tgtEl>
+                                          <p:spTgt spid="7"/>
+                                        </p:tgtEl>
+                                        <p:attrNameLst>
+                                          <p:attrName>style.visibility</p:attrName>
+                                        </p:attrNameLst>
+                                      </p:cBhvr>
+                                      <p:to>
+                                        <p:strVal val="visible"/>
+                                      </p:to>
+                                    </p:set>
+                                    <p:animEffect transition="in" filter="fade">
+                                      <p:cBhvr>
+                                        <p:cTn id="12" dur="500"/>
+                                        <p:tgtEl>
+                                          <p:spTgt spid="7"/>
+                                        </p:tgtEl>
+                                      </p:cBhvr>
+                                    </p:animEffect>
+                                  </p:childTnLst>
+                                </p:cTn>
+                              </p:par>
+                            </p:childTnLst>
+                          </p:cTn>
+                        </p:par>
+                      </p:childTnLst>
+                    </p:cTn>
+                  </p:par>
+                </p:childTnLst>
+              </p:cTn>
+              <p:prevCondLst>
+                <p:cond evt="onPrev" delay="0">
+                  <p:tgtEl>
+                    <p:sldTgt/>
+                  </p:tgtEl>
+                </p:cond>
+              </p:prevCondLst>
+              <p:nextCondLst>
+                <p:cond evt="onNext" delay="0">
+                  <p:tgtEl>
+                    <p:sldTgt/>
+                  </p:tgtEl>
+                </p:cond>
+              </p:nextCondLst>
+            </p:seq>
+          </p:childTnLst>
+        </p:cTn>
+      </p:par>
+    </p:tnLst>
+    <p:bldLst>
+      <p:bldP spid="2" grpId="0"/>
+    </p:bldLst>
+  </p:timing>
+</p:sld>
+</file>
+
+<file path=ppt/slides/slide4.xml><?xml version="1.0" encoding="utf-8"?>
+<p:sld xmlns:a="http://schemas.openxmlformats.org/drawingml/2006/main" xmlns:r="http://schemas.openxmlformats.org/officeDocument/2006/relationships" xmlns:p="http://schemas.openxmlformats.org/presentationml/2006/main">
+  <p:cSld>
+    <p:spTree>
+      <p:nvGrpSpPr>
+        <p:cNvPr id="1" name="">
+          <a:extLst>
+            <a:ext uri="{FF2B5EF4-FFF2-40B4-BE49-F238E27FC236}">
+              <a16:creationId xmlns:a16="http://schemas.microsoft.com/office/drawing/2014/main" id="{1962DAA4-FCBA-B58A-535F-73E92EE86F71}"/>
+            </a:ext>
+          </a:extLst>
+        </p:cNvPr>
+        <p:cNvGrpSpPr/>
+        <p:nvPr/>
+      </p:nvGrpSpPr>
+      <p:grpSpPr>
+        <a:xfrm>
+          <a:off x="0" y="0"/>
+          <a:ext cx="0" cy="0"/>
+          <a:chOff x="0" y="0"/>
+          <a:chExt cx="0" cy="0"/>
+        </a:xfrm>
+      </p:grpSpPr>
+      <p:sp>
+        <p:nvSpPr>
+          <p:cNvPr id="2" name="Title 1">
+            <a:extLst>
+              <a:ext uri="{FF2B5EF4-FFF2-40B4-BE49-F238E27FC236}">
+                <a16:creationId xmlns:a16="http://schemas.microsoft.com/office/drawing/2014/main" id="{0E7D0B1F-17CE-7200-0B25-DF3163CD9264}"/>
+              </a:ext>
+            </a:extLst>
+          </p:cNvPr>
+          <p:cNvSpPr>
+            <a:spLocks noGrp="1"/>
+          </p:cNvSpPr>
+          <p:nvPr>
+            <p:ph type="title"/>
+          </p:nvPr>
+        </p:nvSpPr>
+        <p:spPr>
+          <a:xfrm>
+            <a:off x="609600" y="292313"/>
+            <a:ext cx="10972800" cy="838397"/>
+          </a:xfrm>
+        </p:spPr>
+        <p:txBody>
+          <a:bodyPr>
+            <a:normAutofit/>
+          </a:bodyPr>
+          <a:lstStyle/>
+          <a:p>
+            <a:r>
+              <a:rPr lang="en-US" dirty="0"/>
+              <a:t>Business Overview</a:t>
+            </a:r>
+          </a:p>
+        </p:txBody>
+      </p:sp>
+      <p:pic>
+        <p:nvPicPr>
+          <p:cNvPr id="4" name="Picture 3">
+            <a:extLst>
+              <a:ext uri="{FF2B5EF4-FFF2-40B4-BE49-F238E27FC236}">
+                <a16:creationId xmlns:a16="http://schemas.microsoft.com/office/drawing/2014/main" id="{88D2E00C-7116-AFE7-78F7-8EC5EEAB2B20}"/>
+              </a:ext>
+            </a:extLst>
+          </p:cNvPr>
+          <p:cNvPicPr>
+            <a:picLocks noChangeAspect="1"/>
+          </p:cNvPicPr>
+          <p:nvPr/>
+        </p:nvPicPr>
+        <p:blipFill>
+          <a:blip r:embed="rId2"/>
+          <a:stretch>
+            <a:fillRect/>
+          </a:stretch>
+        </p:blipFill>
+        <p:spPr>
+          <a:xfrm>
+            <a:off x="795337" y="1130710"/>
+            <a:ext cx="10601325" cy="5727290"/>
+          </a:xfrm>
+          <a:prstGeom prst="rect">
+            <a:avLst/>
+          </a:prstGeom>
+        </p:spPr>
+      </p:pic>
+    </p:spTree>
+    <p:extLst>
+      <p:ext uri="{BB962C8B-B14F-4D97-AF65-F5344CB8AC3E}">
+        <p14:creationId xmlns:p14="http://schemas.microsoft.com/office/powerpoint/2010/main" val="522449260"/>
+      </p:ext>
+    </p:extLst>
+  </p:cSld>
+  <p:clrMapOvr>
+    <a:masterClrMapping/>
+  </p:clrMapOvr>
+  <p:timing>
+    <p:tnLst>
+      <p:par>
+        <p:cTn id="1" dur="indefinite" restart="never" nodeType="tmRoot">
+          <p:childTnLst>
+            <p:seq concurrent="1" nextAc="seek">
+              <p:cTn id="2" dur="indefinite" nodeType="mainSeq">
+                <p:childTnLst>
+                  <p:par>
+                    <p:cTn id="3" fill="hold">
+                      <p:stCondLst>
+                        <p:cond delay="indefinite"/>
+                      </p:stCondLst>
+                      <p:childTnLst>
+                        <p:par>
+                          <p:cTn id="4" fill="hold">
+                            <p:stCondLst>
+                              <p:cond delay="0"/>
+                            </p:stCondLst>
+                            <p:childTnLst>
+                              <p:par>
+                                <p:cTn id="5" presetID="16" presetClass="entr" presetSubtype="21" fill="hold" grpId="0" nodeType="clickEffect">
+                                  <p:stCondLst>
+                                    <p:cond delay="0"/>
+                                  </p:stCondLst>
+                                  <p:childTnLst>
+                                    <p:set>
+                                      <p:cBhvr>
+                                        <p:cTn id="6" dur="1" fill="hold">
+                                          <p:stCondLst>
+                                            <p:cond delay="0"/>
+                                          </p:stCondLst>
+                                        </p:cTn>
+                                        <p:tgtEl>
+                                          <p:spTgt spid="2"/>
+                                        </p:tgtEl>
+                                        <p:attrNameLst>
+                                          <p:attrName>style.visibility</p:attrName>
+                                        </p:attrNameLst>
+                                      </p:cBhvr>
+                                      <p:to>
+                                        <p:strVal val="visible"/>
+                                      </p:to>
+                                    </p:set>
+                                    <p:animEffect transition="in" filter="barn(inVertical)">
+                                      <p:cBhvr>
+                                        <p:cTn id="7" dur="500"/>
+                                        <p:tgtEl>
+                                          <p:spTgt spid="2"/>
+                                        </p:tgtEl>
+                                      </p:cBhvr>
+                                    </p:animEffect>
+                                  </p:childTnLst>
+                                </p:cTn>
+                              </p:par>
+                            </p:childTnLst>
+                          </p:cTn>
+                        </p:par>
+                      </p:childTnLst>
+                    </p:cTn>
+                  </p:par>
+                  <p:par>
+                    <p:cTn id="8" fill="hold">
+                      <p:stCondLst>
+                        <p:cond delay="indefinite"/>
+                      </p:stCondLst>
+                      <p:childTnLst>
+                        <p:par>
+                          <p:cTn id="9" fill="hold">
+                            <p:stCondLst>
+                              <p:cond delay="0"/>
+                            </p:stCondLst>
+                            <p:childTnLst>
+                              <p:par>
+                                <p:cTn id="10" presetID="10" presetClass="entr" presetSubtype="0" fill="hold" nodeType="clickEffect">
+                                  <p:stCondLst>
+                                    <p:cond delay="0"/>
+                                  </p:stCondLst>
+                                  <p:childTnLst>
+                                    <p:set>
+                                      <p:cBhvr>
+                                        <p:cTn id="11" dur="1" fill="hold">
+                                          <p:stCondLst>
+                                            <p:cond delay="0"/>
+                                          </p:stCondLst>
+                                        </p:cTn>
+                                        <p:tgtEl>
+                                          <p:spTgt spid="4"/>
+                                        </p:tgtEl>
+                                        <p:attrNameLst>
+                                          <p:attrName>style.visibility</p:attrName>
+                                        </p:attrNameLst>
+                                      </p:cBhvr>
+                                      <p:to>
+                                        <p:strVal val="visible"/>
+                                      </p:to>
+                                    </p:set>
+                                    <p:animEffect transition="in" filter="fade">
+                                      <p:cBhvr>
+                                        <p:cTn id="12" dur="500"/>
+                                        <p:tgtEl>
+                                          <p:spTgt spid="4"/>
+                                        </p:tgtEl>
+                                      </p:cBhvr>
+                                    </p:animEffect>
+                                  </p:childTnLst>
+                                </p:cTn>
+                              </p:par>
+                            </p:childTnLst>
+                          </p:cTn>
+                        </p:par>
+                      </p:childTnLst>
+                    </p:cTn>
+                  </p:par>
+                </p:childTnLst>
+              </p:cTn>
+              <p:prevCondLst>
+                <p:cond evt="onPrev" delay="0">
+                  <p:tgtEl>
+                    <p:sldTgt/>
+                  </p:tgtEl>
+                </p:cond>
+              </p:prevCondLst>
+              <p:nextCondLst>
+                <p:cond evt="onNext" delay="0">
+                  <p:tgtEl>
+                    <p:sldTgt/>
+                  </p:tgtEl>
+                </p:cond>
+              </p:nextCondLst>
+            </p:seq>
+          </p:childTnLst>
+        </p:cTn>
+      </p:par>
+    </p:tnLst>
+    <p:bldLst>
+      <p:bldP spid="2" grpId="0"/>
+    </p:bldLst>
+  </p:timing>
+</p:sld>
+</file>
+
+<file path=ppt/slides/slide5.xml><?xml version="1.0" encoding="utf-8"?>
+<p:sld xmlns:a="http://schemas.openxmlformats.org/drawingml/2006/main" xmlns:r="http://schemas.openxmlformats.org/officeDocument/2006/relationships" xmlns:p="http://schemas.openxmlformats.org/presentationml/2006/main">
+  <p:cSld>
+    <p:spTree>
+      <p:nvGrpSpPr>
+        <p:cNvPr id="1" name=""/>
+        <p:cNvGrpSpPr/>
+        <p:nvPr/>
+      </p:nvGrpSpPr>
+      <p:grpSpPr>
+        <a:xfrm>
+          <a:off x="0" y="0"/>
+          <a:ext cx="0" cy="0"/>
+          <a:chOff x="0" y="0"/>
+          <a:chExt cx="0" cy="0"/>
+        </a:xfrm>
+      </p:grpSpPr>
+      <p:sp>
+        <p:nvSpPr>
+          <p:cNvPr id="2" name="Title 1">
+            <a:extLst>
+              <a:ext uri="{FF2B5EF4-FFF2-40B4-BE49-F238E27FC236}">
                 <a16:creationId xmlns:a16="http://schemas.microsoft.com/office/drawing/2014/main" id="{437CC97E-EDF8-3FF5-8C8F-7DAA1A490A72}"/>
               </a:ext>
             </a:extLst>
@@ -9395,7 +10389,7 @@
 </p:sld>
 </file>
 
-<file path=ppt/slides/slide4.xml><?xml version="1.0" encoding="utf-8"?>
+<file path=ppt/slides/slide6.xml><?xml version="1.0" encoding="utf-8"?>
 <p:sld xmlns:a="http://schemas.openxmlformats.org/drawingml/2006/main" xmlns:r="http://schemas.openxmlformats.org/officeDocument/2006/relationships" xmlns:p="http://schemas.openxmlformats.org/presentationml/2006/main">
   <p:cSld>
     <p:spTree>
@@ -9694,7 +10688,7 @@
 </p:sld>
 </file>
 
-<file path=ppt/slides/slide5.xml><?xml version="1.0" encoding="utf-8"?>
+<file path=ppt/slides/slide7.xml><?xml version="1.0" encoding="utf-8"?>
 <p:sld xmlns:a="http://schemas.openxmlformats.org/drawingml/2006/main" xmlns:r="http://schemas.openxmlformats.org/officeDocument/2006/relationships" xmlns:p="http://schemas.openxmlformats.org/presentationml/2006/main">
   <p:cSld>
     <p:spTree>
@@ -9926,7 +10920,7 @@
 </p:sld>
 </file>
 
-<file path=ppt/slides/slide6.xml><?xml version="1.0" encoding="utf-8"?>
+<file path=ppt/slides/slide8.xml><?xml version="1.0" encoding="utf-8"?>
 <p:sld xmlns:a="http://schemas.openxmlformats.org/drawingml/2006/main" xmlns:r="http://schemas.openxmlformats.org/officeDocument/2006/relationships" xmlns:p="http://schemas.openxmlformats.org/presentationml/2006/main">
   <p:cSld>
     <p:spTree>
@@ -10663,7 +11657,7 @@
 </p:sld>
 </file>
 
-<file path=ppt/slides/slide7.xml><?xml version="1.0" encoding="utf-8"?>
+<file path=ppt/slides/slide9.xml><?xml version="1.0" encoding="utf-8"?>
 <p:sld xmlns:a="http://schemas.openxmlformats.org/drawingml/2006/main" xmlns:r="http://schemas.openxmlformats.org/officeDocument/2006/relationships" xmlns:p="http://schemas.openxmlformats.org/presentationml/2006/main">
   <p:cSld>
     <p:spTree>
@@ -10906,524 +11900,6 @@
         </p:cTn>
       </p:par>
     </p:tnLst>
-  </p:timing>
-</p:sld>
-</file>
-
-<file path=ppt/slides/slide8.xml><?xml version="1.0" encoding="utf-8"?>
-<p:sld xmlns:a="http://schemas.openxmlformats.org/drawingml/2006/main" xmlns:r="http://schemas.openxmlformats.org/officeDocument/2006/relationships" xmlns:p="http://schemas.openxmlformats.org/presentationml/2006/main">
-  <p:cSld>
-    <p:spTree>
-      <p:nvGrpSpPr>
-        <p:cNvPr id="1" name=""/>
-        <p:cNvGrpSpPr/>
-        <p:nvPr/>
-      </p:nvGrpSpPr>
-      <p:grpSpPr>
-        <a:xfrm>
-          <a:off x="0" y="0"/>
-          <a:ext cx="0" cy="0"/>
-          <a:chOff x="0" y="0"/>
-          <a:chExt cx="0" cy="0"/>
-        </a:xfrm>
-      </p:grpSpPr>
-      <p:sp>
-        <p:nvSpPr>
-          <p:cNvPr id="2" name="Title 1">
-            <a:extLst>
-              <a:ext uri="{FF2B5EF4-FFF2-40B4-BE49-F238E27FC236}">
-                <a16:creationId xmlns:a16="http://schemas.microsoft.com/office/drawing/2014/main" id="{44CF171D-2B56-4ED9-151A-7775F4853279}"/>
-              </a:ext>
-            </a:extLst>
-          </p:cNvPr>
-          <p:cNvSpPr>
-            <a:spLocks noGrp="1"/>
-          </p:cNvSpPr>
-          <p:nvPr>
-            <p:ph type="title"/>
-          </p:nvPr>
-        </p:nvSpPr>
-        <p:spPr>
-          <a:xfrm>
-            <a:off x="609600" y="173320"/>
-            <a:ext cx="10972800" cy="844989"/>
-          </a:xfrm>
-        </p:spPr>
-        <p:txBody>
-          <a:bodyPr/>
-          <a:lstStyle/>
-          <a:p>
-            <a:pPr algn="ctr"/>
-            <a:r>
-              <a:rPr lang="en-US" dirty="0"/>
-              <a:t>Peak Season Analysis (2019 vs 2020)</a:t>
-            </a:r>
-          </a:p>
-        </p:txBody>
-      </p:sp>
-      <p:grpSp>
-        <p:nvGrpSpPr>
-          <p:cNvPr id="28" name="Group 27">
-            <a:extLst>
-              <a:ext uri="{FF2B5EF4-FFF2-40B4-BE49-F238E27FC236}">
-                <a16:creationId xmlns:a16="http://schemas.microsoft.com/office/drawing/2014/main" id="{A4AA3BA3-9499-73CA-987F-E0911B2B66C0}"/>
-              </a:ext>
-            </a:extLst>
-          </p:cNvPr>
-          <p:cNvGrpSpPr/>
-          <p:nvPr/>
-        </p:nvGrpSpPr>
-        <p:grpSpPr>
-          <a:xfrm>
-            <a:off x="431440" y="1018309"/>
-            <a:ext cx="11495376" cy="5839691"/>
-            <a:chOff x="265185" y="928117"/>
-            <a:chExt cx="11495376" cy="5929883"/>
-          </a:xfrm>
-        </p:grpSpPr>
-        <p:pic>
-          <p:nvPicPr>
-            <p:cNvPr id="26" name="Picture 25">
-              <a:extLst>
-                <a:ext uri="{FF2B5EF4-FFF2-40B4-BE49-F238E27FC236}">
-                  <a16:creationId xmlns:a16="http://schemas.microsoft.com/office/drawing/2014/main" id="{DEBB884E-886A-074B-B9D5-796C5FEB7A45}"/>
-                </a:ext>
-              </a:extLst>
-            </p:cNvPr>
-            <p:cNvPicPr>
-              <a:picLocks noChangeAspect="1"/>
-            </p:cNvPicPr>
-            <p:nvPr/>
-          </p:nvPicPr>
-          <p:blipFill>
-            <a:blip r:embed="rId2"/>
-            <a:stretch>
-              <a:fillRect/>
-            </a:stretch>
-          </p:blipFill>
-          <p:spPr>
-            <a:xfrm>
-              <a:off x="265185" y="928117"/>
-              <a:ext cx="11495376" cy="5839691"/>
-            </a:xfrm>
-            <a:prstGeom prst="rect">
-              <a:avLst/>
-            </a:prstGeom>
-          </p:spPr>
-        </p:pic>
-        <p:pic>
-          <p:nvPicPr>
-            <p:cNvPr id="16" name="Picture 15">
-              <a:extLst>
-                <a:ext uri="{FF2B5EF4-FFF2-40B4-BE49-F238E27FC236}">
-                  <a16:creationId xmlns:a16="http://schemas.microsoft.com/office/drawing/2014/main" id="{8B344489-F898-A33F-CECF-C21735A8005B}"/>
-                </a:ext>
-              </a:extLst>
-            </p:cNvPr>
-            <p:cNvPicPr>
-              <a:picLocks noChangeAspect="1"/>
-            </p:cNvPicPr>
-            <p:nvPr/>
-          </p:nvPicPr>
-          <p:blipFill>
-            <a:blip r:embed="rId3"/>
-            <a:stretch>
-              <a:fillRect/>
-            </a:stretch>
-          </p:blipFill>
-          <p:spPr>
-            <a:xfrm>
-              <a:off x="6729846" y="5638938"/>
-              <a:ext cx="3143250" cy="1219062"/>
-            </a:xfrm>
-            <a:prstGeom prst="rect">
-              <a:avLst/>
-            </a:prstGeom>
-          </p:spPr>
-        </p:pic>
-      </p:grpSp>
-    </p:spTree>
-    <p:extLst>
-      <p:ext uri="{BB962C8B-B14F-4D97-AF65-F5344CB8AC3E}">
-        <p14:creationId xmlns:p14="http://schemas.microsoft.com/office/powerpoint/2010/main" val="3306896646"/>
-      </p:ext>
-    </p:extLst>
-  </p:cSld>
-  <p:clrMapOvr>
-    <a:masterClrMapping/>
-  </p:clrMapOvr>
-  <p:timing>
-    <p:tnLst>
-      <p:par>
-        <p:cTn id="1" dur="indefinite" restart="never" nodeType="tmRoot">
-          <p:childTnLst>
-            <p:seq concurrent="1" nextAc="seek">
-              <p:cTn id="2" dur="indefinite" nodeType="mainSeq">
-                <p:childTnLst>
-                  <p:par>
-                    <p:cTn id="3" fill="hold">
-                      <p:stCondLst>
-                        <p:cond delay="indefinite"/>
-                      </p:stCondLst>
-                      <p:childTnLst>
-                        <p:par>
-                          <p:cTn id="4" fill="hold">
-                            <p:stCondLst>
-                              <p:cond delay="0"/>
-                            </p:stCondLst>
-                            <p:childTnLst>
-                              <p:par>
-                                <p:cTn id="5" presetID="16" presetClass="entr" presetSubtype="21" fill="hold" grpId="0" nodeType="clickEffect">
-                                  <p:stCondLst>
-                                    <p:cond delay="0"/>
-                                  </p:stCondLst>
-                                  <p:childTnLst>
-                                    <p:set>
-                                      <p:cBhvr>
-                                        <p:cTn id="6" dur="1" fill="hold">
-                                          <p:stCondLst>
-                                            <p:cond delay="0"/>
-                                          </p:stCondLst>
-                                        </p:cTn>
-                                        <p:tgtEl>
-                                          <p:spTgt spid="2"/>
-                                        </p:tgtEl>
-                                        <p:attrNameLst>
-                                          <p:attrName>style.visibility</p:attrName>
-                                        </p:attrNameLst>
-                                      </p:cBhvr>
-                                      <p:to>
-                                        <p:strVal val="visible"/>
-                                      </p:to>
-                                    </p:set>
-                                    <p:animEffect transition="in" filter="barn(inVertical)">
-                                      <p:cBhvr>
-                                        <p:cTn id="7" dur="500"/>
-                                        <p:tgtEl>
-                                          <p:spTgt spid="2"/>
-                                        </p:tgtEl>
-                                      </p:cBhvr>
-                                    </p:animEffect>
-                                  </p:childTnLst>
-                                </p:cTn>
-                              </p:par>
-                            </p:childTnLst>
-                          </p:cTn>
-                        </p:par>
-                      </p:childTnLst>
-                    </p:cTn>
-                  </p:par>
-                  <p:par>
-                    <p:cTn id="8" fill="hold">
-                      <p:stCondLst>
-                        <p:cond delay="indefinite"/>
-                      </p:stCondLst>
-                      <p:childTnLst>
-                        <p:par>
-                          <p:cTn id="9" fill="hold">
-                            <p:stCondLst>
-                              <p:cond delay="0"/>
-                            </p:stCondLst>
-                            <p:childTnLst>
-                              <p:par>
-                                <p:cTn id="10" presetID="10" presetClass="entr" presetSubtype="0" fill="hold" nodeType="clickEffect">
-                                  <p:stCondLst>
-                                    <p:cond delay="0"/>
-                                  </p:stCondLst>
-                                  <p:childTnLst>
-                                    <p:set>
-                                      <p:cBhvr>
-                                        <p:cTn id="11" dur="1" fill="hold">
-                                          <p:stCondLst>
-                                            <p:cond delay="0"/>
-                                          </p:stCondLst>
-                                        </p:cTn>
-                                        <p:tgtEl>
-                                          <p:spTgt spid="28"/>
-                                        </p:tgtEl>
-                                        <p:attrNameLst>
-                                          <p:attrName>style.visibility</p:attrName>
-                                        </p:attrNameLst>
-                                      </p:cBhvr>
-                                      <p:to>
-                                        <p:strVal val="visible"/>
-                                      </p:to>
-                                    </p:set>
-                                    <p:animEffect transition="in" filter="fade">
-                                      <p:cBhvr>
-                                        <p:cTn id="12" dur="500"/>
-                                        <p:tgtEl>
-                                          <p:spTgt spid="28"/>
-                                        </p:tgtEl>
-                                      </p:cBhvr>
-                                    </p:animEffect>
-                                  </p:childTnLst>
-                                </p:cTn>
-                              </p:par>
-                            </p:childTnLst>
-                          </p:cTn>
-                        </p:par>
-                      </p:childTnLst>
-                    </p:cTn>
-                  </p:par>
-                </p:childTnLst>
-              </p:cTn>
-              <p:prevCondLst>
-                <p:cond evt="onPrev" delay="0">
-                  <p:tgtEl>
-                    <p:sldTgt/>
-                  </p:tgtEl>
-                </p:cond>
-              </p:prevCondLst>
-              <p:nextCondLst>
-                <p:cond evt="onNext" delay="0">
-                  <p:tgtEl>
-                    <p:sldTgt/>
-                  </p:tgtEl>
-                </p:cond>
-              </p:nextCondLst>
-            </p:seq>
-          </p:childTnLst>
-        </p:cTn>
-      </p:par>
-    </p:tnLst>
-    <p:bldLst>
-      <p:bldP spid="2" grpId="0"/>
-    </p:bldLst>
-  </p:timing>
-</p:sld>
-</file>
-
-<file path=ppt/slides/slide9.xml><?xml version="1.0" encoding="utf-8"?>
-<p:sld xmlns:a="http://schemas.openxmlformats.org/drawingml/2006/main" xmlns:r="http://schemas.openxmlformats.org/officeDocument/2006/relationships" xmlns:p="http://schemas.openxmlformats.org/presentationml/2006/main">
-  <p:cSld>
-    <p:spTree>
-      <p:nvGrpSpPr>
-        <p:cNvPr id="1" name=""/>
-        <p:cNvGrpSpPr/>
-        <p:nvPr/>
-      </p:nvGrpSpPr>
-      <p:grpSpPr>
-        <a:xfrm>
-          <a:off x="0" y="0"/>
-          <a:ext cx="0" cy="0"/>
-          <a:chOff x="0" y="0"/>
-          <a:chExt cx="0" cy="0"/>
-        </a:xfrm>
-      </p:grpSpPr>
-      <p:sp>
-        <p:nvSpPr>
-          <p:cNvPr id="2" name="Title 1">
-            <a:extLst>
-              <a:ext uri="{FF2B5EF4-FFF2-40B4-BE49-F238E27FC236}">
-                <a16:creationId xmlns:a16="http://schemas.microsoft.com/office/drawing/2014/main" id="{F588A945-E1A5-C740-0749-7206BB505B89}"/>
-              </a:ext>
-            </a:extLst>
-          </p:cNvPr>
-          <p:cNvSpPr>
-            <a:spLocks noGrp="1"/>
-          </p:cNvSpPr>
-          <p:nvPr>
-            <p:ph type="title"/>
-          </p:nvPr>
-        </p:nvSpPr>
-        <p:spPr>
-          <a:xfrm>
-            <a:off x="609600" y="557784"/>
-            <a:ext cx="10972800" cy="1094371"/>
-          </a:xfrm>
-        </p:spPr>
-        <p:txBody>
-          <a:bodyPr>
-            <a:normAutofit fontScale="90000"/>
-          </a:bodyPr>
-          <a:lstStyle/>
-          <a:p>
-            <a:r>
-              <a:rPr lang="en-US" dirty="0"/>
-              <a:t>Peak Season Analysis (Pre-COVID and COVID Observation Period )</a:t>
-            </a:r>
-          </a:p>
-        </p:txBody>
-      </p:sp>
-      <p:pic>
-        <p:nvPicPr>
-          <p:cNvPr id="5" name="Picture 4">
-            <a:extLst>
-              <a:ext uri="{FF2B5EF4-FFF2-40B4-BE49-F238E27FC236}">
-                <a16:creationId xmlns:a16="http://schemas.microsoft.com/office/drawing/2014/main" id="{0A3A4FBF-BF19-CEEA-5C3A-EC711C3957F2}"/>
-              </a:ext>
-            </a:extLst>
-          </p:cNvPr>
-          <p:cNvPicPr>
-            <a:picLocks noChangeAspect="1"/>
-          </p:cNvPicPr>
-          <p:nvPr/>
-        </p:nvPicPr>
-        <p:blipFill>
-          <a:blip r:embed="rId2"/>
-          <a:stretch>
-            <a:fillRect/>
-          </a:stretch>
-        </p:blipFill>
-        <p:spPr>
-          <a:xfrm>
-            <a:off x="249382" y="1652154"/>
-            <a:ext cx="11565082" cy="5205845"/>
-          </a:xfrm>
-          <a:prstGeom prst="rect">
-            <a:avLst/>
-          </a:prstGeom>
-        </p:spPr>
-      </p:pic>
-    </p:spTree>
-    <p:extLst>
-      <p:ext uri="{BB962C8B-B14F-4D97-AF65-F5344CB8AC3E}">
-        <p14:creationId xmlns:p14="http://schemas.microsoft.com/office/powerpoint/2010/main" val="524735799"/>
-      </p:ext>
-    </p:extLst>
-  </p:cSld>
-  <p:clrMapOvr>
-    <a:masterClrMapping/>
-  </p:clrMapOvr>
-  <p:timing>
-    <p:tnLst>
-      <p:par>
-        <p:cTn id="1" dur="indefinite" restart="never" nodeType="tmRoot">
-          <p:childTnLst>
-            <p:seq concurrent="1" nextAc="seek">
-              <p:cTn id="2" dur="indefinite" nodeType="mainSeq">
-                <p:childTnLst>
-                  <p:par>
-                    <p:cTn id="3" fill="hold">
-                      <p:stCondLst>
-                        <p:cond delay="indefinite"/>
-                      </p:stCondLst>
-                      <p:childTnLst>
-                        <p:par>
-                          <p:cTn id="4" fill="hold">
-                            <p:stCondLst>
-                              <p:cond delay="0"/>
-                            </p:stCondLst>
-                            <p:childTnLst>
-                              <p:par>
-                                <p:cTn id="5" presetID="16" presetClass="entr" presetSubtype="21" fill="hold" grpId="0" nodeType="clickEffect">
-                                  <p:stCondLst>
-                                    <p:cond delay="0"/>
-                                  </p:stCondLst>
-                                  <p:childTnLst>
-                                    <p:set>
-                                      <p:cBhvr>
-                                        <p:cTn id="6" dur="1" fill="hold">
-                                          <p:stCondLst>
-                                            <p:cond delay="0"/>
-                                          </p:stCondLst>
-                                        </p:cTn>
-                                        <p:tgtEl>
-                                          <p:spTgt spid="2"/>
-                                        </p:tgtEl>
-                                        <p:attrNameLst>
-                                          <p:attrName>style.visibility</p:attrName>
-                                        </p:attrNameLst>
-                                      </p:cBhvr>
-                                      <p:to>
-                                        <p:strVal val="visible"/>
-                                      </p:to>
-                                    </p:set>
-                                    <p:animEffect transition="in" filter="barn(inVertical)">
-                                      <p:cBhvr>
-                                        <p:cTn id="7" dur="500"/>
-                                        <p:tgtEl>
-                                          <p:spTgt spid="2"/>
-                                        </p:tgtEl>
-                                      </p:cBhvr>
-                                    </p:animEffect>
-                                  </p:childTnLst>
-                                </p:cTn>
-                              </p:par>
-                            </p:childTnLst>
-                          </p:cTn>
-                        </p:par>
-                      </p:childTnLst>
-                    </p:cTn>
-                  </p:par>
-                  <p:par>
-                    <p:cTn id="8" fill="hold">
-                      <p:stCondLst>
-                        <p:cond delay="indefinite"/>
-                      </p:stCondLst>
-                      <p:childTnLst>
-                        <p:par>
-                          <p:cTn id="9" fill="hold">
-                            <p:stCondLst>
-                              <p:cond delay="0"/>
-                            </p:stCondLst>
-                            <p:childTnLst>
-                              <p:par>
-                                <p:cTn id="10" presetID="10" presetClass="entr" presetSubtype="0" fill="hold" nodeType="clickEffect">
-                                  <p:stCondLst>
-                                    <p:cond delay="0"/>
-                                  </p:stCondLst>
-                                  <p:childTnLst>
-                                    <p:set>
-                                      <p:cBhvr>
-                                        <p:cTn id="11" dur="1" fill="hold">
-                                          <p:stCondLst>
-                                            <p:cond delay="0"/>
-                                          </p:stCondLst>
-                                        </p:cTn>
-                                        <p:tgtEl>
-                                          <p:spTgt spid="5"/>
-                                        </p:tgtEl>
-                                        <p:attrNameLst>
-                                          <p:attrName>style.visibility</p:attrName>
-                                        </p:attrNameLst>
-                                      </p:cBhvr>
-                                      <p:to>
-                                        <p:strVal val="visible"/>
-                                      </p:to>
-                                    </p:set>
-                                    <p:animEffect transition="in" filter="fade">
-                                      <p:cBhvr>
-                                        <p:cTn id="12" dur="500"/>
-                                        <p:tgtEl>
-                                          <p:spTgt spid="5"/>
-                                        </p:tgtEl>
-                                      </p:cBhvr>
-                                    </p:animEffect>
-                                  </p:childTnLst>
-                                </p:cTn>
-                              </p:par>
-                            </p:childTnLst>
-                          </p:cTn>
-                        </p:par>
-                      </p:childTnLst>
-                    </p:cTn>
-                  </p:par>
-                </p:childTnLst>
-              </p:cTn>
-              <p:prevCondLst>
-                <p:cond evt="onPrev" delay="0">
-                  <p:tgtEl>
-                    <p:sldTgt/>
-                  </p:tgtEl>
-                </p:cond>
-              </p:prevCondLst>
-              <p:nextCondLst>
-                <p:cond evt="onNext" delay="0">
-                  <p:tgtEl>
-                    <p:sldTgt/>
-                  </p:tgtEl>
-                </p:cond>
-              </p:nextCondLst>
-            </p:seq>
-          </p:childTnLst>
-        </p:cTn>
-      </p:par>
-    </p:tnLst>
-    <p:bldLst>
-      <p:bldP spid="2" grpId="0"/>
-    </p:bldLst>
   </p:timing>
 </p:sld>
 </file>

--- a/Project.pptx
+++ b/Project.pptx
@@ -6590,36 +6590,36 @@
           </a:p>
         </p:txBody>
       </p:sp>
-      <p:sp>
-        <p:nvSpPr>
-          <p:cNvPr id="3" name="Content Placeholder 2">
+      <p:pic>
+        <p:nvPicPr>
+          <p:cNvPr id="9" name="Picture 8">
             <a:extLst>
               <a:ext uri="{FF2B5EF4-FFF2-40B4-BE49-F238E27FC236}">
-                <a16:creationId xmlns:a16="http://schemas.microsoft.com/office/drawing/2014/main" id="{7EB87852-6D79-6AA1-AB3B-D908405B2E69}"/>
+                <a16:creationId xmlns:a16="http://schemas.microsoft.com/office/drawing/2014/main" id="{48919FDA-43ED-C74F-EF31-0E4DCBD58B59}"/>
               </a:ext>
             </a:extLst>
           </p:cNvPr>
-          <p:cNvSpPr>
-            <a:spLocks noGrp="1"/>
-          </p:cNvSpPr>
-          <p:nvPr>
-            <p:ph idx="1"/>
-          </p:nvPr>
-        </p:nvSpPr>
+          <p:cNvPicPr>
+            <a:picLocks noChangeAspect="1"/>
+          </p:cNvPicPr>
+          <p:nvPr/>
+        </p:nvPicPr>
+        <p:blipFill>
+          <a:blip r:embed="rId2"/>
+          <a:stretch>
+            <a:fillRect/>
+          </a:stretch>
+        </p:blipFill>
         <p:spPr>
           <a:xfrm>
-            <a:off x="609600" y="1160206"/>
-            <a:ext cx="10972800" cy="4982532"/>
+            <a:off x="1244661" y="963562"/>
+            <a:ext cx="9702678" cy="5805926"/>
           </a:xfrm>
+          <a:prstGeom prst="rect">
+            <a:avLst/>
+          </a:prstGeom>
         </p:spPr>
-        <p:txBody>
-          <a:bodyPr/>
-          <a:lstStyle/>
-          <a:p>
-            <a:endParaRPr lang="en-US" dirty="0"/>
-          </a:p>
-        </p:txBody>
-      </p:sp>
+      </p:pic>
     </p:spTree>
     <p:extLst>
       <p:ext uri="{BB962C8B-B14F-4D97-AF65-F5344CB8AC3E}">
@@ -6630,6 +6630,145 @@
   <p:clrMapOvr>
     <a:masterClrMapping/>
   </p:clrMapOvr>
+  <p:timing>
+    <p:tnLst>
+      <p:par>
+        <p:cTn id="1" dur="indefinite" restart="never" nodeType="tmRoot">
+          <p:childTnLst>
+            <p:seq concurrent="1" nextAc="seek">
+              <p:cTn id="2" dur="indefinite" nodeType="mainSeq">
+                <p:childTnLst>
+                  <p:par>
+                    <p:cTn id="3" fill="hold">
+                      <p:stCondLst>
+                        <p:cond delay="indefinite"/>
+                      </p:stCondLst>
+                      <p:childTnLst>
+                        <p:par>
+                          <p:cTn id="4" fill="hold">
+                            <p:stCondLst>
+                              <p:cond delay="0"/>
+                            </p:stCondLst>
+                            <p:childTnLst>
+                              <p:par>
+                                <p:cTn id="5" presetID="16" presetClass="entr" presetSubtype="21" fill="hold" grpId="0" nodeType="clickEffect">
+                                  <p:stCondLst>
+                                    <p:cond delay="0"/>
+                                  </p:stCondLst>
+                                  <p:childTnLst>
+                                    <p:set>
+                                      <p:cBhvr>
+                                        <p:cTn id="6" dur="1" fill="hold">
+                                          <p:stCondLst>
+                                            <p:cond delay="0"/>
+                                          </p:stCondLst>
+                                        </p:cTn>
+                                        <p:tgtEl>
+                                          <p:spTgt spid="2"/>
+                                        </p:tgtEl>
+                                        <p:attrNameLst>
+                                          <p:attrName>style.visibility</p:attrName>
+                                        </p:attrNameLst>
+                                      </p:cBhvr>
+                                      <p:to>
+                                        <p:strVal val="visible"/>
+                                      </p:to>
+                                    </p:set>
+                                    <p:animEffect transition="in" filter="barn(inVertical)">
+                                      <p:cBhvr>
+                                        <p:cTn id="7" dur="500"/>
+                                        <p:tgtEl>
+                                          <p:spTgt spid="2"/>
+                                        </p:tgtEl>
+                                      </p:cBhvr>
+                                    </p:animEffect>
+                                  </p:childTnLst>
+                                </p:cTn>
+                              </p:par>
+                            </p:childTnLst>
+                          </p:cTn>
+                        </p:par>
+                      </p:childTnLst>
+                    </p:cTn>
+                  </p:par>
+                  <p:par>
+                    <p:cTn id="8" fill="hold">
+                      <p:stCondLst>
+                        <p:cond delay="indefinite"/>
+                      </p:stCondLst>
+                      <p:childTnLst>
+                        <p:par>
+                          <p:cTn id="9" fill="hold">
+                            <p:stCondLst>
+                              <p:cond delay="0"/>
+                            </p:stCondLst>
+                            <p:childTnLst>
+                              <p:par>
+                                <p:cTn id="10" presetID="10" presetClass="entr" presetSubtype="0" fill="hold" nodeType="clickEffect">
+                                  <p:stCondLst>
+                                    <p:cond delay="0"/>
+                                  </p:stCondLst>
+                                  <p:childTnLst>
+                                    <p:set>
+                                      <p:cBhvr>
+                                        <p:cTn id="11" dur="1" fill="hold">
+                                          <p:stCondLst>
+                                            <p:cond delay="0"/>
+                                          </p:stCondLst>
+                                        </p:cTn>
+                                        <p:tgtEl>
+                                          <p:spTgt spid="9"/>
+                                        </p:tgtEl>
+                                        <p:attrNameLst>
+                                          <p:attrName>style.visibility</p:attrName>
+                                        </p:attrNameLst>
+                                      </p:cBhvr>
+                                      <p:to>
+                                        <p:strVal val="visible"/>
+                                      </p:to>
+                                    </p:set>
+                                    <p:animEffect transition="in" filter="fade">
+                                      <p:cBhvr>
+                                        <p:cTn id="12" dur="500"/>
+                                        <p:tgtEl>
+                                          <p:spTgt spid="9"/>
+                                        </p:tgtEl>
+                                      </p:cBhvr>
+                                    </p:animEffect>
+                                  </p:childTnLst>
+                                </p:cTn>
+                              </p:par>
+                            </p:childTnLst>
+                          </p:cTn>
+                        </p:par>
+                      </p:childTnLst>
+                    </p:cTn>
+                  </p:par>
+                </p:childTnLst>
+              </p:cTn>
+              <p:prevCondLst>
+                <p:cond evt="onPrev" delay="0">
+                  <p:tgtEl>
+                    <p:sldTgt/>
+                  </p:tgtEl>
+                </p:cond>
+              </p:prevCondLst>
+              <p:nextCondLst>
+                <p:cond evt="onNext" delay="0">
+                  <p:tgtEl>
+                    <p:sldTgt/>
+                  </p:tgtEl>
+                </p:cond>
+              </p:nextCondLst>
+            </p:seq>
+          </p:childTnLst>
+        </p:cTn>
+      </p:par>
+    </p:tnLst>
+    <p:bldLst>
+      <p:bldP spid="2" grpId="0"/>
+    </p:bldLst>
+  </p:timing>
 </p:sld>
 </file>
 

--- a/Project.pptx
+++ b/Project.pptx
@@ -8,22 +8,19 @@
     <p:sldId id="256" r:id="rId2"/>
     <p:sldId id="257" r:id="rId3"/>
     <p:sldId id="274" r:id="rId4"/>
-    <p:sldId id="275" r:id="rId5"/>
+    <p:sldId id="276" r:id="rId5"/>
     <p:sldId id="259" r:id="rId6"/>
     <p:sldId id="261" r:id="rId7"/>
-    <p:sldId id="271" r:id="rId8"/>
-    <p:sldId id="260" r:id="rId9"/>
-    <p:sldId id="262" r:id="rId10"/>
-    <p:sldId id="263" r:id="rId11"/>
-    <p:sldId id="264" r:id="rId12"/>
-    <p:sldId id="265" r:id="rId13"/>
-    <p:sldId id="266" r:id="rId14"/>
-    <p:sldId id="267" r:id="rId15"/>
-    <p:sldId id="268" r:id="rId16"/>
-    <p:sldId id="269" r:id="rId17"/>
-    <p:sldId id="270" r:id="rId18"/>
-    <p:sldId id="272" r:id="rId19"/>
-    <p:sldId id="273" r:id="rId20"/>
+    <p:sldId id="260" r:id="rId8"/>
+    <p:sldId id="263" r:id="rId9"/>
+    <p:sldId id="264" r:id="rId10"/>
+    <p:sldId id="266" r:id="rId11"/>
+    <p:sldId id="267" r:id="rId12"/>
+    <p:sldId id="268" r:id="rId13"/>
+    <p:sldId id="269" r:id="rId14"/>
+    <p:sldId id="270" r:id="rId15"/>
+    <p:sldId id="272" r:id="rId16"/>
+    <p:sldId id="273" r:id="rId17"/>
   </p:sldIdLst>
   <p:sldSz cx="12192000" cy="6858000"/>
   <p:notesSz cx="6858000" cy="9144000"/>
@@ -283,7 +280,7 @@
           <a:p>
             <a:fld id="{79C5A860-F335-4252-AA00-24FB67ED2982}" type="datetime1">
               <a:rPr lang="en-US" smtClean="0"/>
-              <a:t>4/21/2025</a:t>
+              <a:t>4/22/2025</a:t>
             </a:fld>
             <a:endParaRPr lang="en-US"/>
           </a:p>
@@ -482,7 +479,7 @@
           <a:p>
             <a:fld id="{46AB1048-0047-48CA-88BA-D69B470942CF}" type="datetime1">
               <a:rPr lang="en-US" smtClean="0"/>
-              <a:t>4/21/2025</a:t>
+              <a:t>4/22/2025</a:t>
             </a:fld>
             <a:endParaRPr lang="en-US"/>
           </a:p>
@@ -692,7 +689,7 @@
           <a:p>
             <a:fld id="{5BD83879-648C-49A9-81A2-0EF5946532D0}" type="datetime1">
               <a:rPr lang="en-US" smtClean="0"/>
-              <a:t>4/21/2025</a:t>
+              <a:t>4/22/2025</a:t>
             </a:fld>
             <a:endParaRPr lang="en-US"/>
           </a:p>
@@ -890,7 +887,7 @@
           <a:p>
             <a:fld id="{D04BC802-30E3-4658-9CCA-F873646FEC67}" type="datetime1">
               <a:rPr lang="en-US" smtClean="0"/>
-              <a:t>4/21/2025</a:t>
+              <a:t>4/22/2025</a:t>
             </a:fld>
             <a:endParaRPr lang="en-US"/>
           </a:p>
@@ -1168,7 +1165,7 @@
           <a:p>
             <a:fld id="{0AB227A3-19CE-4153-81CE-64EB7AB094B3}" type="datetime1">
               <a:rPr lang="en-US" smtClean="0"/>
-              <a:t>4/21/2025</a:t>
+              <a:t>4/22/2025</a:t>
             </a:fld>
             <a:endParaRPr lang="en-US"/>
           </a:p>
@@ -1435,7 +1432,7 @@
           <a:p>
             <a:fld id="{B819A100-10F6-477E-8847-29D479EF1C92}" type="datetime1">
               <a:rPr lang="en-US" smtClean="0"/>
-              <a:t>4/21/2025</a:t>
+              <a:t>4/22/2025</a:t>
             </a:fld>
             <a:endParaRPr lang="en-US"/>
           </a:p>
@@ -1849,7 +1846,7 @@
           <a:p>
             <a:fld id="{5DF128AB-198A-495F-8475-FDB360C9873F}" type="datetime1">
               <a:rPr lang="en-US" smtClean="0"/>
-              <a:t>4/21/2025</a:t>
+              <a:t>4/22/2025</a:t>
             </a:fld>
             <a:endParaRPr lang="en-US"/>
           </a:p>
@@ -1990,7 +1987,7 @@
           <a:p>
             <a:fld id="{021A235E-F8FD-479F-9FC7-18BE84110877}" type="datetime1">
               <a:rPr lang="en-US" smtClean="0"/>
-              <a:t>4/21/2025</a:t>
+              <a:t>4/22/2025</a:t>
             </a:fld>
             <a:endParaRPr lang="en-US"/>
           </a:p>
@@ -2103,7 +2100,7 @@
           <a:p>
             <a:fld id="{E890F09B-68DA-462E-9DB4-4C9ADAB8CBCC}" type="datetime1">
               <a:rPr lang="en-US" smtClean="0"/>
-              <a:t>4/21/2025</a:t>
+              <a:t>4/22/2025</a:t>
             </a:fld>
             <a:endParaRPr lang="en-US"/>
           </a:p>
@@ -2422,7 +2419,7 @@
           <a:p>
             <a:fld id="{17AC4E36-FABE-47EB-AA7F-C19A93824617}" type="datetime1">
               <a:rPr lang="en-US" smtClean="0"/>
-              <a:t>4/21/2025</a:t>
+              <a:t>4/22/2025</a:t>
             </a:fld>
             <a:endParaRPr lang="en-US"/>
           </a:p>
@@ -2719,7 +2716,7 @@
           <a:p>
             <a:fld id="{F199CE6B-5DE6-4A2D-B72E-5E8969F9F56F}" type="datetime1">
               <a:rPr lang="en-US" smtClean="0"/>
-              <a:t>4/21/2025</a:t>
+              <a:t>4/22/2025</a:t>
             </a:fld>
             <a:endParaRPr lang="en-US"/>
           </a:p>
@@ -3577,7 +3574,7 @@
           <a:p>
             <a:fld id="{F481A142-DA77-4A5F-AD1F-14E6C18F0F5F}" type="datetime1">
               <a:rPr lang="en-US" smtClean="0"/>
-              <a:t>4/21/2025</a:t>
+              <a:t>4/22/2025</a:t>
             </a:fld>
             <a:endParaRPr lang="en-US" dirty="0"/>
           </a:p>
@@ -4597,718 +4594,6 @@
           <p:cNvPr id="2" name="Title 1">
             <a:extLst>
               <a:ext uri="{FF2B5EF4-FFF2-40B4-BE49-F238E27FC236}">
-                <a16:creationId xmlns:a16="http://schemas.microsoft.com/office/drawing/2014/main" id="{44CF171D-2B56-4ED9-151A-7775F4853279}"/>
-              </a:ext>
-            </a:extLst>
-          </p:cNvPr>
-          <p:cNvSpPr>
-            <a:spLocks noGrp="1"/>
-          </p:cNvSpPr>
-          <p:nvPr>
-            <p:ph type="title"/>
-          </p:nvPr>
-        </p:nvSpPr>
-        <p:spPr>
-          <a:xfrm>
-            <a:off x="609600" y="173320"/>
-            <a:ext cx="10972800" cy="844989"/>
-          </a:xfrm>
-        </p:spPr>
-        <p:txBody>
-          <a:bodyPr/>
-          <a:lstStyle/>
-          <a:p>
-            <a:pPr algn="ctr"/>
-            <a:r>
-              <a:rPr lang="en-US" dirty="0"/>
-              <a:t>Peak Season Analysis (2019 vs 2020)</a:t>
-            </a:r>
-          </a:p>
-        </p:txBody>
-      </p:sp>
-      <p:grpSp>
-        <p:nvGrpSpPr>
-          <p:cNvPr id="28" name="Group 27">
-            <a:extLst>
-              <a:ext uri="{FF2B5EF4-FFF2-40B4-BE49-F238E27FC236}">
-                <a16:creationId xmlns:a16="http://schemas.microsoft.com/office/drawing/2014/main" id="{A4AA3BA3-9499-73CA-987F-E0911B2B66C0}"/>
-              </a:ext>
-            </a:extLst>
-          </p:cNvPr>
-          <p:cNvGrpSpPr/>
-          <p:nvPr/>
-        </p:nvGrpSpPr>
-        <p:grpSpPr>
-          <a:xfrm>
-            <a:off x="431440" y="1018309"/>
-            <a:ext cx="11495376" cy="5839691"/>
-            <a:chOff x="265185" y="928117"/>
-            <a:chExt cx="11495376" cy="5929883"/>
-          </a:xfrm>
-        </p:grpSpPr>
-        <p:pic>
-          <p:nvPicPr>
-            <p:cNvPr id="26" name="Picture 25">
-              <a:extLst>
-                <a:ext uri="{FF2B5EF4-FFF2-40B4-BE49-F238E27FC236}">
-                  <a16:creationId xmlns:a16="http://schemas.microsoft.com/office/drawing/2014/main" id="{DEBB884E-886A-074B-B9D5-796C5FEB7A45}"/>
-                </a:ext>
-              </a:extLst>
-            </p:cNvPr>
-            <p:cNvPicPr>
-              <a:picLocks noChangeAspect="1"/>
-            </p:cNvPicPr>
-            <p:nvPr/>
-          </p:nvPicPr>
-          <p:blipFill>
-            <a:blip r:embed="rId2"/>
-            <a:stretch>
-              <a:fillRect/>
-            </a:stretch>
-          </p:blipFill>
-          <p:spPr>
-            <a:xfrm>
-              <a:off x="265185" y="928117"/>
-              <a:ext cx="11495376" cy="5839691"/>
-            </a:xfrm>
-            <a:prstGeom prst="rect">
-              <a:avLst/>
-            </a:prstGeom>
-          </p:spPr>
-        </p:pic>
-        <p:pic>
-          <p:nvPicPr>
-            <p:cNvPr id="16" name="Picture 15">
-              <a:extLst>
-                <a:ext uri="{FF2B5EF4-FFF2-40B4-BE49-F238E27FC236}">
-                  <a16:creationId xmlns:a16="http://schemas.microsoft.com/office/drawing/2014/main" id="{8B344489-F898-A33F-CECF-C21735A8005B}"/>
-                </a:ext>
-              </a:extLst>
-            </p:cNvPr>
-            <p:cNvPicPr>
-              <a:picLocks noChangeAspect="1"/>
-            </p:cNvPicPr>
-            <p:nvPr/>
-          </p:nvPicPr>
-          <p:blipFill>
-            <a:blip r:embed="rId3"/>
-            <a:stretch>
-              <a:fillRect/>
-            </a:stretch>
-          </p:blipFill>
-          <p:spPr>
-            <a:xfrm>
-              <a:off x="6729846" y="5638938"/>
-              <a:ext cx="3143250" cy="1219062"/>
-            </a:xfrm>
-            <a:prstGeom prst="rect">
-              <a:avLst/>
-            </a:prstGeom>
-          </p:spPr>
-        </p:pic>
-      </p:grpSp>
-    </p:spTree>
-    <p:extLst>
-      <p:ext uri="{BB962C8B-B14F-4D97-AF65-F5344CB8AC3E}">
-        <p14:creationId xmlns:p14="http://schemas.microsoft.com/office/powerpoint/2010/main" val="3306896646"/>
-      </p:ext>
-    </p:extLst>
-  </p:cSld>
-  <p:clrMapOvr>
-    <a:masterClrMapping/>
-  </p:clrMapOvr>
-  <p:timing>
-    <p:tnLst>
-      <p:par>
-        <p:cTn id="1" dur="indefinite" restart="never" nodeType="tmRoot">
-          <p:childTnLst>
-            <p:seq concurrent="1" nextAc="seek">
-              <p:cTn id="2" dur="indefinite" nodeType="mainSeq">
-                <p:childTnLst>
-                  <p:par>
-                    <p:cTn id="3" fill="hold">
-                      <p:stCondLst>
-                        <p:cond delay="indefinite"/>
-                      </p:stCondLst>
-                      <p:childTnLst>
-                        <p:par>
-                          <p:cTn id="4" fill="hold">
-                            <p:stCondLst>
-                              <p:cond delay="0"/>
-                            </p:stCondLst>
-                            <p:childTnLst>
-                              <p:par>
-                                <p:cTn id="5" presetID="16" presetClass="entr" presetSubtype="21" fill="hold" grpId="0" nodeType="clickEffect">
-                                  <p:stCondLst>
-                                    <p:cond delay="0"/>
-                                  </p:stCondLst>
-                                  <p:childTnLst>
-                                    <p:set>
-                                      <p:cBhvr>
-                                        <p:cTn id="6" dur="1" fill="hold">
-                                          <p:stCondLst>
-                                            <p:cond delay="0"/>
-                                          </p:stCondLst>
-                                        </p:cTn>
-                                        <p:tgtEl>
-                                          <p:spTgt spid="2"/>
-                                        </p:tgtEl>
-                                        <p:attrNameLst>
-                                          <p:attrName>style.visibility</p:attrName>
-                                        </p:attrNameLst>
-                                      </p:cBhvr>
-                                      <p:to>
-                                        <p:strVal val="visible"/>
-                                      </p:to>
-                                    </p:set>
-                                    <p:animEffect transition="in" filter="barn(inVertical)">
-                                      <p:cBhvr>
-                                        <p:cTn id="7" dur="500"/>
-                                        <p:tgtEl>
-                                          <p:spTgt spid="2"/>
-                                        </p:tgtEl>
-                                      </p:cBhvr>
-                                    </p:animEffect>
-                                  </p:childTnLst>
-                                </p:cTn>
-                              </p:par>
-                            </p:childTnLst>
-                          </p:cTn>
-                        </p:par>
-                      </p:childTnLst>
-                    </p:cTn>
-                  </p:par>
-                  <p:par>
-                    <p:cTn id="8" fill="hold">
-                      <p:stCondLst>
-                        <p:cond delay="indefinite"/>
-                      </p:stCondLst>
-                      <p:childTnLst>
-                        <p:par>
-                          <p:cTn id="9" fill="hold">
-                            <p:stCondLst>
-                              <p:cond delay="0"/>
-                            </p:stCondLst>
-                            <p:childTnLst>
-                              <p:par>
-                                <p:cTn id="10" presetID="10" presetClass="entr" presetSubtype="0" fill="hold" nodeType="clickEffect">
-                                  <p:stCondLst>
-                                    <p:cond delay="0"/>
-                                  </p:stCondLst>
-                                  <p:childTnLst>
-                                    <p:set>
-                                      <p:cBhvr>
-                                        <p:cTn id="11" dur="1" fill="hold">
-                                          <p:stCondLst>
-                                            <p:cond delay="0"/>
-                                          </p:stCondLst>
-                                        </p:cTn>
-                                        <p:tgtEl>
-                                          <p:spTgt spid="28"/>
-                                        </p:tgtEl>
-                                        <p:attrNameLst>
-                                          <p:attrName>style.visibility</p:attrName>
-                                        </p:attrNameLst>
-                                      </p:cBhvr>
-                                      <p:to>
-                                        <p:strVal val="visible"/>
-                                      </p:to>
-                                    </p:set>
-                                    <p:animEffect transition="in" filter="fade">
-                                      <p:cBhvr>
-                                        <p:cTn id="12" dur="500"/>
-                                        <p:tgtEl>
-                                          <p:spTgt spid="28"/>
-                                        </p:tgtEl>
-                                      </p:cBhvr>
-                                    </p:animEffect>
-                                  </p:childTnLst>
-                                </p:cTn>
-                              </p:par>
-                            </p:childTnLst>
-                          </p:cTn>
-                        </p:par>
-                      </p:childTnLst>
-                    </p:cTn>
-                  </p:par>
-                </p:childTnLst>
-              </p:cTn>
-              <p:prevCondLst>
-                <p:cond evt="onPrev" delay="0">
-                  <p:tgtEl>
-                    <p:sldTgt/>
-                  </p:tgtEl>
-                </p:cond>
-              </p:prevCondLst>
-              <p:nextCondLst>
-                <p:cond evt="onNext" delay="0">
-                  <p:tgtEl>
-                    <p:sldTgt/>
-                  </p:tgtEl>
-                </p:cond>
-              </p:nextCondLst>
-            </p:seq>
-          </p:childTnLst>
-        </p:cTn>
-      </p:par>
-    </p:tnLst>
-    <p:bldLst>
-      <p:bldP spid="2" grpId="0"/>
-    </p:bldLst>
-  </p:timing>
-</p:sld>
-</file>
-
-<file path=ppt/slides/slide11.xml><?xml version="1.0" encoding="utf-8"?>
-<p:sld xmlns:a="http://schemas.openxmlformats.org/drawingml/2006/main" xmlns:r="http://schemas.openxmlformats.org/officeDocument/2006/relationships" xmlns:p="http://schemas.openxmlformats.org/presentationml/2006/main">
-  <p:cSld>
-    <p:spTree>
-      <p:nvGrpSpPr>
-        <p:cNvPr id="1" name=""/>
-        <p:cNvGrpSpPr/>
-        <p:nvPr/>
-      </p:nvGrpSpPr>
-      <p:grpSpPr>
-        <a:xfrm>
-          <a:off x="0" y="0"/>
-          <a:ext cx="0" cy="0"/>
-          <a:chOff x="0" y="0"/>
-          <a:chExt cx="0" cy="0"/>
-        </a:xfrm>
-      </p:grpSpPr>
-      <p:sp>
-        <p:nvSpPr>
-          <p:cNvPr id="2" name="Title 1">
-            <a:extLst>
-              <a:ext uri="{FF2B5EF4-FFF2-40B4-BE49-F238E27FC236}">
-                <a16:creationId xmlns:a16="http://schemas.microsoft.com/office/drawing/2014/main" id="{F588A945-E1A5-C740-0749-7206BB505B89}"/>
-              </a:ext>
-            </a:extLst>
-          </p:cNvPr>
-          <p:cNvSpPr>
-            <a:spLocks noGrp="1"/>
-          </p:cNvSpPr>
-          <p:nvPr>
-            <p:ph type="title"/>
-          </p:nvPr>
-        </p:nvSpPr>
-        <p:spPr>
-          <a:xfrm>
-            <a:off x="609600" y="557784"/>
-            <a:ext cx="10972800" cy="1094371"/>
-          </a:xfrm>
-        </p:spPr>
-        <p:txBody>
-          <a:bodyPr>
-            <a:normAutofit fontScale="90000"/>
-          </a:bodyPr>
-          <a:lstStyle/>
-          <a:p>
-            <a:r>
-              <a:rPr lang="en-US" dirty="0"/>
-              <a:t>Peak Season Analysis (Pre-COVID and COVID Observation Period )</a:t>
-            </a:r>
-          </a:p>
-        </p:txBody>
-      </p:sp>
-      <p:pic>
-        <p:nvPicPr>
-          <p:cNvPr id="5" name="Picture 4">
-            <a:extLst>
-              <a:ext uri="{FF2B5EF4-FFF2-40B4-BE49-F238E27FC236}">
-                <a16:creationId xmlns:a16="http://schemas.microsoft.com/office/drawing/2014/main" id="{0A3A4FBF-BF19-CEEA-5C3A-EC711C3957F2}"/>
-              </a:ext>
-            </a:extLst>
-          </p:cNvPr>
-          <p:cNvPicPr>
-            <a:picLocks noChangeAspect="1"/>
-          </p:cNvPicPr>
-          <p:nvPr/>
-        </p:nvPicPr>
-        <p:blipFill>
-          <a:blip r:embed="rId2"/>
-          <a:stretch>
-            <a:fillRect/>
-          </a:stretch>
-        </p:blipFill>
-        <p:spPr>
-          <a:xfrm>
-            <a:off x="249382" y="1652154"/>
-            <a:ext cx="11565082" cy="5205845"/>
-          </a:xfrm>
-          <a:prstGeom prst="rect">
-            <a:avLst/>
-          </a:prstGeom>
-        </p:spPr>
-      </p:pic>
-    </p:spTree>
-    <p:extLst>
-      <p:ext uri="{BB962C8B-B14F-4D97-AF65-F5344CB8AC3E}">
-        <p14:creationId xmlns:p14="http://schemas.microsoft.com/office/powerpoint/2010/main" val="524735799"/>
-      </p:ext>
-    </p:extLst>
-  </p:cSld>
-  <p:clrMapOvr>
-    <a:masterClrMapping/>
-  </p:clrMapOvr>
-  <p:timing>
-    <p:tnLst>
-      <p:par>
-        <p:cTn id="1" dur="indefinite" restart="never" nodeType="tmRoot">
-          <p:childTnLst>
-            <p:seq concurrent="1" nextAc="seek">
-              <p:cTn id="2" dur="indefinite" nodeType="mainSeq">
-                <p:childTnLst>
-                  <p:par>
-                    <p:cTn id="3" fill="hold">
-                      <p:stCondLst>
-                        <p:cond delay="indefinite"/>
-                      </p:stCondLst>
-                      <p:childTnLst>
-                        <p:par>
-                          <p:cTn id="4" fill="hold">
-                            <p:stCondLst>
-                              <p:cond delay="0"/>
-                            </p:stCondLst>
-                            <p:childTnLst>
-                              <p:par>
-                                <p:cTn id="5" presetID="16" presetClass="entr" presetSubtype="21" fill="hold" grpId="0" nodeType="clickEffect">
-                                  <p:stCondLst>
-                                    <p:cond delay="0"/>
-                                  </p:stCondLst>
-                                  <p:childTnLst>
-                                    <p:set>
-                                      <p:cBhvr>
-                                        <p:cTn id="6" dur="1" fill="hold">
-                                          <p:stCondLst>
-                                            <p:cond delay="0"/>
-                                          </p:stCondLst>
-                                        </p:cTn>
-                                        <p:tgtEl>
-                                          <p:spTgt spid="2"/>
-                                        </p:tgtEl>
-                                        <p:attrNameLst>
-                                          <p:attrName>style.visibility</p:attrName>
-                                        </p:attrNameLst>
-                                      </p:cBhvr>
-                                      <p:to>
-                                        <p:strVal val="visible"/>
-                                      </p:to>
-                                    </p:set>
-                                    <p:animEffect transition="in" filter="barn(inVertical)">
-                                      <p:cBhvr>
-                                        <p:cTn id="7" dur="500"/>
-                                        <p:tgtEl>
-                                          <p:spTgt spid="2"/>
-                                        </p:tgtEl>
-                                      </p:cBhvr>
-                                    </p:animEffect>
-                                  </p:childTnLst>
-                                </p:cTn>
-                              </p:par>
-                            </p:childTnLst>
-                          </p:cTn>
-                        </p:par>
-                      </p:childTnLst>
-                    </p:cTn>
-                  </p:par>
-                  <p:par>
-                    <p:cTn id="8" fill="hold">
-                      <p:stCondLst>
-                        <p:cond delay="indefinite"/>
-                      </p:stCondLst>
-                      <p:childTnLst>
-                        <p:par>
-                          <p:cTn id="9" fill="hold">
-                            <p:stCondLst>
-                              <p:cond delay="0"/>
-                            </p:stCondLst>
-                            <p:childTnLst>
-                              <p:par>
-                                <p:cTn id="10" presetID="10" presetClass="entr" presetSubtype="0" fill="hold" nodeType="clickEffect">
-                                  <p:stCondLst>
-                                    <p:cond delay="0"/>
-                                  </p:stCondLst>
-                                  <p:childTnLst>
-                                    <p:set>
-                                      <p:cBhvr>
-                                        <p:cTn id="11" dur="1" fill="hold">
-                                          <p:stCondLst>
-                                            <p:cond delay="0"/>
-                                          </p:stCondLst>
-                                        </p:cTn>
-                                        <p:tgtEl>
-                                          <p:spTgt spid="5"/>
-                                        </p:tgtEl>
-                                        <p:attrNameLst>
-                                          <p:attrName>style.visibility</p:attrName>
-                                        </p:attrNameLst>
-                                      </p:cBhvr>
-                                      <p:to>
-                                        <p:strVal val="visible"/>
-                                      </p:to>
-                                    </p:set>
-                                    <p:animEffect transition="in" filter="fade">
-                                      <p:cBhvr>
-                                        <p:cTn id="12" dur="500"/>
-                                        <p:tgtEl>
-                                          <p:spTgt spid="5"/>
-                                        </p:tgtEl>
-                                      </p:cBhvr>
-                                    </p:animEffect>
-                                  </p:childTnLst>
-                                </p:cTn>
-                              </p:par>
-                            </p:childTnLst>
-                          </p:cTn>
-                        </p:par>
-                      </p:childTnLst>
-                    </p:cTn>
-                  </p:par>
-                </p:childTnLst>
-              </p:cTn>
-              <p:prevCondLst>
-                <p:cond evt="onPrev" delay="0">
-                  <p:tgtEl>
-                    <p:sldTgt/>
-                  </p:tgtEl>
-                </p:cond>
-              </p:prevCondLst>
-              <p:nextCondLst>
-                <p:cond evt="onNext" delay="0">
-                  <p:tgtEl>
-                    <p:sldTgt/>
-                  </p:tgtEl>
-                </p:cond>
-              </p:nextCondLst>
-            </p:seq>
-          </p:childTnLst>
-        </p:cTn>
-      </p:par>
-    </p:tnLst>
-    <p:bldLst>
-      <p:bldP spid="2" grpId="0"/>
-    </p:bldLst>
-  </p:timing>
-</p:sld>
-</file>
-
-<file path=ppt/slides/slide12.xml><?xml version="1.0" encoding="utf-8"?>
-<p:sld xmlns:a="http://schemas.openxmlformats.org/drawingml/2006/main" xmlns:r="http://schemas.openxmlformats.org/officeDocument/2006/relationships" xmlns:p="http://schemas.openxmlformats.org/presentationml/2006/main">
-  <p:cSld>
-    <p:spTree>
-      <p:nvGrpSpPr>
-        <p:cNvPr id="1" name=""/>
-        <p:cNvGrpSpPr/>
-        <p:nvPr/>
-      </p:nvGrpSpPr>
-      <p:grpSpPr>
-        <a:xfrm>
-          <a:off x="0" y="0"/>
-          <a:ext cx="0" cy="0"/>
-          <a:chOff x="0" y="0"/>
-          <a:chExt cx="0" cy="0"/>
-        </a:xfrm>
-      </p:grpSpPr>
-      <p:sp>
-        <p:nvSpPr>
-          <p:cNvPr id="2" name="Title 1">
-            <a:extLst>
-              <a:ext uri="{FF2B5EF4-FFF2-40B4-BE49-F238E27FC236}">
-                <a16:creationId xmlns:a16="http://schemas.microsoft.com/office/drawing/2014/main" id="{F13E0346-52B1-DF36-E0FB-015BB0BC147A}"/>
-              </a:ext>
-            </a:extLst>
-          </p:cNvPr>
-          <p:cNvSpPr>
-            <a:spLocks noGrp="1"/>
-          </p:cNvSpPr>
-          <p:nvPr>
-            <p:ph type="title"/>
-          </p:nvPr>
-        </p:nvSpPr>
-        <p:spPr>
-          <a:xfrm>
-            <a:off x="609600" y="557784"/>
-            <a:ext cx="10972800" cy="751471"/>
-          </a:xfrm>
-        </p:spPr>
-        <p:txBody>
-          <a:bodyPr>
-            <a:normAutofit fontScale="90000"/>
-          </a:bodyPr>
-          <a:lstStyle/>
-          <a:p>
-            <a:r>
-              <a:rPr lang="en-US" dirty="0"/>
-              <a:t>Peak Season Analysis</a:t>
-            </a:r>
-          </a:p>
-        </p:txBody>
-      </p:sp>
-      <p:sp>
-        <p:nvSpPr>
-          <p:cNvPr id="3" name="Content Placeholder 2">
-            <a:extLst>
-              <a:ext uri="{FF2B5EF4-FFF2-40B4-BE49-F238E27FC236}">
-                <a16:creationId xmlns:a16="http://schemas.microsoft.com/office/drawing/2014/main" id="{6F3D3805-B2BD-A221-B15A-73FBC9F7103C}"/>
-              </a:ext>
-            </a:extLst>
-          </p:cNvPr>
-          <p:cNvSpPr>
-            <a:spLocks noGrp="1"/>
-          </p:cNvSpPr>
-          <p:nvPr>
-            <p:ph idx="1"/>
-          </p:nvPr>
-        </p:nvSpPr>
-        <p:spPr>
-          <a:xfrm>
-            <a:off x="609600" y="1846431"/>
-            <a:ext cx="10972800" cy="1146151"/>
-          </a:xfrm>
-        </p:spPr>
-        <p:txBody>
-          <a:bodyPr>
-            <a:normAutofit/>
-          </a:bodyPr>
-          <a:lstStyle/>
-          <a:p>
-            <a:r>
-              <a:rPr lang="en-US" sz="2400" b="1" dirty="0"/>
-              <a:t>→ COVID accelerated the e-commerce peak season, leading to a sharp increase in parcel demand</a:t>
-            </a:r>
-          </a:p>
-        </p:txBody>
-      </p:sp>
-    </p:spTree>
-    <p:extLst>
-      <p:ext uri="{BB962C8B-B14F-4D97-AF65-F5344CB8AC3E}">
-        <p14:creationId xmlns:p14="http://schemas.microsoft.com/office/powerpoint/2010/main" val="2801668312"/>
-      </p:ext>
-    </p:extLst>
-  </p:cSld>
-  <p:clrMapOvr>
-    <a:masterClrMapping/>
-  </p:clrMapOvr>
-  <p:timing>
-    <p:tnLst>
-      <p:par>
-        <p:cTn id="1" dur="indefinite" restart="never" nodeType="tmRoot">
-          <p:childTnLst>
-            <p:seq concurrent="1" nextAc="seek">
-              <p:cTn id="2" dur="indefinite" nodeType="mainSeq">
-                <p:childTnLst>
-                  <p:par>
-                    <p:cTn id="3" fill="hold">
-                      <p:stCondLst>
-                        <p:cond delay="indefinite"/>
-                      </p:stCondLst>
-                      <p:childTnLst>
-                        <p:par>
-                          <p:cTn id="4" fill="hold">
-                            <p:stCondLst>
-                              <p:cond delay="0"/>
-                            </p:stCondLst>
-                            <p:childTnLst>
-                              <p:par>
-                                <p:cTn id="5" presetID="14" presetClass="entr" presetSubtype="10" fill="hold" grpId="0" nodeType="clickEffect">
-                                  <p:stCondLst>
-                                    <p:cond delay="0"/>
-                                  </p:stCondLst>
-                                  <p:childTnLst>
-                                    <p:set>
-                                      <p:cBhvr>
-                                        <p:cTn id="6" dur="1" fill="hold">
-                                          <p:stCondLst>
-                                            <p:cond delay="0"/>
-                                          </p:stCondLst>
-                                        </p:cTn>
-                                        <p:tgtEl>
-                                          <p:spTgt spid="3">
-                                            <p:txEl>
-                                              <p:pRg st="0" end="0"/>
-                                            </p:txEl>
-                                          </p:spTgt>
-                                        </p:tgtEl>
-                                        <p:attrNameLst>
-                                          <p:attrName>style.visibility</p:attrName>
-                                        </p:attrNameLst>
-                                      </p:cBhvr>
-                                      <p:to>
-                                        <p:strVal val="visible"/>
-                                      </p:to>
-                                    </p:set>
-                                    <p:animEffect transition="in" filter="randombar(horizontal)">
-                                      <p:cBhvr>
-                                        <p:cTn id="7" dur="500"/>
-                                        <p:tgtEl>
-                                          <p:spTgt spid="3">
-                                            <p:txEl>
-                                              <p:pRg st="0" end="0"/>
-                                            </p:txEl>
-                                          </p:spTgt>
-                                        </p:tgtEl>
-                                      </p:cBhvr>
-                                    </p:animEffect>
-                                  </p:childTnLst>
-                                </p:cTn>
-                              </p:par>
-                            </p:childTnLst>
-                          </p:cTn>
-                        </p:par>
-                      </p:childTnLst>
-                    </p:cTn>
-                  </p:par>
-                </p:childTnLst>
-              </p:cTn>
-              <p:prevCondLst>
-                <p:cond evt="onPrev" delay="0">
-                  <p:tgtEl>
-                    <p:sldTgt/>
-                  </p:tgtEl>
-                </p:cond>
-              </p:prevCondLst>
-              <p:nextCondLst>
-                <p:cond evt="onNext" delay="0">
-                  <p:tgtEl>
-                    <p:sldTgt/>
-                  </p:tgtEl>
-                </p:cond>
-              </p:nextCondLst>
-            </p:seq>
-          </p:childTnLst>
-        </p:cTn>
-      </p:par>
-    </p:tnLst>
-    <p:bldLst>
-      <p:bldP spid="3" grpId="0" build="p"/>
-    </p:bldLst>
-  </p:timing>
-</p:sld>
-</file>
-
-<file path=ppt/slides/slide13.xml><?xml version="1.0" encoding="utf-8"?>
-<p:sld xmlns:a="http://schemas.openxmlformats.org/drawingml/2006/main" xmlns:r="http://schemas.openxmlformats.org/officeDocument/2006/relationships" xmlns:p="http://schemas.openxmlformats.org/presentationml/2006/main">
-  <p:cSld>
-    <p:spTree>
-      <p:nvGrpSpPr>
-        <p:cNvPr id="1" name=""/>
-        <p:cNvGrpSpPr/>
-        <p:nvPr/>
-      </p:nvGrpSpPr>
-      <p:grpSpPr>
-        <a:xfrm>
-          <a:off x="0" y="0"/>
-          <a:ext cx="0" cy="0"/>
-          <a:chOff x="0" y="0"/>
-          <a:chExt cx="0" cy="0"/>
-        </a:xfrm>
-      </p:grpSpPr>
-      <p:sp>
-        <p:nvSpPr>
-          <p:cNvPr id="2" name="Title 1">
-            <a:extLst>
-              <a:ext uri="{FF2B5EF4-FFF2-40B4-BE49-F238E27FC236}">
                 <a16:creationId xmlns:a16="http://schemas.microsoft.com/office/drawing/2014/main" id="{CFA92E39-2278-0B07-5AFB-136F530E6655}"/>
               </a:ext>
             </a:extLst>
@@ -5391,44 +4676,57 @@
         </p:blipFill>
         <p:spPr>
           <a:xfrm>
-            <a:off x="3168364" y="4615410"/>
-            <a:ext cx="2266950" cy="1666875"/>
+            <a:off x="1241240" y="4569796"/>
+            <a:ext cx="2878475" cy="2021364"/>
           </a:xfrm>
           <a:prstGeom prst="rect">
             <a:avLst/>
           </a:prstGeom>
         </p:spPr>
       </p:pic>
-      <p:pic>
-        <p:nvPicPr>
-          <p:cNvPr id="11" name="Picture 10">
+      <p:sp>
+        <p:nvSpPr>
+          <p:cNvPr id="4" name="TextBox 3">
             <a:extLst>
               <a:ext uri="{FF2B5EF4-FFF2-40B4-BE49-F238E27FC236}">
-                <a16:creationId xmlns:a16="http://schemas.microsoft.com/office/drawing/2014/main" id="{0C841849-57CF-C170-32A3-ACE16979BF68}"/>
+                <a16:creationId xmlns:a16="http://schemas.microsoft.com/office/drawing/2014/main" id="{1C57AC5F-55B5-6493-7314-8736EB61531E}"/>
               </a:ext>
             </a:extLst>
           </p:cNvPr>
-          <p:cNvPicPr>
-            <a:picLocks noChangeAspect="1"/>
-          </p:cNvPicPr>
+          <p:cNvSpPr txBox="1"/>
           <p:nvPr/>
-        </p:nvPicPr>
-        <p:blipFill>
-          <a:blip r:embed="rId4"/>
-          <a:stretch>
-            <a:fillRect/>
-          </a:stretch>
-        </p:blipFill>
+        </p:nvSpPr>
         <p:spPr>
           <a:xfrm>
-            <a:off x="5997719" y="4615410"/>
-            <a:ext cx="2981325" cy="1828800"/>
+            <a:off x="5024287" y="4980313"/>
+            <a:ext cx="6096000" cy="1200329"/>
           </a:xfrm>
           <a:prstGeom prst="rect">
             <a:avLst/>
           </a:prstGeom>
+          <a:noFill/>
         </p:spPr>
-      </p:pic>
+        <p:txBody>
+          <a:bodyPr wrap="square">
+            <a:spAutoFit/>
+          </a:bodyPr>
+          <a:lstStyle/>
+          <a:p>
+            <a:r>
+              <a:rPr lang="en-US" dirty="0"/>
+              <a:t>From 2019 to 2020, there was a </a:t>
+            </a:r>
+            <a:r>
+              <a:rPr lang="en-US" b="1" dirty="0"/>
+              <a:t>noticeable shift in customer size</a:t>
+            </a:r>
+            <a:r>
+              <a:rPr lang="en-US" dirty="0"/>
+              <a:t>: the Small segment declined while Medium and Large segments grew, indicating customer upgrades and a diversification in the client base</a:t>
+            </a:r>
+          </a:p>
+        </p:txBody>
+      </p:sp>
     </p:spTree>
     <p:extLst>
       <p:ext uri="{BB962C8B-B14F-4D97-AF65-F5344CB8AC3E}">
@@ -5600,41 +4898,6 @@
                                   </p:childTnLst>
                                 </p:cTn>
                               </p:par>
-                              <p:par>
-                                <p:cTn id="18" presetID="10" presetClass="entr" presetSubtype="0" fill="hold" nodeType="withEffect">
-                                  <p:stCondLst>
-                                    <p:cond delay="0"/>
-                                  </p:stCondLst>
-                                  <p:childTnLst>
-                                    <p:set>
-                                      <p:cBhvr>
-                                        <p:cTn id="19" dur="1" fill="hold">
-                                          <p:stCondLst>
-                                            <p:cond delay="0"/>
-                                          </p:stCondLst>
-                                        </p:cTn>
-                                        <p:tgtEl>
-                                          <p:spTgt spid="11"/>
-                                        </p:tgtEl>
-                                        <p:attrNameLst>
-                                          <p:attrName>style.visibility</p:attrName>
-                                        </p:attrNameLst>
-                                      </p:cBhvr>
-                                      <p:to>
-                                        <p:strVal val="visible"/>
-                                      </p:to>
-                                    </p:set>
-                                    <p:animEffect transition="in" filter="fade">
-                                      <p:cBhvr>
-                                        <p:cTn id="20" dur="500"/>
-                                        <p:tgtEl>
-                                          <p:spTgt spid="11"/>
-                                        </p:tgtEl>
-                                      </p:cBhvr>
-                                    </p:animEffect>
-                                  </p:childTnLst>
-                                </p:cTn>
-                              </p:par>
                             </p:childTnLst>
                           </p:cTn>
                         </p:par>
@@ -5669,7 +4932,7 @@
 </p:sld>
 </file>
 
-<file path=ppt/slides/slide14.xml><?xml version="1.0" encoding="utf-8"?>
+<file path=ppt/slides/slide11.xml><?xml version="1.0" encoding="utf-8"?>
 <p:sld xmlns:a="http://schemas.openxmlformats.org/drawingml/2006/main" xmlns:r="http://schemas.openxmlformats.org/officeDocument/2006/relationships" xmlns:p="http://schemas.openxmlformats.org/presentationml/2006/main">
   <p:cSld>
     <p:spTree>
@@ -5781,6 +5044,57 @@
           </a:prstGeom>
         </p:spPr>
       </p:pic>
+      <p:sp>
+        <p:nvSpPr>
+          <p:cNvPr id="4" name="TextBox 3">
+            <a:extLst>
+              <a:ext uri="{FF2B5EF4-FFF2-40B4-BE49-F238E27FC236}">
+                <a16:creationId xmlns:a16="http://schemas.microsoft.com/office/drawing/2014/main" id="{F0E6C0E6-0363-9D50-D5A5-26B419C701A7}"/>
+              </a:ext>
+            </a:extLst>
+          </p:cNvPr>
+          <p:cNvSpPr txBox="1"/>
+          <p:nvPr/>
+        </p:nvSpPr>
+        <p:spPr>
+          <a:xfrm>
+            <a:off x="3195331" y="5049507"/>
+            <a:ext cx="6096000" cy="1200329"/>
+          </a:xfrm>
+          <a:prstGeom prst="rect">
+            <a:avLst/>
+          </a:prstGeom>
+          <a:noFill/>
+        </p:spPr>
+        <p:txBody>
+          <a:bodyPr wrap="square">
+            <a:spAutoFit/>
+          </a:bodyPr>
+          <a:lstStyle/>
+          <a:p>
+            <a:r>
+              <a:rPr lang="en-US" dirty="0"/>
+              <a:t>Nearly </a:t>
+            </a:r>
+            <a:r>
+              <a:rPr lang="en-US" b="1" dirty="0"/>
+              <a:t>60% of customers were in decline</a:t>
+            </a:r>
+            <a:r>
+              <a:rPr lang="en-US" dirty="0"/>
+              <a:t>, with the </a:t>
+            </a:r>
+            <a:r>
+              <a:rPr lang="en-US" b="1" dirty="0"/>
+              <a:t>Small segment accounting for the highest drop-off</a:t>
+            </a:r>
+            <a:r>
+              <a:rPr lang="en-US" dirty="0"/>
+              <a:t>. This suggests retention challenges and emphasizes the need to focus on sustaining growth and reducing churn</a:t>
+            </a:r>
+          </a:p>
+        </p:txBody>
+      </p:sp>
     </p:spTree>
     <p:extLst>
       <p:ext uri="{BB962C8B-B14F-4D97-AF65-F5344CB8AC3E}">
@@ -5930,7 +5244,7 @@
 </p:sld>
 </file>
 
-<file path=ppt/slides/slide15.xml><?xml version="1.0" encoding="utf-8"?>
+<file path=ppt/slides/slide12.xml><?xml version="1.0" encoding="utf-8"?>
 <p:sld xmlns:a="http://schemas.openxmlformats.org/drawingml/2006/main" xmlns:r="http://schemas.openxmlformats.org/officeDocument/2006/relationships" xmlns:p="http://schemas.openxmlformats.org/presentationml/2006/main">
   <p:cSld>
     <p:spTree>
@@ -6538,7 +5852,7 @@
 </p:sld>
 </file>
 
-<file path=ppt/slides/slide16.xml><?xml version="1.0" encoding="utf-8"?>
+<file path=ppt/slides/slide13.xml><?xml version="1.0" encoding="utf-8"?>
 <p:sld xmlns:a="http://schemas.openxmlformats.org/drawingml/2006/main" xmlns:r="http://schemas.openxmlformats.org/officeDocument/2006/relationships" xmlns:p="http://schemas.openxmlformats.org/presentationml/2006/main">
   <p:cSld>
     <p:spTree>
@@ -6772,7 +6086,7 @@
 </p:sld>
 </file>
 
-<file path=ppt/slides/slide17.xml><?xml version="1.0" encoding="utf-8"?>
+<file path=ppt/slides/slide14.xml><?xml version="1.0" encoding="utf-8"?>
 <p:sld xmlns:a="http://schemas.openxmlformats.org/drawingml/2006/main" xmlns:r="http://schemas.openxmlformats.org/officeDocument/2006/relationships" xmlns:p="http://schemas.openxmlformats.org/presentationml/2006/main">
   <p:cSld>
     <p:spTree>
@@ -7931,7 +7245,7 @@
 </p:sld>
 </file>
 
-<file path=ppt/slides/slide18.xml><?xml version="1.0" encoding="utf-8"?>
+<file path=ppt/slides/slide15.xml><?xml version="1.0" encoding="utf-8"?>
 <p:sld xmlns:a="http://schemas.openxmlformats.org/drawingml/2006/main" xmlns:r="http://schemas.openxmlformats.org/officeDocument/2006/relationships" xmlns:p="http://schemas.openxmlformats.org/presentationml/2006/main">
   <p:cSld>
     <p:spTree>
@@ -8317,7 +7631,7 @@
 </p:sld>
 </file>
 
-<file path=ppt/slides/slide19.xml><?xml version="1.0" encoding="utf-8"?>
+<file path=ppt/slides/slide16.xml><?xml version="1.0" encoding="utf-8"?>
 <p:sld xmlns:a="http://schemas.openxmlformats.org/drawingml/2006/main" xmlns:r="http://schemas.openxmlformats.org/officeDocument/2006/relationships" xmlns:p="http://schemas.openxmlformats.org/presentationml/2006/main">
   <p:cSld>
     <p:bg>
@@ -9271,31 +8585,6 @@
             </a:r>
           </a:p>
           <a:p>
-            <a:r>
-              <a:rPr lang="en-US" dirty="0"/>
-              <a:t>- </a:t>
-            </a:r>
-            <a:r>
-              <a:rPr lang="en-US" b="1" dirty="0"/>
-              <a:t>Tools</a:t>
-            </a:r>
-            <a:r>
-              <a:rPr lang="en-US" dirty="0"/>
-              <a:t>: </a:t>
-            </a:r>
-            <a:r>
-              <a:rPr lang="en-US" dirty="0" err="1"/>
-              <a:t>Jupyter</a:t>
-            </a:r>
-            <a:r>
-              <a:rPr lang="en-US" dirty="0"/>
-              <a:t> Notebook, Power BI, Excel</a:t>
-            </a:r>
-          </a:p>
-          <a:p>
-            <a:endParaRPr lang="en-US" dirty="0"/>
-          </a:p>
-          <a:p>
             <a:endParaRPr lang="en-US" dirty="0"/>
           </a:p>
         </p:txBody>
@@ -9745,49 +9034,6 @@
                                   </p:childTnLst>
                                 </p:cTn>
                               </p:par>
-                              <p:par>
-                                <p:cTn id="36" presetID="10" presetClass="entr" presetSubtype="0" fill="hold" nodeType="withEffect">
-                                  <p:stCondLst>
-                                    <p:cond delay="0"/>
-                                  </p:stCondLst>
-                                  <p:childTnLst>
-                                    <p:set>
-                                      <p:cBhvr>
-                                        <p:cTn id="37" dur="1" fill="hold">
-                                          <p:stCondLst>
-                                            <p:cond delay="0"/>
-                                          </p:stCondLst>
-                                        </p:cTn>
-                                        <p:tgtEl>
-                                          <p:spTgt spid="3">
-                                            <p:txEl>
-                                              <p:pRg st="9" end="9"/>
-                                            </p:txEl>
-                                          </p:spTgt>
-                                        </p:tgtEl>
-                                        <p:attrNameLst>
-                                          <p:attrName>style.visibility</p:attrName>
-                                        </p:attrNameLst>
-                                      </p:cBhvr>
-                                      <p:to>
-                                        <p:strVal val="visible"/>
-                                      </p:to>
-                                    </p:set>
-                                    <p:animEffect transition="in" filter="fade">
-                                      <p:cBhvr>
-                                        <p:cTn id="38" dur="500"/>
-                                        <p:tgtEl>
-                                          <p:spTgt spid="3">
-                                            <p:txEl>
-                                              <p:pRg st="9" end="9"/>
-                                            </p:txEl>
-                                          </p:spTgt>
-                                        </p:tgtEl>
-                                      </p:cBhvr>
-                                    </p:animEffect>
-                                  </p:childTnLst>
-                                </p:cTn>
-                              </p:par>
                             </p:childTnLst>
                           </p:cTn>
                         </p:par>
@@ -9876,10 +9122,10 @@
       </p:sp>
       <p:pic>
         <p:nvPicPr>
-          <p:cNvPr id="7" name="Picture 6">
+          <p:cNvPr id="4" name="Picture 3">
             <a:extLst>
               <a:ext uri="{FF2B5EF4-FFF2-40B4-BE49-F238E27FC236}">
-                <a16:creationId xmlns:a16="http://schemas.microsoft.com/office/drawing/2014/main" id="{7BBFC01E-84F6-F02F-00AE-3989096AF6B0}"/>
+                <a16:creationId xmlns:a16="http://schemas.microsoft.com/office/drawing/2014/main" id="{9F7BCD0D-CFCB-9DE2-3707-5F4074BEB5A1}"/>
               </a:ext>
             </a:extLst>
           </p:cNvPr>
@@ -9896,8 +9142,38 @@
         </p:blipFill>
         <p:spPr>
           <a:xfrm>
-            <a:off x="753627" y="1130709"/>
-            <a:ext cx="10619224" cy="5651928"/>
+            <a:off x="793820" y="1130710"/>
+            <a:ext cx="10850492" cy="4647092"/>
+          </a:xfrm>
+          <a:prstGeom prst="rect">
+            <a:avLst/>
+          </a:prstGeom>
+        </p:spPr>
+      </p:pic>
+      <p:pic>
+        <p:nvPicPr>
+          <p:cNvPr id="6" name="Picture 5">
+            <a:extLst>
+              <a:ext uri="{FF2B5EF4-FFF2-40B4-BE49-F238E27FC236}">
+                <a16:creationId xmlns:a16="http://schemas.microsoft.com/office/drawing/2014/main" id="{912452BE-D400-27B2-847F-DDB5F4554D82}"/>
+              </a:ext>
+            </a:extLst>
+          </p:cNvPr>
+          <p:cNvPicPr>
+            <a:picLocks noChangeAspect="1"/>
+          </p:cNvPicPr>
+          <p:nvPr/>
+        </p:nvPicPr>
+        <p:blipFill>
+          <a:blip r:embed="rId3"/>
+          <a:stretch>
+            <a:fillRect/>
+          </a:stretch>
+        </p:blipFill>
+        <p:spPr>
+          <a:xfrm>
+            <a:off x="2705675" y="5760144"/>
+            <a:ext cx="6619875" cy="838200"/>
           </a:xfrm>
           <a:prstGeom prst="rect">
             <a:avLst/>
@@ -10001,7 +9277,7 @@
                                           </p:stCondLst>
                                         </p:cTn>
                                         <p:tgtEl>
-                                          <p:spTgt spid="7"/>
+                                          <p:spTgt spid="4"/>
                                         </p:tgtEl>
                                         <p:attrNameLst>
                                           <p:attrName>style.visibility</p:attrName>
@@ -10015,7 +9291,42 @@
                                       <p:cBhvr>
                                         <p:cTn id="12" dur="500"/>
                                         <p:tgtEl>
-                                          <p:spTgt spid="7"/>
+                                          <p:spTgt spid="4"/>
+                                        </p:tgtEl>
+                                      </p:cBhvr>
+                                    </p:animEffect>
+                                  </p:childTnLst>
+                                </p:cTn>
+                              </p:par>
+                              <p:par>
+                                <p:cTn id="13" presetID="10" presetClass="entr" presetSubtype="0" fill="hold" nodeType="withEffect">
+                                  <p:stCondLst>
+                                    <p:cond delay="0"/>
+                                  </p:stCondLst>
+                                  <p:childTnLst>
+                                    <p:set>
+                                      <p:cBhvr>
+                                        <p:cTn id="14" dur="1" fill="hold">
+                                          <p:stCondLst>
+                                            <p:cond delay="0"/>
+                                          </p:stCondLst>
+                                        </p:cTn>
+                                        <p:tgtEl>
+                                          <p:spTgt spid="6"/>
+                                        </p:tgtEl>
+                                        <p:attrNameLst>
+                                          <p:attrName>style.visibility</p:attrName>
+                                        </p:attrNameLst>
+                                      </p:cBhvr>
+                                      <p:to>
+                                        <p:strVal val="visible"/>
+                                      </p:to>
+                                    </p:set>
+                                    <p:animEffect transition="in" filter="fade">
+                                      <p:cBhvr>
+                                        <p:cTn id="15" dur="500"/>
+                                        <p:tgtEl>
+                                          <p:spTgt spid="6"/>
                                         </p:tgtEl>
                                       </p:cBhvr>
                                     </p:animEffect>
@@ -10064,7 +9375,7 @@
         <p:cNvPr id="1" name="">
           <a:extLst>
             <a:ext uri="{FF2B5EF4-FFF2-40B4-BE49-F238E27FC236}">
-              <a16:creationId xmlns:a16="http://schemas.microsoft.com/office/drawing/2014/main" id="{1962DAA4-FCBA-B58A-535F-73E92EE86F71}"/>
+              <a16:creationId xmlns:a16="http://schemas.microsoft.com/office/drawing/2014/main" id="{6B7B88A9-E0B3-CB4E-802C-004185783186}"/>
             </a:ext>
           </a:extLst>
         </p:cNvPr>
@@ -10084,7 +9395,7 @@
           <p:cNvPr id="2" name="Title 1">
             <a:extLst>
               <a:ext uri="{FF2B5EF4-FFF2-40B4-BE49-F238E27FC236}">
-                <a16:creationId xmlns:a16="http://schemas.microsoft.com/office/drawing/2014/main" id="{0E7D0B1F-17CE-7200-0B25-DF3163CD9264}"/>
+                <a16:creationId xmlns:a16="http://schemas.microsoft.com/office/drawing/2014/main" id="{92C70E87-802F-9950-A7BC-B848ABC295DF}"/>
               </a:ext>
             </a:extLst>
           </p:cNvPr>
@@ -10097,19 +9408,19 @@
         </p:nvSpPr>
         <p:spPr>
           <a:xfrm>
-            <a:off x="609600" y="292313"/>
-            <a:ext cx="10972800" cy="838397"/>
+            <a:off x="542925" y="282265"/>
+            <a:ext cx="10972800" cy="612039"/>
           </a:xfrm>
         </p:spPr>
         <p:txBody>
           <a:bodyPr>
-            <a:normAutofit/>
+            <a:noAutofit/>
           </a:bodyPr>
           <a:lstStyle/>
           <a:p>
             <a:r>
-              <a:rPr lang="en-US" dirty="0"/>
-              <a:t>Business Overview</a:t>
+              <a:rPr lang="en-US" sz="3200" dirty="0"/>
+              <a:t>Impact before and after COVID-19 Declaration</a:t>
             </a:r>
           </a:p>
         </p:txBody>
@@ -10119,7 +9430,7 @@
           <p:cNvPr id="4" name="Picture 3">
             <a:extLst>
               <a:ext uri="{FF2B5EF4-FFF2-40B4-BE49-F238E27FC236}">
-                <a16:creationId xmlns:a16="http://schemas.microsoft.com/office/drawing/2014/main" id="{88D2E00C-7116-AFE7-78F7-8EC5EEAB2B20}"/>
+                <a16:creationId xmlns:a16="http://schemas.microsoft.com/office/drawing/2014/main" id="{4764D5B6-900A-37BE-A7F4-00BE3612B281}"/>
               </a:ext>
             </a:extLst>
           </p:cNvPr>
@@ -10136,8 +9447,8 @@
         </p:blipFill>
         <p:spPr>
           <a:xfrm>
-            <a:off x="795337" y="1130710"/>
-            <a:ext cx="10601325" cy="5727290"/>
+            <a:off x="542925" y="1034980"/>
+            <a:ext cx="10972800" cy="5697416"/>
           </a:xfrm>
           <a:prstGeom prst="rect">
             <a:avLst/>
@@ -10147,7 +9458,7 @@
     </p:spTree>
     <p:extLst>
       <p:ext uri="{BB962C8B-B14F-4D97-AF65-F5344CB8AC3E}">
-        <p14:creationId xmlns:p14="http://schemas.microsoft.com/office/powerpoint/2010/main" val="522449260"/>
+        <p14:creationId xmlns:p14="http://schemas.microsoft.com/office/powerpoint/2010/main" val="2386536973"/>
       </p:ext>
     </p:extLst>
   </p:cSld>
@@ -10849,7 +10160,7 @@
           <p:cNvPr id="2" name="Title 1">
             <a:extLst>
               <a:ext uri="{FF2B5EF4-FFF2-40B4-BE49-F238E27FC236}">
-                <a16:creationId xmlns:a16="http://schemas.microsoft.com/office/drawing/2014/main" id="{5E36E97A-30BA-0727-9682-955D7A348CEC}"/>
+                <a16:creationId xmlns:a16="http://schemas.microsoft.com/office/drawing/2014/main" id="{D90915F6-596C-17A4-8A35-CE84DFC63CB3}"/>
               </a:ext>
             </a:extLst>
           </p:cNvPr>
@@ -10863,11 +10174,13 @@
         <p:spPr>
           <a:xfrm>
             <a:off x="609600" y="557784"/>
-            <a:ext cx="10972800" cy="779403"/>
+            <a:ext cx="10972800" cy="761861"/>
           </a:xfrm>
         </p:spPr>
         <p:txBody>
-          <a:bodyPr/>
+          <a:bodyPr>
+            <a:noAutofit/>
+          </a:bodyPr>
           <a:lstStyle/>
           <a:p>
             <a:r>
@@ -10877,12 +10190,837 @@
           </a:p>
         </p:txBody>
       </p:sp>
+      <p:graphicFrame>
+        <p:nvGraphicFramePr>
+          <p:cNvPr id="9" name="Table 8">
+            <a:extLst>
+              <a:ext uri="{FF2B5EF4-FFF2-40B4-BE49-F238E27FC236}">
+                <a16:creationId xmlns:a16="http://schemas.microsoft.com/office/drawing/2014/main" id="{6FD19C98-96D1-56A4-31EE-D7AC73591A56}"/>
+              </a:ext>
+            </a:extLst>
+          </p:cNvPr>
+          <p:cNvGraphicFramePr>
+            <a:graphicFrameLocks noGrp="1"/>
+          </p:cNvGraphicFramePr>
+          <p:nvPr>
+            <p:extLst>
+              <p:ext uri="{D42A27DB-BD31-4B8C-83A1-F6EECF244321}">
+                <p14:modId xmlns:p14="http://schemas.microsoft.com/office/powerpoint/2010/main" val="776228562"/>
+              </p:ext>
+            </p:extLst>
+          </p:nvPr>
+        </p:nvGraphicFramePr>
+        <p:xfrm>
+          <a:off x="6941575" y="1450722"/>
+          <a:ext cx="4532670" cy="2323730"/>
+        </p:xfrm>
+        <a:graphic>
+          <a:graphicData uri="http://schemas.openxmlformats.org/drawingml/2006/table">
+            <a:tbl>
+              <a:tblPr firstRow="1" bandRow="1">
+                <a:tableStyleId>{9D7B26C5-4107-4FEC-AEDC-1716B250A1EF}</a:tableStyleId>
+              </a:tblPr>
+              <a:tblGrid>
+                <a:gridCol w="784435">
+                  <a:extLst>
+                    <a:ext uri="{9D8B030D-6E8A-4147-A177-3AD203B41FA5}">
+                      <a16:colId xmlns:a16="http://schemas.microsoft.com/office/drawing/2014/main" val="584425468"/>
+                    </a:ext>
+                  </a:extLst>
+                </a:gridCol>
+                <a:gridCol w="1288026">
+                  <a:extLst>
+                    <a:ext uri="{9D8B030D-6E8A-4147-A177-3AD203B41FA5}">
+                      <a16:colId xmlns:a16="http://schemas.microsoft.com/office/drawing/2014/main" val="3899221002"/>
+                    </a:ext>
+                  </a:extLst>
+                </a:gridCol>
+                <a:gridCol w="581717">
+                  <a:extLst>
+                    <a:ext uri="{9D8B030D-6E8A-4147-A177-3AD203B41FA5}">
+                      <a16:colId xmlns:a16="http://schemas.microsoft.com/office/drawing/2014/main" val="2768743516"/>
+                    </a:ext>
+                  </a:extLst>
+                </a:gridCol>
+                <a:gridCol w="696476">
+                  <a:extLst>
+                    <a:ext uri="{9D8B030D-6E8A-4147-A177-3AD203B41FA5}">
+                      <a16:colId xmlns:a16="http://schemas.microsoft.com/office/drawing/2014/main" val="3777036179"/>
+                    </a:ext>
+                  </a:extLst>
+                </a:gridCol>
+                <a:gridCol w="678425">
+                  <a:extLst>
+                    <a:ext uri="{9D8B030D-6E8A-4147-A177-3AD203B41FA5}">
+                      <a16:colId xmlns:a16="http://schemas.microsoft.com/office/drawing/2014/main" val="1452522966"/>
+                    </a:ext>
+                  </a:extLst>
+                </a:gridCol>
+                <a:gridCol w="503591">
+                  <a:extLst>
+                    <a:ext uri="{9D8B030D-6E8A-4147-A177-3AD203B41FA5}">
+                      <a16:colId xmlns:a16="http://schemas.microsoft.com/office/drawing/2014/main" val="3053037997"/>
+                    </a:ext>
+                  </a:extLst>
+                </a:gridCol>
+              </a:tblGrid>
+              <a:tr h="417408">
+                <a:tc>
+                  <a:txBody>
+                    <a:bodyPr/>
+                    <a:lstStyle/>
+                    <a:p>
+                      <a:r>
+                        <a:rPr lang="en-US" sz="1050" dirty="0"/>
+                        <a:t>Legend</a:t>
+                      </a:r>
+                    </a:p>
+                  </a:txBody>
+                  <a:tcPr/>
+                </a:tc>
+                <a:tc>
+                  <a:txBody>
+                    <a:bodyPr/>
+                    <a:lstStyle/>
+                    <a:p>
+                      <a:r>
+                        <a:rPr lang="en-US" sz="1050" dirty="0"/>
+                        <a:t>Event Label</a:t>
+                      </a:r>
+                    </a:p>
+                  </a:txBody>
+                  <a:tcPr/>
+                </a:tc>
+                <a:tc>
+                  <a:txBody>
+                    <a:bodyPr/>
+                    <a:lstStyle/>
+                    <a:p>
+                      <a:r>
+                        <a:rPr lang="en-US" sz="1050" dirty="0"/>
+                        <a:t>Year</a:t>
+                      </a:r>
+                    </a:p>
+                  </a:txBody>
+                  <a:tcPr/>
+                </a:tc>
+                <a:tc>
+                  <a:txBody>
+                    <a:bodyPr/>
+                    <a:lstStyle/>
+                    <a:p>
+                      <a:r>
+                        <a:rPr lang="en-US" sz="1050" dirty="0"/>
+                        <a:t>Month</a:t>
+                      </a:r>
+                    </a:p>
+                  </a:txBody>
+                  <a:tcPr/>
+                </a:tc>
+                <a:tc>
+                  <a:txBody>
+                    <a:bodyPr/>
+                    <a:lstStyle/>
+                    <a:p>
+                      <a:r>
+                        <a:rPr lang="en-US" sz="1050" dirty="0"/>
+                        <a:t>Week </a:t>
+                      </a:r>
+                    </a:p>
+                  </a:txBody>
+                  <a:tcPr/>
+                </a:tc>
+                <a:tc>
+                  <a:txBody>
+                    <a:bodyPr/>
+                    <a:lstStyle/>
+                    <a:p>
+                      <a:r>
+                        <a:rPr lang="en-US" sz="1050" dirty="0"/>
+                        <a:t>Day</a:t>
+                      </a:r>
+                    </a:p>
+                  </a:txBody>
+                  <a:tcPr/>
+                </a:tc>
+                <a:extLst>
+                  <a:ext uri="{0D108BD9-81ED-4DB2-BD59-A6C34878D82A}">
+                    <a16:rowId xmlns:a16="http://schemas.microsoft.com/office/drawing/2014/main" val="2458835153"/>
+                  </a:ext>
+                </a:extLst>
+              </a:tr>
+              <a:tr h="484805">
+                <a:tc>
+                  <a:txBody>
+                    <a:bodyPr/>
+                    <a:lstStyle/>
+                    <a:p>
+                      <a:endParaRPr lang="en-US" sz="1050" dirty="0"/>
+                    </a:p>
+                  </a:txBody>
+                  <a:tcPr/>
+                </a:tc>
+                <a:tc>
+                  <a:txBody>
+                    <a:bodyPr/>
+                    <a:lstStyle/>
+                    <a:p>
+                      <a:r>
+                        <a:rPr lang="en-US" sz="1050" dirty="0"/>
+                        <a:t>Pandemic Declared</a:t>
+                      </a:r>
+                    </a:p>
+                  </a:txBody>
+                  <a:tcPr/>
+                </a:tc>
+                <a:tc>
+                  <a:txBody>
+                    <a:bodyPr/>
+                    <a:lstStyle/>
+                    <a:p>
+                      <a:r>
+                        <a:rPr lang="en-US" sz="1050" dirty="0"/>
+                        <a:t>2020</a:t>
+                      </a:r>
+                    </a:p>
+                  </a:txBody>
+                  <a:tcPr/>
+                </a:tc>
+                <a:tc>
+                  <a:txBody>
+                    <a:bodyPr/>
+                    <a:lstStyle/>
+                    <a:p>
+                      <a:r>
+                        <a:rPr lang="en-US" sz="1050" dirty="0"/>
+                        <a:t>March </a:t>
+                      </a:r>
+                    </a:p>
+                  </a:txBody>
+                  <a:tcPr/>
+                </a:tc>
+                <a:tc>
+                  <a:txBody>
+                    <a:bodyPr/>
+                    <a:lstStyle/>
+                    <a:p>
+                      <a:r>
+                        <a:rPr lang="en-US" sz="1050" dirty="0"/>
+                        <a:t>11</a:t>
+                      </a:r>
+                    </a:p>
+                  </a:txBody>
+                  <a:tcPr/>
+                </a:tc>
+                <a:tc>
+                  <a:txBody>
+                    <a:bodyPr/>
+                    <a:lstStyle/>
+                    <a:p>
+                      <a:r>
+                        <a:rPr lang="en-US" sz="1050" dirty="0"/>
+                        <a:t>11</a:t>
+                      </a:r>
+                    </a:p>
+                  </a:txBody>
+                  <a:tcPr/>
+                </a:tc>
+                <a:extLst>
+                  <a:ext uri="{0D108BD9-81ED-4DB2-BD59-A6C34878D82A}">
+                    <a16:rowId xmlns:a16="http://schemas.microsoft.com/office/drawing/2014/main" val="4180699601"/>
+                  </a:ext>
+                </a:extLst>
+              </a:tr>
+              <a:tr h="320221">
+                <a:tc>
+                  <a:txBody>
+                    <a:bodyPr/>
+                    <a:lstStyle/>
+                    <a:p>
+                      <a:endParaRPr lang="en-US" sz="1050" dirty="0"/>
+                    </a:p>
+                  </a:txBody>
+                  <a:tcPr/>
+                </a:tc>
+                <a:tc>
+                  <a:txBody>
+                    <a:bodyPr/>
+                    <a:lstStyle/>
+                    <a:p>
+                      <a:r>
+                        <a:rPr lang="en-US" sz="1050" dirty="0"/>
+                        <a:t>WFH Urged </a:t>
+                      </a:r>
+                    </a:p>
+                  </a:txBody>
+                  <a:tcPr/>
+                </a:tc>
+                <a:tc>
+                  <a:txBody>
+                    <a:bodyPr/>
+                    <a:lstStyle/>
+                    <a:p>
+                      <a:r>
+                        <a:rPr lang="en-US" sz="1050" dirty="0"/>
+                        <a:t>2020</a:t>
+                      </a:r>
+                    </a:p>
+                  </a:txBody>
+                  <a:tcPr/>
+                </a:tc>
+                <a:tc>
+                  <a:txBody>
+                    <a:bodyPr/>
+                    <a:lstStyle/>
+                    <a:p>
+                      <a:r>
+                        <a:rPr lang="en-US" sz="1050" dirty="0"/>
+                        <a:t>March </a:t>
+                      </a:r>
+                    </a:p>
+                  </a:txBody>
+                  <a:tcPr/>
+                </a:tc>
+                <a:tc>
+                  <a:txBody>
+                    <a:bodyPr/>
+                    <a:lstStyle/>
+                    <a:p>
+                      <a:pPr marL="0" marR="0" lvl="0" indent="0" algn="l" defTabSz="914400" rtl="0" eaLnBrk="1" fontAlgn="auto" latinLnBrk="0" hangingPunct="1">
+                        <a:lnSpc>
+                          <a:spcPct val="100000"/>
+                        </a:lnSpc>
+                        <a:spcBef>
+                          <a:spcPts val="0"/>
+                        </a:spcBef>
+                        <a:spcAft>
+                          <a:spcPts val="0"/>
+                        </a:spcAft>
+                        <a:buClrTx/>
+                        <a:buSzTx/>
+                        <a:buFontTx/>
+                        <a:buNone/>
+                        <a:tabLst/>
+                        <a:defRPr/>
+                      </a:pPr>
+                      <a:r>
+                        <a:rPr lang="en-US" sz="1050" dirty="0"/>
+                        <a:t>12</a:t>
+                      </a:r>
+                    </a:p>
+                  </a:txBody>
+                  <a:tcPr/>
+                </a:tc>
+                <a:tc>
+                  <a:txBody>
+                    <a:bodyPr/>
+                    <a:lstStyle/>
+                    <a:p>
+                      <a:r>
+                        <a:rPr lang="en-US" sz="1050" dirty="0"/>
+                        <a:t>16</a:t>
+                      </a:r>
+                    </a:p>
+                  </a:txBody>
+                  <a:tcPr/>
+                </a:tc>
+                <a:extLst>
+                  <a:ext uri="{0D108BD9-81ED-4DB2-BD59-A6C34878D82A}">
+                    <a16:rowId xmlns:a16="http://schemas.microsoft.com/office/drawing/2014/main" val="1647277073"/>
+                  </a:ext>
+                </a:extLst>
+              </a:tr>
+              <a:tr h="320221">
+                <a:tc>
+                  <a:txBody>
+                    <a:bodyPr/>
+                    <a:lstStyle/>
+                    <a:p>
+                      <a:endParaRPr lang="en-US" sz="1050" dirty="0"/>
+                    </a:p>
+                  </a:txBody>
+                  <a:tcPr/>
+                </a:tc>
+                <a:tc>
+                  <a:txBody>
+                    <a:bodyPr/>
+                    <a:lstStyle/>
+                    <a:p>
+                      <a:r>
+                        <a:rPr lang="en-US" sz="1050" dirty="0"/>
+                        <a:t>Border Restriction</a:t>
+                      </a:r>
+                    </a:p>
+                  </a:txBody>
+                  <a:tcPr/>
+                </a:tc>
+                <a:tc>
+                  <a:txBody>
+                    <a:bodyPr/>
+                    <a:lstStyle/>
+                    <a:p>
+                      <a:r>
+                        <a:rPr lang="en-US" sz="1050" dirty="0"/>
+                        <a:t>2020</a:t>
+                      </a:r>
+                    </a:p>
+                  </a:txBody>
+                  <a:tcPr/>
+                </a:tc>
+                <a:tc>
+                  <a:txBody>
+                    <a:bodyPr/>
+                    <a:lstStyle/>
+                    <a:p>
+                      <a:r>
+                        <a:rPr lang="en-US" sz="1050" dirty="0"/>
+                        <a:t>March </a:t>
+                      </a:r>
+                    </a:p>
+                  </a:txBody>
+                  <a:tcPr/>
+                </a:tc>
+                <a:tc>
+                  <a:txBody>
+                    <a:bodyPr/>
+                    <a:lstStyle/>
+                    <a:p>
+                      <a:r>
+                        <a:rPr lang="en-US" sz="1050" dirty="0"/>
+                        <a:t>12</a:t>
+                      </a:r>
+                    </a:p>
+                  </a:txBody>
+                  <a:tcPr/>
+                </a:tc>
+                <a:tc>
+                  <a:txBody>
+                    <a:bodyPr/>
+                    <a:lstStyle/>
+                    <a:p>
+                      <a:r>
+                        <a:rPr lang="en-US" sz="1050" dirty="0"/>
+                        <a:t>18</a:t>
+                      </a:r>
+                    </a:p>
+                  </a:txBody>
+                  <a:tcPr/>
+                </a:tc>
+                <a:extLst>
+                  <a:ext uri="{0D108BD9-81ED-4DB2-BD59-A6C34878D82A}">
+                    <a16:rowId xmlns:a16="http://schemas.microsoft.com/office/drawing/2014/main" val="2320914290"/>
+                  </a:ext>
+                </a:extLst>
+              </a:tr>
+              <a:tr h="484805">
+                <a:tc>
+                  <a:txBody>
+                    <a:bodyPr/>
+                    <a:lstStyle/>
+                    <a:p>
+                      <a:endParaRPr lang="en-US" sz="1050" dirty="0"/>
+                    </a:p>
+                  </a:txBody>
+                  <a:tcPr/>
+                </a:tc>
+                <a:tc>
+                  <a:txBody>
+                    <a:bodyPr/>
+                    <a:lstStyle/>
+                    <a:p>
+                      <a:r>
+                        <a:rPr lang="en-US" sz="1050" dirty="0"/>
+                        <a:t>Covid Delivery Standard Began</a:t>
+                      </a:r>
+                    </a:p>
+                  </a:txBody>
+                  <a:tcPr/>
+                </a:tc>
+                <a:tc>
+                  <a:txBody>
+                    <a:bodyPr/>
+                    <a:lstStyle/>
+                    <a:p>
+                      <a:r>
+                        <a:rPr lang="en-US" sz="1050" dirty="0"/>
+                        <a:t>2020</a:t>
+                      </a:r>
+                    </a:p>
+                  </a:txBody>
+                  <a:tcPr/>
+                </a:tc>
+                <a:tc>
+                  <a:txBody>
+                    <a:bodyPr/>
+                    <a:lstStyle/>
+                    <a:p>
+                      <a:r>
+                        <a:rPr lang="en-US" sz="1050" dirty="0"/>
+                        <a:t>March </a:t>
+                      </a:r>
+                    </a:p>
+                  </a:txBody>
+                  <a:tcPr/>
+                </a:tc>
+                <a:tc>
+                  <a:txBody>
+                    <a:bodyPr/>
+                    <a:lstStyle/>
+                    <a:p>
+                      <a:r>
+                        <a:rPr lang="en-US" sz="1050" dirty="0"/>
+                        <a:t>13</a:t>
+                      </a:r>
+                    </a:p>
+                  </a:txBody>
+                  <a:tcPr/>
+                </a:tc>
+                <a:tc>
+                  <a:txBody>
+                    <a:bodyPr/>
+                    <a:lstStyle/>
+                    <a:p>
+                      <a:r>
+                        <a:rPr lang="en-US" sz="1050" dirty="0"/>
+                        <a:t>23</a:t>
+                      </a:r>
+                    </a:p>
+                  </a:txBody>
+                  <a:tcPr/>
+                </a:tc>
+                <a:extLst>
+                  <a:ext uri="{0D108BD9-81ED-4DB2-BD59-A6C34878D82A}">
+                    <a16:rowId xmlns:a16="http://schemas.microsoft.com/office/drawing/2014/main" val="3843480789"/>
+                  </a:ext>
+                </a:extLst>
+              </a:tr>
+              <a:tr h="296270">
+                <a:tc>
+                  <a:txBody>
+                    <a:bodyPr/>
+                    <a:lstStyle/>
+                    <a:p>
+                      <a:endParaRPr lang="en-US" sz="1050" dirty="0"/>
+                    </a:p>
+                  </a:txBody>
+                  <a:tcPr/>
+                </a:tc>
+                <a:tc>
+                  <a:txBody>
+                    <a:bodyPr/>
+                    <a:lstStyle/>
+                    <a:p>
+                      <a:r>
+                        <a:rPr lang="en-US" sz="1050" dirty="0"/>
+                        <a:t>C.E.R.B Launched</a:t>
+                      </a:r>
+                    </a:p>
+                  </a:txBody>
+                  <a:tcPr/>
+                </a:tc>
+                <a:tc>
+                  <a:txBody>
+                    <a:bodyPr/>
+                    <a:lstStyle/>
+                    <a:p>
+                      <a:r>
+                        <a:rPr lang="en-US" sz="1050" dirty="0"/>
+                        <a:t>2020</a:t>
+                      </a:r>
+                    </a:p>
+                  </a:txBody>
+                  <a:tcPr/>
+                </a:tc>
+                <a:tc>
+                  <a:txBody>
+                    <a:bodyPr/>
+                    <a:lstStyle/>
+                    <a:p>
+                      <a:r>
+                        <a:rPr lang="en-US" sz="1050" dirty="0"/>
+                        <a:t>April</a:t>
+                      </a:r>
+                    </a:p>
+                  </a:txBody>
+                  <a:tcPr/>
+                </a:tc>
+                <a:tc>
+                  <a:txBody>
+                    <a:bodyPr/>
+                    <a:lstStyle/>
+                    <a:p>
+                      <a:r>
+                        <a:rPr lang="en-US" sz="1050" dirty="0"/>
+                        <a:t>15</a:t>
+                      </a:r>
+                    </a:p>
+                  </a:txBody>
+                  <a:tcPr/>
+                </a:tc>
+                <a:tc>
+                  <a:txBody>
+                    <a:bodyPr/>
+                    <a:lstStyle/>
+                    <a:p>
+                      <a:r>
+                        <a:rPr lang="en-US" sz="1050" dirty="0"/>
+                        <a:t>6</a:t>
+                      </a:r>
+                    </a:p>
+                  </a:txBody>
+                  <a:tcPr/>
+                </a:tc>
+                <a:extLst>
+                  <a:ext uri="{0D108BD9-81ED-4DB2-BD59-A6C34878D82A}">
+                    <a16:rowId xmlns:a16="http://schemas.microsoft.com/office/drawing/2014/main" val="1325288423"/>
+                  </a:ext>
+                </a:extLst>
+              </a:tr>
+            </a:tbl>
+          </a:graphicData>
+        </a:graphic>
+      </p:graphicFrame>
+      <p:cxnSp>
+        <p:nvCxnSpPr>
+          <p:cNvPr id="4" name="Straight Connector 3">
+            <a:extLst>
+              <a:ext uri="{FF2B5EF4-FFF2-40B4-BE49-F238E27FC236}">
+                <a16:creationId xmlns:a16="http://schemas.microsoft.com/office/drawing/2014/main" id="{2B47827D-1C6B-DF57-E859-E74FAE2A8673}"/>
+              </a:ext>
+            </a:extLst>
+          </p:cNvPr>
+          <p:cNvCxnSpPr>
+            <a:cxnSpLocks/>
+          </p:cNvCxnSpPr>
+          <p:nvPr/>
+        </p:nvCxnSpPr>
+        <p:spPr>
+          <a:xfrm>
+            <a:off x="7101036" y="2113934"/>
+            <a:ext cx="563567" cy="0"/>
+          </a:xfrm>
+          <a:prstGeom prst="line">
+            <a:avLst/>
+          </a:prstGeom>
+          <a:ln w="19050" cap="flat" cmpd="sng" algn="ctr">
+            <a:solidFill>
+              <a:srgbClr val="D64550"/>
+            </a:solidFill>
+            <a:prstDash val="dash"/>
+            <a:round/>
+            <a:headEnd type="none" w="med" len="med"/>
+            <a:tailEnd type="none" w="med" len="med"/>
+          </a:ln>
+        </p:spPr>
+        <p:style>
+          <a:lnRef idx="0">
+            <a:scrgbClr r="0" g="0" b="0"/>
+          </a:lnRef>
+          <a:fillRef idx="0">
+            <a:scrgbClr r="0" g="0" b="0"/>
+          </a:fillRef>
+          <a:effectRef idx="0">
+            <a:scrgbClr r="0" g="0" b="0"/>
+          </a:effectRef>
+          <a:fontRef idx="minor">
+            <a:schemeClr val="tx1"/>
+          </a:fontRef>
+        </p:style>
+      </p:cxnSp>
+      <p:cxnSp>
+        <p:nvCxnSpPr>
+          <p:cNvPr id="6" name="Straight Connector 5">
+            <a:extLst>
+              <a:ext uri="{FF2B5EF4-FFF2-40B4-BE49-F238E27FC236}">
+                <a16:creationId xmlns:a16="http://schemas.microsoft.com/office/drawing/2014/main" id="{4CB51246-4BE7-1EEC-73AD-2FD849BC074C}"/>
+              </a:ext>
+            </a:extLst>
+          </p:cNvPr>
+          <p:cNvCxnSpPr>
+            <a:cxnSpLocks/>
+          </p:cNvCxnSpPr>
+          <p:nvPr/>
+        </p:nvCxnSpPr>
+        <p:spPr>
+          <a:xfrm>
+            <a:off x="7101036" y="2482644"/>
+            <a:ext cx="563567" cy="0"/>
+          </a:xfrm>
+          <a:prstGeom prst="line">
+            <a:avLst/>
+          </a:prstGeom>
+          <a:ln w="19050" cap="flat" cmpd="sng" algn="ctr">
+            <a:solidFill>
+              <a:srgbClr val="6B007B"/>
+            </a:solidFill>
+            <a:prstDash val="dash"/>
+            <a:round/>
+            <a:headEnd type="none" w="med" len="med"/>
+            <a:tailEnd type="none" w="med" len="med"/>
+          </a:ln>
+        </p:spPr>
+        <p:style>
+          <a:lnRef idx="0">
+            <a:scrgbClr r="0" g="0" b="0"/>
+          </a:lnRef>
+          <a:fillRef idx="0">
+            <a:scrgbClr r="0" g="0" b="0"/>
+          </a:fillRef>
+          <a:effectRef idx="0">
+            <a:scrgbClr r="0" g="0" b="0"/>
+          </a:effectRef>
+          <a:fontRef idx="minor">
+            <a:schemeClr val="tx1"/>
+          </a:fontRef>
+        </p:style>
+      </p:cxnSp>
+      <p:cxnSp>
+        <p:nvCxnSpPr>
+          <p:cNvPr id="8" name="Straight Connector 7">
+            <a:extLst>
+              <a:ext uri="{FF2B5EF4-FFF2-40B4-BE49-F238E27FC236}">
+                <a16:creationId xmlns:a16="http://schemas.microsoft.com/office/drawing/2014/main" id="{4BD2DBB9-4122-B065-5341-62465F606B37}"/>
+              </a:ext>
+            </a:extLst>
+          </p:cNvPr>
+          <p:cNvCxnSpPr>
+            <a:cxnSpLocks/>
+          </p:cNvCxnSpPr>
+          <p:nvPr/>
+        </p:nvCxnSpPr>
+        <p:spPr>
+          <a:xfrm>
+            <a:off x="7129326" y="3202858"/>
+            <a:ext cx="563567" cy="0"/>
+          </a:xfrm>
+          <a:prstGeom prst="line">
+            <a:avLst/>
+          </a:prstGeom>
+          <a:ln w="19050" cap="flat" cmpd="sng" algn="ctr">
+            <a:solidFill>
+              <a:srgbClr val="E1C233"/>
+            </a:solidFill>
+            <a:prstDash val="dash"/>
+            <a:round/>
+            <a:headEnd type="none" w="med" len="med"/>
+            <a:tailEnd type="none" w="med" len="med"/>
+          </a:ln>
+        </p:spPr>
+        <p:style>
+          <a:lnRef idx="0">
+            <a:scrgbClr r="0" g="0" b="0"/>
+          </a:lnRef>
+          <a:fillRef idx="0">
+            <a:scrgbClr r="0" g="0" b="0"/>
+          </a:fillRef>
+          <a:effectRef idx="0">
+            <a:scrgbClr r="0" g="0" b="0"/>
+          </a:effectRef>
+          <a:fontRef idx="minor">
+            <a:schemeClr val="tx1"/>
+          </a:fontRef>
+        </p:style>
+      </p:cxnSp>
+      <p:cxnSp>
+        <p:nvCxnSpPr>
+          <p:cNvPr id="10" name="Straight Connector 9">
+            <a:extLst>
+              <a:ext uri="{FF2B5EF4-FFF2-40B4-BE49-F238E27FC236}">
+                <a16:creationId xmlns:a16="http://schemas.microsoft.com/office/drawing/2014/main" id="{B27B2BEC-209F-9E9B-A40D-B48CEBB885BF}"/>
+              </a:ext>
+            </a:extLst>
+          </p:cNvPr>
+          <p:cNvCxnSpPr>
+            <a:cxnSpLocks/>
+          </p:cNvCxnSpPr>
+          <p:nvPr/>
+        </p:nvCxnSpPr>
+        <p:spPr>
+          <a:xfrm>
+            <a:off x="7101036" y="3633019"/>
+            <a:ext cx="563567" cy="0"/>
+          </a:xfrm>
+          <a:prstGeom prst="line">
+            <a:avLst/>
+          </a:prstGeom>
+          <a:ln w="19050" cap="flat" cmpd="sng" algn="ctr">
+            <a:solidFill>
+              <a:srgbClr val="E669B9"/>
+            </a:solidFill>
+            <a:prstDash val="dash"/>
+            <a:round/>
+            <a:headEnd type="none" w="med" len="med"/>
+            <a:tailEnd type="none" w="med" len="med"/>
+          </a:ln>
+        </p:spPr>
+        <p:style>
+          <a:lnRef idx="0">
+            <a:scrgbClr r="0" g="0" b="0"/>
+          </a:lnRef>
+          <a:fillRef idx="0">
+            <a:scrgbClr r="0" g="0" b="0"/>
+          </a:fillRef>
+          <a:effectRef idx="0">
+            <a:scrgbClr r="0" g="0" b="0"/>
+          </a:effectRef>
+          <a:fontRef idx="minor">
+            <a:schemeClr val="tx1"/>
+          </a:fontRef>
+        </p:style>
+      </p:cxnSp>
+      <p:cxnSp>
+        <p:nvCxnSpPr>
+          <p:cNvPr id="11" name="Straight Connector 10">
+            <a:extLst>
+              <a:ext uri="{FF2B5EF4-FFF2-40B4-BE49-F238E27FC236}">
+                <a16:creationId xmlns:a16="http://schemas.microsoft.com/office/drawing/2014/main" id="{27104BC2-213E-33A3-0A1F-72C84D00954B}"/>
+              </a:ext>
+            </a:extLst>
+          </p:cNvPr>
+          <p:cNvCxnSpPr>
+            <a:cxnSpLocks/>
+          </p:cNvCxnSpPr>
+          <p:nvPr/>
+        </p:nvCxnSpPr>
+        <p:spPr>
+          <a:xfrm>
+            <a:off x="7129326" y="2920179"/>
+            <a:ext cx="563567" cy="0"/>
+          </a:xfrm>
+          <a:prstGeom prst="line">
+            <a:avLst/>
+          </a:prstGeom>
+          <a:ln w="19050" cap="flat" cmpd="sng" algn="ctr">
+            <a:solidFill>
+              <a:srgbClr val="6B007B"/>
+            </a:solidFill>
+            <a:prstDash val="dash"/>
+            <a:round/>
+            <a:headEnd type="none" w="med" len="med"/>
+            <a:tailEnd type="none" w="med" len="med"/>
+          </a:ln>
+        </p:spPr>
+        <p:style>
+          <a:lnRef idx="0">
+            <a:scrgbClr r="0" g="0" b="0"/>
+          </a:lnRef>
+          <a:fillRef idx="0">
+            <a:scrgbClr r="0" g="0" b="0"/>
+          </a:fillRef>
+          <a:effectRef idx="0">
+            <a:scrgbClr r="0" g="0" b="0"/>
+          </a:effectRef>
+          <a:fontRef idx="minor">
+            <a:schemeClr val="tx1"/>
+          </a:fontRef>
+        </p:style>
+      </p:cxnSp>
       <p:pic>
         <p:nvPicPr>
-          <p:cNvPr id="9" name="Picture 8">
+          <p:cNvPr id="23" name="Picture 22">
             <a:extLst>
               <a:ext uri="{FF2B5EF4-FFF2-40B4-BE49-F238E27FC236}">
-                <a16:creationId xmlns:a16="http://schemas.microsoft.com/office/drawing/2014/main" id="{B9599B7A-502A-C4A9-7390-75D46F00D24A}"/>
+                <a16:creationId xmlns:a16="http://schemas.microsoft.com/office/drawing/2014/main" id="{083F4164-84A4-864D-3626-F74ACDA4DBAE}"/>
               </a:ext>
             </a:extLst>
           </p:cNvPr>
@@ -10899,18 +11037,396 @@
         </p:blipFill>
         <p:spPr>
           <a:xfrm>
-            <a:off x="773723" y="1337187"/>
-            <a:ext cx="10972800" cy="5400675"/>
+            <a:off x="69191" y="1450722"/>
+            <a:ext cx="6793726" cy="4916860"/>
           </a:xfrm>
           <a:prstGeom prst="rect">
             <a:avLst/>
           </a:prstGeom>
         </p:spPr>
       </p:pic>
+      <p:sp>
+        <p:nvSpPr>
+          <p:cNvPr id="24" name="TextBox 23">
+            <a:extLst>
+              <a:ext uri="{FF2B5EF4-FFF2-40B4-BE49-F238E27FC236}">
+                <a16:creationId xmlns:a16="http://schemas.microsoft.com/office/drawing/2014/main" id="{89AF8A89-BA15-3D09-07A5-B892EFFB0428}"/>
+              </a:ext>
+            </a:extLst>
+          </p:cNvPr>
+          <p:cNvSpPr txBox="1"/>
+          <p:nvPr/>
+        </p:nvSpPr>
+        <p:spPr>
+          <a:xfrm>
+            <a:off x="6862917" y="3811012"/>
+            <a:ext cx="5259892" cy="3046988"/>
+          </a:xfrm>
+          <a:prstGeom prst="rect">
+            <a:avLst/>
+          </a:prstGeom>
+          <a:noFill/>
+        </p:spPr>
+        <p:txBody>
+          <a:bodyPr wrap="square" rtlCol="0">
+            <a:spAutoFit/>
+          </a:bodyPr>
+          <a:lstStyle/>
+          <a:p>
+            <a:pPr marL="285750" indent="-285750">
+              <a:buFontTx/>
+              <a:buChar char="-"/>
+            </a:pPr>
+            <a:r>
+              <a:rPr lang="en-US" sz="1600" b="1" dirty="0"/>
+              <a:t>Volume spiked dramatically following a sequence of major COVID events</a:t>
+            </a:r>
+            <a:r>
+              <a:rPr lang="en-US" sz="1600" dirty="0"/>
+              <a:t>.</a:t>
+            </a:r>
+          </a:p>
+          <a:p>
+            <a:pPr marL="285750" indent="-285750">
+              <a:buFontTx/>
+              <a:buChar char="-"/>
+            </a:pPr>
+            <a:r>
+              <a:rPr lang="en-US" sz="1600" dirty="0"/>
+              <a:t>The pandemic was declared in Week 11. </a:t>
+            </a:r>
+            <a:r>
+              <a:rPr lang="en-US" sz="1600" b="1" dirty="0"/>
+              <a:t>WFH Urged and Border Restriction triggered a sharp increase in parcel volume</a:t>
+            </a:r>
+            <a:r>
+              <a:rPr lang="en-US" sz="1600" dirty="0"/>
+              <a:t> starting from Week 12.</a:t>
+            </a:r>
+          </a:p>
+          <a:p>
+            <a:pPr marL="285750" indent="-285750">
+              <a:buFontTx/>
+              <a:buChar char="-"/>
+            </a:pPr>
+            <a:r>
+              <a:rPr lang="en-US" sz="1600" dirty="0"/>
+              <a:t>In Week 13, the COVID Delivery Standard was introduced to ensure safer deliveries and Week 15, the launch of C.E.R.B. provided financial support, both contributing to sustained growth in parcel volume during the pandemic.</a:t>
+            </a:r>
+          </a:p>
+          <a:p>
+            <a:r>
+              <a:rPr lang="en-US" sz="1600" b="1" dirty="0">
+                <a:solidFill>
+                  <a:schemeClr val="accent5">
+                    <a:lumMod val="75000"/>
+                  </a:schemeClr>
+                </a:solidFill>
+              </a:rPr>
+              <a:t>→</a:t>
+            </a:r>
+            <a:r>
+              <a:rPr lang="en-US" sz="1600" b="1" dirty="0"/>
+              <a:t> </a:t>
+            </a:r>
+            <a:r>
+              <a:rPr lang="en-US" sz="1600" b="1" i="1" dirty="0">
+                <a:solidFill>
+                  <a:schemeClr val="accent5">
+                    <a:lumMod val="75000"/>
+                  </a:schemeClr>
+                </a:solidFill>
+              </a:rPr>
+              <a:t>This marks the turning point toward e-commerce reliance</a:t>
+            </a:r>
+            <a:endParaRPr lang="en-US" sz="1600" b="1" dirty="0">
+              <a:solidFill>
+                <a:schemeClr val="accent5">
+                  <a:lumMod val="75000"/>
+                </a:schemeClr>
+              </a:solidFill>
+            </a:endParaRPr>
+          </a:p>
+        </p:txBody>
+      </p:sp>
     </p:spTree>
     <p:extLst>
       <p:ext uri="{BB962C8B-B14F-4D97-AF65-F5344CB8AC3E}">
-        <p14:creationId xmlns:p14="http://schemas.microsoft.com/office/powerpoint/2010/main" val="1963768160"/>
+        <p14:creationId xmlns:p14="http://schemas.microsoft.com/office/powerpoint/2010/main" val="1648729207"/>
+      </p:ext>
+    </p:extLst>
+  </p:cSld>
+  <p:clrMapOvr>
+    <a:masterClrMapping/>
+  </p:clrMapOvr>
+  <p:timing>
+    <p:tnLst>
+      <p:par>
+        <p:cTn id="1" dur="indefinite" restart="never" nodeType="tmRoot">
+          <p:childTnLst>
+            <p:seq concurrent="1" nextAc="seek">
+              <p:cTn id="2" dur="indefinite" nodeType="mainSeq">
+                <p:childTnLst>
+                  <p:par>
+                    <p:cTn id="3" fill="hold">
+                      <p:stCondLst>
+                        <p:cond delay="indefinite"/>
+                        <p:cond evt="onBegin" delay="0">
+                          <p:tn val="2"/>
+                        </p:cond>
+                      </p:stCondLst>
+                      <p:childTnLst>
+                        <p:par>
+                          <p:cTn id="4" fill="hold">
+                            <p:stCondLst>
+                              <p:cond delay="0"/>
+                            </p:stCondLst>
+                            <p:childTnLst>
+                              <p:par>
+                                <p:cTn id="5" presetID="10" presetClass="entr" presetSubtype="0" fill="hold" nodeType="withEffect">
+                                  <p:stCondLst>
+                                    <p:cond delay="0"/>
+                                  </p:stCondLst>
+                                  <p:childTnLst>
+                                    <p:set>
+                                      <p:cBhvr>
+                                        <p:cTn id="6" dur="1" fill="hold">
+                                          <p:stCondLst>
+                                            <p:cond delay="0"/>
+                                          </p:stCondLst>
+                                        </p:cTn>
+                                        <p:tgtEl>
+                                          <p:spTgt spid="9"/>
+                                        </p:tgtEl>
+                                        <p:attrNameLst>
+                                          <p:attrName>style.visibility</p:attrName>
+                                        </p:attrNameLst>
+                                      </p:cBhvr>
+                                      <p:to>
+                                        <p:strVal val="visible"/>
+                                      </p:to>
+                                    </p:set>
+                                    <p:animEffect transition="in" filter="fade">
+                                      <p:cBhvr>
+                                        <p:cTn id="7" dur="500"/>
+                                        <p:tgtEl>
+                                          <p:spTgt spid="9"/>
+                                        </p:tgtEl>
+                                      </p:cBhvr>
+                                    </p:animEffect>
+                                  </p:childTnLst>
+                                </p:cTn>
+                              </p:par>
+                            </p:childTnLst>
+                          </p:cTn>
+                        </p:par>
+                      </p:childTnLst>
+                    </p:cTn>
+                  </p:par>
+                </p:childTnLst>
+              </p:cTn>
+              <p:prevCondLst>
+                <p:cond evt="onPrev" delay="0">
+                  <p:tgtEl>
+                    <p:sldTgt/>
+                  </p:tgtEl>
+                </p:cond>
+              </p:prevCondLst>
+              <p:nextCondLst>
+                <p:cond evt="onNext" delay="0">
+                  <p:tgtEl>
+                    <p:sldTgt/>
+                  </p:tgtEl>
+                </p:cond>
+              </p:nextCondLst>
+            </p:seq>
+          </p:childTnLst>
+        </p:cTn>
+      </p:par>
+    </p:tnLst>
+  </p:timing>
+</p:sld>
+</file>
+
+<file path=ppt/slides/slide8.xml><?xml version="1.0" encoding="utf-8"?>
+<p:sld xmlns:a="http://schemas.openxmlformats.org/drawingml/2006/main" xmlns:r="http://schemas.openxmlformats.org/officeDocument/2006/relationships" xmlns:p="http://schemas.openxmlformats.org/presentationml/2006/main">
+  <p:cSld>
+    <p:spTree>
+      <p:nvGrpSpPr>
+        <p:cNvPr id="1" name=""/>
+        <p:cNvGrpSpPr/>
+        <p:nvPr/>
+      </p:nvGrpSpPr>
+      <p:grpSpPr>
+        <a:xfrm>
+          <a:off x="0" y="0"/>
+          <a:ext cx="0" cy="0"/>
+          <a:chOff x="0" y="0"/>
+          <a:chExt cx="0" cy="0"/>
+        </a:xfrm>
+      </p:grpSpPr>
+      <p:sp>
+        <p:nvSpPr>
+          <p:cNvPr id="2" name="Title 1">
+            <a:extLst>
+              <a:ext uri="{FF2B5EF4-FFF2-40B4-BE49-F238E27FC236}">
+                <a16:creationId xmlns:a16="http://schemas.microsoft.com/office/drawing/2014/main" id="{44CF171D-2B56-4ED9-151A-7775F4853279}"/>
+              </a:ext>
+            </a:extLst>
+          </p:cNvPr>
+          <p:cNvSpPr>
+            <a:spLocks noGrp="1"/>
+          </p:cNvSpPr>
+          <p:nvPr>
+            <p:ph type="title"/>
+          </p:nvPr>
+        </p:nvSpPr>
+        <p:spPr>
+          <a:xfrm>
+            <a:off x="609600" y="173320"/>
+            <a:ext cx="10972800" cy="844989"/>
+          </a:xfrm>
+        </p:spPr>
+        <p:txBody>
+          <a:bodyPr/>
+          <a:lstStyle/>
+          <a:p>
+            <a:pPr algn="ctr"/>
+            <a:r>
+              <a:rPr lang="en-US" dirty="0"/>
+              <a:t>Peak Season Analysis (2019 vs 2020)</a:t>
+            </a:r>
+          </a:p>
+        </p:txBody>
+      </p:sp>
+      <p:sp>
+        <p:nvSpPr>
+          <p:cNvPr id="3" name="TextBox 2">
+            <a:extLst>
+              <a:ext uri="{FF2B5EF4-FFF2-40B4-BE49-F238E27FC236}">
+                <a16:creationId xmlns:a16="http://schemas.microsoft.com/office/drawing/2014/main" id="{B528C169-16C4-E182-B705-2F3562BD06C3}"/>
+              </a:ext>
+            </a:extLst>
+          </p:cNvPr>
+          <p:cNvSpPr txBox="1"/>
+          <p:nvPr/>
+        </p:nvSpPr>
+        <p:spPr>
+          <a:xfrm>
+            <a:off x="7943846" y="2231922"/>
+            <a:ext cx="4149213" cy="2031325"/>
+          </a:xfrm>
+          <a:prstGeom prst="rect">
+            <a:avLst/>
+          </a:prstGeom>
+          <a:noFill/>
+        </p:spPr>
+        <p:txBody>
+          <a:bodyPr wrap="square" rtlCol="0">
+            <a:spAutoFit/>
+          </a:bodyPr>
+          <a:lstStyle/>
+          <a:p>
+            <a:r>
+              <a:rPr lang="en-US" dirty="0"/>
+              <a:t>Parcel volume during the 2020 peak season </a:t>
+            </a:r>
+            <a:r>
+              <a:rPr lang="en-US" b="1" dirty="0"/>
+              <a:t>increased by 26.48% </a:t>
+            </a:r>
+            <a:r>
+              <a:rPr lang="en-US" dirty="0"/>
+              <a:t>compared to 2019, with December and November showing the most significant growth, highlighting the surge in online shopping demand driven by the pandemic</a:t>
+            </a:r>
+          </a:p>
+        </p:txBody>
+      </p:sp>
+      <p:grpSp>
+        <p:nvGrpSpPr>
+          <p:cNvPr id="8" name="Group 7">
+            <a:extLst>
+              <a:ext uri="{FF2B5EF4-FFF2-40B4-BE49-F238E27FC236}">
+                <a16:creationId xmlns:a16="http://schemas.microsoft.com/office/drawing/2014/main" id="{B087772F-E72A-3F7B-B02C-ACACE6CFACA6}"/>
+              </a:ext>
+            </a:extLst>
+          </p:cNvPr>
+          <p:cNvGrpSpPr/>
+          <p:nvPr/>
+        </p:nvGrpSpPr>
+        <p:grpSpPr>
+          <a:xfrm>
+            <a:off x="98941" y="1523683"/>
+            <a:ext cx="7785912" cy="4377916"/>
+            <a:chOff x="355198" y="1373955"/>
+            <a:chExt cx="7419929" cy="4110090"/>
+          </a:xfrm>
+        </p:grpSpPr>
+        <p:pic>
+          <p:nvPicPr>
+            <p:cNvPr id="5" name="Picture 4">
+              <a:extLst>
+                <a:ext uri="{FF2B5EF4-FFF2-40B4-BE49-F238E27FC236}">
+                  <a16:creationId xmlns:a16="http://schemas.microsoft.com/office/drawing/2014/main" id="{4B3D1E4D-6F50-893F-E3DE-E8586E918501}"/>
+                </a:ext>
+              </a:extLst>
+            </p:cNvPr>
+            <p:cNvPicPr>
+              <a:picLocks noChangeAspect="1"/>
+            </p:cNvPicPr>
+            <p:nvPr/>
+          </p:nvPicPr>
+          <p:blipFill>
+            <a:blip r:embed="rId2"/>
+            <a:stretch>
+              <a:fillRect/>
+            </a:stretch>
+          </p:blipFill>
+          <p:spPr>
+            <a:xfrm>
+              <a:off x="355198" y="1373955"/>
+              <a:ext cx="7419929" cy="4110090"/>
+            </a:xfrm>
+            <a:prstGeom prst="rect">
+              <a:avLst/>
+            </a:prstGeom>
+          </p:spPr>
+        </p:pic>
+        <p:pic>
+          <p:nvPicPr>
+            <p:cNvPr id="7" name="Picture 6">
+              <a:extLst>
+                <a:ext uri="{FF2B5EF4-FFF2-40B4-BE49-F238E27FC236}">
+                  <a16:creationId xmlns:a16="http://schemas.microsoft.com/office/drawing/2014/main" id="{4168449D-1385-D1FE-6D87-F88553480DBB}"/>
+                </a:ext>
+              </a:extLst>
+            </p:cNvPr>
+            <p:cNvPicPr>
+              <a:picLocks noChangeAspect="1"/>
+            </p:cNvPicPr>
+            <p:nvPr/>
+          </p:nvPicPr>
+          <p:blipFill>
+            <a:blip r:embed="rId3"/>
+            <a:stretch>
+              <a:fillRect/>
+            </a:stretch>
+          </p:blipFill>
+          <p:spPr>
+            <a:xfrm>
+              <a:off x="4301114" y="4922070"/>
+              <a:ext cx="1600200" cy="561975"/>
+            </a:xfrm>
+            <a:prstGeom prst="rect">
+              <a:avLst/>
+            </a:prstGeom>
+          </p:spPr>
+        </p:pic>
+      </p:grpSp>
+    </p:spTree>
+    <p:extLst>
+      <p:ext uri="{BB962C8B-B14F-4D97-AF65-F5344CB8AC3E}">
+        <p14:creationId xmlns:p14="http://schemas.microsoft.com/office/powerpoint/2010/main" val="3306896646"/>
       </p:ext>
     </p:extLst>
   </p:cSld>
@@ -10978,33 +11494,259 @@
                       </p:childTnLst>
                     </p:cTn>
                   </p:par>
+                </p:childTnLst>
+              </p:cTn>
+              <p:prevCondLst>
+                <p:cond evt="onPrev" delay="0">
+                  <p:tgtEl>
+                    <p:sldTgt/>
+                  </p:tgtEl>
+                </p:cond>
+              </p:prevCondLst>
+              <p:nextCondLst>
+                <p:cond evt="onNext" delay="0">
+                  <p:tgtEl>
+                    <p:sldTgt/>
+                  </p:tgtEl>
+                </p:cond>
+              </p:nextCondLst>
+            </p:seq>
+          </p:childTnLst>
+        </p:cTn>
+      </p:par>
+    </p:tnLst>
+    <p:bldLst>
+      <p:bldP spid="2" grpId="0"/>
+    </p:bldLst>
+  </p:timing>
+</p:sld>
+</file>
+
+<file path=ppt/slides/slide9.xml><?xml version="1.0" encoding="utf-8"?>
+<p:sld xmlns:a="http://schemas.openxmlformats.org/drawingml/2006/main" xmlns:r="http://schemas.openxmlformats.org/officeDocument/2006/relationships" xmlns:p="http://schemas.openxmlformats.org/presentationml/2006/main">
+  <p:cSld>
+    <p:spTree>
+      <p:nvGrpSpPr>
+        <p:cNvPr id="1" name=""/>
+        <p:cNvGrpSpPr/>
+        <p:nvPr/>
+      </p:nvGrpSpPr>
+      <p:grpSpPr>
+        <a:xfrm>
+          <a:off x="0" y="0"/>
+          <a:ext cx="0" cy="0"/>
+          <a:chOff x="0" y="0"/>
+          <a:chExt cx="0" cy="0"/>
+        </a:xfrm>
+      </p:grpSpPr>
+      <p:sp>
+        <p:nvSpPr>
+          <p:cNvPr id="2" name="Title 1">
+            <a:extLst>
+              <a:ext uri="{FF2B5EF4-FFF2-40B4-BE49-F238E27FC236}">
+                <a16:creationId xmlns:a16="http://schemas.microsoft.com/office/drawing/2014/main" id="{F588A945-E1A5-C740-0749-7206BB505B89}"/>
+              </a:ext>
+            </a:extLst>
+          </p:cNvPr>
+          <p:cNvSpPr>
+            <a:spLocks noGrp="1"/>
+          </p:cNvSpPr>
+          <p:nvPr>
+            <p:ph type="title"/>
+          </p:nvPr>
+        </p:nvSpPr>
+        <p:spPr>
+          <a:xfrm>
+            <a:off x="609600" y="557784"/>
+            <a:ext cx="10972800" cy="1094371"/>
+          </a:xfrm>
+        </p:spPr>
+        <p:txBody>
+          <a:bodyPr>
+            <a:normAutofit fontScale="90000"/>
+          </a:bodyPr>
+          <a:lstStyle/>
+          <a:p>
+            <a:r>
+              <a:rPr lang="en-US" dirty="0"/>
+              <a:t>Peak Season Analysis (Pre-COVID and COVID Observation Period )</a:t>
+            </a:r>
+          </a:p>
+        </p:txBody>
+      </p:sp>
+      <p:pic>
+        <p:nvPicPr>
+          <p:cNvPr id="4" name="Picture 3">
+            <a:extLst>
+              <a:ext uri="{FF2B5EF4-FFF2-40B4-BE49-F238E27FC236}">
+                <a16:creationId xmlns:a16="http://schemas.microsoft.com/office/drawing/2014/main" id="{9A7AE0EC-F559-6F41-087A-86A1CF471C07}"/>
+              </a:ext>
+            </a:extLst>
+          </p:cNvPr>
+          <p:cNvPicPr>
+            <a:picLocks noChangeAspect="1"/>
+          </p:cNvPicPr>
+          <p:nvPr/>
+        </p:nvPicPr>
+        <p:blipFill>
+          <a:blip r:embed="rId2"/>
+          <a:stretch>
+            <a:fillRect/>
+          </a:stretch>
+        </p:blipFill>
+        <p:spPr>
+          <a:xfrm>
+            <a:off x="200967" y="1652155"/>
+            <a:ext cx="8179358" cy="4768742"/>
+          </a:xfrm>
+          <a:prstGeom prst="rect">
+            <a:avLst/>
+          </a:prstGeom>
+        </p:spPr>
+      </p:pic>
+      <p:cxnSp>
+        <p:nvCxnSpPr>
+          <p:cNvPr id="7" name="Straight Connector 6">
+            <a:extLst>
+              <a:ext uri="{FF2B5EF4-FFF2-40B4-BE49-F238E27FC236}">
+                <a16:creationId xmlns:a16="http://schemas.microsoft.com/office/drawing/2014/main" id="{D4ED3DAE-D63D-0C04-A848-C2475A781C60}"/>
+              </a:ext>
+            </a:extLst>
+          </p:cNvPr>
+          <p:cNvCxnSpPr>
+            <a:cxnSpLocks/>
+          </p:cNvCxnSpPr>
+          <p:nvPr/>
+        </p:nvCxnSpPr>
+        <p:spPr>
+          <a:xfrm>
+            <a:off x="2159099" y="2123768"/>
+            <a:ext cx="0" cy="3292295"/>
+          </a:xfrm>
+          <a:prstGeom prst="line">
+            <a:avLst/>
+          </a:prstGeom>
+          <a:ln w="19050" cap="flat" cmpd="sng" algn="ctr">
+            <a:solidFill>
+              <a:schemeClr val="accent5"/>
+            </a:solidFill>
+            <a:prstDash val="dash"/>
+            <a:round/>
+            <a:headEnd type="none" w="med" len="med"/>
+            <a:tailEnd type="none" w="med" len="med"/>
+          </a:ln>
+        </p:spPr>
+        <p:style>
+          <a:lnRef idx="0">
+            <a:scrgbClr r="0" g="0" b="0"/>
+          </a:lnRef>
+          <a:fillRef idx="0">
+            <a:scrgbClr r="0" g="0" b="0"/>
+          </a:fillRef>
+          <a:effectRef idx="0">
+            <a:scrgbClr r="0" g="0" b="0"/>
+          </a:effectRef>
+          <a:fontRef idx="minor">
+            <a:schemeClr val="tx1"/>
+          </a:fontRef>
+        </p:style>
+      </p:cxnSp>
+      <p:sp>
+        <p:nvSpPr>
+          <p:cNvPr id="9" name="TextBox 8">
+            <a:extLst>
+              <a:ext uri="{FF2B5EF4-FFF2-40B4-BE49-F238E27FC236}">
+                <a16:creationId xmlns:a16="http://schemas.microsoft.com/office/drawing/2014/main" id="{29E2BAAC-EDA0-7E6C-11EE-E0A39BC9D8C7}"/>
+              </a:ext>
+            </a:extLst>
+          </p:cNvPr>
+          <p:cNvSpPr txBox="1"/>
+          <p:nvPr/>
+        </p:nvSpPr>
+        <p:spPr>
+          <a:xfrm>
+            <a:off x="8380324" y="1956619"/>
+            <a:ext cx="3811675" cy="2308324"/>
+          </a:xfrm>
+          <a:prstGeom prst="rect">
+            <a:avLst/>
+          </a:prstGeom>
+          <a:noFill/>
+        </p:spPr>
+        <p:txBody>
+          <a:bodyPr wrap="square" rtlCol="0">
+            <a:spAutoFit/>
+          </a:bodyPr>
+          <a:lstStyle/>
+          <a:p>
+            <a:r>
+              <a:rPr lang="en-US" dirty="0"/>
+              <a:t>After March 11 (Week 11), parcel volume </a:t>
+            </a:r>
+            <a:r>
+              <a:rPr lang="en-US" b="1" dirty="0"/>
+              <a:t>surged dramatically</a:t>
+            </a:r>
+            <a:r>
+              <a:rPr lang="en-US" dirty="0"/>
+              <a:t>, rising from 9M during the pre-COVID period to 65M post-COVID, </a:t>
+            </a:r>
+            <a:r>
+              <a:rPr lang="en-US" b="1" dirty="0"/>
+              <a:t>marking a 630% increase</a:t>
+            </a:r>
+            <a:r>
+              <a:rPr lang="en-US" dirty="0"/>
+              <a:t>. This highlights the pandemic's significant role in accelerating parcel demand</a:t>
+            </a:r>
+          </a:p>
+        </p:txBody>
+      </p:sp>
+    </p:spTree>
+    <p:extLst>
+      <p:ext uri="{BB962C8B-B14F-4D97-AF65-F5344CB8AC3E}">
+        <p14:creationId xmlns:p14="http://schemas.microsoft.com/office/powerpoint/2010/main" val="524735799"/>
+      </p:ext>
+    </p:extLst>
+  </p:cSld>
+  <p:clrMapOvr>
+    <a:masterClrMapping/>
+  </p:clrMapOvr>
+  <p:timing>
+    <p:tnLst>
+      <p:par>
+        <p:cTn id="1" dur="indefinite" restart="never" nodeType="tmRoot">
+          <p:childTnLst>
+            <p:seq concurrent="1" nextAc="seek">
+              <p:cTn id="2" dur="indefinite" nodeType="mainSeq">
+                <p:childTnLst>
                   <p:par>
-                    <p:cTn id="8" fill="hold">
+                    <p:cTn id="3" fill="hold">
                       <p:stCondLst>
                         <p:cond delay="indefinite"/>
                       </p:stCondLst>
                       <p:childTnLst>
                         <p:par>
-                          <p:cTn id="9" fill="hold">
+                          <p:cTn id="4" fill="hold">
                             <p:stCondLst>
                               <p:cond delay="0"/>
                             </p:stCondLst>
                             <p:childTnLst>
                               <p:par>
-                                <p:cTn id="10" presetID="10" presetClass="entr" presetSubtype="0" fill="hold" nodeType="clickEffect">
+                                <p:cTn id="5" presetID="16" presetClass="entr" presetSubtype="21" fill="hold" grpId="0" nodeType="clickEffect">
                                   <p:stCondLst>
                                     <p:cond delay="0"/>
                                   </p:stCondLst>
                                   <p:childTnLst>
                                     <p:set>
                                       <p:cBhvr>
-                                        <p:cTn id="11" dur="1" fill="hold">
+                                        <p:cTn id="6" dur="1" fill="hold">
                                           <p:stCondLst>
                                             <p:cond delay="0"/>
                                           </p:stCondLst>
                                         </p:cTn>
                                         <p:tgtEl>
-                                          <p:spTgt spid="9"/>
+                                          <p:spTgt spid="2"/>
                                         </p:tgtEl>
                                         <p:attrNameLst>
                                           <p:attrName>style.visibility</p:attrName>
@@ -11014,11 +11756,11 @@
                                         <p:strVal val="visible"/>
                                       </p:to>
                                     </p:set>
-                                    <p:animEffect transition="in" filter="fade">
+                                    <p:animEffect transition="in" filter="barn(inVertical)">
                                       <p:cBhvr>
-                                        <p:cTn id="12" dur="500"/>
+                                        <p:cTn id="7" dur="500"/>
                                         <p:tgtEl>
-                                          <p:spTgt spid="9"/>
+                                          <p:spTgt spid="2"/>
                                         </p:tgtEl>
                                       </p:cBhvr>
                                     </p:animEffect>
@@ -11055,990 +11797,6 @@
     <p:bldLst>
       <p:bldP spid="2" grpId="0"/>
     </p:bldLst>
-  </p:timing>
-</p:sld>
-</file>
-
-<file path=ppt/slides/slide8.xml><?xml version="1.0" encoding="utf-8"?>
-<p:sld xmlns:a="http://schemas.openxmlformats.org/drawingml/2006/main" xmlns:r="http://schemas.openxmlformats.org/officeDocument/2006/relationships" xmlns:p="http://schemas.openxmlformats.org/presentationml/2006/main">
-  <p:cSld>
-    <p:spTree>
-      <p:nvGrpSpPr>
-        <p:cNvPr id="1" name=""/>
-        <p:cNvGrpSpPr/>
-        <p:nvPr/>
-      </p:nvGrpSpPr>
-      <p:grpSpPr>
-        <a:xfrm>
-          <a:off x="0" y="0"/>
-          <a:ext cx="0" cy="0"/>
-          <a:chOff x="0" y="0"/>
-          <a:chExt cx="0" cy="0"/>
-        </a:xfrm>
-      </p:grpSpPr>
-      <p:pic>
-        <p:nvPicPr>
-          <p:cNvPr id="4" name="Picture 3">
-            <a:extLst>
-              <a:ext uri="{FF2B5EF4-FFF2-40B4-BE49-F238E27FC236}">
-                <a16:creationId xmlns:a16="http://schemas.microsoft.com/office/drawing/2014/main" id="{787C8572-E57B-2F50-3D92-C29A2B0918F8}"/>
-              </a:ext>
-            </a:extLst>
-          </p:cNvPr>
-          <p:cNvPicPr>
-            <a:picLocks noChangeAspect="1"/>
-          </p:cNvPicPr>
-          <p:nvPr/>
-        </p:nvPicPr>
-        <p:blipFill>
-          <a:blip r:embed="rId2"/>
-          <a:stretch>
-            <a:fillRect/>
-          </a:stretch>
-        </p:blipFill>
-        <p:spPr>
-          <a:xfrm>
-            <a:off x="632102" y="1319645"/>
-            <a:ext cx="10972800" cy="5471711"/>
-          </a:xfrm>
-          <a:prstGeom prst="rect">
-            <a:avLst/>
-          </a:prstGeom>
-        </p:spPr>
-      </p:pic>
-      <p:sp>
-        <p:nvSpPr>
-          <p:cNvPr id="2" name="Title 1">
-            <a:extLst>
-              <a:ext uri="{FF2B5EF4-FFF2-40B4-BE49-F238E27FC236}">
-                <a16:creationId xmlns:a16="http://schemas.microsoft.com/office/drawing/2014/main" id="{D90915F6-596C-17A4-8A35-CE84DFC63CB3}"/>
-              </a:ext>
-            </a:extLst>
-          </p:cNvPr>
-          <p:cNvSpPr>
-            <a:spLocks noGrp="1"/>
-          </p:cNvSpPr>
-          <p:nvPr>
-            <p:ph type="title"/>
-          </p:nvPr>
-        </p:nvSpPr>
-        <p:spPr>
-          <a:xfrm>
-            <a:off x="609600" y="557784"/>
-            <a:ext cx="10972800" cy="761861"/>
-          </a:xfrm>
-        </p:spPr>
-        <p:txBody>
-          <a:bodyPr>
-            <a:noAutofit/>
-          </a:bodyPr>
-          <a:lstStyle/>
-          <a:p>
-            <a:r>
-              <a:rPr lang="en-US" dirty="0"/>
-              <a:t>COVID Timeline vs Volume Spike</a:t>
-            </a:r>
-          </a:p>
-        </p:txBody>
-      </p:sp>
-      <p:graphicFrame>
-        <p:nvGraphicFramePr>
-          <p:cNvPr id="9" name="Table 8">
-            <a:extLst>
-              <a:ext uri="{FF2B5EF4-FFF2-40B4-BE49-F238E27FC236}">
-                <a16:creationId xmlns:a16="http://schemas.microsoft.com/office/drawing/2014/main" id="{6FD19C98-96D1-56A4-31EE-D7AC73591A56}"/>
-              </a:ext>
-            </a:extLst>
-          </p:cNvPr>
-          <p:cNvGraphicFramePr>
-            <a:graphicFrameLocks noGrp="1"/>
-          </p:cNvGraphicFramePr>
-          <p:nvPr>
-            <p:extLst>
-              <p:ext uri="{D42A27DB-BD31-4B8C-83A1-F6EECF244321}">
-                <p14:modId xmlns:p14="http://schemas.microsoft.com/office/powerpoint/2010/main" val="2796335087"/>
-              </p:ext>
-            </p:extLst>
-          </p:nvPr>
-        </p:nvGraphicFramePr>
-        <p:xfrm>
-          <a:off x="5165013" y="1383357"/>
-          <a:ext cx="4441211" cy="1785665"/>
-        </p:xfrm>
-        <a:graphic>
-          <a:graphicData uri="http://schemas.openxmlformats.org/drawingml/2006/table">
-            <a:tbl>
-              <a:tblPr firstRow="1" bandRow="1">
-                <a:tableStyleId>{9D7B26C5-4107-4FEC-AEDC-1716B250A1EF}</a:tableStyleId>
-              </a:tblPr>
-              <a:tblGrid>
-                <a:gridCol w="1606687">
-                  <a:extLst>
-                    <a:ext uri="{9D8B030D-6E8A-4147-A177-3AD203B41FA5}">
-                      <a16:colId xmlns:a16="http://schemas.microsoft.com/office/drawing/2014/main" val="584425468"/>
-                    </a:ext>
-                  </a:extLst>
-                </a:gridCol>
-                <a:gridCol w="667550">
-                  <a:extLst>
-                    <a:ext uri="{9D8B030D-6E8A-4147-A177-3AD203B41FA5}">
-                      <a16:colId xmlns:a16="http://schemas.microsoft.com/office/drawing/2014/main" val="2768743516"/>
-                    </a:ext>
-                  </a:extLst>
-                </a:gridCol>
-                <a:gridCol w="741116">
-                  <a:extLst>
-                    <a:ext uri="{9D8B030D-6E8A-4147-A177-3AD203B41FA5}">
-                      <a16:colId xmlns:a16="http://schemas.microsoft.com/office/drawing/2014/main" val="2304160170"/>
-                    </a:ext>
-                  </a:extLst>
-                </a:gridCol>
-                <a:gridCol w="722309">
-                  <a:extLst>
-                    <a:ext uri="{9D8B030D-6E8A-4147-A177-3AD203B41FA5}">
-                      <a16:colId xmlns:a16="http://schemas.microsoft.com/office/drawing/2014/main" val="3777036179"/>
-                    </a:ext>
-                  </a:extLst>
-                </a:gridCol>
-                <a:gridCol w="703549">
-                  <a:extLst>
-                    <a:ext uri="{9D8B030D-6E8A-4147-A177-3AD203B41FA5}">
-                      <a16:colId xmlns:a16="http://schemas.microsoft.com/office/drawing/2014/main" val="3053037997"/>
-                    </a:ext>
-                  </a:extLst>
-                </a:gridCol>
-              </a:tblGrid>
-              <a:tr h="271789">
-                <a:tc>
-                  <a:txBody>
-                    <a:bodyPr/>
-                    <a:lstStyle/>
-                    <a:p>
-                      <a:r>
-                        <a:rPr lang="en-US" sz="1100" dirty="0" err="1"/>
-                        <a:t>Event_Label</a:t>
-                      </a:r>
-                      <a:endParaRPr lang="en-US" sz="1100" dirty="0"/>
-                    </a:p>
-                  </a:txBody>
-                  <a:tcPr/>
-                </a:tc>
-                <a:tc>
-                  <a:txBody>
-                    <a:bodyPr/>
-                    <a:lstStyle/>
-                    <a:p>
-                      <a:r>
-                        <a:rPr lang="en-US" sz="1100" dirty="0"/>
-                        <a:t>Year</a:t>
-                      </a:r>
-                    </a:p>
-                  </a:txBody>
-                  <a:tcPr/>
-                </a:tc>
-                <a:tc>
-                  <a:txBody>
-                    <a:bodyPr/>
-                    <a:lstStyle/>
-                    <a:p>
-                      <a:r>
-                        <a:rPr lang="en-US" sz="1100" dirty="0"/>
-                        <a:t>Quarter </a:t>
-                      </a:r>
-                    </a:p>
-                  </a:txBody>
-                  <a:tcPr/>
-                </a:tc>
-                <a:tc>
-                  <a:txBody>
-                    <a:bodyPr/>
-                    <a:lstStyle/>
-                    <a:p>
-                      <a:r>
-                        <a:rPr lang="en-US" sz="1100" dirty="0"/>
-                        <a:t>Month</a:t>
-                      </a:r>
-                    </a:p>
-                  </a:txBody>
-                  <a:tcPr/>
-                </a:tc>
-                <a:tc>
-                  <a:txBody>
-                    <a:bodyPr/>
-                    <a:lstStyle/>
-                    <a:p>
-                      <a:r>
-                        <a:rPr lang="en-US" sz="1100" dirty="0"/>
-                        <a:t>Day</a:t>
-                      </a:r>
-                    </a:p>
-                  </a:txBody>
-                  <a:tcPr/>
-                </a:tc>
-                <a:extLst>
-                  <a:ext uri="{0D108BD9-81ED-4DB2-BD59-A6C34878D82A}">
-                    <a16:rowId xmlns:a16="http://schemas.microsoft.com/office/drawing/2014/main" val="2458835153"/>
-                  </a:ext>
-                </a:extLst>
-              </a:tr>
-              <a:tr h="271789">
-                <a:tc>
-                  <a:txBody>
-                    <a:bodyPr/>
-                    <a:lstStyle/>
-                    <a:p>
-                      <a:r>
-                        <a:rPr lang="en-US" sz="1100" dirty="0"/>
-                        <a:t>Pandemic Declared</a:t>
-                      </a:r>
-                    </a:p>
-                  </a:txBody>
-                  <a:tcPr/>
-                </a:tc>
-                <a:tc>
-                  <a:txBody>
-                    <a:bodyPr/>
-                    <a:lstStyle/>
-                    <a:p>
-                      <a:r>
-                        <a:rPr lang="en-US" sz="1100" dirty="0"/>
-                        <a:t>2020</a:t>
-                      </a:r>
-                    </a:p>
-                  </a:txBody>
-                  <a:tcPr/>
-                </a:tc>
-                <a:tc>
-                  <a:txBody>
-                    <a:bodyPr/>
-                    <a:lstStyle/>
-                    <a:p>
-                      <a:r>
-                        <a:rPr lang="en-US" sz="1100" dirty="0" err="1"/>
-                        <a:t>Qtr</a:t>
-                      </a:r>
-                      <a:r>
-                        <a:rPr lang="en-US" sz="1100" dirty="0"/>
-                        <a:t> 1</a:t>
-                      </a:r>
-                    </a:p>
-                  </a:txBody>
-                  <a:tcPr/>
-                </a:tc>
-                <a:tc>
-                  <a:txBody>
-                    <a:bodyPr/>
-                    <a:lstStyle/>
-                    <a:p>
-                      <a:r>
-                        <a:rPr lang="en-US" sz="1100" dirty="0"/>
-                        <a:t>March </a:t>
-                      </a:r>
-                    </a:p>
-                  </a:txBody>
-                  <a:tcPr/>
-                </a:tc>
-                <a:tc>
-                  <a:txBody>
-                    <a:bodyPr/>
-                    <a:lstStyle/>
-                    <a:p>
-                      <a:r>
-                        <a:rPr lang="en-US" sz="1100" dirty="0"/>
-                        <a:t>11</a:t>
-                      </a:r>
-                    </a:p>
-                  </a:txBody>
-                  <a:tcPr/>
-                </a:tc>
-                <a:extLst>
-                  <a:ext uri="{0D108BD9-81ED-4DB2-BD59-A6C34878D82A}">
-                    <a16:rowId xmlns:a16="http://schemas.microsoft.com/office/drawing/2014/main" val="4180699601"/>
-                  </a:ext>
-                </a:extLst>
-              </a:tr>
-              <a:tr h="271789">
-                <a:tc>
-                  <a:txBody>
-                    <a:bodyPr/>
-                    <a:lstStyle/>
-                    <a:p>
-                      <a:r>
-                        <a:rPr lang="en-US" sz="1100" dirty="0"/>
-                        <a:t>WFH Urged </a:t>
-                      </a:r>
-                    </a:p>
-                  </a:txBody>
-                  <a:tcPr/>
-                </a:tc>
-                <a:tc>
-                  <a:txBody>
-                    <a:bodyPr/>
-                    <a:lstStyle/>
-                    <a:p>
-                      <a:r>
-                        <a:rPr lang="en-US" sz="1100" dirty="0"/>
-                        <a:t>2020</a:t>
-                      </a:r>
-                    </a:p>
-                  </a:txBody>
-                  <a:tcPr/>
-                </a:tc>
-                <a:tc>
-                  <a:txBody>
-                    <a:bodyPr/>
-                    <a:lstStyle/>
-                    <a:p>
-                      <a:r>
-                        <a:rPr lang="en-US" sz="1100" dirty="0" err="1"/>
-                        <a:t>Qtr</a:t>
-                      </a:r>
-                      <a:r>
-                        <a:rPr lang="en-US" sz="1100" dirty="0"/>
-                        <a:t> 1</a:t>
-                      </a:r>
-                    </a:p>
-                  </a:txBody>
-                  <a:tcPr/>
-                </a:tc>
-                <a:tc>
-                  <a:txBody>
-                    <a:bodyPr/>
-                    <a:lstStyle/>
-                    <a:p>
-                      <a:r>
-                        <a:rPr lang="en-US" sz="1100" dirty="0"/>
-                        <a:t>March </a:t>
-                      </a:r>
-                    </a:p>
-                  </a:txBody>
-                  <a:tcPr/>
-                </a:tc>
-                <a:tc>
-                  <a:txBody>
-                    <a:bodyPr/>
-                    <a:lstStyle/>
-                    <a:p>
-                      <a:r>
-                        <a:rPr lang="en-US" sz="1100" dirty="0"/>
-                        <a:t>16</a:t>
-                      </a:r>
-                    </a:p>
-                  </a:txBody>
-                  <a:tcPr/>
-                </a:tc>
-                <a:extLst>
-                  <a:ext uri="{0D108BD9-81ED-4DB2-BD59-A6C34878D82A}">
-                    <a16:rowId xmlns:a16="http://schemas.microsoft.com/office/drawing/2014/main" val="1647277073"/>
-                  </a:ext>
-                </a:extLst>
-              </a:tr>
-              <a:tr h="271789">
-                <a:tc>
-                  <a:txBody>
-                    <a:bodyPr/>
-                    <a:lstStyle/>
-                    <a:p>
-                      <a:r>
-                        <a:rPr lang="en-US" sz="1100" dirty="0"/>
-                        <a:t>Border Restriction</a:t>
-                      </a:r>
-                    </a:p>
-                  </a:txBody>
-                  <a:tcPr/>
-                </a:tc>
-                <a:tc>
-                  <a:txBody>
-                    <a:bodyPr/>
-                    <a:lstStyle/>
-                    <a:p>
-                      <a:r>
-                        <a:rPr lang="en-US" sz="1100" dirty="0"/>
-                        <a:t>2020</a:t>
-                      </a:r>
-                    </a:p>
-                  </a:txBody>
-                  <a:tcPr/>
-                </a:tc>
-                <a:tc>
-                  <a:txBody>
-                    <a:bodyPr/>
-                    <a:lstStyle/>
-                    <a:p>
-                      <a:r>
-                        <a:rPr lang="en-US" sz="1100" dirty="0" err="1"/>
-                        <a:t>Qtr</a:t>
-                      </a:r>
-                      <a:r>
-                        <a:rPr lang="en-US" sz="1100" dirty="0"/>
-                        <a:t> 1</a:t>
-                      </a:r>
-                    </a:p>
-                  </a:txBody>
-                  <a:tcPr/>
-                </a:tc>
-                <a:tc>
-                  <a:txBody>
-                    <a:bodyPr/>
-                    <a:lstStyle/>
-                    <a:p>
-                      <a:r>
-                        <a:rPr lang="en-US" sz="1100" dirty="0"/>
-                        <a:t>March </a:t>
-                      </a:r>
-                    </a:p>
-                  </a:txBody>
-                  <a:tcPr/>
-                </a:tc>
-                <a:tc>
-                  <a:txBody>
-                    <a:bodyPr/>
-                    <a:lstStyle/>
-                    <a:p>
-                      <a:r>
-                        <a:rPr lang="en-US" sz="1100" dirty="0"/>
-                        <a:t>18</a:t>
-                      </a:r>
-                    </a:p>
-                  </a:txBody>
-                  <a:tcPr/>
-                </a:tc>
-                <a:extLst>
-                  <a:ext uri="{0D108BD9-81ED-4DB2-BD59-A6C34878D82A}">
-                    <a16:rowId xmlns:a16="http://schemas.microsoft.com/office/drawing/2014/main" val="2320914290"/>
-                  </a:ext>
-                </a:extLst>
-              </a:tr>
-              <a:tr h="407509">
-                <a:tc>
-                  <a:txBody>
-                    <a:bodyPr/>
-                    <a:lstStyle/>
-                    <a:p>
-                      <a:r>
-                        <a:rPr lang="en-US" sz="1100" dirty="0"/>
-                        <a:t>Covid Delivery Standard Began</a:t>
-                      </a:r>
-                    </a:p>
-                  </a:txBody>
-                  <a:tcPr/>
-                </a:tc>
-                <a:tc>
-                  <a:txBody>
-                    <a:bodyPr/>
-                    <a:lstStyle/>
-                    <a:p>
-                      <a:r>
-                        <a:rPr lang="en-US" sz="1100" dirty="0"/>
-                        <a:t>2020</a:t>
-                      </a:r>
-                    </a:p>
-                  </a:txBody>
-                  <a:tcPr/>
-                </a:tc>
-                <a:tc>
-                  <a:txBody>
-                    <a:bodyPr/>
-                    <a:lstStyle/>
-                    <a:p>
-                      <a:r>
-                        <a:rPr lang="en-US" sz="1100" dirty="0" err="1"/>
-                        <a:t>Qtr</a:t>
-                      </a:r>
-                      <a:r>
-                        <a:rPr lang="en-US" sz="1100" dirty="0"/>
-                        <a:t> 1</a:t>
-                      </a:r>
-                    </a:p>
-                  </a:txBody>
-                  <a:tcPr/>
-                </a:tc>
-                <a:tc>
-                  <a:txBody>
-                    <a:bodyPr/>
-                    <a:lstStyle/>
-                    <a:p>
-                      <a:r>
-                        <a:rPr lang="en-US" sz="1100" dirty="0"/>
-                        <a:t>March </a:t>
-                      </a:r>
-                    </a:p>
-                  </a:txBody>
-                  <a:tcPr/>
-                </a:tc>
-                <a:tc>
-                  <a:txBody>
-                    <a:bodyPr/>
-                    <a:lstStyle/>
-                    <a:p>
-                      <a:r>
-                        <a:rPr lang="en-US" sz="1100" dirty="0"/>
-                        <a:t>23</a:t>
-                      </a:r>
-                    </a:p>
-                  </a:txBody>
-                  <a:tcPr/>
-                </a:tc>
-                <a:extLst>
-                  <a:ext uri="{0D108BD9-81ED-4DB2-BD59-A6C34878D82A}">
-                    <a16:rowId xmlns:a16="http://schemas.microsoft.com/office/drawing/2014/main" val="3843480789"/>
-                  </a:ext>
-                </a:extLst>
-              </a:tr>
-              <a:tr h="271789">
-                <a:tc>
-                  <a:txBody>
-                    <a:bodyPr/>
-                    <a:lstStyle/>
-                    <a:p>
-                      <a:r>
-                        <a:rPr lang="en-US" sz="1100" dirty="0"/>
-                        <a:t>C.E.R.B Launched</a:t>
-                      </a:r>
-                    </a:p>
-                  </a:txBody>
-                  <a:tcPr/>
-                </a:tc>
-                <a:tc>
-                  <a:txBody>
-                    <a:bodyPr/>
-                    <a:lstStyle/>
-                    <a:p>
-                      <a:r>
-                        <a:rPr lang="en-US" sz="1100" dirty="0"/>
-                        <a:t>2020</a:t>
-                      </a:r>
-                    </a:p>
-                  </a:txBody>
-                  <a:tcPr/>
-                </a:tc>
-                <a:tc>
-                  <a:txBody>
-                    <a:bodyPr/>
-                    <a:lstStyle/>
-                    <a:p>
-                      <a:r>
-                        <a:rPr lang="en-US" sz="1100" dirty="0" err="1"/>
-                        <a:t>Qtr</a:t>
-                      </a:r>
-                      <a:r>
-                        <a:rPr lang="en-US" sz="1100" dirty="0"/>
-                        <a:t> 2</a:t>
-                      </a:r>
-                    </a:p>
-                  </a:txBody>
-                  <a:tcPr/>
-                </a:tc>
-                <a:tc>
-                  <a:txBody>
-                    <a:bodyPr/>
-                    <a:lstStyle/>
-                    <a:p>
-                      <a:r>
-                        <a:rPr lang="en-US" sz="1100" dirty="0"/>
-                        <a:t>April</a:t>
-                      </a:r>
-                    </a:p>
-                  </a:txBody>
-                  <a:tcPr/>
-                </a:tc>
-                <a:tc>
-                  <a:txBody>
-                    <a:bodyPr/>
-                    <a:lstStyle/>
-                    <a:p>
-                      <a:r>
-                        <a:rPr lang="en-US" sz="1100" dirty="0"/>
-                        <a:t>6</a:t>
-                      </a:r>
-                    </a:p>
-                  </a:txBody>
-                  <a:tcPr/>
-                </a:tc>
-                <a:extLst>
-                  <a:ext uri="{0D108BD9-81ED-4DB2-BD59-A6C34878D82A}">
-                    <a16:rowId xmlns:a16="http://schemas.microsoft.com/office/drawing/2014/main" val="1325288423"/>
-                  </a:ext>
-                </a:extLst>
-              </a:tr>
-            </a:tbl>
-          </a:graphicData>
-        </a:graphic>
-      </p:graphicFrame>
-    </p:spTree>
-    <p:extLst>
-      <p:ext uri="{BB962C8B-B14F-4D97-AF65-F5344CB8AC3E}">
-        <p14:creationId xmlns:p14="http://schemas.microsoft.com/office/powerpoint/2010/main" val="1648729207"/>
-      </p:ext>
-    </p:extLst>
-  </p:cSld>
-  <p:clrMapOvr>
-    <a:masterClrMapping/>
-  </p:clrMapOvr>
-  <p:timing>
-    <p:tnLst>
-      <p:par>
-        <p:cTn id="1" dur="indefinite" restart="never" nodeType="tmRoot">
-          <p:childTnLst>
-            <p:seq concurrent="1" nextAc="seek">
-              <p:cTn id="2" dur="indefinite" nodeType="mainSeq">
-                <p:childTnLst>
-                  <p:par>
-                    <p:cTn id="3" fill="hold">
-                      <p:stCondLst>
-                        <p:cond delay="indefinite"/>
-                      </p:stCondLst>
-                      <p:childTnLst>
-                        <p:par>
-                          <p:cTn id="4" fill="hold">
-                            <p:stCondLst>
-                              <p:cond delay="0"/>
-                            </p:stCondLst>
-                            <p:childTnLst>
-                              <p:par>
-                                <p:cTn id="5" presetID="10" presetClass="entr" presetSubtype="0" fill="hold" nodeType="clickEffect">
-                                  <p:stCondLst>
-                                    <p:cond delay="0"/>
-                                  </p:stCondLst>
-                                  <p:childTnLst>
-                                    <p:set>
-                                      <p:cBhvr>
-                                        <p:cTn id="6" dur="1" fill="hold">
-                                          <p:stCondLst>
-                                            <p:cond delay="0"/>
-                                          </p:stCondLst>
-                                        </p:cTn>
-                                        <p:tgtEl>
-                                          <p:spTgt spid="4"/>
-                                        </p:tgtEl>
-                                        <p:attrNameLst>
-                                          <p:attrName>style.visibility</p:attrName>
-                                        </p:attrNameLst>
-                                      </p:cBhvr>
-                                      <p:to>
-                                        <p:strVal val="visible"/>
-                                      </p:to>
-                                    </p:set>
-                                    <p:animEffect transition="in" filter="fade">
-                                      <p:cBhvr>
-                                        <p:cTn id="7" dur="500"/>
-                                        <p:tgtEl>
-                                          <p:spTgt spid="4"/>
-                                        </p:tgtEl>
-                                      </p:cBhvr>
-                                    </p:animEffect>
-                                  </p:childTnLst>
-                                </p:cTn>
-                              </p:par>
-                              <p:par>
-                                <p:cTn id="8" presetID="10" presetClass="entr" presetSubtype="0" fill="hold" nodeType="withEffect">
-                                  <p:stCondLst>
-                                    <p:cond delay="0"/>
-                                  </p:stCondLst>
-                                  <p:childTnLst>
-                                    <p:set>
-                                      <p:cBhvr>
-                                        <p:cTn id="9" dur="1" fill="hold">
-                                          <p:stCondLst>
-                                            <p:cond delay="0"/>
-                                          </p:stCondLst>
-                                        </p:cTn>
-                                        <p:tgtEl>
-                                          <p:spTgt spid="9"/>
-                                        </p:tgtEl>
-                                        <p:attrNameLst>
-                                          <p:attrName>style.visibility</p:attrName>
-                                        </p:attrNameLst>
-                                      </p:cBhvr>
-                                      <p:to>
-                                        <p:strVal val="visible"/>
-                                      </p:to>
-                                    </p:set>
-                                    <p:animEffect transition="in" filter="fade">
-                                      <p:cBhvr>
-                                        <p:cTn id="10" dur="500"/>
-                                        <p:tgtEl>
-                                          <p:spTgt spid="9"/>
-                                        </p:tgtEl>
-                                      </p:cBhvr>
-                                    </p:animEffect>
-                                  </p:childTnLst>
-                                </p:cTn>
-                              </p:par>
-                            </p:childTnLst>
-                          </p:cTn>
-                        </p:par>
-                      </p:childTnLst>
-                    </p:cTn>
-                  </p:par>
-                </p:childTnLst>
-              </p:cTn>
-              <p:prevCondLst>
-                <p:cond evt="onPrev" delay="0">
-                  <p:tgtEl>
-                    <p:sldTgt/>
-                  </p:tgtEl>
-                </p:cond>
-              </p:prevCondLst>
-              <p:nextCondLst>
-                <p:cond evt="onNext" delay="0">
-                  <p:tgtEl>
-                    <p:sldTgt/>
-                  </p:tgtEl>
-                </p:cond>
-              </p:nextCondLst>
-            </p:seq>
-          </p:childTnLst>
-        </p:cTn>
-      </p:par>
-    </p:tnLst>
-  </p:timing>
-</p:sld>
-</file>
-
-<file path=ppt/slides/slide9.xml><?xml version="1.0" encoding="utf-8"?>
-<p:sld xmlns:a="http://schemas.openxmlformats.org/drawingml/2006/main" xmlns:r="http://schemas.openxmlformats.org/officeDocument/2006/relationships" xmlns:p="http://schemas.openxmlformats.org/presentationml/2006/main">
-  <p:cSld>
-    <p:spTree>
-      <p:nvGrpSpPr>
-        <p:cNvPr id="1" name=""/>
-        <p:cNvGrpSpPr/>
-        <p:nvPr/>
-      </p:nvGrpSpPr>
-      <p:grpSpPr>
-        <a:xfrm>
-          <a:off x="0" y="0"/>
-          <a:ext cx="0" cy="0"/>
-          <a:chOff x="0" y="0"/>
-          <a:chExt cx="0" cy="0"/>
-        </a:xfrm>
-      </p:grpSpPr>
-      <p:sp>
-        <p:nvSpPr>
-          <p:cNvPr id="3" name="Content Placeholder 2">
-            <a:extLst>
-              <a:ext uri="{FF2B5EF4-FFF2-40B4-BE49-F238E27FC236}">
-                <a16:creationId xmlns:a16="http://schemas.microsoft.com/office/drawing/2014/main" id="{C002E309-B90F-6599-7FA2-AC787F181720}"/>
-              </a:ext>
-            </a:extLst>
-          </p:cNvPr>
-          <p:cNvSpPr>
-            <a:spLocks noGrp="1"/>
-          </p:cNvSpPr>
-          <p:nvPr>
-            <p:ph idx="1"/>
-          </p:nvPr>
-        </p:nvSpPr>
-        <p:spPr/>
-        <p:txBody>
-          <a:bodyPr/>
-          <a:lstStyle/>
-          <a:p>
-            <a:pPr algn="ctr"/>
-            <a:r>
-              <a:rPr lang="en-US" b="1" dirty="0"/>
-              <a:t>Volume increased significantly from Week 12</a:t>
-            </a:r>
-            <a:r>
-              <a:rPr lang="en-US" dirty="0"/>
-              <a:t>, right after WHO’s pandemic declaration and nationwide lockdown.</a:t>
-            </a:r>
-          </a:p>
-          <a:p>
-            <a:pPr algn="ctr"/>
-            <a:br>
-              <a:rPr lang="en-US" dirty="0"/>
-            </a:br>
-            <a:r>
-              <a:rPr lang="en-US" sz="2400" b="1" dirty="0"/>
-              <a:t>→ </a:t>
-            </a:r>
-            <a:r>
-              <a:rPr lang="en-US" sz="2400" b="1" i="1" dirty="0"/>
-              <a:t>This marks the turning point toward e-commerce reliance.</a:t>
-            </a:r>
-            <a:endParaRPr lang="en-US" b="1" dirty="0"/>
-          </a:p>
-        </p:txBody>
-      </p:sp>
-      <p:sp>
-        <p:nvSpPr>
-          <p:cNvPr id="4" name="Title 1">
-            <a:extLst>
-              <a:ext uri="{FF2B5EF4-FFF2-40B4-BE49-F238E27FC236}">
-                <a16:creationId xmlns:a16="http://schemas.microsoft.com/office/drawing/2014/main" id="{CA39C557-C068-99AB-E8F1-5D505FC91FB1}"/>
-              </a:ext>
-            </a:extLst>
-          </p:cNvPr>
-          <p:cNvSpPr>
-            <a:spLocks noGrp="1"/>
-          </p:cNvSpPr>
-          <p:nvPr>
-            <p:ph type="title"/>
-          </p:nvPr>
-        </p:nvSpPr>
-        <p:spPr>
-          <a:xfrm>
-            <a:off x="609600" y="439226"/>
-            <a:ext cx="10972800" cy="907905"/>
-          </a:xfrm>
-        </p:spPr>
-        <p:txBody>
-          <a:bodyPr>
-            <a:normAutofit/>
-          </a:bodyPr>
-          <a:lstStyle/>
-          <a:p>
-            <a:r>
-              <a:rPr lang="en-US" dirty="0"/>
-              <a:t>COVID Timeline vs Volume Spike</a:t>
-            </a:r>
-          </a:p>
-        </p:txBody>
-      </p:sp>
-    </p:spTree>
-    <p:extLst>
-      <p:ext uri="{BB962C8B-B14F-4D97-AF65-F5344CB8AC3E}">
-        <p14:creationId xmlns:p14="http://schemas.microsoft.com/office/powerpoint/2010/main" val="3873075680"/>
-      </p:ext>
-    </p:extLst>
-  </p:cSld>
-  <p:clrMapOvr>
-    <a:masterClrMapping/>
-  </p:clrMapOvr>
-  <p:timing>
-    <p:tnLst>
-      <p:par>
-        <p:cTn id="1" dur="indefinite" restart="never" nodeType="tmRoot">
-          <p:childTnLst>
-            <p:seq concurrent="1" nextAc="seek">
-              <p:cTn id="2" dur="indefinite" nodeType="mainSeq">
-                <p:childTnLst>
-                  <p:par>
-                    <p:cTn id="3" fill="hold">
-                      <p:stCondLst>
-                        <p:cond delay="indefinite"/>
-                      </p:stCondLst>
-                      <p:childTnLst>
-                        <p:par>
-                          <p:cTn id="4" fill="hold">
-                            <p:stCondLst>
-                              <p:cond delay="0"/>
-                            </p:stCondLst>
-                            <p:childTnLst>
-                              <p:par>
-                                <p:cTn id="5" presetID="16" presetClass="entr" presetSubtype="21" fill="hold" nodeType="clickEffect">
-                                  <p:stCondLst>
-                                    <p:cond delay="0"/>
-                                  </p:stCondLst>
-                                  <p:childTnLst>
-                                    <p:set>
-                                      <p:cBhvr>
-                                        <p:cTn id="6" dur="1" fill="hold">
-                                          <p:stCondLst>
-                                            <p:cond delay="0"/>
-                                          </p:stCondLst>
-                                        </p:cTn>
-                                        <p:tgtEl>
-                                          <p:spTgt spid="3">
-                                            <p:txEl>
-                                              <p:pRg st="0" end="0"/>
-                                            </p:txEl>
-                                          </p:spTgt>
-                                        </p:tgtEl>
-                                        <p:attrNameLst>
-                                          <p:attrName>style.visibility</p:attrName>
-                                        </p:attrNameLst>
-                                      </p:cBhvr>
-                                      <p:to>
-                                        <p:strVal val="visible"/>
-                                      </p:to>
-                                    </p:set>
-                                    <p:animEffect transition="in" filter="barn(inVertical)">
-                                      <p:cBhvr>
-                                        <p:cTn id="7" dur="500"/>
-                                        <p:tgtEl>
-                                          <p:spTgt spid="3">
-                                            <p:txEl>
-                                              <p:pRg st="0" end="0"/>
-                                            </p:txEl>
-                                          </p:spTgt>
-                                        </p:tgtEl>
-                                      </p:cBhvr>
-                                    </p:animEffect>
-                                  </p:childTnLst>
-                                </p:cTn>
-                              </p:par>
-                              <p:par>
-                                <p:cTn id="8" presetID="16" presetClass="entr" presetSubtype="21" fill="hold" nodeType="withEffect">
-                                  <p:stCondLst>
-                                    <p:cond delay="0"/>
-                                  </p:stCondLst>
-                                  <p:childTnLst>
-                                    <p:set>
-                                      <p:cBhvr>
-                                        <p:cTn id="9" dur="1" fill="hold">
-                                          <p:stCondLst>
-                                            <p:cond delay="0"/>
-                                          </p:stCondLst>
-                                        </p:cTn>
-                                        <p:tgtEl>
-                                          <p:spTgt spid="3">
-                                            <p:txEl>
-                                              <p:pRg st="1" end="1"/>
-                                            </p:txEl>
-                                          </p:spTgt>
-                                        </p:tgtEl>
-                                        <p:attrNameLst>
-                                          <p:attrName>style.visibility</p:attrName>
-                                        </p:attrNameLst>
-                                      </p:cBhvr>
-                                      <p:to>
-                                        <p:strVal val="visible"/>
-                                      </p:to>
-                                    </p:set>
-                                    <p:animEffect transition="in" filter="barn(inVertical)">
-                                      <p:cBhvr>
-                                        <p:cTn id="10" dur="500"/>
-                                        <p:tgtEl>
-                                          <p:spTgt spid="3">
-                                            <p:txEl>
-                                              <p:pRg st="1" end="1"/>
-                                            </p:txEl>
-                                          </p:spTgt>
-                                        </p:tgtEl>
-                                      </p:cBhvr>
-                                    </p:animEffect>
-                                  </p:childTnLst>
-                                </p:cTn>
-                              </p:par>
-                            </p:childTnLst>
-                          </p:cTn>
-                        </p:par>
-                      </p:childTnLst>
-                    </p:cTn>
-                  </p:par>
-                </p:childTnLst>
-              </p:cTn>
-              <p:prevCondLst>
-                <p:cond evt="onPrev" delay="0">
-                  <p:tgtEl>
-                    <p:sldTgt/>
-                  </p:tgtEl>
-                </p:cond>
-              </p:prevCondLst>
-              <p:nextCondLst>
-                <p:cond evt="onNext" delay="0">
-                  <p:tgtEl>
-                    <p:sldTgt/>
-                  </p:tgtEl>
-                </p:cond>
-              </p:nextCondLst>
-            </p:seq>
-          </p:childTnLst>
-        </p:cTn>
-      </p:par>
-    </p:tnLst>
   </p:timing>
 </p:sld>
 </file>

--- a/Project.pptx
+++ b/Project.pptx
@@ -4,6 +4,9 @@
   <p:sldMasterIdLst>
     <p:sldMasterId id="2147483752" r:id="rId1"/>
   </p:sldMasterIdLst>
+  <p:notesMasterIdLst>
+    <p:notesMasterId r:id="rId20"/>
+  </p:notesMasterIdLst>
   <p:sldIdLst>
     <p:sldId id="256" r:id="rId2"/>
     <p:sldId id="257" r:id="rId3"/>
@@ -12,15 +15,17 @@
     <p:sldId id="259" r:id="rId6"/>
     <p:sldId id="261" r:id="rId7"/>
     <p:sldId id="260" r:id="rId8"/>
-    <p:sldId id="263" r:id="rId9"/>
-    <p:sldId id="264" r:id="rId10"/>
-    <p:sldId id="266" r:id="rId11"/>
-    <p:sldId id="267" r:id="rId12"/>
-    <p:sldId id="268" r:id="rId13"/>
-    <p:sldId id="269" r:id="rId14"/>
-    <p:sldId id="270" r:id="rId15"/>
-    <p:sldId id="272" r:id="rId16"/>
-    <p:sldId id="273" r:id="rId17"/>
+    <p:sldId id="262" r:id="rId9"/>
+    <p:sldId id="277" r:id="rId10"/>
+    <p:sldId id="264" r:id="rId11"/>
+    <p:sldId id="265" r:id="rId12"/>
+    <p:sldId id="266" r:id="rId13"/>
+    <p:sldId id="267" r:id="rId14"/>
+    <p:sldId id="268" r:id="rId15"/>
+    <p:sldId id="269" r:id="rId16"/>
+    <p:sldId id="270" r:id="rId17"/>
+    <p:sldId id="272" r:id="rId18"/>
+    <p:sldId id="273" r:id="rId19"/>
   </p:sldIdLst>
   <p:sldSz cx="12192000" cy="6858000"/>
   <p:notesSz cx="6858000" cy="9144000"/>
@@ -125,6 +130,524 @@
     </p:ext>
   </p:extLst>
 </p:presentation>
+</file>
+
+<file path=ppt/notesMasters/notesMaster1.xml><?xml version="1.0" encoding="utf-8"?>
+<p:notesMaster xmlns:a="http://schemas.openxmlformats.org/drawingml/2006/main" xmlns:r="http://schemas.openxmlformats.org/officeDocument/2006/relationships" xmlns:p="http://schemas.openxmlformats.org/presentationml/2006/main">
+  <p:cSld>
+    <p:bg>
+      <p:bgRef idx="1001">
+        <a:schemeClr val="bg1"/>
+      </p:bgRef>
+    </p:bg>
+    <p:spTree>
+      <p:nvGrpSpPr>
+        <p:cNvPr id="1" name=""/>
+        <p:cNvGrpSpPr/>
+        <p:nvPr/>
+      </p:nvGrpSpPr>
+      <p:grpSpPr>
+        <a:xfrm>
+          <a:off x="0" y="0"/>
+          <a:ext cx="0" cy="0"/>
+          <a:chOff x="0" y="0"/>
+          <a:chExt cx="0" cy="0"/>
+        </a:xfrm>
+      </p:grpSpPr>
+      <p:sp>
+        <p:nvSpPr>
+          <p:cNvPr id="2" name="Header Placeholder 1"/>
+          <p:cNvSpPr>
+            <a:spLocks noGrp="1"/>
+          </p:cNvSpPr>
+          <p:nvPr>
+            <p:ph type="hdr" sz="quarter"/>
+          </p:nvPr>
+        </p:nvSpPr>
+        <p:spPr>
+          <a:xfrm>
+            <a:off x="0" y="0"/>
+            <a:ext cx="2971800" cy="458788"/>
+          </a:xfrm>
+          <a:prstGeom prst="rect">
+            <a:avLst/>
+          </a:prstGeom>
+        </p:spPr>
+        <p:txBody>
+          <a:bodyPr vert="horz" lIns="91440" tIns="45720" rIns="91440" bIns="45720" rtlCol="0"/>
+          <a:lstStyle>
+            <a:lvl1pPr algn="l">
+              <a:defRPr sz="1200"/>
+            </a:lvl1pPr>
+          </a:lstStyle>
+          <a:p>
+            <a:endParaRPr lang="en-CA"/>
+          </a:p>
+        </p:txBody>
+      </p:sp>
+      <p:sp>
+        <p:nvSpPr>
+          <p:cNvPr id="3" name="Date Placeholder 2"/>
+          <p:cNvSpPr>
+            <a:spLocks noGrp="1"/>
+          </p:cNvSpPr>
+          <p:nvPr>
+            <p:ph type="dt" idx="1"/>
+          </p:nvPr>
+        </p:nvSpPr>
+        <p:spPr>
+          <a:xfrm>
+            <a:off x="3884613" y="0"/>
+            <a:ext cx="2971800" cy="458788"/>
+          </a:xfrm>
+          <a:prstGeom prst="rect">
+            <a:avLst/>
+          </a:prstGeom>
+        </p:spPr>
+        <p:txBody>
+          <a:bodyPr vert="horz" lIns="91440" tIns="45720" rIns="91440" bIns="45720" rtlCol="0"/>
+          <a:lstStyle>
+            <a:lvl1pPr algn="r">
+              <a:defRPr sz="1200"/>
+            </a:lvl1pPr>
+          </a:lstStyle>
+          <a:p>
+            <a:fld id="{E70F4D78-3A10-4DD7-8661-82D6435C83D7}" type="datetimeFigureOut">
+              <a:rPr lang="en-CA" smtClean="0"/>
+              <a:t>2025-04-22</a:t>
+            </a:fld>
+            <a:endParaRPr lang="en-CA"/>
+          </a:p>
+        </p:txBody>
+      </p:sp>
+      <p:sp>
+        <p:nvSpPr>
+          <p:cNvPr id="4" name="Slide Image Placeholder 3"/>
+          <p:cNvSpPr>
+            <a:spLocks noGrp="1" noRot="1" noChangeAspect="1"/>
+          </p:cNvSpPr>
+          <p:nvPr>
+            <p:ph type="sldImg" idx="2"/>
+          </p:nvPr>
+        </p:nvSpPr>
+        <p:spPr>
+          <a:xfrm>
+            <a:off x="685800" y="1143000"/>
+            <a:ext cx="5486400" cy="3086100"/>
+          </a:xfrm>
+          <a:prstGeom prst="rect">
+            <a:avLst/>
+          </a:prstGeom>
+          <a:noFill/>
+          <a:ln w="12700">
+            <a:solidFill>
+              <a:prstClr val="black"/>
+            </a:solidFill>
+          </a:ln>
+        </p:spPr>
+        <p:txBody>
+          <a:bodyPr vert="horz" lIns="91440" tIns="45720" rIns="91440" bIns="45720" rtlCol="0" anchor="ctr"/>
+          <a:lstStyle/>
+          <a:p>
+            <a:endParaRPr lang="en-CA"/>
+          </a:p>
+        </p:txBody>
+      </p:sp>
+      <p:sp>
+        <p:nvSpPr>
+          <p:cNvPr id="5" name="Notes Placeholder 4"/>
+          <p:cNvSpPr>
+            <a:spLocks noGrp="1"/>
+          </p:cNvSpPr>
+          <p:nvPr>
+            <p:ph type="body" sz="quarter" idx="3"/>
+          </p:nvPr>
+        </p:nvSpPr>
+        <p:spPr>
+          <a:xfrm>
+            <a:off x="685800" y="4400550"/>
+            <a:ext cx="5486400" cy="3600450"/>
+          </a:xfrm>
+          <a:prstGeom prst="rect">
+            <a:avLst/>
+          </a:prstGeom>
+        </p:spPr>
+        <p:txBody>
+          <a:bodyPr vert="horz" lIns="91440" tIns="45720" rIns="91440" bIns="45720" rtlCol="0"/>
+          <a:lstStyle/>
+          <a:p>
+            <a:pPr lvl="0"/>
+            <a:r>
+              <a:rPr lang="en-US"/>
+              <a:t>Click to edit Master text styles</a:t>
+            </a:r>
+          </a:p>
+          <a:p>
+            <a:pPr lvl="1"/>
+            <a:r>
+              <a:rPr lang="en-US"/>
+              <a:t>Second level</a:t>
+            </a:r>
+          </a:p>
+          <a:p>
+            <a:pPr lvl="2"/>
+            <a:r>
+              <a:rPr lang="en-US"/>
+              <a:t>Third level</a:t>
+            </a:r>
+          </a:p>
+          <a:p>
+            <a:pPr lvl="3"/>
+            <a:r>
+              <a:rPr lang="en-US"/>
+              <a:t>Fourth level</a:t>
+            </a:r>
+          </a:p>
+          <a:p>
+            <a:pPr lvl="4"/>
+            <a:r>
+              <a:rPr lang="en-US"/>
+              <a:t>Fifth level</a:t>
+            </a:r>
+            <a:endParaRPr lang="en-CA"/>
+          </a:p>
+        </p:txBody>
+      </p:sp>
+      <p:sp>
+        <p:nvSpPr>
+          <p:cNvPr id="6" name="Footer Placeholder 5"/>
+          <p:cNvSpPr>
+            <a:spLocks noGrp="1"/>
+          </p:cNvSpPr>
+          <p:nvPr>
+            <p:ph type="ftr" sz="quarter" idx="4"/>
+          </p:nvPr>
+        </p:nvSpPr>
+        <p:spPr>
+          <a:xfrm>
+            <a:off x="0" y="8685213"/>
+            <a:ext cx="2971800" cy="458787"/>
+          </a:xfrm>
+          <a:prstGeom prst="rect">
+            <a:avLst/>
+          </a:prstGeom>
+        </p:spPr>
+        <p:txBody>
+          <a:bodyPr vert="horz" lIns="91440" tIns="45720" rIns="91440" bIns="45720" rtlCol="0" anchor="b"/>
+          <a:lstStyle>
+            <a:lvl1pPr algn="l">
+              <a:defRPr sz="1200"/>
+            </a:lvl1pPr>
+          </a:lstStyle>
+          <a:p>
+            <a:endParaRPr lang="en-CA"/>
+          </a:p>
+        </p:txBody>
+      </p:sp>
+      <p:sp>
+        <p:nvSpPr>
+          <p:cNvPr id="7" name="Slide Number Placeholder 6"/>
+          <p:cNvSpPr>
+            <a:spLocks noGrp="1"/>
+          </p:cNvSpPr>
+          <p:nvPr>
+            <p:ph type="sldNum" sz="quarter" idx="5"/>
+          </p:nvPr>
+        </p:nvSpPr>
+        <p:spPr>
+          <a:xfrm>
+            <a:off x="3884613" y="8685213"/>
+            <a:ext cx="2971800" cy="458787"/>
+          </a:xfrm>
+          <a:prstGeom prst="rect">
+            <a:avLst/>
+          </a:prstGeom>
+        </p:spPr>
+        <p:txBody>
+          <a:bodyPr vert="horz" lIns="91440" tIns="45720" rIns="91440" bIns="45720" rtlCol="0" anchor="b"/>
+          <a:lstStyle>
+            <a:lvl1pPr algn="r">
+              <a:defRPr sz="1200"/>
+            </a:lvl1pPr>
+          </a:lstStyle>
+          <a:p>
+            <a:fld id="{62E7983B-3331-4797-A10C-89EF6C657117}" type="slidenum">
+              <a:rPr lang="en-CA" smtClean="0"/>
+              <a:t>‹#›</a:t>
+            </a:fld>
+            <a:endParaRPr lang="en-CA"/>
+          </a:p>
+        </p:txBody>
+      </p:sp>
+    </p:spTree>
+    <p:extLst>
+      <p:ext uri="{BB962C8B-B14F-4D97-AF65-F5344CB8AC3E}">
+        <p14:creationId xmlns:p14="http://schemas.microsoft.com/office/powerpoint/2010/main" val="145771980"/>
+      </p:ext>
+    </p:extLst>
+  </p:cSld>
+  <p:clrMap bg1="lt1" tx1="dk1" bg2="lt2" tx2="dk2" accent1="accent1" accent2="accent2" accent3="accent3" accent4="accent4" accent5="accent5" accent6="accent6" hlink="hlink" folHlink="folHlink"/>
+  <p:notesStyle>
+    <a:lvl1pPr marL="0" algn="l" defTabSz="914400" rtl="0" eaLnBrk="1" latinLnBrk="0" hangingPunct="1">
+      <a:defRPr sz="1200" kern="1200">
+        <a:solidFill>
+          <a:schemeClr val="tx1"/>
+        </a:solidFill>
+        <a:latin typeface="+mn-lt"/>
+        <a:ea typeface="+mn-ea"/>
+        <a:cs typeface="+mn-cs"/>
+      </a:defRPr>
+    </a:lvl1pPr>
+    <a:lvl2pPr marL="457200" algn="l" defTabSz="914400" rtl="0" eaLnBrk="1" latinLnBrk="0" hangingPunct="1">
+      <a:defRPr sz="1200" kern="1200">
+        <a:solidFill>
+          <a:schemeClr val="tx1"/>
+        </a:solidFill>
+        <a:latin typeface="+mn-lt"/>
+        <a:ea typeface="+mn-ea"/>
+        <a:cs typeface="+mn-cs"/>
+      </a:defRPr>
+    </a:lvl2pPr>
+    <a:lvl3pPr marL="914400" algn="l" defTabSz="914400" rtl="0" eaLnBrk="1" latinLnBrk="0" hangingPunct="1">
+      <a:defRPr sz="1200" kern="1200">
+        <a:solidFill>
+          <a:schemeClr val="tx1"/>
+        </a:solidFill>
+        <a:latin typeface="+mn-lt"/>
+        <a:ea typeface="+mn-ea"/>
+        <a:cs typeface="+mn-cs"/>
+      </a:defRPr>
+    </a:lvl3pPr>
+    <a:lvl4pPr marL="1371600" algn="l" defTabSz="914400" rtl="0" eaLnBrk="1" latinLnBrk="0" hangingPunct="1">
+      <a:defRPr sz="1200" kern="1200">
+        <a:solidFill>
+          <a:schemeClr val="tx1"/>
+        </a:solidFill>
+        <a:latin typeface="+mn-lt"/>
+        <a:ea typeface="+mn-ea"/>
+        <a:cs typeface="+mn-cs"/>
+      </a:defRPr>
+    </a:lvl4pPr>
+    <a:lvl5pPr marL="1828800" algn="l" defTabSz="914400" rtl="0" eaLnBrk="1" latinLnBrk="0" hangingPunct="1">
+      <a:defRPr sz="1200" kern="1200">
+        <a:solidFill>
+          <a:schemeClr val="tx1"/>
+        </a:solidFill>
+        <a:latin typeface="+mn-lt"/>
+        <a:ea typeface="+mn-ea"/>
+        <a:cs typeface="+mn-cs"/>
+      </a:defRPr>
+    </a:lvl5pPr>
+    <a:lvl6pPr marL="2286000" algn="l" defTabSz="914400" rtl="0" eaLnBrk="1" latinLnBrk="0" hangingPunct="1">
+      <a:defRPr sz="1200" kern="1200">
+        <a:solidFill>
+          <a:schemeClr val="tx1"/>
+        </a:solidFill>
+        <a:latin typeface="+mn-lt"/>
+        <a:ea typeface="+mn-ea"/>
+        <a:cs typeface="+mn-cs"/>
+      </a:defRPr>
+    </a:lvl6pPr>
+    <a:lvl7pPr marL="2743200" algn="l" defTabSz="914400" rtl="0" eaLnBrk="1" latinLnBrk="0" hangingPunct="1">
+      <a:defRPr sz="1200" kern="1200">
+        <a:solidFill>
+          <a:schemeClr val="tx1"/>
+        </a:solidFill>
+        <a:latin typeface="+mn-lt"/>
+        <a:ea typeface="+mn-ea"/>
+        <a:cs typeface="+mn-cs"/>
+      </a:defRPr>
+    </a:lvl7pPr>
+    <a:lvl8pPr marL="3200400" algn="l" defTabSz="914400" rtl="0" eaLnBrk="1" latinLnBrk="0" hangingPunct="1">
+      <a:defRPr sz="1200" kern="1200">
+        <a:solidFill>
+          <a:schemeClr val="tx1"/>
+        </a:solidFill>
+        <a:latin typeface="+mn-lt"/>
+        <a:ea typeface="+mn-ea"/>
+        <a:cs typeface="+mn-cs"/>
+      </a:defRPr>
+    </a:lvl8pPr>
+    <a:lvl9pPr marL="3657600" algn="l" defTabSz="914400" rtl="0" eaLnBrk="1" latinLnBrk="0" hangingPunct="1">
+      <a:defRPr sz="1200" kern="1200">
+        <a:solidFill>
+          <a:schemeClr val="tx1"/>
+        </a:solidFill>
+        <a:latin typeface="+mn-lt"/>
+        <a:ea typeface="+mn-ea"/>
+        <a:cs typeface="+mn-cs"/>
+      </a:defRPr>
+    </a:lvl9pPr>
+  </p:notesStyle>
+</p:notesMaster>
+</file>
+
+<file path=ppt/notesSlides/notesSlide1.xml><?xml version="1.0" encoding="utf-8"?>
+<p:notes xmlns:a="http://schemas.openxmlformats.org/drawingml/2006/main" xmlns:r="http://schemas.openxmlformats.org/officeDocument/2006/relationships" xmlns:p="http://schemas.openxmlformats.org/presentationml/2006/main">
+  <p:cSld>
+    <p:spTree>
+      <p:nvGrpSpPr>
+        <p:cNvPr id="1" name=""/>
+        <p:cNvGrpSpPr/>
+        <p:nvPr/>
+      </p:nvGrpSpPr>
+      <p:grpSpPr>
+        <a:xfrm>
+          <a:off x="0" y="0"/>
+          <a:ext cx="0" cy="0"/>
+          <a:chOff x="0" y="0"/>
+          <a:chExt cx="0" cy="0"/>
+        </a:xfrm>
+      </p:grpSpPr>
+      <p:sp>
+        <p:nvSpPr>
+          <p:cNvPr id="2" name="Slide Image Placeholder 1"/>
+          <p:cNvSpPr>
+            <a:spLocks noGrp="1" noRot="1" noChangeAspect="1"/>
+          </p:cNvSpPr>
+          <p:nvPr>
+            <p:ph type="sldImg"/>
+          </p:nvPr>
+        </p:nvSpPr>
+        <p:spPr/>
+      </p:sp>
+      <p:sp>
+        <p:nvSpPr>
+          <p:cNvPr id="3" name="Notes Placeholder 2"/>
+          <p:cNvSpPr>
+            <a:spLocks noGrp="1"/>
+          </p:cNvSpPr>
+          <p:nvPr>
+            <p:ph type="body" idx="1"/>
+          </p:nvPr>
+        </p:nvSpPr>
+        <p:spPr/>
+        <p:txBody>
+          <a:bodyPr/>
+          <a:lstStyle/>
+          <a:p>
+            <a:endParaRPr lang="en-CA" dirty="0"/>
+          </a:p>
+        </p:txBody>
+      </p:sp>
+      <p:sp>
+        <p:nvSpPr>
+          <p:cNvPr id="4" name="Slide Number Placeholder 3"/>
+          <p:cNvSpPr>
+            <a:spLocks noGrp="1"/>
+          </p:cNvSpPr>
+          <p:nvPr>
+            <p:ph type="sldNum" sz="quarter" idx="5"/>
+          </p:nvPr>
+        </p:nvSpPr>
+        <p:spPr/>
+        <p:txBody>
+          <a:bodyPr/>
+          <a:lstStyle/>
+          <a:p>
+            <a:fld id="{62E7983B-3331-4797-A10C-89EF6C657117}" type="slidenum">
+              <a:rPr lang="en-CA" smtClean="0"/>
+              <a:t>3</a:t>
+            </a:fld>
+            <a:endParaRPr lang="en-CA"/>
+          </a:p>
+        </p:txBody>
+      </p:sp>
+    </p:spTree>
+    <p:extLst>
+      <p:ext uri="{BB962C8B-B14F-4D97-AF65-F5344CB8AC3E}">
+        <p14:creationId xmlns:p14="http://schemas.microsoft.com/office/powerpoint/2010/main" val="2640221338"/>
+      </p:ext>
+    </p:extLst>
+  </p:cSld>
+  <p:clrMapOvr>
+    <a:masterClrMapping/>
+  </p:clrMapOvr>
+</p:notes>
+</file>
+
+<file path=ppt/notesSlides/notesSlide2.xml><?xml version="1.0" encoding="utf-8"?>
+<p:notes xmlns:a="http://schemas.openxmlformats.org/drawingml/2006/main" xmlns:r="http://schemas.openxmlformats.org/officeDocument/2006/relationships" xmlns:p="http://schemas.openxmlformats.org/presentationml/2006/main">
+  <p:cSld>
+    <p:spTree>
+      <p:nvGrpSpPr>
+        <p:cNvPr id="1" name=""/>
+        <p:cNvGrpSpPr/>
+        <p:nvPr/>
+      </p:nvGrpSpPr>
+      <p:grpSpPr>
+        <a:xfrm>
+          <a:off x="0" y="0"/>
+          <a:ext cx="0" cy="0"/>
+          <a:chOff x="0" y="0"/>
+          <a:chExt cx="0" cy="0"/>
+        </a:xfrm>
+      </p:grpSpPr>
+      <p:sp>
+        <p:nvSpPr>
+          <p:cNvPr id="2" name="Slide Image Placeholder 1"/>
+          <p:cNvSpPr>
+            <a:spLocks noGrp="1" noRot="1" noChangeAspect="1"/>
+          </p:cNvSpPr>
+          <p:nvPr>
+            <p:ph type="sldImg"/>
+          </p:nvPr>
+        </p:nvSpPr>
+        <p:spPr/>
+      </p:sp>
+      <p:sp>
+        <p:nvSpPr>
+          <p:cNvPr id="3" name="Notes Placeholder 2"/>
+          <p:cNvSpPr>
+            <a:spLocks noGrp="1"/>
+          </p:cNvSpPr>
+          <p:nvPr>
+            <p:ph type="body" idx="1"/>
+          </p:nvPr>
+        </p:nvSpPr>
+        <p:spPr/>
+        <p:txBody>
+          <a:bodyPr/>
+          <a:lstStyle/>
+          <a:p>
+            <a:endParaRPr lang="en-US" dirty="0"/>
+          </a:p>
+        </p:txBody>
+      </p:sp>
+      <p:sp>
+        <p:nvSpPr>
+          <p:cNvPr id="4" name="Slide Number Placeholder 3"/>
+          <p:cNvSpPr>
+            <a:spLocks noGrp="1"/>
+          </p:cNvSpPr>
+          <p:nvPr>
+            <p:ph type="sldNum" sz="quarter" idx="5"/>
+          </p:nvPr>
+        </p:nvSpPr>
+        <p:spPr/>
+        <p:txBody>
+          <a:bodyPr/>
+          <a:lstStyle/>
+          <a:p>
+            <a:fld id="{62E7983B-3331-4797-A10C-89EF6C657117}" type="slidenum">
+              <a:rPr lang="en-CA" smtClean="0"/>
+              <a:t>13</a:t>
+            </a:fld>
+            <a:endParaRPr lang="en-CA"/>
+          </a:p>
+        </p:txBody>
+      </p:sp>
+    </p:spTree>
+    <p:extLst>
+      <p:ext uri="{BB962C8B-B14F-4D97-AF65-F5344CB8AC3E}">
+        <p14:creationId xmlns:p14="http://schemas.microsoft.com/office/powerpoint/2010/main" val="3501390165"/>
+      </p:ext>
+    </p:extLst>
+  </p:cSld>
+  <p:clrMapOvr>
+    <a:masterClrMapping/>
+  </p:clrMapOvr>
+</p:notes>
 </file>
 
 <file path=ppt/slideLayouts/slideLayout1.xml><?xml version="1.0" encoding="utf-8"?>
@@ -4219,18 +4742,18 @@
         <p:spPr>
           <a:xfrm>
             <a:off x="833257" y="5432058"/>
-            <a:ext cx="3901736" cy="503539"/>
+            <a:ext cx="5262743" cy="503539"/>
           </a:xfrm>
         </p:spPr>
         <p:txBody>
           <a:bodyPr>
-            <a:normAutofit/>
+            <a:noAutofit/>
           </a:bodyPr>
           <a:lstStyle/>
           <a:p>
             <a:r>
-              <a:rPr lang="en-US" b="1" dirty="0"/>
-              <a:t>Group 7</a:t>
+              <a:rPr lang="en-US" sz="1400" b="1" dirty="0"/>
+              <a:t>Group 7: Anh Quan Bui, Mai Anh Hoang, Ha Dung Nguyen</a:t>
             </a:r>
           </a:p>
         </p:txBody>
@@ -4591,10 +5114,1318 @@
       </p:grpSpPr>
       <p:sp>
         <p:nvSpPr>
+          <p:cNvPr id="6" name="Title 1">
+            <a:extLst>
+              <a:ext uri="{FF2B5EF4-FFF2-40B4-BE49-F238E27FC236}">
+                <a16:creationId xmlns:a16="http://schemas.microsoft.com/office/drawing/2014/main" id="{CB38F467-FEBC-2AF9-0142-E5B1E6837A80}"/>
+              </a:ext>
+            </a:extLst>
+          </p:cNvPr>
+          <p:cNvSpPr>
+            <a:spLocks noGrp="1"/>
+          </p:cNvSpPr>
+          <p:nvPr>
+            <p:ph type="title"/>
+          </p:nvPr>
+        </p:nvSpPr>
+        <p:spPr>
+          <a:xfrm>
+            <a:off x="733097" y="125097"/>
+            <a:ext cx="10972800" cy="1094371"/>
+          </a:xfrm>
+        </p:spPr>
+        <p:txBody>
+          <a:bodyPr>
+            <a:noAutofit/>
+          </a:bodyPr>
+          <a:lstStyle/>
+          <a:p>
+            <a:r>
+              <a:rPr lang="en-US" sz="3600" dirty="0"/>
+              <a:t>Peak Season Analysis (Pre-COVID and COVID Observation Period )</a:t>
+            </a:r>
+          </a:p>
+        </p:txBody>
+      </p:sp>
+      <p:pic>
+        <p:nvPicPr>
+          <p:cNvPr id="7" name="Picture 6">
+            <a:extLst>
+              <a:ext uri="{FF2B5EF4-FFF2-40B4-BE49-F238E27FC236}">
+                <a16:creationId xmlns:a16="http://schemas.microsoft.com/office/drawing/2014/main" id="{3F2C8AAD-6BB8-D9E0-7CE7-153ED2DCF4B5}"/>
+              </a:ext>
+            </a:extLst>
+          </p:cNvPr>
+          <p:cNvPicPr>
+            <a:picLocks noChangeAspect="1"/>
+          </p:cNvPicPr>
+          <p:nvPr/>
+        </p:nvPicPr>
+        <p:blipFill>
+          <a:blip r:embed="rId2"/>
+          <a:stretch>
+            <a:fillRect/>
+          </a:stretch>
+        </p:blipFill>
+        <p:spPr>
+          <a:xfrm>
+            <a:off x="2526890" y="1182031"/>
+            <a:ext cx="7039897" cy="4104412"/>
+          </a:xfrm>
+          <a:prstGeom prst="rect">
+            <a:avLst/>
+          </a:prstGeom>
+        </p:spPr>
+      </p:pic>
+      <p:cxnSp>
+        <p:nvCxnSpPr>
+          <p:cNvPr id="8" name="Straight Connector 7">
+            <a:extLst>
+              <a:ext uri="{FF2B5EF4-FFF2-40B4-BE49-F238E27FC236}">
+                <a16:creationId xmlns:a16="http://schemas.microsoft.com/office/drawing/2014/main" id="{77E63EFA-4B17-54F9-66D8-B1D73885484F}"/>
+              </a:ext>
+            </a:extLst>
+          </p:cNvPr>
+          <p:cNvCxnSpPr>
+            <a:cxnSpLocks/>
+          </p:cNvCxnSpPr>
+          <p:nvPr/>
+        </p:nvCxnSpPr>
+        <p:spPr>
+          <a:xfrm>
+            <a:off x="4214946" y="1543665"/>
+            <a:ext cx="0" cy="2930661"/>
+          </a:xfrm>
+          <a:prstGeom prst="line">
+            <a:avLst/>
+          </a:prstGeom>
+          <a:ln w="19050" cap="flat" cmpd="sng" algn="ctr">
+            <a:solidFill>
+              <a:schemeClr val="accent5"/>
+            </a:solidFill>
+            <a:prstDash val="dash"/>
+            <a:round/>
+            <a:headEnd type="none" w="med" len="med"/>
+            <a:tailEnd type="none" w="med" len="med"/>
+          </a:ln>
+        </p:spPr>
+        <p:style>
+          <a:lnRef idx="0">
+            <a:scrgbClr r="0" g="0" b="0"/>
+          </a:lnRef>
+          <a:fillRef idx="0">
+            <a:scrgbClr r="0" g="0" b="0"/>
+          </a:fillRef>
+          <a:effectRef idx="0">
+            <a:scrgbClr r="0" g="0" b="0"/>
+          </a:effectRef>
+          <a:fontRef idx="minor">
+            <a:schemeClr val="tx1"/>
+          </a:fontRef>
+        </p:style>
+      </p:cxnSp>
+      <p:sp>
+        <p:nvSpPr>
+          <p:cNvPr id="9" name="Text 1">
+            <a:extLst>
+              <a:ext uri="{FF2B5EF4-FFF2-40B4-BE49-F238E27FC236}">
+                <a16:creationId xmlns:a16="http://schemas.microsoft.com/office/drawing/2014/main" id="{33A5C894-E2A0-FB3C-8988-436BE52B4697}"/>
+              </a:ext>
+            </a:extLst>
+          </p:cNvPr>
+          <p:cNvSpPr/>
+          <p:nvPr/>
+        </p:nvSpPr>
+        <p:spPr>
+          <a:xfrm>
+            <a:off x="1015495" y="5497084"/>
+            <a:ext cx="3158609" cy="265747"/>
+          </a:xfrm>
+          <a:prstGeom prst="rect">
+            <a:avLst/>
+          </a:prstGeom>
+          <a:noFill/>
+          <a:ln/>
+        </p:spPr>
+        <p:txBody>
+          <a:bodyPr wrap="none" lIns="0" tIns="0" rIns="0" bIns="0" rtlCol="0" anchor="t"/>
+          <a:lstStyle/>
+          <a:p>
+            <a:pPr marL="0" indent="0" algn="l">
+              <a:lnSpc>
+                <a:spcPts val="2050"/>
+              </a:lnSpc>
+              <a:buNone/>
+            </a:pPr>
+            <a:r>
+              <a:rPr lang="en-US" sz="1650" b="1" dirty="0">
+                <a:solidFill>
+                  <a:srgbClr val="272D45"/>
+                </a:solidFill>
+                <a:latin typeface="Kanit Light" pitchFamily="34" charset="0"/>
+                <a:ea typeface="Kanit Light" pitchFamily="34" charset="-122"/>
+                <a:cs typeface="Kanit Light" pitchFamily="34" charset="-120"/>
+              </a:rPr>
+              <a:t>Pre-COVID vs Post-COVID Volume</a:t>
+            </a:r>
+            <a:endParaRPr lang="en-US" sz="1650" b="1" dirty="0"/>
+          </a:p>
+        </p:txBody>
+      </p:sp>
+      <p:sp>
+        <p:nvSpPr>
+          <p:cNvPr id="10" name="Text 2">
+            <a:extLst>
+              <a:ext uri="{FF2B5EF4-FFF2-40B4-BE49-F238E27FC236}">
+                <a16:creationId xmlns:a16="http://schemas.microsoft.com/office/drawing/2014/main" id="{20266419-D8BA-6B40-B37C-C9BE6D718E72}"/>
+              </a:ext>
+            </a:extLst>
+          </p:cNvPr>
+          <p:cNvSpPr/>
+          <p:nvPr/>
+        </p:nvSpPr>
+        <p:spPr>
+          <a:xfrm>
+            <a:off x="1015495" y="5932852"/>
+            <a:ext cx="6313884" cy="272177"/>
+          </a:xfrm>
+          <a:prstGeom prst="rect">
+            <a:avLst/>
+          </a:prstGeom>
+          <a:noFill/>
+          <a:ln/>
+        </p:spPr>
+        <p:txBody>
+          <a:bodyPr wrap="none" lIns="0" tIns="0" rIns="0" bIns="0" rtlCol="0" anchor="t"/>
+          <a:lstStyle/>
+          <a:p>
+            <a:pPr marL="0" indent="0" algn="l">
+              <a:lnSpc>
+                <a:spcPts val="2100"/>
+              </a:lnSpc>
+              <a:buNone/>
+            </a:pPr>
+            <a:r>
+              <a:rPr lang="en-US" sz="1400" dirty="0">
+                <a:solidFill>
+                  <a:srgbClr val="2C3249"/>
+                </a:solidFill>
+                <a:latin typeface="Martel Sans" pitchFamily="34" charset="0"/>
+                <a:ea typeface="Martel Sans" pitchFamily="34" charset="-122"/>
+                <a:cs typeface="Martel Sans" pitchFamily="34" charset="-120"/>
+              </a:rPr>
+              <a:t>Parcel volume soared from 9 million to 65 million weekly.</a:t>
+            </a:r>
+            <a:endParaRPr lang="en-US" sz="1400" dirty="0"/>
+          </a:p>
+        </p:txBody>
+      </p:sp>
+      <p:sp>
+        <p:nvSpPr>
+          <p:cNvPr id="11" name="Text 3">
+            <a:extLst>
+              <a:ext uri="{FF2B5EF4-FFF2-40B4-BE49-F238E27FC236}">
+                <a16:creationId xmlns:a16="http://schemas.microsoft.com/office/drawing/2014/main" id="{96C28970-9768-CF03-9670-E1B28504DC80}"/>
+              </a:ext>
+            </a:extLst>
+          </p:cNvPr>
+          <p:cNvSpPr/>
+          <p:nvPr/>
+        </p:nvSpPr>
+        <p:spPr>
+          <a:xfrm>
+            <a:off x="1015495" y="6358025"/>
+            <a:ext cx="6313884" cy="272177"/>
+          </a:xfrm>
+          <a:prstGeom prst="rect">
+            <a:avLst/>
+          </a:prstGeom>
+          <a:noFill/>
+          <a:ln/>
+        </p:spPr>
+        <p:txBody>
+          <a:bodyPr wrap="none" lIns="0" tIns="0" rIns="0" bIns="0" rtlCol="0" anchor="t"/>
+          <a:lstStyle/>
+          <a:p>
+            <a:pPr marL="0" indent="0" algn="l">
+              <a:lnSpc>
+                <a:spcPts val="2100"/>
+              </a:lnSpc>
+              <a:buNone/>
+            </a:pPr>
+            <a:r>
+              <a:rPr lang="en-US" sz="1400" dirty="0">
+                <a:solidFill>
+                  <a:srgbClr val="2C3249"/>
+                </a:solidFill>
+                <a:latin typeface="Martel Sans" pitchFamily="34" charset="0"/>
+                <a:ea typeface="Martel Sans" pitchFamily="34" charset="-122"/>
+                <a:cs typeface="Martel Sans" pitchFamily="34" charset="-120"/>
+              </a:rPr>
+              <a:t>This reflects a staggering 630% increase attributable to pandemic pressures.</a:t>
+            </a:r>
+            <a:endParaRPr lang="en-US" sz="1400" dirty="0"/>
+          </a:p>
+        </p:txBody>
+      </p:sp>
+      <p:sp>
+        <p:nvSpPr>
+          <p:cNvPr id="12" name="Text 4">
+            <a:extLst>
+              <a:ext uri="{FF2B5EF4-FFF2-40B4-BE49-F238E27FC236}">
+                <a16:creationId xmlns:a16="http://schemas.microsoft.com/office/drawing/2014/main" id="{9594ACC8-B6E4-59CC-94DD-36D7BA71CA40}"/>
+              </a:ext>
+            </a:extLst>
+          </p:cNvPr>
+          <p:cNvSpPr/>
+          <p:nvPr/>
+        </p:nvSpPr>
+        <p:spPr>
+          <a:xfrm>
+            <a:off x="7329379" y="5579461"/>
+            <a:ext cx="2126456" cy="265747"/>
+          </a:xfrm>
+          <a:prstGeom prst="rect">
+            <a:avLst/>
+          </a:prstGeom>
+          <a:noFill/>
+          <a:ln/>
+        </p:spPr>
+        <p:txBody>
+          <a:bodyPr wrap="none" lIns="0" tIns="0" rIns="0" bIns="0" rtlCol="0" anchor="t"/>
+          <a:lstStyle/>
+          <a:p>
+            <a:pPr marL="0" indent="0" algn="l">
+              <a:lnSpc>
+                <a:spcPts val="2050"/>
+              </a:lnSpc>
+              <a:buNone/>
+            </a:pPr>
+            <a:r>
+              <a:rPr lang="en-US" sz="1650" b="1" dirty="0">
+                <a:solidFill>
+                  <a:srgbClr val="272D45"/>
+                </a:solidFill>
+                <a:latin typeface="Kanit Light" pitchFamily="34" charset="0"/>
+                <a:ea typeface="Kanit Light" pitchFamily="34" charset="-122"/>
+                <a:cs typeface="Kanit Light" pitchFamily="34" charset="-120"/>
+              </a:rPr>
+              <a:t>Implications</a:t>
+            </a:r>
+            <a:endParaRPr lang="en-US" sz="1650" b="1" dirty="0"/>
+          </a:p>
+        </p:txBody>
+      </p:sp>
+      <p:sp>
+        <p:nvSpPr>
+          <p:cNvPr id="13" name="Text 5">
+            <a:extLst>
+              <a:ext uri="{FF2B5EF4-FFF2-40B4-BE49-F238E27FC236}">
+                <a16:creationId xmlns:a16="http://schemas.microsoft.com/office/drawing/2014/main" id="{191B70F4-B1FC-B8C8-BED2-CC0D8963E680}"/>
+              </a:ext>
+            </a:extLst>
+          </p:cNvPr>
+          <p:cNvSpPr/>
+          <p:nvPr/>
+        </p:nvSpPr>
+        <p:spPr>
+          <a:xfrm>
+            <a:off x="7329379" y="6015229"/>
+            <a:ext cx="6313884" cy="272177"/>
+          </a:xfrm>
+          <a:prstGeom prst="rect">
+            <a:avLst/>
+          </a:prstGeom>
+          <a:noFill/>
+          <a:ln/>
+        </p:spPr>
+        <p:txBody>
+          <a:bodyPr wrap="none" lIns="0" tIns="0" rIns="0" bIns="0" rtlCol="0" anchor="t"/>
+          <a:lstStyle/>
+          <a:p>
+            <a:pPr marL="0" indent="0" algn="l">
+              <a:lnSpc>
+                <a:spcPts val="2100"/>
+              </a:lnSpc>
+              <a:buNone/>
+            </a:pPr>
+            <a:r>
+              <a:rPr lang="en-US" sz="1400" dirty="0">
+                <a:solidFill>
+                  <a:srgbClr val="2C3249"/>
+                </a:solidFill>
+                <a:latin typeface="Martel Sans" pitchFamily="34" charset="0"/>
+                <a:ea typeface="Martel Sans" pitchFamily="34" charset="-122"/>
+                <a:cs typeface="Martel Sans" pitchFamily="34" charset="-120"/>
+              </a:rPr>
+              <a:t>The surge stressed delivery networks.</a:t>
+            </a:r>
+            <a:endParaRPr lang="en-US" sz="1400" dirty="0"/>
+          </a:p>
+        </p:txBody>
+      </p:sp>
+      <p:sp>
+        <p:nvSpPr>
+          <p:cNvPr id="14" name="Text 6">
+            <a:extLst>
+              <a:ext uri="{FF2B5EF4-FFF2-40B4-BE49-F238E27FC236}">
+                <a16:creationId xmlns:a16="http://schemas.microsoft.com/office/drawing/2014/main" id="{6757847E-8E16-77CE-F1A2-2DA23CDAE731}"/>
+              </a:ext>
+            </a:extLst>
+          </p:cNvPr>
+          <p:cNvSpPr/>
+          <p:nvPr/>
+        </p:nvSpPr>
+        <p:spPr>
+          <a:xfrm>
+            <a:off x="7329379" y="6405412"/>
+            <a:ext cx="6313884" cy="272177"/>
+          </a:xfrm>
+          <a:prstGeom prst="rect">
+            <a:avLst/>
+          </a:prstGeom>
+          <a:noFill/>
+          <a:ln/>
+        </p:spPr>
+        <p:txBody>
+          <a:bodyPr wrap="none" lIns="0" tIns="0" rIns="0" bIns="0" rtlCol="0" anchor="t"/>
+          <a:lstStyle/>
+          <a:p>
+            <a:pPr marL="0" indent="0" algn="l">
+              <a:lnSpc>
+                <a:spcPts val="2100"/>
+              </a:lnSpc>
+              <a:buNone/>
+            </a:pPr>
+            <a:r>
+              <a:rPr lang="en-US" sz="1400" dirty="0">
+                <a:solidFill>
+                  <a:srgbClr val="2C3249"/>
+                </a:solidFill>
+                <a:latin typeface="Martel Sans" pitchFamily="34" charset="0"/>
+                <a:ea typeface="Martel Sans" pitchFamily="34" charset="-122"/>
+                <a:cs typeface="Martel Sans" pitchFamily="34" charset="-120"/>
+              </a:rPr>
+              <a:t>Prompted urgent adaptations for capacity and safety protocols.</a:t>
+            </a:r>
+            <a:endParaRPr lang="en-US" sz="1400" dirty="0"/>
+          </a:p>
+        </p:txBody>
+      </p:sp>
+      <p:cxnSp>
+        <p:nvCxnSpPr>
+          <p:cNvPr id="16" name="Straight Arrow Connector 15">
+            <a:extLst>
+              <a:ext uri="{FF2B5EF4-FFF2-40B4-BE49-F238E27FC236}">
+                <a16:creationId xmlns:a16="http://schemas.microsoft.com/office/drawing/2014/main" id="{9ABC6DE0-C008-2B0E-3BC3-C0CDCE4FF0B6}"/>
+              </a:ext>
+            </a:extLst>
+          </p:cNvPr>
+          <p:cNvCxnSpPr/>
+          <p:nvPr/>
+        </p:nvCxnSpPr>
+        <p:spPr>
+          <a:xfrm>
+            <a:off x="3008671" y="2133600"/>
+            <a:ext cx="1165433" cy="0"/>
+          </a:xfrm>
+          <a:prstGeom prst="straightConnector1">
+            <a:avLst/>
+          </a:prstGeom>
+          <a:ln>
+            <a:headEnd type="triangle"/>
+            <a:tailEnd type="triangle"/>
+          </a:ln>
+        </p:spPr>
+        <p:style>
+          <a:lnRef idx="1">
+            <a:schemeClr val="accent1"/>
+          </a:lnRef>
+          <a:fillRef idx="0">
+            <a:schemeClr val="accent1"/>
+          </a:fillRef>
+          <a:effectRef idx="0">
+            <a:schemeClr val="accent1"/>
+          </a:effectRef>
+          <a:fontRef idx="minor">
+            <a:schemeClr val="tx1"/>
+          </a:fontRef>
+        </p:style>
+      </p:cxnSp>
+      <p:cxnSp>
+        <p:nvCxnSpPr>
+          <p:cNvPr id="17" name="Straight Arrow Connector 16">
+            <a:extLst>
+              <a:ext uri="{FF2B5EF4-FFF2-40B4-BE49-F238E27FC236}">
+                <a16:creationId xmlns:a16="http://schemas.microsoft.com/office/drawing/2014/main" id="{3D919396-CA16-A98E-87A2-76D50B8FA37B}"/>
+              </a:ext>
+            </a:extLst>
+          </p:cNvPr>
+          <p:cNvCxnSpPr>
+            <a:cxnSpLocks/>
+          </p:cNvCxnSpPr>
+          <p:nvPr/>
+        </p:nvCxnSpPr>
+        <p:spPr>
+          <a:xfrm>
+            <a:off x="4214946" y="1587910"/>
+            <a:ext cx="5096202" cy="0"/>
+          </a:xfrm>
+          <a:prstGeom prst="straightConnector1">
+            <a:avLst/>
+          </a:prstGeom>
+          <a:ln>
+            <a:headEnd type="triangle"/>
+            <a:tailEnd type="triangle"/>
+          </a:ln>
+        </p:spPr>
+        <p:style>
+          <a:lnRef idx="1">
+            <a:schemeClr val="accent1"/>
+          </a:lnRef>
+          <a:fillRef idx="0">
+            <a:schemeClr val="accent1"/>
+          </a:fillRef>
+          <a:effectRef idx="0">
+            <a:schemeClr val="accent1"/>
+          </a:effectRef>
+          <a:fontRef idx="minor">
+            <a:schemeClr val="tx1"/>
+          </a:fontRef>
+        </p:style>
+      </p:cxnSp>
+      <p:sp>
+        <p:nvSpPr>
+          <p:cNvPr id="20" name="TextBox 19">
+            <a:extLst>
+              <a:ext uri="{FF2B5EF4-FFF2-40B4-BE49-F238E27FC236}">
+                <a16:creationId xmlns:a16="http://schemas.microsoft.com/office/drawing/2014/main" id="{CF7602C0-7A5D-BD3A-2D44-844A9F3AD91F}"/>
+              </a:ext>
+            </a:extLst>
+          </p:cNvPr>
+          <p:cNvSpPr txBox="1"/>
+          <p:nvPr/>
+        </p:nvSpPr>
+        <p:spPr>
+          <a:xfrm>
+            <a:off x="6013020" y="1236311"/>
+            <a:ext cx="1557818" cy="307777"/>
+          </a:xfrm>
+          <a:prstGeom prst="rect">
+            <a:avLst/>
+          </a:prstGeom>
+          <a:noFill/>
+        </p:spPr>
+        <p:txBody>
+          <a:bodyPr wrap="square" rtlCol="0">
+            <a:spAutoFit/>
+          </a:bodyPr>
+          <a:lstStyle/>
+          <a:p>
+            <a:r>
+              <a:rPr lang="en-US" sz="1400" dirty="0"/>
+              <a:t>During COVID</a:t>
+            </a:r>
+          </a:p>
+        </p:txBody>
+      </p:sp>
+      <p:sp>
+        <p:nvSpPr>
+          <p:cNvPr id="21" name="TextBox 20">
+            <a:extLst>
+              <a:ext uri="{FF2B5EF4-FFF2-40B4-BE49-F238E27FC236}">
+                <a16:creationId xmlns:a16="http://schemas.microsoft.com/office/drawing/2014/main" id="{034830B3-BA30-2F35-DA0B-95940E6AA83A}"/>
+              </a:ext>
+            </a:extLst>
+          </p:cNvPr>
+          <p:cNvSpPr txBox="1"/>
+          <p:nvPr/>
+        </p:nvSpPr>
+        <p:spPr>
+          <a:xfrm>
+            <a:off x="3082413" y="1863213"/>
+            <a:ext cx="1165431" cy="307777"/>
+          </a:xfrm>
+          <a:prstGeom prst="rect">
+            <a:avLst/>
+          </a:prstGeom>
+          <a:noFill/>
+        </p:spPr>
+        <p:txBody>
+          <a:bodyPr wrap="square" rtlCol="0">
+            <a:spAutoFit/>
+          </a:bodyPr>
+          <a:lstStyle/>
+          <a:p>
+            <a:r>
+              <a:rPr lang="en-US" sz="1400" dirty="0"/>
+              <a:t>Pre COVID</a:t>
+            </a:r>
+          </a:p>
+        </p:txBody>
+      </p:sp>
+    </p:spTree>
+    <p:extLst>
+      <p:ext uri="{BB962C8B-B14F-4D97-AF65-F5344CB8AC3E}">
+        <p14:creationId xmlns:p14="http://schemas.microsoft.com/office/powerpoint/2010/main" val="524735799"/>
+      </p:ext>
+    </p:extLst>
+  </p:cSld>
+  <p:clrMapOvr>
+    <a:masterClrMapping/>
+  </p:clrMapOvr>
+  <p:timing>
+    <p:tnLst>
+      <p:par>
+        <p:cTn id="1" dur="indefinite" restart="never" nodeType="tmRoot">
+          <p:childTnLst>
+            <p:seq concurrent="1" nextAc="seek">
+              <p:cTn id="2" dur="indefinite" nodeType="mainSeq">
+                <p:childTnLst>
+                  <p:par>
+                    <p:cTn id="3" fill="hold">
+                      <p:stCondLst>
+                        <p:cond delay="indefinite"/>
+                      </p:stCondLst>
+                      <p:childTnLst>
+                        <p:par>
+                          <p:cTn id="4" fill="hold">
+                            <p:stCondLst>
+                              <p:cond delay="0"/>
+                            </p:stCondLst>
+                            <p:childTnLst>
+                              <p:par>
+                                <p:cTn id="5" presetID="16" presetClass="entr" presetSubtype="21" fill="hold" grpId="0" nodeType="clickEffect">
+                                  <p:stCondLst>
+                                    <p:cond delay="0"/>
+                                  </p:stCondLst>
+                                  <p:childTnLst>
+                                    <p:set>
+                                      <p:cBhvr>
+                                        <p:cTn id="6" dur="1" fill="hold">
+                                          <p:stCondLst>
+                                            <p:cond delay="0"/>
+                                          </p:stCondLst>
+                                        </p:cTn>
+                                        <p:tgtEl>
+                                          <p:spTgt spid="6"/>
+                                        </p:tgtEl>
+                                        <p:attrNameLst>
+                                          <p:attrName>style.visibility</p:attrName>
+                                        </p:attrNameLst>
+                                      </p:cBhvr>
+                                      <p:to>
+                                        <p:strVal val="visible"/>
+                                      </p:to>
+                                    </p:set>
+                                    <p:animEffect transition="in" filter="barn(inVertical)">
+                                      <p:cBhvr>
+                                        <p:cTn id="7" dur="500"/>
+                                        <p:tgtEl>
+                                          <p:spTgt spid="6"/>
+                                        </p:tgtEl>
+                                      </p:cBhvr>
+                                    </p:animEffect>
+                                  </p:childTnLst>
+                                </p:cTn>
+                              </p:par>
+                            </p:childTnLst>
+                          </p:cTn>
+                        </p:par>
+                      </p:childTnLst>
+                    </p:cTn>
+                  </p:par>
+                  <p:par>
+                    <p:cTn id="8" fill="hold">
+                      <p:stCondLst>
+                        <p:cond delay="indefinite"/>
+                      </p:stCondLst>
+                      <p:childTnLst>
+                        <p:par>
+                          <p:cTn id="9" fill="hold">
+                            <p:stCondLst>
+                              <p:cond delay="0"/>
+                            </p:stCondLst>
+                            <p:childTnLst>
+                              <p:par>
+                                <p:cTn id="10" presetID="10" presetClass="entr" presetSubtype="0" fill="hold" nodeType="clickEffect">
+                                  <p:stCondLst>
+                                    <p:cond delay="0"/>
+                                  </p:stCondLst>
+                                  <p:childTnLst>
+                                    <p:set>
+                                      <p:cBhvr>
+                                        <p:cTn id="11" dur="1" fill="hold">
+                                          <p:stCondLst>
+                                            <p:cond delay="0"/>
+                                          </p:stCondLst>
+                                        </p:cTn>
+                                        <p:tgtEl>
+                                          <p:spTgt spid="7"/>
+                                        </p:tgtEl>
+                                        <p:attrNameLst>
+                                          <p:attrName>style.visibility</p:attrName>
+                                        </p:attrNameLst>
+                                      </p:cBhvr>
+                                      <p:to>
+                                        <p:strVal val="visible"/>
+                                      </p:to>
+                                    </p:set>
+                                    <p:animEffect transition="in" filter="fade">
+                                      <p:cBhvr>
+                                        <p:cTn id="12" dur="500"/>
+                                        <p:tgtEl>
+                                          <p:spTgt spid="7"/>
+                                        </p:tgtEl>
+                                      </p:cBhvr>
+                                    </p:animEffect>
+                                  </p:childTnLst>
+                                </p:cTn>
+                              </p:par>
+                              <p:par>
+                                <p:cTn id="13" presetID="10" presetClass="entr" presetSubtype="0" fill="hold" nodeType="withEffect">
+                                  <p:stCondLst>
+                                    <p:cond delay="0"/>
+                                  </p:stCondLst>
+                                  <p:childTnLst>
+                                    <p:set>
+                                      <p:cBhvr>
+                                        <p:cTn id="14" dur="1" fill="hold">
+                                          <p:stCondLst>
+                                            <p:cond delay="0"/>
+                                          </p:stCondLst>
+                                        </p:cTn>
+                                        <p:tgtEl>
+                                          <p:spTgt spid="8"/>
+                                        </p:tgtEl>
+                                        <p:attrNameLst>
+                                          <p:attrName>style.visibility</p:attrName>
+                                        </p:attrNameLst>
+                                      </p:cBhvr>
+                                      <p:to>
+                                        <p:strVal val="visible"/>
+                                      </p:to>
+                                    </p:set>
+                                    <p:animEffect transition="in" filter="fade">
+                                      <p:cBhvr>
+                                        <p:cTn id="15" dur="500"/>
+                                        <p:tgtEl>
+                                          <p:spTgt spid="8"/>
+                                        </p:tgtEl>
+                                      </p:cBhvr>
+                                    </p:animEffect>
+                                  </p:childTnLst>
+                                </p:cTn>
+                              </p:par>
+                              <p:par>
+                                <p:cTn id="16" presetID="10" presetClass="entr" presetSubtype="0" fill="hold" grpId="0" nodeType="withEffect">
+                                  <p:stCondLst>
+                                    <p:cond delay="0"/>
+                                  </p:stCondLst>
+                                  <p:childTnLst>
+                                    <p:set>
+                                      <p:cBhvr>
+                                        <p:cTn id="17" dur="1" fill="hold">
+                                          <p:stCondLst>
+                                            <p:cond delay="0"/>
+                                          </p:stCondLst>
+                                        </p:cTn>
+                                        <p:tgtEl>
+                                          <p:spTgt spid="9"/>
+                                        </p:tgtEl>
+                                        <p:attrNameLst>
+                                          <p:attrName>style.visibility</p:attrName>
+                                        </p:attrNameLst>
+                                      </p:cBhvr>
+                                      <p:to>
+                                        <p:strVal val="visible"/>
+                                      </p:to>
+                                    </p:set>
+                                    <p:animEffect transition="in" filter="fade">
+                                      <p:cBhvr>
+                                        <p:cTn id="18" dur="500"/>
+                                        <p:tgtEl>
+                                          <p:spTgt spid="9"/>
+                                        </p:tgtEl>
+                                      </p:cBhvr>
+                                    </p:animEffect>
+                                  </p:childTnLst>
+                                </p:cTn>
+                              </p:par>
+                              <p:par>
+                                <p:cTn id="19" presetID="10" presetClass="entr" presetSubtype="0" fill="hold" grpId="0" nodeType="withEffect">
+                                  <p:stCondLst>
+                                    <p:cond delay="0"/>
+                                  </p:stCondLst>
+                                  <p:childTnLst>
+                                    <p:set>
+                                      <p:cBhvr>
+                                        <p:cTn id="20" dur="1" fill="hold">
+                                          <p:stCondLst>
+                                            <p:cond delay="0"/>
+                                          </p:stCondLst>
+                                        </p:cTn>
+                                        <p:tgtEl>
+                                          <p:spTgt spid="10"/>
+                                        </p:tgtEl>
+                                        <p:attrNameLst>
+                                          <p:attrName>style.visibility</p:attrName>
+                                        </p:attrNameLst>
+                                      </p:cBhvr>
+                                      <p:to>
+                                        <p:strVal val="visible"/>
+                                      </p:to>
+                                    </p:set>
+                                    <p:animEffect transition="in" filter="fade">
+                                      <p:cBhvr>
+                                        <p:cTn id="21" dur="500"/>
+                                        <p:tgtEl>
+                                          <p:spTgt spid="10"/>
+                                        </p:tgtEl>
+                                      </p:cBhvr>
+                                    </p:animEffect>
+                                  </p:childTnLst>
+                                </p:cTn>
+                              </p:par>
+                              <p:par>
+                                <p:cTn id="22" presetID="10" presetClass="entr" presetSubtype="0" fill="hold" grpId="0" nodeType="withEffect">
+                                  <p:stCondLst>
+                                    <p:cond delay="0"/>
+                                  </p:stCondLst>
+                                  <p:childTnLst>
+                                    <p:set>
+                                      <p:cBhvr>
+                                        <p:cTn id="23" dur="1" fill="hold">
+                                          <p:stCondLst>
+                                            <p:cond delay="0"/>
+                                          </p:stCondLst>
+                                        </p:cTn>
+                                        <p:tgtEl>
+                                          <p:spTgt spid="12"/>
+                                        </p:tgtEl>
+                                        <p:attrNameLst>
+                                          <p:attrName>style.visibility</p:attrName>
+                                        </p:attrNameLst>
+                                      </p:cBhvr>
+                                      <p:to>
+                                        <p:strVal val="visible"/>
+                                      </p:to>
+                                    </p:set>
+                                    <p:animEffect transition="in" filter="fade">
+                                      <p:cBhvr>
+                                        <p:cTn id="24" dur="500"/>
+                                        <p:tgtEl>
+                                          <p:spTgt spid="12"/>
+                                        </p:tgtEl>
+                                      </p:cBhvr>
+                                    </p:animEffect>
+                                  </p:childTnLst>
+                                </p:cTn>
+                              </p:par>
+                              <p:par>
+                                <p:cTn id="25" presetID="10" presetClass="entr" presetSubtype="0" fill="hold" nodeType="withEffect">
+                                  <p:stCondLst>
+                                    <p:cond delay="0"/>
+                                  </p:stCondLst>
+                                  <p:childTnLst>
+                                    <p:set>
+                                      <p:cBhvr>
+                                        <p:cTn id="26" dur="1" fill="hold">
+                                          <p:stCondLst>
+                                            <p:cond delay="0"/>
+                                          </p:stCondLst>
+                                        </p:cTn>
+                                        <p:tgtEl>
+                                          <p:spTgt spid="16"/>
+                                        </p:tgtEl>
+                                        <p:attrNameLst>
+                                          <p:attrName>style.visibility</p:attrName>
+                                        </p:attrNameLst>
+                                      </p:cBhvr>
+                                      <p:to>
+                                        <p:strVal val="visible"/>
+                                      </p:to>
+                                    </p:set>
+                                    <p:animEffect transition="in" filter="fade">
+                                      <p:cBhvr>
+                                        <p:cTn id="27" dur="500"/>
+                                        <p:tgtEl>
+                                          <p:spTgt spid="16"/>
+                                        </p:tgtEl>
+                                      </p:cBhvr>
+                                    </p:animEffect>
+                                  </p:childTnLst>
+                                </p:cTn>
+                              </p:par>
+                              <p:par>
+                                <p:cTn id="28" presetID="10" presetClass="entr" presetSubtype="0" fill="hold" nodeType="withEffect">
+                                  <p:stCondLst>
+                                    <p:cond delay="0"/>
+                                  </p:stCondLst>
+                                  <p:childTnLst>
+                                    <p:set>
+                                      <p:cBhvr>
+                                        <p:cTn id="29" dur="1" fill="hold">
+                                          <p:stCondLst>
+                                            <p:cond delay="0"/>
+                                          </p:stCondLst>
+                                        </p:cTn>
+                                        <p:tgtEl>
+                                          <p:spTgt spid="17"/>
+                                        </p:tgtEl>
+                                        <p:attrNameLst>
+                                          <p:attrName>style.visibility</p:attrName>
+                                        </p:attrNameLst>
+                                      </p:cBhvr>
+                                      <p:to>
+                                        <p:strVal val="visible"/>
+                                      </p:to>
+                                    </p:set>
+                                    <p:animEffect transition="in" filter="fade">
+                                      <p:cBhvr>
+                                        <p:cTn id="30" dur="500"/>
+                                        <p:tgtEl>
+                                          <p:spTgt spid="17"/>
+                                        </p:tgtEl>
+                                      </p:cBhvr>
+                                    </p:animEffect>
+                                  </p:childTnLst>
+                                </p:cTn>
+                              </p:par>
+                              <p:par>
+                                <p:cTn id="31" presetID="10" presetClass="entr" presetSubtype="0" fill="hold" grpId="0" nodeType="withEffect">
+                                  <p:stCondLst>
+                                    <p:cond delay="0"/>
+                                  </p:stCondLst>
+                                  <p:childTnLst>
+                                    <p:set>
+                                      <p:cBhvr>
+                                        <p:cTn id="32" dur="1" fill="hold">
+                                          <p:stCondLst>
+                                            <p:cond delay="0"/>
+                                          </p:stCondLst>
+                                        </p:cTn>
+                                        <p:tgtEl>
+                                          <p:spTgt spid="20"/>
+                                        </p:tgtEl>
+                                        <p:attrNameLst>
+                                          <p:attrName>style.visibility</p:attrName>
+                                        </p:attrNameLst>
+                                      </p:cBhvr>
+                                      <p:to>
+                                        <p:strVal val="visible"/>
+                                      </p:to>
+                                    </p:set>
+                                    <p:animEffect transition="in" filter="fade">
+                                      <p:cBhvr>
+                                        <p:cTn id="33" dur="500"/>
+                                        <p:tgtEl>
+                                          <p:spTgt spid="20"/>
+                                        </p:tgtEl>
+                                      </p:cBhvr>
+                                    </p:animEffect>
+                                  </p:childTnLst>
+                                </p:cTn>
+                              </p:par>
+                              <p:par>
+                                <p:cTn id="34" presetID="10" presetClass="entr" presetSubtype="0" fill="hold" grpId="0" nodeType="withEffect">
+                                  <p:stCondLst>
+                                    <p:cond delay="0"/>
+                                  </p:stCondLst>
+                                  <p:childTnLst>
+                                    <p:set>
+                                      <p:cBhvr>
+                                        <p:cTn id="35" dur="1" fill="hold">
+                                          <p:stCondLst>
+                                            <p:cond delay="0"/>
+                                          </p:stCondLst>
+                                        </p:cTn>
+                                        <p:tgtEl>
+                                          <p:spTgt spid="21"/>
+                                        </p:tgtEl>
+                                        <p:attrNameLst>
+                                          <p:attrName>style.visibility</p:attrName>
+                                        </p:attrNameLst>
+                                      </p:cBhvr>
+                                      <p:to>
+                                        <p:strVal val="visible"/>
+                                      </p:to>
+                                    </p:set>
+                                    <p:animEffect transition="in" filter="fade">
+                                      <p:cBhvr>
+                                        <p:cTn id="36" dur="500"/>
+                                        <p:tgtEl>
+                                          <p:spTgt spid="21"/>
+                                        </p:tgtEl>
+                                      </p:cBhvr>
+                                    </p:animEffect>
+                                  </p:childTnLst>
+                                </p:cTn>
+                              </p:par>
+                              <p:par>
+                                <p:cTn id="37" presetID="10" presetClass="entr" presetSubtype="0" fill="hold" grpId="0" nodeType="withEffect">
+                                  <p:stCondLst>
+                                    <p:cond delay="0"/>
+                                  </p:stCondLst>
+                                  <p:childTnLst>
+                                    <p:set>
+                                      <p:cBhvr>
+                                        <p:cTn id="38" dur="1" fill="hold">
+                                          <p:stCondLst>
+                                            <p:cond delay="0"/>
+                                          </p:stCondLst>
+                                        </p:cTn>
+                                        <p:tgtEl>
+                                          <p:spTgt spid="11"/>
+                                        </p:tgtEl>
+                                        <p:attrNameLst>
+                                          <p:attrName>style.visibility</p:attrName>
+                                        </p:attrNameLst>
+                                      </p:cBhvr>
+                                      <p:to>
+                                        <p:strVal val="visible"/>
+                                      </p:to>
+                                    </p:set>
+                                    <p:animEffect transition="in" filter="fade">
+                                      <p:cBhvr>
+                                        <p:cTn id="39" dur="500"/>
+                                        <p:tgtEl>
+                                          <p:spTgt spid="11"/>
+                                        </p:tgtEl>
+                                      </p:cBhvr>
+                                    </p:animEffect>
+                                  </p:childTnLst>
+                                </p:cTn>
+                              </p:par>
+                              <p:par>
+                                <p:cTn id="40" presetID="10" presetClass="entr" presetSubtype="0" fill="hold" grpId="0" nodeType="withEffect">
+                                  <p:stCondLst>
+                                    <p:cond delay="0"/>
+                                  </p:stCondLst>
+                                  <p:childTnLst>
+                                    <p:set>
+                                      <p:cBhvr>
+                                        <p:cTn id="41" dur="1" fill="hold">
+                                          <p:stCondLst>
+                                            <p:cond delay="0"/>
+                                          </p:stCondLst>
+                                        </p:cTn>
+                                        <p:tgtEl>
+                                          <p:spTgt spid="14"/>
+                                        </p:tgtEl>
+                                        <p:attrNameLst>
+                                          <p:attrName>style.visibility</p:attrName>
+                                        </p:attrNameLst>
+                                      </p:cBhvr>
+                                      <p:to>
+                                        <p:strVal val="visible"/>
+                                      </p:to>
+                                    </p:set>
+                                    <p:animEffect transition="in" filter="fade">
+                                      <p:cBhvr>
+                                        <p:cTn id="42" dur="500"/>
+                                        <p:tgtEl>
+                                          <p:spTgt spid="14"/>
+                                        </p:tgtEl>
+                                      </p:cBhvr>
+                                    </p:animEffect>
+                                  </p:childTnLst>
+                                </p:cTn>
+                              </p:par>
+                              <p:par>
+                                <p:cTn id="43" presetID="10" presetClass="entr" presetSubtype="0" fill="hold" grpId="0" nodeType="withEffect">
+                                  <p:stCondLst>
+                                    <p:cond delay="0"/>
+                                  </p:stCondLst>
+                                  <p:childTnLst>
+                                    <p:set>
+                                      <p:cBhvr>
+                                        <p:cTn id="44" dur="1" fill="hold">
+                                          <p:stCondLst>
+                                            <p:cond delay="0"/>
+                                          </p:stCondLst>
+                                        </p:cTn>
+                                        <p:tgtEl>
+                                          <p:spTgt spid="13"/>
+                                        </p:tgtEl>
+                                        <p:attrNameLst>
+                                          <p:attrName>style.visibility</p:attrName>
+                                        </p:attrNameLst>
+                                      </p:cBhvr>
+                                      <p:to>
+                                        <p:strVal val="visible"/>
+                                      </p:to>
+                                    </p:set>
+                                    <p:animEffect transition="in" filter="fade">
+                                      <p:cBhvr>
+                                        <p:cTn id="45" dur="500"/>
+                                        <p:tgtEl>
+                                          <p:spTgt spid="13"/>
+                                        </p:tgtEl>
+                                      </p:cBhvr>
+                                    </p:animEffect>
+                                  </p:childTnLst>
+                                </p:cTn>
+                              </p:par>
+                            </p:childTnLst>
+                          </p:cTn>
+                        </p:par>
+                      </p:childTnLst>
+                    </p:cTn>
+                  </p:par>
+                </p:childTnLst>
+              </p:cTn>
+              <p:prevCondLst>
+                <p:cond evt="onPrev" delay="0">
+                  <p:tgtEl>
+                    <p:sldTgt/>
+                  </p:tgtEl>
+                </p:cond>
+              </p:prevCondLst>
+              <p:nextCondLst>
+                <p:cond evt="onNext" delay="0">
+                  <p:tgtEl>
+                    <p:sldTgt/>
+                  </p:tgtEl>
+                </p:cond>
+              </p:nextCondLst>
+            </p:seq>
+          </p:childTnLst>
+        </p:cTn>
+      </p:par>
+    </p:tnLst>
+    <p:bldLst>
+      <p:bldP spid="6" grpId="0"/>
+      <p:bldP spid="9" grpId="0" animBg="1"/>
+      <p:bldP spid="10" grpId="0" animBg="1"/>
+      <p:bldP spid="11" grpId="0" animBg="1"/>
+      <p:bldP spid="12" grpId="0" animBg="1"/>
+      <p:bldP spid="13" grpId="0" animBg="1"/>
+      <p:bldP spid="14" grpId="0" animBg="1"/>
+      <p:bldP spid="20" grpId="0"/>
+      <p:bldP spid="21" grpId="0"/>
+    </p:bldLst>
+  </p:timing>
+</p:sld>
+</file>
+
+<file path=ppt/slides/slide11.xml><?xml version="1.0" encoding="utf-8"?>
+<p:sld xmlns:a="http://schemas.openxmlformats.org/drawingml/2006/main" xmlns:r="http://schemas.openxmlformats.org/officeDocument/2006/relationships" xmlns:p="http://schemas.openxmlformats.org/presentationml/2006/main">
+  <p:cSld>
+    <p:spTree>
+      <p:nvGrpSpPr>
+        <p:cNvPr id="1" name=""/>
+        <p:cNvGrpSpPr/>
+        <p:nvPr/>
+      </p:nvGrpSpPr>
+      <p:grpSpPr>
+        <a:xfrm>
+          <a:off x="0" y="0"/>
+          <a:ext cx="0" cy="0"/>
+          <a:chOff x="0" y="0"/>
+          <a:chExt cx="0" cy="0"/>
+        </a:xfrm>
+      </p:grpSpPr>
+      <p:sp>
+        <p:nvSpPr>
           <p:cNvPr id="2" name="Title 1">
             <a:extLst>
               <a:ext uri="{FF2B5EF4-FFF2-40B4-BE49-F238E27FC236}">
-                <a16:creationId xmlns:a16="http://schemas.microsoft.com/office/drawing/2014/main" id="{CFA92E39-2278-0B07-5AFB-136F530E6655}"/>
+                <a16:creationId xmlns:a16="http://schemas.microsoft.com/office/drawing/2014/main" id="{F13E0346-52B1-DF36-E0FB-015BB0BC147A}"/>
+              </a:ext>
+            </a:extLst>
+          </p:cNvPr>
+          <p:cNvSpPr>
+            <a:spLocks noGrp="1"/>
+          </p:cNvSpPr>
+          <p:nvPr>
+            <p:ph type="title"/>
+          </p:nvPr>
+        </p:nvSpPr>
+        <p:spPr>
+          <a:xfrm>
+            <a:off x="609600" y="557784"/>
+            <a:ext cx="10972800" cy="751471"/>
+          </a:xfrm>
+        </p:spPr>
+        <p:txBody>
+          <a:bodyPr>
+            <a:normAutofit fontScale="90000"/>
+          </a:bodyPr>
+          <a:lstStyle/>
+          <a:p>
+            <a:r>
+              <a:rPr lang="en-US" dirty="0"/>
+              <a:t>Peak Season Analysis</a:t>
+            </a:r>
+          </a:p>
+        </p:txBody>
+      </p:sp>
+      <p:sp>
+        <p:nvSpPr>
+          <p:cNvPr id="3" name="Content Placeholder 2">
+            <a:extLst>
+              <a:ext uri="{FF2B5EF4-FFF2-40B4-BE49-F238E27FC236}">
+                <a16:creationId xmlns:a16="http://schemas.microsoft.com/office/drawing/2014/main" id="{6F3D3805-B2BD-A221-B15A-73FBC9F7103C}"/>
+              </a:ext>
+            </a:extLst>
+          </p:cNvPr>
+          <p:cNvSpPr>
+            <a:spLocks noGrp="1"/>
+          </p:cNvSpPr>
+          <p:nvPr>
+            <p:ph idx="1"/>
+          </p:nvPr>
+        </p:nvSpPr>
+        <p:spPr>
+          <a:xfrm>
+            <a:off x="609600" y="1846431"/>
+            <a:ext cx="10972800" cy="1146151"/>
+          </a:xfrm>
+        </p:spPr>
+        <p:txBody>
+          <a:bodyPr>
+            <a:normAutofit/>
+          </a:bodyPr>
+          <a:lstStyle/>
+          <a:p>
+            <a:r>
+              <a:rPr lang="en-US" sz="2400" b="1" dirty="0"/>
+              <a:t>→ COVID accelerated the e-commerce peak season, leading to a sharp increase in parcel demand</a:t>
+            </a:r>
+          </a:p>
+        </p:txBody>
+      </p:sp>
+    </p:spTree>
+    <p:extLst>
+      <p:ext uri="{BB962C8B-B14F-4D97-AF65-F5344CB8AC3E}">
+        <p14:creationId xmlns:p14="http://schemas.microsoft.com/office/powerpoint/2010/main" val="2801668312"/>
+      </p:ext>
+    </p:extLst>
+  </p:cSld>
+  <p:clrMapOvr>
+    <a:masterClrMapping/>
+  </p:clrMapOvr>
+  <p:timing>
+    <p:tnLst>
+      <p:par>
+        <p:cTn id="1" dur="indefinite" restart="never" nodeType="tmRoot">
+          <p:childTnLst>
+            <p:seq concurrent="1" nextAc="seek">
+              <p:cTn id="2" dur="indefinite" nodeType="mainSeq">
+                <p:childTnLst>
+                  <p:par>
+                    <p:cTn id="3" fill="hold">
+                      <p:stCondLst>
+                        <p:cond delay="indefinite"/>
+                      </p:stCondLst>
+                      <p:childTnLst>
+                        <p:par>
+                          <p:cTn id="4" fill="hold">
+                            <p:stCondLst>
+                              <p:cond delay="0"/>
+                            </p:stCondLst>
+                            <p:childTnLst>
+                              <p:par>
+                                <p:cTn id="5" presetID="14" presetClass="entr" presetSubtype="10" fill="hold" grpId="0" nodeType="clickEffect">
+                                  <p:stCondLst>
+                                    <p:cond delay="0"/>
+                                  </p:stCondLst>
+                                  <p:childTnLst>
+                                    <p:set>
+                                      <p:cBhvr>
+                                        <p:cTn id="6" dur="1" fill="hold">
+                                          <p:stCondLst>
+                                            <p:cond delay="0"/>
+                                          </p:stCondLst>
+                                        </p:cTn>
+                                        <p:tgtEl>
+                                          <p:spTgt spid="3">
+                                            <p:txEl>
+                                              <p:pRg st="0" end="0"/>
+                                            </p:txEl>
+                                          </p:spTgt>
+                                        </p:tgtEl>
+                                        <p:attrNameLst>
+                                          <p:attrName>style.visibility</p:attrName>
+                                        </p:attrNameLst>
+                                      </p:cBhvr>
+                                      <p:to>
+                                        <p:strVal val="visible"/>
+                                      </p:to>
+                                    </p:set>
+                                    <p:animEffect transition="in" filter="randombar(horizontal)">
+                                      <p:cBhvr>
+                                        <p:cTn id="7" dur="500"/>
+                                        <p:tgtEl>
+                                          <p:spTgt spid="3">
+                                            <p:txEl>
+                                              <p:pRg st="0" end="0"/>
+                                            </p:txEl>
+                                          </p:spTgt>
+                                        </p:tgtEl>
+                                      </p:cBhvr>
+                                    </p:animEffect>
+                                  </p:childTnLst>
+                                </p:cTn>
+                              </p:par>
+                            </p:childTnLst>
+                          </p:cTn>
+                        </p:par>
+                      </p:childTnLst>
+                    </p:cTn>
+                  </p:par>
+                </p:childTnLst>
+              </p:cTn>
+              <p:prevCondLst>
+                <p:cond evt="onPrev" delay="0">
+                  <p:tgtEl>
+                    <p:sldTgt/>
+                  </p:tgtEl>
+                </p:cond>
+              </p:prevCondLst>
+              <p:nextCondLst>
+                <p:cond evt="onNext" delay="0">
+                  <p:tgtEl>
+                    <p:sldTgt/>
+                  </p:tgtEl>
+                </p:cond>
+              </p:nextCondLst>
+            </p:seq>
+          </p:childTnLst>
+        </p:cTn>
+      </p:par>
+    </p:tnLst>
+    <p:bldLst>
+      <p:bldP spid="3" grpId="0" build="p"/>
+    </p:bldLst>
+  </p:timing>
+</p:sld>
+</file>
+
+<file path=ppt/slides/slide12.xml><?xml version="1.0" encoding="utf-8"?>
+<p:sld xmlns:a="http://schemas.openxmlformats.org/drawingml/2006/main" xmlns:r="http://schemas.openxmlformats.org/officeDocument/2006/relationships" xmlns:p="http://schemas.openxmlformats.org/presentationml/2006/main">
+  <p:cSld>
+    <p:spTree>
+      <p:nvGrpSpPr>
+        <p:cNvPr id="1" name=""/>
+        <p:cNvGrpSpPr/>
+        <p:nvPr/>
+      </p:nvGrpSpPr>
+      <p:grpSpPr>
+        <a:xfrm>
+          <a:off x="0" y="0"/>
+          <a:ext cx="0" cy="0"/>
+          <a:chOff x="0" y="0"/>
+          <a:chExt cx="0" cy="0"/>
+        </a:xfrm>
+      </p:grpSpPr>
+      <p:sp>
+        <p:nvSpPr>
+          <p:cNvPr id="16" name="Title 1">
+            <a:extLst>
+              <a:ext uri="{FF2B5EF4-FFF2-40B4-BE49-F238E27FC236}">
+                <a16:creationId xmlns:a16="http://schemas.microsoft.com/office/drawing/2014/main" id="{6138C839-D306-94AD-7CAA-B4D360AD5148}"/>
               </a:ext>
             </a:extLst>
           </p:cNvPr>
@@ -4626,10 +6457,10 @@
       </p:sp>
       <p:pic>
         <p:nvPicPr>
-          <p:cNvPr id="5" name="Picture 4">
+          <p:cNvPr id="17" name="Picture 16">
             <a:extLst>
               <a:ext uri="{FF2B5EF4-FFF2-40B4-BE49-F238E27FC236}">
-                <a16:creationId xmlns:a16="http://schemas.microsoft.com/office/drawing/2014/main" id="{577EB935-A5A4-2D6C-7FC9-68F787CF31FF}"/>
+                <a16:creationId xmlns:a16="http://schemas.microsoft.com/office/drawing/2014/main" id="{52A907B0-C6D0-5DCB-C3CF-CF4ACA948CB4}"/>
               </a:ext>
             </a:extLst>
           </p:cNvPr>
@@ -4656,10 +6487,10 @@
       </p:pic>
       <p:pic>
         <p:nvPicPr>
-          <p:cNvPr id="9" name="Picture 8">
+          <p:cNvPr id="18" name="Picture 17">
             <a:extLst>
               <a:ext uri="{FF2B5EF4-FFF2-40B4-BE49-F238E27FC236}">
-                <a16:creationId xmlns:a16="http://schemas.microsoft.com/office/drawing/2014/main" id="{784693CF-A94F-9380-5789-78709CF0162F}"/>
+                <a16:creationId xmlns:a16="http://schemas.microsoft.com/office/drawing/2014/main" id="{3936F15D-B1F1-E131-AE4D-5379DC6240CD}"/>
               </a:ext>
             </a:extLst>
           </p:cNvPr>
@@ -4686,44 +6517,273 @@
       </p:pic>
       <p:sp>
         <p:nvSpPr>
-          <p:cNvPr id="4" name="TextBox 3">
+          <p:cNvPr id="19" name="Shape 1">
             <a:extLst>
               <a:ext uri="{FF2B5EF4-FFF2-40B4-BE49-F238E27FC236}">
-                <a16:creationId xmlns:a16="http://schemas.microsoft.com/office/drawing/2014/main" id="{1C57AC5F-55B5-6493-7314-8736EB61531E}"/>
+                <a16:creationId xmlns:a16="http://schemas.microsoft.com/office/drawing/2014/main" id="{8BFCB70B-3C25-FCB5-35F5-48E5C6C57D3A}"/>
               </a:ext>
             </a:extLst>
           </p:cNvPr>
-          <p:cNvSpPr txBox="1"/>
+          <p:cNvSpPr/>
           <p:nvPr/>
         </p:nvSpPr>
         <p:spPr>
           <a:xfrm>
-            <a:off x="5024287" y="4980313"/>
-            <a:ext cx="6096000" cy="1200329"/>
+            <a:off x="4739817" y="4505907"/>
+            <a:ext cx="4669654" cy="1112892"/>
+          </a:xfrm>
+          <a:prstGeom prst="roundRect">
+            <a:avLst>
+              <a:gd name="adj" fmla="val 7197"/>
+            </a:avLst>
+          </a:prstGeom>
+          <a:solidFill>
+            <a:srgbClr val="DFECE9"/>
+          </a:solidFill>
+          <a:ln w="7620">
+            <a:solidFill>
+              <a:srgbClr val="C5D2CF"/>
+            </a:solidFill>
+            <a:prstDash val="solid"/>
+          </a:ln>
+        </p:spPr>
+        <p:txBody>
+          <a:bodyPr/>
+          <a:lstStyle/>
+          <a:p>
+            <a:endParaRPr lang="en-US"/>
+          </a:p>
+        </p:txBody>
+      </p:sp>
+      <p:sp>
+        <p:nvSpPr>
+          <p:cNvPr id="20" name="Text 2">
+            <a:extLst>
+              <a:ext uri="{FF2B5EF4-FFF2-40B4-BE49-F238E27FC236}">
+                <a16:creationId xmlns:a16="http://schemas.microsoft.com/office/drawing/2014/main" id="{9DFBAF8D-E3FA-C4AB-EA6F-4DAB6E145C71}"/>
+              </a:ext>
+            </a:extLst>
+          </p:cNvPr>
+          <p:cNvSpPr/>
+          <p:nvPr/>
+        </p:nvSpPr>
+        <p:spPr>
+          <a:xfrm>
+            <a:off x="4879899" y="4635384"/>
+            <a:ext cx="2447785" cy="297854"/>
           </a:xfrm>
           <a:prstGeom prst="rect">
             <a:avLst/>
           </a:prstGeom>
           <a:noFill/>
+          <a:ln/>
         </p:spPr>
         <p:txBody>
-          <a:bodyPr wrap="square">
-            <a:spAutoFit/>
-          </a:bodyPr>
+          <a:bodyPr wrap="none" lIns="0" tIns="0" rIns="0" bIns="0" rtlCol="0" anchor="t"/>
           <a:lstStyle/>
           <a:p>
-            <a:r>
-              <a:rPr lang="en-US" dirty="0"/>
-              <a:t>From 2019 to 2020, there was a </a:t>
-            </a:r>
-            <a:r>
-              <a:rPr lang="en-US" b="1" dirty="0"/>
-              <a:t>noticeable shift in customer size</a:t>
-            </a:r>
-            <a:r>
-              <a:rPr lang="en-US" dirty="0"/>
-              <a:t>: the Small segment declined while Medium and Large segments grew, indicating customer upgrades and a diversification in the client base</a:t>
-            </a:r>
+            <a:pPr marL="0" indent="0" algn="l">
+              <a:lnSpc>
+                <a:spcPts val="2500"/>
+              </a:lnSpc>
+              <a:buNone/>
+            </a:pPr>
+            <a:r>
+              <a:rPr lang="en-US" sz="2000" dirty="0">
+                <a:solidFill>
+                  <a:srgbClr val="2C3249"/>
+                </a:solidFill>
+                <a:latin typeface="Kanit Light" pitchFamily="34" charset="0"/>
+                <a:ea typeface="Kanit Light" pitchFamily="34" charset="-122"/>
+                <a:cs typeface="Kanit Light" pitchFamily="34" charset="-120"/>
+              </a:rPr>
+              <a:t>Small Segment Decline</a:t>
+            </a:r>
+            <a:endParaRPr lang="en-US" sz="2000" dirty="0"/>
+          </a:p>
+        </p:txBody>
+      </p:sp>
+      <p:sp>
+        <p:nvSpPr>
+          <p:cNvPr id="21" name="Text 3">
+            <a:extLst>
+              <a:ext uri="{FF2B5EF4-FFF2-40B4-BE49-F238E27FC236}">
+                <a16:creationId xmlns:a16="http://schemas.microsoft.com/office/drawing/2014/main" id="{AF064553-A91F-398D-F1FD-9787CEF35DA9}"/>
+              </a:ext>
+            </a:extLst>
+          </p:cNvPr>
+          <p:cNvSpPr/>
+          <p:nvPr/>
+        </p:nvSpPr>
+        <p:spPr>
+          <a:xfrm>
+            <a:off x="4967833" y="5011444"/>
+            <a:ext cx="6824274" cy="305195"/>
+          </a:xfrm>
+          <a:prstGeom prst="rect">
+            <a:avLst/>
+          </a:prstGeom>
+          <a:noFill/>
+          <a:ln/>
+        </p:spPr>
+        <p:txBody>
+          <a:bodyPr wrap="none" lIns="0" tIns="0" rIns="0" bIns="0" rtlCol="0" anchor="t"/>
+          <a:lstStyle/>
+          <a:p>
+            <a:pPr marL="0" indent="0" algn="l">
+              <a:lnSpc>
+                <a:spcPts val="2550"/>
+              </a:lnSpc>
+              <a:buNone/>
+            </a:pPr>
+            <a:r>
+              <a:rPr lang="en-US" sz="1600" dirty="0">
+                <a:solidFill>
+                  <a:srgbClr val="2C3249"/>
+                </a:solidFill>
+                <a:latin typeface="Martel Sans" pitchFamily="34" charset="0"/>
+                <a:ea typeface="Martel Sans" pitchFamily="34" charset="-122"/>
+                <a:cs typeface="Martel Sans" pitchFamily="34" charset="-120"/>
+              </a:rPr>
+              <a:t>Fewer small customers in 2020 compared to 2019.</a:t>
+            </a:r>
+            <a:endParaRPr lang="en-US" sz="1600" dirty="0"/>
+          </a:p>
+        </p:txBody>
+      </p:sp>
+      <p:sp>
+        <p:nvSpPr>
+          <p:cNvPr id="22" name="Shape 4">
+            <a:extLst>
+              <a:ext uri="{FF2B5EF4-FFF2-40B4-BE49-F238E27FC236}">
+                <a16:creationId xmlns:a16="http://schemas.microsoft.com/office/drawing/2014/main" id="{E9D8B950-0511-05C9-57A5-7193CDBFB862}"/>
+              </a:ext>
+            </a:extLst>
+          </p:cNvPr>
+          <p:cNvSpPr/>
+          <p:nvPr/>
+        </p:nvSpPr>
+        <p:spPr>
+          <a:xfrm>
+            <a:off x="4748981" y="5618799"/>
+            <a:ext cx="4660490" cy="1112892"/>
+          </a:xfrm>
+          <a:prstGeom prst="roundRect">
+            <a:avLst>
+              <a:gd name="adj" fmla="val 7197"/>
+            </a:avLst>
+          </a:prstGeom>
+          <a:solidFill>
+            <a:srgbClr val="DFECE9"/>
+          </a:solidFill>
+          <a:ln w="7620">
+            <a:solidFill>
+              <a:srgbClr val="C5D2CF"/>
+            </a:solidFill>
+            <a:prstDash val="solid"/>
+          </a:ln>
+        </p:spPr>
+        <p:txBody>
+          <a:bodyPr/>
+          <a:lstStyle/>
+          <a:p>
+            <a:endParaRPr lang="en-US"/>
+          </a:p>
+        </p:txBody>
+      </p:sp>
+      <p:sp>
+        <p:nvSpPr>
+          <p:cNvPr id="23" name="Text 5">
+            <a:extLst>
+              <a:ext uri="{FF2B5EF4-FFF2-40B4-BE49-F238E27FC236}">
+                <a16:creationId xmlns:a16="http://schemas.microsoft.com/office/drawing/2014/main" id="{A0839D49-3682-37F3-D4C0-A950A3176C49}"/>
+              </a:ext>
+            </a:extLst>
+          </p:cNvPr>
+          <p:cNvSpPr/>
+          <p:nvPr/>
+        </p:nvSpPr>
+        <p:spPr>
+          <a:xfrm>
+            <a:off x="4879899" y="5774045"/>
+            <a:ext cx="2565909" cy="297854"/>
+          </a:xfrm>
+          <a:prstGeom prst="rect">
+            <a:avLst/>
+          </a:prstGeom>
+          <a:noFill/>
+          <a:ln/>
+        </p:spPr>
+        <p:txBody>
+          <a:bodyPr wrap="none" lIns="0" tIns="0" rIns="0" bIns="0" rtlCol="0" anchor="t"/>
+          <a:lstStyle/>
+          <a:p>
+            <a:pPr marL="0" indent="0" algn="l">
+              <a:lnSpc>
+                <a:spcPts val="2500"/>
+              </a:lnSpc>
+              <a:buNone/>
+            </a:pPr>
+            <a:r>
+              <a:rPr lang="en-US" sz="2000" dirty="0">
+                <a:solidFill>
+                  <a:srgbClr val="2C3249"/>
+                </a:solidFill>
+                <a:latin typeface="Kanit Light" pitchFamily="34" charset="0"/>
+                <a:ea typeface="Kanit Light" pitchFamily="34" charset="-122"/>
+                <a:cs typeface="Kanit Light" pitchFamily="34" charset="-120"/>
+              </a:rPr>
+              <a:t>Medium &amp; Large Growth</a:t>
+            </a:r>
+            <a:endParaRPr lang="en-US" sz="2000" dirty="0"/>
+          </a:p>
+        </p:txBody>
+      </p:sp>
+      <p:sp>
+        <p:nvSpPr>
+          <p:cNvPr id="24" name="Text 6">
+            <a:extLst>
+              <a:ext uri="{FF2B5EF4-FFF2-40B4-BE49-F238E27FC236}">
+                <a16:creationId xmlns:a16="http://schemas.microsoft.com/office/drawing/2014/main" id="{918F9C4C-C96E-31B7-4E06-D0CCE926238D}"/>
+              </a:ext>
+            </a:extLst>
+          </p:cNvPr>
+          <p:cNvSpPr/>
+          <p:nvPr/>
+        </p:nvSpPr>
+        <p:spPr>
+          <a:xfrm>
+            <a:off x="4942347" y="6214803"/>
+            <a:ext cx="6824274" cy="305195"/>
+          </a:xfrm>
+          <a:prstGeom prst="rect">
+            <a:avLst/>
+          </a:prstGeom>
+          <a:noFill/>
+          <a:ln/>
+        </p:spPr>
+        <p:txBody>
+          <a:bodyPr wrap="none" lIns="0" tIns="0" rIns="0" bIns="0" rtlCol="0" anchor="t"/>
+          <a:lstStyle/>
+          <a:p>
+            <a:pPr marL="0" indent="0" algn="l">
+              <a:lnSpc>
+                <a:spcPts val="2550"/>
+              </a:lnSpc>
+              <a:buNone/>
+            </a:pPr>
+            <a:r>
+              <a:rPr lang="en-US" sz="1600" dirty="0">
+                <a:solidFill>
+                  <a:srgbClr val="2C3249"/>
+                </a:solidFill>
+                <a:latin typeface="Martel Sans" pitchFamily="34" charset="0"/>
+                <a:ea typeface="Martel Sans" pitchFamily="34" charset="-122"/>
+                <a:cs typeface="Martel Sans" pitchFamily="34" charset="-120"/>
+              </a:rPr>
+              <a:t>Upsizing trends and client diversification evident.</a:t>
+            </a:r>
+            <a:endParaRPr lang="en-US" sz="1600" dirty="0"/>
           </a:p>
         </p:txBody>
       </p:sp>
@@ -4771,7 +6831,7 @@
                                           </p:stCondLst>
                                         </p:cTn>
                                         <p:tgtEl>
-                                          <p:spTgt spid="2"/>
+                                          <p:spTgt spid="16"/>
                                         </p:tgtEl>
                                         <p:attrNameLst>
                                           <p:attrName>style.visibility</p:attrName>
@@ -4785,7 +6845,7 @@
                                       <p:cBhvr>
                                         <p:cTn id="7" dur="500"/>
                                         <p:tgtEl>
-                                          <p:spTgt spid="2"/>
+                                          <p:spTgt spid="16"/>
                                         </p:tgtEl>
                                       </p:cBhvr>
                                     </p:animEffect>
@@ -4824,7 +6884,7 @@
                                           </p:stCondLst>
                                         </p:cTn>
                                         <p:tgtEl>
-                                          <p:spTgt spid="5"/>
+                                          <p:spTgt spid="17"/>
                                         </p:tgtEl>
                                         <p:attrNameLst>
                                           <p:attrName>style.visibility</p:attrName>
@@ -4838,46 +6898,28 @@
                                       <p:cBhvr>
                                         <p:cTn id="12" dur="500"/>
                                         <p:tgtEl>
-                                          <p:spTgt spid="5"/>
+                                          <p:spTgt spid="17"/>
                                         </p:tgtEl>
                                       </p:cBhvr>
                                     </p:animEffect>
                                   </p:childTnLst>
                                 </p:cTn>
                               </p:par>
-                            </p:childTnLst>
-                          </p:cTn>
-                        </p:par>
-                      </p:childTnLst>
-                    </p:cTn>
-                  </p:par>
-                  <p:par>
-                    <p:cTn id="13" fill="hold">
-                      <p:stCondLst>
-                        <p:cond delay="indefinite"/>
-                      </p:stCondLst>
-                      <p:childTnLst>
-                        <p:par>
-                          <p:cTn id="14" fill="hold">
-                            <p:stCondLst>
-                              <p:cond delay="0"/>
-                            </p:stCondLst>
-                            <p:childTnLst>
                               <p:par>
-                                <p:cTn id="15" presetID="10" presetClass="entr" presetSubtype="0" fill="hold" nodeType="clickEffect">
+                                <p:cTn id="13" presetID="10" presetClass="entr" presetSubtype="0" fill="hold" nodeType="withEffect">
                                   <p:stCondLst>
                                     <p:cond delay="0"/>
                                   </p:stCondLst>
                                   <p:childTnLst>
                                     <p:set>
                                       <p:cBhvr>
-                                        <p:cTn id="16" dur="1" fill="hold">
+                                        <p:cTn id="14" dur="1" fill="hold">
                                           <p:stCondLst>
                                             <p:cond delay="0"/>
                                           </p:stCondLst>
                                         </p:cTn>
                                         <p:tgtEl>
-                                          <p:spTgt spid="9"/>
+                                          <p:spTgt spid="18"/>
                                         </p:tgtEl>
                                         <p:attrNameLst>
                                           <p:attrName>style.visibility</p:attrName>
@@ -4889,9 +6931,219 @@
                                     </p:set>
                                     <p:animEffect transition="in" filter="fade">
                                       <p:cBhvr>
-                                        <p:cTn id="17" dur="500"/>
-                                        <p:tgtEl>
-                                          <p:spTgt spid="9"/>
+                                        <p:cTn id="15" dur="500"/>
+                                        <p:tgtEl>
+                                          <p:spTgt spid="18"/>
+                                        </p:tgtEl>
+                                      </p:cBhvr>
+                                    </p:animEffect>
+                                  </p:childTnLst>
+                                </p:cTn>
+                              </p:par>
+                              <p:par>
+                                <p:cTn id="16" presetID="10" presetClass="entr" presetSubtype="0" fill="hold" grpId="0" nodeType="withEffect">
+                                  <p:stCondLst>
+                                    <p:cond delay="0"/>
+                                  </p:stCondLst>
+                                  <p:childTnLst>
+                                    <p:set>
+                                      <p:cBhvr>
+                                        <p:cTn id="17" dur="1" fill="hold">
+                                          <p:stCondLst>
+                                            <p:cond delay="0"/>
+                                          </p:stCondLst>
+                                        </p:cTn>
+                                        <p:tgtEl>
+                                          <p:spTgt spid="19"/>
+                                        </p:tgtEl>
+                                        <p:attrNameLst>
+                                          <p:attrName>style.visibility</p:attrName>
+                                        </p:attrNameLst>
+                                      </p:cBhvr>
+                                      <p:to>
+                                        <p:strVal val="visible"/>
+                                      </p:to>
+                                    </p:set>
+                                    <p:animEffect transition="in" filter="fade">
+                                      <p:cBhvr>
+                                        <p:cTn id="18" dur="500"/>
+                                        <p:tgtEl>
+                                          <p:spTgt spid="19"/>
+                                        </p:tgtEl>
+                                      </p:cBhvr>
+                                    </p:animEffect>
+                                  </p:childTnLst>
+                                </p:cTn>
+                              </p:par>
+                              <p:par>
+                                <p:cTn id="19" presetID="10" presetClass="entr" presetSubtype="0" fill="hold" grpId="0" nodeType="withEffect">
+                                  <p:stCondLst>
+                                    <p:cond delay="0"/>
+                                  </p:stCondLst>
+                                  <p:childTnLst>
+                                    <p:set>
+                                      <p:cBhvr>
+                                        <p:cTn id="20" dur="1" fill="hold">
+                                          <p:stCondLst>
+                                            <p:cond delay="0"/>
+                                          </p:stCondLst>
+                                        </p:cTn>
+                                        <p:tgtEl>
+                                          <p:spTgt spid="22"/>
+                                        </p:tgtEl>
+                                        <p:attrNameLst>
+                                          <p:attrName>style.visibility</p:attrName>
+                                        </p:attrNameLst>
+                                      </p:cBhvr>
+                                      <p:to>
+                                        <p:strVal val="visible"/>
+                                      </p:to>
+                                    </p:set>
+                                    <p:animEffect transition="in" filter="fade">
+                                      <p:cBhvr>
+                                        <p:cTn id="21" dur="500"/>
+                                        <p:tgtEl>
+                                          <p:spTgt spid="22"/>
+                                        </p:tgtEl>
+                                      </p:cBhvr>
+                                    </p:animEffect>
+                                  </p:childTnLst>
+                                </p:cTn>
+                              </p:par>
+                              <p:par>
+                                <p:cTn id="22" presetID="10" presetClass="entr" presetSubtype="0" fill="hold" grpId="0" nodeType="withEffect">
+                                  <p:stCondLst>
+                                    <p:cond delay="0"/>
+                                  </p:stCondLst>
+                                  <p:childTnLst>
+                                    <p:set>
+                                      <p:cBhvr>
+                                        <p:cTn id="23" dur="1" fill="hold">
+                                          <p:stCondLst>
+                                            <p:cond delay="0"/>
+                                          </p:stCondLst>
+                                        </p:cTn>
+                                        <p:tgtEl>
+                                          <p:spTgt spid="20"/>
+                                        </p:tgtEl>
+                                        <p:attrNameLst>
+                                          <p:attrName>style.visibility</p:attrName>
+                                        </p:attrNameLst>
+                                      </p:cBhvr>
+                                      <p:to>
+                                        <p:strVal val="visible"/>
+                                      </p:to>
+                                    </p:set>
+                                    <p:animEffect transition="in" filter="fade">
+                                      <p:cBhvr>
+                                        <p:cTn id="24" dur="500"/>
+                                        <p:tgtEl>
+                                          <p:spTgt spid="20"/>
+                                        </p:tgtEl>
+                                      </p:cBhvr>
+                                    </p:animEffect>
+                                  </p:childTnLst>
+                                </p:cTn>
+                              </p:par>
+                              <p:par>
+                                <p:cTn id="25" presetID="10" presetClass="entr" presetSubtype="0" fill="hold" grpId="0" nodeType="withEffect">
+                                  <p:stCondLst>
+                                    <p:cond delay="0"/>
+                                  </p:stCondLst>
+                                  <p:childTnLst>
+                                    <p:set>
+                                      <p:cBhvr>
+                                        <p:cTn id="26" dur="1" fill="hold">
+                                          <p:stCondLst>
+                                            <p:cond delay="0"/>
+                                          </p:stCondLst>
+                                        </p:cTn>
+                                        <p:tgtEl>
+                                          <p:spTgt spid="21"/>
+                                        </p:tgtEl>
+                                        <p:attrNameLst>
+                                          <p:attrName>style.visibility</p:attrName>
+                                        </p:attrNameLst>
+                                      </p:cBhvr>
+                                      <p:to>
+                                        <p:strVal val="visible"/>
+                                      </p:to>
+                                    </p:set>
+                                    <p:animEffect transition="in" filter="fade">
+                                      <p:cBhvr>
+                                        <p:cTn id="27" dur="500"/>
+                                        <p:tgtEl>
+                                          <p:spTgt spid="21"/>
+                                        </p:tgtEl>
+                                      </p:cBhvr>
+                                    </p:animEffect>
+                                  </p:childTnLst>
+                                </p:cTn>
+                              </p:par>
+                              <p:par>
+                                <p:cTn id="28" presetID="10" presetClass="entr" presetSubtype="0" fill="hold" grpId="0" nodeType="withEffect">
+                                  <p:stCondLst>
+                                    <p:cond delay="0"/>
+                                  </p:stCondLst>
+                                  <p:childTnLst>
+                                    <p:set>
+                                      <p:cBhvr>
+                                        <p:cTn id="29" dur="1" fill="hold">
+                                          <p:stCondLst>
+                                            <p:cond delay="0"/>
+                                          </p:stCondLst>
+                                        </p:cTn>
+                                        <p:tgtEl>
+                                          <p:spTgt spid="23"/>
+                                        </p:tgtEl>
+                                        <p:attrNameLst>
+                                          <p:attrName>style.visibility</p:attrName>
+                                        </p:attrNameLst>
+                                      </p:cBhvr>
+                                      <p:to>
+                                        <p:strVal val="visible"/>
+                                      </p:to>
+                                    </p:set>
+                                    <p:animEffect transition="in" filter="fade">
+                                      <p:cBhvr>
+                                        <p:cTn id="30" dur="500"/>
+                                        <p:tgtEl>
+                                          <p:spTgt spid="23"/>
+                                        </p:tgtEl>
+                                      </p:cBhvr>
+                                    </p:animEffect>
+                                  </p:childTnLst>
+                                </p:cTn>
+                              </p:par>
+                              <p:par>
+                                <p:cTn id="31" presetID="10" presetClass="entr" presetSubtype="0" fill="hold" grpId="0" nodeType="withEffect">
+                                  <p:stCondLst>
+                                    <p:cond delay="0"/>
+                                  </p:stCondLst>
+                                  <p:childTnLst>
+                                    <p:set>
+                                      <p:cBhvr>
+                                        <p:cTn id="32" dur="1" fill="hold">
+                                          <p:stCondLst>
+                                            <p:cond delay="0"/>
+                                          </p:stCondLst>
+                                        </p:cTn>
+                                        <p:tgtEl>
+                                          <p:spTgt spid="24"/>
+                                        </p:tgtEl>
+                                        <p:attrNameLst>
+                                          <p:attrName>style.visibility</p:attrName>
+                                        </p:attrNameLst>
+                                      </p:cBhvr>
+                                      <p:to>
+                                        <p:strVal val="visible"/>
+                                      </p:to>
+                                    </p:set>
+                                    <p:animEffect transition="in" filter="fade">
+                                      <p:cBhvr>
+                                        <p:cTn id="33" dur="500"/>
+                                        <p:tgtEl>
+                                          <p:spTgt spid="24"/>
                                         </p:tgtEl>
                                       </p:cBhvr>
                                     </p:animEffect>
@@ -4926,13 +7178,19 @@
       </p:par>
     </p:tnLst>
     <p:bldLst>
-      <p:bldP spid="2" grpId="0"/>
+      <p:bldP spid="16" grpId="0"/>
+      <p:bldP spid="19" grpId="0" animBg="1"/>
+      <p:bldP spid="20" grpId="0" animBg="1"/>
+      <p:bldP spid="21" grpId="0" animBg="1"/>
+      <p:bldP spid="22" grpId="0" animBg="1"/>
+      <p:bldP spid="23" grpId="0" animBg="1"/>
+      <p:bldP spid="24" grpId="0" animBg="1"/>
     </p:bldLst>
   </p:timing>
 </p:sld>
 </file>
 
-<file path=ppt/slides/slide11.xml><?xml version="1.0" encoding="utf-8"?>
+<file path=ppt/slides/slide13.xml><?xml version="1.0" encoding="utf-8"?>
 <p:sld xmlns:a="http://schemas.openxmlformats.org/drawingml/2006/main" xmlns:r="http://schemas.openxmlformats.org/officeDocument/2006/relationships" xmlns:p="http://schemas.openxmlformats.org/presentationml/2006/main">
   <p:cSld>
     <p:spTree>
@@ -4999,7 +7257,7 @@
           <p:nvPr/>
         </p:nvPicPr>
         <p:blipFill>
-          <a:blip r:embed="rId2"/>
+          <a:blip r:embed="rId3"/>
           <a:stretch>
             <a:fillRect/>
           </a:stretch>
@@ -5029,7 +7287,7 @@
           <p:nvPr/>
         </p:nvPicPr>
         <p:blipFill>
-          <a:blip r:embed="rId3"/>
+          <a:blip r:embed="rId4"/>
           <a:stretch>
             <a:fillRect/>
           </a:stretch>
@@ -5046,52 +7304,204 @@
       </p:pic>
       <p:sp>
         <p:nvSpPr>
-          <p:cNvPr id="4" name="TextBox 3">
+          <p:cNvPr id="3" name="Text 2">
             <a:extLst>
               <a:ext uri="{FF2B5EF4-FFF2-40B4-BE49-F238E27FC236}">
-                <a16:creationId xmlns:a16="http://schemas.microsoft.com/office/drawing/2014/main" id="{F0E6C0E6-0363-9D50-D5A5-26B419C701A7}"/>
+                <a16:creationId xmlns:a16="http://schemas.microsoft.com/office/drawing/2014/main" id="{3DFAEA34-80E8-D618-B8D9-5AA91705C85B}"/>
               </a:ext>
             </a:extLst>
           </p:cNvPr>
-          <p:cNvSpPr txBox="1"/>
+          <p:cNvSpPr/>
           <p:nvPr/>
         </p:nvSpPr>
         <p:spPr>
           <a:xfrm>
-            <a:off x="3195331" y="5049507"/>
-            <a:ext cx="6096000" cy="1200329"/>
+            <a:off x="786688" y="5626967"/>
+            <a:ext cx="1802011" cy="225266"/>
           </a:xfrm>
           <a:prstGeom prst="rect">
             <a:avLst/>
           </a:prstGeom>
           <a:noFill/>
+          <a:ln/>
         </p:spPr>
         <p:txBody>
-          <a:bodyPr wrap="square">
-            <a:spAutoFit/>
-          </a:bodyPr>
+          <a:bodyPr wrap="none" lIns="0" tIns="0" rIns="0" bIns="0" rtlCol="0" anchor="t"/>
           <a:lstStyle/>
           <a:p>
-            <a:r>
-              <a:rPr lang="en-US" dirty="0"/>
-              <a:t>Nearly </a:t>
-            </a:r>
-            <a:r>
-              <a:rPr lang="en-US" b="1" dirty="0"/>
-              <a:t>60% of customers were in decline</a:t>
-            </a:r>
-            <a:r>
-              <a:rPr lang="en-US" dirty="0"/>
-              <a:t>, with the </a:t>
-            </a:r>
-            <a:r>
-              <a:rPr lang="en-US" b="1" dirty="0"/>
-              <a:t>Small segment accounting for the highest drop-off</a:t>
-            </a:r>
-            <a:r>
-              <a:rPr lang="en-US" dirty="0"/>
-              <a:t>. This suggests retention challenges and emphasizes the need to focus on sustaining growth and reducing churn</a:t>
-            </a:r>
+            <a:pPr marL="0" indent="0" algn="l">
+              <a:lnSpc>
+                <a:spcPts val="1750"/>
+              </a:lnSpc>
+              <a:buNone/>
+            </a:pPr>
+            <a:r>
+              <a:rPr lang="en-US" sz="2400" b="1" dirty="0">
+                <a:solidFill>
+                  <a:srgbClr val="272D45"/>
+                </a:solidFill>
+                <a:latin typeface="Kanit Light" pitchFamily="34" charset="0"/>
+                <a:ea typeface="Kanit Light" pitchFamily="34" charset="-122"/>
+                <a:cs typeface="Kanit Light" pitchFamily="34" charset="-120"/>
+              </a:rPr>
+              <a:t>High Customer Decline</a:t>
+            </a:r>
+            <a:endParaRPr lang="en-US" sz="2400" b="1" dirty="0"/>
+          </a:p>
+        </p:txBody>
+      </p:sp>
+      <p:sp>
+        <p:nvSpPr>
+          <p:cNvPr id="4" name="Text 3">
+            <a:extLst>
+              <a:ext uri="{FF2B5EF4-FFF2-40B4-BE49-F238E27FC236}">
+                <a16:creationId xmlns:a16="http://schemas.microsoft.com/office/drawing/2014/main" id="{952A7444-586A-5BB4-24AA-309664839EB1}"/>
+              </a:ext>
+            </a:extLst>
+          </p:cNvPr>
+          <p:cNvSpPr/>
+          <p:nvPr/>
+        </p:nvSpPr>
+        <p:spPr>
+          <a:xfrm>
+            <a:off x="786688" y="5978258"/>
+            <a:ext cx="6578798" cy="230624"/>
+          </a:xfrm>
+          <a:prstGeom prst="rect">
+            <a:avLst/>
+          </a:prstGeom>
+          <a:noFill/>
+          <a:ln/>
+        </p:spPr>
+        <p:txBody>
+          <a:bodyPr wrap="none" lIns="0" tIns="0" rIns="0" bIns="0" rtlCol="0" anchor="t"/>
+          <a:lstStyle/>
+          <a:p>
+            <a:pPr marL="0" indent="0" algn="l">
+              <a:lnSpc>
+                <a:spcPts val="1800"/>
+              </a:lnSpc>
+              <a:buNone/>
+            </a:pPr>
+            <a:r>
+              <a:rPr lang="en-US" dirty="0">
+                <a:solidFill>
+                  <a:srgbClr val="2C3249"/>
+                </a:solidFill>
+                <a:latin typeface="Martel Sans" pitchFamily="34" charset="0"/>
+                <a:ea typeface="Martel Sans" pitchFamily="34" charset="-122"/>
+                <a:cs typeface="Martel Sans" pitchFamily="34" charset="-120"/>
+              </a:rPr>
+              <a:t>Nearly 60% of customers declined, mostly small segment.</a:t>
+            </a:r>
+            <a:endParaRPr lang="en-US" dirty="0"/>
+          </a:p>
+        </p:txBody>
+      </p:sp>
+      <p:sp>
+        <p:nvSpPr>
+          <p:cNvPr id="5" name="Text 4">
+            <a:extLst>
+              <a:ext uri="{FF2B5EF4-FFF2-40B4-BE49-F238E27FC236}">
+                <a16:creationId xmlns:a16="http://schemas.microsoft.com/office/drawing/2014/main" id="{9602C09C-B07B-5547-6EB0-F034752FE3BF}"/>
+              </a:ext>
+            </a:extLst>
+          </p:cNvPr>
+          <p:cNvSpPr/>
+          <p:nvPr/>
+        </p:nvSpPr>
+        <p:spPr>
+          <a:xfrm>
+            <a:off x="6957900" y="5626967"/>
+            <a:ext cx="1802011" cy="225266"/>
+          </a:xfrm>
+          <a:prstGeom prst="rect">
+            <a:avLst/>
+          </a:prstGeom>
+          <a:noFill/>
+          <a:ln/>
+        </p:spPr>
+        <p:txBody>
+          <a:bodyPr wrap="none" lIns="0" tIns="0" rIns="0" bIns="0" rtlCol="0" anchor="t"/>
+          <a:lstStyle/>
+          <a:p>
+            <a:pPr marL="0" indent="0" algn="l">
+              <a:lnSpc>
+                <a:spcPts val="1750"/>
+              </a:lnSpc>
+              <a:buNone/>
+            </a:pPr>
+            <a:r>
+              <a:rPr lang="en-US" sz="2400" b="1" dirty="0">
+                <a:solidFill>
+                  <a:srgbClr val="272D45"/>
+                </a:solidFill>
+                <a:latin typeface="Kanit Light" pitchFamily="34" charset="0"/>
+                <a:ea typeface="Kanit Light" pitchFamily="34" charset="-122"/>
+                <a:cs typeface="Kanit Light" pitchFamily="34" charset="-120"/>
+              </a:rPr>
+              <a:t>Retention Challenges</a:t>
+            </a:r>
+            <a:endParaRPr lang="en-US" sz="2400" b="1" dirty="0"/>
+          </a:p>
+        </p:txBody>
+      </p:sp>
+      <p:sp>
+        <p:nvSpPr>
+          <p:cNvPr id="6" name="Text 5">
+            <a:extLst>
+              <a:ext uri="{FF2B5EF4-FFF2-40B4-BE49-F238E27FC236}">
+                <a16:creationId xmlns:a16="http://schemas.microsoft.com/office/drawing/2014/main" id="{9C1234EE-CAA5-B097-9D9B-417FB894E6EA}"/>
+              </a:ext>
+            </a:extLst>
+          </p:cNvPr>
+          <p:cNvSpPr/>
+          <p:nvPr/>
+        </p:nvSpPr>
+        <p:spPr>
+          <a:xfrm>
+            <a:off x="6957900" y="5978258"/>
+            <a:ext cx="6578798" cy="230624"/>
+          </a:xfrm>
+          <a:prstGeom prst="rect">
+            <a:avLst/>
+          </a:prstGeom>
+          <a:noFill/>
+          <a:ln/>
+        </p:spPr>
+        <p:txBody>
+          <a:bodyPr wrap="none" lIns="0" tIns="0" rIns="0" bIns="0" rtlCol="0" anchor="t"/>
+          <a:lstStyle/>
+          <a:p>
+            <a:pPr marL="0" indent="0" algn="l">
+              <a:lnSpc>
+                <a:spcPts val="1800"/>
+              </a:lnSpc>
+              <a:buNone/>
+            </a:pPr>
+            <a:r>
+              <a:rPr lang="en-US" dirty="0">
+                <a:solidFill>
+                  <a:srgbClr val="2C3249"/>
+                </a:solidFill>
+                <a:latin typeface="Martel Sans" pitchFamily="34" charset="0"/>
+                <a:ea typeface="Martel Sans" pitchFamily="34" charset="-122"/>
+                <a:cs typeface="Martel Sans" pitchFamily="34" charset="-120"/>
+              </a:rPr>
+              <a:t>Focus needed on reducing churn and </a:t>
+            </a:r>
+            <a:r>
+              <a:rPr lang="en-US">
+                <a:solidFill>
+                  <a:srgbClr val="2C3249"/>
+                </a:solidFill>
+                <a:latin typeface="Martel Sans" pitchFamily="34" charset="0"/>
+                <a:ea typeface="Martel Sans" pitchFamily="34" charset="-122"/>
+                <a:cs typeface="Martel Sans" pitchFamily="34" charset="-120"/>
+              </a:rPr>
+              <a:t>sustaining growth</a:t>
+            </a:r>
+            <a:endParaRPr lang="en-US" dirty="0"/>
           </a:p>
         </p:txBody>
       </p:sp>
@@ -5126,7 +7536,7 @@
                             </p:stCondLst>
                             <p:childTnLst>
                               <p:par>
-                                <p:cTn id="5" presetID="10" presetClass="entr" presetSubtype="0" fill="hold" nodeType="clickEffect">
+                                <p:cTn id="5" presetID="16" presetClass="entr" presetSubtype="21" fill="hold" grpId="0" nodeType="clickEffect">
                                   <p:stCondLst>
                                     <p:cond delay="0"/>
                                   </p:stCondLst>
@@ -5139,7 +7549,7 @@
                                           </p:stCondLst>
                                         </p:cTn>
                                         <p:tgtEl>
-                                          <p:spTgt spid="9"/>
+                                          <p:spTgt spid="2"/>
                                         </p:tgtEl>
                                         <p:attrNameLst>
                                           <p:attrName>style.visibility</p:attrName>
@@ -5149,11 +7559,11 @@
                                         <p:strVal val="visible"/>
                                       </p:to>
                                     </p:set>
-                                    <p:animEffect transition="in" filter="fade">
+                                    <p:animEffect transition="in" filter="barn(inVertical)">
                                       <p:cBhvr>
                                         <p:cTn id="7" dur="500"/>
                                         <p:tgtEl>
-                                          <p:spTgt spid="9"/>
+                                          <p:spTgt spid="2"/>
                                         </p:tgtEl>
                                       </p:cBhvr>
                                     </p:animEffect>
@@ -5192,7 +7602,7 @@
                                           </p:stCondLst>
                                         </p:cTn>
                                         <p:tgtEl>
-                                          <p:spTgt spid="11"/>
+                                          <p:spTgt spid="9"/>
                                         </p:tgtEl>
                                         <p:attrNameLst>
                                           <p:attrName>style.visibility</p:attrName>
@@ -5206,7 +7616,182 @@
                                       <p:cBhvr>
                                         <p:cTn id="12" dur="500"/>
                                         <p:tgtEl>
+                                          <p:spTgt spid="9"/>
+                                        </p:tgtEl>
+                                      </p:cBhvr>
+                                    </p:animEffect>
+                                  </p:childTnLst>
+                                </p:cTn>
+                              </p:par>
+                              <p:par>
+                                <p:cTn id="13" presetID="10" presetClass="entr" presetSubtype="0" fill="hold" nodeType="withEffect">
+                                  <p:stCondLst>
+                                    <p:cond delay="0"/>
+                                  </p:stCondLst>
+                                  <p:childTnLst>
+                                    <p:set>
+                                      <p:cBhvr>
+                                        <p:cTn id="14" dur="1" fill="hold">
+                                          <p:stCondLst>
+                                            <p:cond delay="0"/>
+                                          </p:stCondLst>
+                                        </p:cTn>
+                                        <p:tgtEl>
                                           <p:spTgt spid="11"/>
+                                        </p:tgtEl>
+                                        <p:attrNameLst>
+                                          <p:attrName>style.visibility</p:attrName>
+                                        </p:attrNameLst>
+                                      </p:cBhvr>
+                                      <p:to>
+                                        <p:strVal val="visible"/>
+                                      </p:to>
+                                    </p:set>
+                                    <p:animEffect transition="in" filter="fade">
+                                      <p:cBhvr>
+                                        <p:cTn id="15" dur="500"/>
+                                        <p:tgtEl>
+                                          <p:spTgt spid="11"/>
+                                        </p:tgtEl>
+                                      </p:cBhvr>
+                                    </p:animEffect>
+                                  </p:childTnLst>
+                                </p:cTn>
+                              </p:par>
+                              <p:par>
+                                <p:cTn id="16" presetID="10" presetClass="entr" presetSubtype="0" fill="hold" grpId="0" nodeType="withEffect">
+                                  <p:stCondLst>
+                                    <p:cond delay="0"/>
+                                  </p:stCondLst>
+                                  <p:childTnLst>
+                                    <p:set>
+                                      <p:cBhvr>
+                                        <p:cTn id="17" dur="1" fill="hold">
+                                          <p:stCondLst>
+                                            <p:cond delay="0"/>
+                                          </p:stCondLst>
+                                        </p:cTn>
+                                        <p:tgtEl>
+                                          <p:spTgt spid="3"/>
+                                        </p:tgtEl>
+                                        <p:attrNameLst>
+                                          <p:attrName>style.visibility</p:attrName>
+                                        </p:attrNameLst>
+                                      </p:cBhvr>
+                                      <p:to>
+                                        <p:strVal val="visible"/>
+                                      </p:to>
+                                    </p:set>
+                                    <p:animEffect transition="in" filter="fade">
+                                      <p:cBhvr>
+                                        <p:cTn id="18" dur="500"/>
+                                        <p:tgtEl>
+                                          <p:spTgt spid="3"/>
+                                        </p:tgtEl>
+                                      </p:cBhvr>
+                                    </p:animEffect>
+                                  </p:childTnLst>
+                                </p:cTn>
+                              </p:par>
+                              <p:par>
+                                <p:cTn id="19" presetID="10" presetClass="entr" presetSubtype="0" fill="hold" grpId="0" nodeType="withEffect">
+                                  <p:stCondLst>
+                                    <p:cond delay="0"/>
+                                  </p:stCondLst>
+                                  <p:childTnLst>
+                                    <p:set>
+                                      <p:cBhvr>
+                                        <p:cTn id="20" dur="1" fill="hold">
+                                          <p:stCondLst>
+                                            <p:cond delay="0"/>
+                                          </p:stCondLst>
+                                        </p:cTn>
+                                        <p:tgtEl>
+                                          <p:spTgt spid="4"/>
+                                        </p:tgtEl>
+                                        <p:attrNameLst>
+                                          <p:attrName>style.visibility</p:attrName>
+                                        </p:attrNameLst>
+                                      </p:cBhvr>
+                                      <p:to>
+                                        <p:strVal val="visible"/>
+                                      </p:to>
+                                    </p:set>
+                                    <p:animEffect transition="in" filter="fade">
+                                      <p:cBhvr>
+                                        <p:cTn id="21" dur="500"/>
+                                        <p:tgtEl>
+                                          <p:spTgt spid="4"/>
+                                        </p:tgtEl>
+                                      </p:cBhvr>
+                                    </p:animEffect>
+                                  </p:childTnLst>
+                                </p:cTn>
+                              </p:par>
+                              <p:par>
+                                <p:cTn id="22" presetID="10" presetClass="entr" presetSubtype="0" fill="hold" grpId="0" nodeType="withEffect">
+                                  <p:stCondLst>
+                                    <p:cond delay="0"/>
+                                  </p:stCondLst>
+                                  <p:childTnLst>
+                                    <p:set>
+                                      <p:cBhvr>
+                                        <p:cTn id="23" dur="1" fill="hold">
+                                          <p:stCondLst>
+                                            <p:cond delay="0"/>
+                                          </p:stCondLst>
+                                        </p:cTn>
+                                        <p:tgtEl>
+                                          <p:spTgt spid="5"/>
+                                        </p:tgtEl>
+                                        <p:attrNameLst>
+                                          <p:attrName>style.visibility</p:attrName>
+                                        </p:attrNameLst>
+                                      </p:cBhvr>
+                                      <p:to>
+                                        <p:strVal val="visible"/>
+                                      </p:to>
+                                    </p:set>
+                                    <p:animEffect transition="in" filter="fade">
+                                      <p:cBhvr>
+                                        <p:cTn id="24" dur="500"/>
+                                        <p:tgtEl>
+                                          <p:spTgt spid="5"/>
+                                        </p:tgtEl>
+                                      </p:cBhvr>
+                                    </p:animEffect>
+                                  </p:childTnLst>
+                                </p:cTn>
+                              </p:par>
+                              <p:par>
+                                <p:cTn id="25" presetID="10" presetClass="entr" presetSubtype="0" fill="hold" grpId="0" nodeType="withEffect">
+                                  <p:stCondLst>
+                                    <p:cond delay="0"/>
+                                  </p:stCondLst>
+                                  <p:childTnLst>
+                                    <p:set>
+                                      <p:cBhvr>
+                                        <p:cTn id="26" dur="1" fill="hold">
+                                          <p:stCondLst>
+                                            <p:cond delay="0"/>
+                                          </p:stCondLst>
+                                        </p:cTn>
+                                        <p:tgtEl>
+                                          <p:spTgt spid="6"/>
+                                        </p:tgtEl>
+                                        <p:attrNameLst>
+                                          <p:attrName>style.visibility</p:attrName>
+                                        </p:attrNameLst>
+                                      </p:cBhvr>
+                                      <p:to>
+                                        <p:strVal val="visible"/>
+                                      </p:to>
+                                    </p:set>
+                                    <p:animEffect transition="in" filter="fade">
+                                      <p:cBhvr>
+                                        <p:cTn id="27" dur="500"/>
+                                        <p:tgtEl>
+                                          <p:spTgt spid="6"/>
                                         </p:tgtEl>
                                       </p:cBhvr>
                                     </p:animEffect>
@@ -5240,11 +7825,18 @@
         </p:cTn>
       </p:par>
     </p:tnLst>
+    <p:bldLst>
+      <p:bldP spid="2" grpId="0"/>
+      <p:bldP spid="3" grpId="0" animBg="1"/>
+      <p:bldP spid="4" grpId="0" animBg="1"/>
+      <p:bldP spid="5" grpId="0" animBg="1"/>
+      <p:bldP spid="6" grpId="0" animBg="1"/>
+    </p:bldLst>
   </p:timing>
 </p:sld>
 </file>
 
-<file path=ppt/slides/slide12.xml><?xml version="1.0" encoding="utf-8"?>
+<file path=ppt/slides/slide14.xml><?xml version="1.0" encoding="utf-8"?>
 <p:sld xmlns:a="http://schemas.openxmlformats.org/drawingml/2006/main" xmlns:r="http://schemas.openxmlformats.org/officeDocument/2006/relationships" xmlns:p="http://schemas.openxmlformats.org/presentationml/2006/main">
   <p:cSld>
     <p:spTree>
@@ -5386,7 +7978,7 @@
                   <a:schemeClr val="tx1"/>
                 </a:solidFill>
                 <a:effectLst/>
-                <a:latin typeface="Arial" panose="020B0604020202020204" pitchFamily="34" charset="0"/>
+                <a:latin typeface="Avenir Next LT Pro (Body)"/>
               </a:rPr>
               <a:t>Customer shift observed</a:t>
             </a:r>
@@ -5399,7 +7991,7 @@
                   <a:schemeClr val="tx1"/>
                 </a:solidFill>
                 <a:effectLst/>
-                <a:latin typeface="Arial" panose="020B0604020202020204" pitchFamily="34" charset="0"/>
+                <a:latin typeface="Avenir Next LT Pro (Body)"/>
               </a:rPr>
               <a:t> from small to medium segment</a:t>
             </a:r>
@@ -5412,7 +8004,7 @@
                   <a:schemeClr val="tx1"/>
                 </a:solidFill>
                 <a:effectLst/>
-                <a:latin typeface="Arial" panose="020B0604020202020204" pitchFamily="34" charset="0"/>
+                <a:latin typeface="Avenir Next LT Pro (Body)"/>
               </a:rPr>
             </a:br>
             <a:r>
@@ -5424,7 +8016,7 @@
                   <a:schemeClr val="tx1"/>
                 </a:solidFill>
                 <a:effectLst/>
-                <a:latin typeface="Arial" panose="020B0604020202020204" pitchFamily="34" charset="0"/>
+                <a:latin typeface="Avenir Next LT Pro (Body)"/>
               </a:rPr>
               <a:t>→ 87% of new customers in 2020 upgraded from small size</a:t>
             </a:r>
@@ -5454,7 +8046,7 @@
                 <a:schemeClr val="tx1"/>
               </a:solidFill>
               <a:effectLst/>
-              <a:latin typeface="Arial" panose="020B0604020202020204" pitchFamily="34" charset="0"/>
+              <a:latin typeface="Avenir Next LT Pro (Body)"/>
             </a:endParaRPr>
           </a:p>
           <a:p>
@@ -5483,7 +8075,7 @@
                   <a:schemeClr val="tx1"/>
                 </a:solidFill>
                 <a:effectLst/>
-                <a:latin typeface="Arial" panose="020B0604020202020204" pitchFamily="34" charset="0"/>
+                <a:latin typeface="Avenir Next LT Pro (Body)"/>
               </a:rPr>
               <a:t>High proportion of declining customers</a:t>
             </a:r>
@@ -5496,7 +8088,7 @@
                   <a:schemeClr val="tx1"/>
                 </a:solidFill>
                 <a:effectLst/>
-                <a:latin typeface="Arial" panose="020B0604020202020204" pitchFamily="34" charset="0"/>
+                <a:latin typeface="Avenir Next LT Pro (Body)"/>
               </a:rPr>
               <a:t> (59.7%)</a:t>
             </a:r>
@@ -5509,7 +8101,7 @@
                   <a:schemeClr val="tx1"/>
                 </a:solidFill>
                 <a:effectLst/>
-                <a:latin typeface="Arial" panose="020B0604020202020204" pitchFamily="34" charset="0"/>
+                <a:latin typeface="Avenir Next LT Pro (Body)"/>
               </a:rPr>
             </a:br>
             <a:r>
@@ -5521,7 +8113,7 @@
                   <a:schemeClr val="tx1"/>
                 </a:solidFill>
                 <a:effectLst/>
-                <a:latin typeface="Arial" panose="020B0604020202020204" pitchFamily="34" charset="0"/>
+                <a:latin typeface="Avenir Next LT Pro (Body)"/>
               </a:rPr>
               <a:t>→ Signals risk of churn and post-COVID instability</a:t>
             </a:r>
@@ -5551,7 +8143,7 @@
                 <a:schemeClr val="tx1"/>
               </a:solidFill>
               <a:effectLst/>
-              <a:latin typeface="Arial" panose="020B0604020202020204" pitchFamily="34" charset="0"/>
+              <a:latin typeface="Avenir Next LT Pro (Body)"/>
             </a:endParaRPr>
           </a:p>
           <a:p>
@@ -5578,7 +8170,7 @@
                   <a:schemeClr val="tx1"/>
                 </a:solidFill>
                 <a:effectLst/>
-                <a:latin typeface="Arial" panose="020B0604020202020204" pitchFamily="34" charset="0"/>
+                <a:latin typeface="Avenir Next LT Pro (Body)"/>
               </a:rPr>
               <a:t>-   </a:t>
             </a:r>
@@ -5591,7 +8183,7 @@
                   <a:schemeClr val="tx1"/>
                 </a:solidFill>
                 <a:effectLst/>
-                <a:latin typeface="Arial" panose="020B0604020202020204" pitchFamily="34" charset="0"/>
+                <a:latin typeface="Avenir Next LT Pro (Body)"/>
               </a:rPr>
               <a:t>Only 19.7% in high growth group</a:t>
             </a:r>
@@ -5604,7 +8196,7 @@
                   <a:schemeClr val="tx1"/>
                 </a:solidFill>
                 <a:effectLst/>
-                <a:latin typeface="Arial" panose="020B0604020202020204" pitchFamily="34" charset="0"/>
+                <a:latin typeface="Avenir Next LT Pro (Body)"/>
               </a:rPr>
             </a:br>
             <a:r>
@@ -5616,7 +8208,7 @@
                   <a:schemeClr val="tx1"/>
                 </a:solidFill>
                 <a:effectLst/>
-                <a:latin typeface="Arial" panose="020B0604020202020204" pitchFamily="34" charset="0"/>
+                <a:latin typeface="Avenir Next LT Pro (Body)"/>
               </a:rPr>
               <a:t>    → Opportunity to nurture and retain this valuable segment</a:t>
             </a:r>
@@ -5852,7 +8444,7 @@
 </p:sld>
 </file>
 
-<file path=ppt/slides/slide13.xml><?xml version="1.0" encoding="utf-8"?>
+<file path=ppt/slides/slide15.xml><?xml version="1.0" encoding="utf-8"?>
 <p:sld xmlns:a="http://schemas.openxmlformats.org/drawingml/2006/main" xmlns:r="http://schemas.openxmlformats.org/officeDocument/2006/relationships" xmlns:p="http://schemas.openxmlformats.org/presentationml/2006/main">
   <p:cSld>
     <p:spTree>
@@ -5926,14 +8518,300 @@
         </p:blipFill>
         <p:spPr>
           <a:xfrm>
-            <a:off x="1244661" y="963562"/>
-            <a:ext cx="9702678" cy="5805926"/>
+            <a:off x="3843104" y="1293762"/>
+            <a:ext cx="8336630" cy="5242505"/>
           </a:xfrm>
           <a:prstGeom prst="rect">
             <a:avLst/>
           </a:prstGeom>
         </p:spPr>
       </p:pic>
+      <p:sp>
+        <p:nvSpPr>
+          <p:cNvPr id="4" name="Rectangle 1">
+            <a:extLst>
+              <a:ext uri="{FF2B5EF4-FFF2-40B4-BE49-F238E27FC236}">
+                <a16:creationId xmlns:a16="http://schemas.microsoft.com/office/drawing/2014/main" id="{59AA4930-8E2F-DFB7-5052-1DBE633A9F08}"/>
+              </a:ext>
+            </a:extLst>
+          </p:cNvPr>
+          <p:cNvSpPr>
+            <a:spLocks noChangeArrowheads="1"/>
+          </p:cNvSpPr>
+          <p:nvPr/>
+        </p:nvSpPr>
+        <p:spPr bwMode="auto">
+          <a:xfrm>
+            <a:off x="389406" y="2100002"/>
+            <a:ext cx="3276661" cy="3970318"/>
+          </a:xfrm>
+          <a:prstGeom prst="rect">
+            <a:avLst/>
+          </a:prstGeom>
+          <a:noFill/>
+          <a:ln>
+            <a:noFill/>
+          </a:ln>
+          <a:effectLst/>
+          <a:extLst>
+            <a:ext uri="{909E8E84-426E-40DD-AFC4-6F175D3DCCD1}">
+              <a14:hiddenFill xmlns:a14="http://schemas.microsoft.com/office/drawing/2010/main">
+                <a:solidFill>
+                  <a:schemeClr val="accent1"/>
+                </a:solidFill>
+              </a14:hiddenFill>
+            </a:ext>
+            <a:ext uri="{91240B29-F687-4F45-9708-019B960494DF}">
+              <a14:hiddenLine xmlns:a14="http://schemas.microsoft.com/office/drawing/2010/main" w="9525">
+                <a:solidFill>
+                  <a:schemeClr val="tx1"/>
+                </a:solidFill>
+                <a:miter lim="800000"/>
+                <a:headEnd/>
+                <a:tailEnd/>
+              </a14:hiddenLine>
+            </a:ext>
+            <a:ext uri="{AF507438-7753-43E0-B8FC-AC1667EBCBE1}">
+              <a14:hiddenEffects xmlns:a14="http://schemas.microsoft.com/office/drawing/2010/main">
+                <a:effectLst>
+                  <a:outerShdw dist="35921" dir="2700000" algn="ctr" rotWithShape="0">
+                    <a:schemeClr val="bg2"/>
+                  </a:outerShdw>
+                </a:effectLst>
+              </a14:hiddenEffects>
+            </a:ext>
+          </a:extLst>
+        </p:spPr>
+        <p:txBody>
+          <a:bodyPr vert="horz" wrap="square" lIns="91440" tIns="45720" rIns="91440" bIns="45720" numCol="1" anchor="ctr" anchorCtr="0" compatLnSpc="1">
+            <a:prstTxWarp prst="textNoShape">
+              <a:avLst/>
+            </a:prstTxWarp>
+            <a:spAutoFit/>
+          </a:bodyPr>
+          <a:lstStyle/>
+          <a:p>
+            <a:pPr marL="285750" marR="0" lvl="0" indent="-285750" algn="l" defTabSz="914400" rtl="0" eaLnBrk="0" fontAlgn="base" latinLnBrk="0" hangingPunct="0">
+              <a:lnSpc>
+                <a:spcPct val="100000"/>
+              </a:lnSpc>
+              <a:spcBef>
+                <a:spcPct val="0"/>
+              </a:spcBef>
+              <a:spcAft>
+                <a:spcPct val="0"/>
+              </a:spcAft>
+              <a:buClrTx/>
+              <a:buSzTx/>
+              <a:buFont typeface="Arial" panose="020B0604020202020204" pitchFamily="34" charset="0"/>
+              <a:buChar char="•"/>
+              <a:tabLst/>
+            </a:pPr>
+            <a:r>
+              <a:rPr kumimoji="0" lang="en-US" altLang="en-US" sz="1400" b="1" i="0" u="none" strike="noStrike" cap="none" normalizeH="0" baseline="0" dirty="0">
+                <a:ln>
+                  <a:noFill/>
+                </a:ln>
+                <a:solidFill>
+                  <a:schemeClr val="tx1"/>
+                </a:solidFill>
+                <a:effectLst/>
+                <a:latin typeface="Avenir Next LT Pro (Body)"/>
+              </a:rPr>
+              <a:t>Enterprise customers drove the highest volume and revenue</a:t>
+            </a:r>
+            <a:r>
+              <a:rPr kumimoji="0" lang="en-US" altLang="en-US" sz="1400" b="0" i="0" u="none" strike="noStrike" cap="none" normalizeH="0" baseline="0" dirty="0">
+                <a:ln>
+                  <a:noFill/>
+                </a:ln>
+                <a:solidFill>
+                  <a:schemeClr val="tx1"/>
+                </a:solidFill>
+                <a:effectLst/>
+                <a:latin typeface="Avenir Next LT Pro (Body)"/>
+              </a:rPr>
+              <a:t> across all three periods.</a:t>
+            </a:r>
+          </a:p>
+          <a:p>
+            <a:pPr marL="285750" marR="0" lvl="0" indent="-285750" algn="l" defTabSz="914400" rtl="0" eaLnBrk="0" fontAlgn="base" latinLnBrk="0" hangingPunct="0">
+              <a:lnSpc>
+                <a:spcPct val="100000"/>
+              </a:lnSpc>
+              <a:spcBef>
+                <a:spcPct val="0"/>
+              </a:spcBef>
+              <a:spcAft>
+                <a:spcPct val="0"/>
+              </a:spcAft>
+              <a:buClrTx/>
+              <a:buSzTx/>
+              <a:buFont typeface="Arial" panose="020B0604020202020204" pitchFamily="34" charset="0"/>
+              <a:buChar char="•"/>
+              <a:tabLst/>
+            </a:pPr>
+            <a:r>
+              <a:rPr kumimoji="0" lang="en-US" altLang="en-US" sz="1400" b="1" i="0" u="none" strike="noStrike" cap="none" normalizeH="0" baseline="0" dirty="0">
+                <a:ln>
+                  <a:noFill/>
+                </a:ln>
+                <a:solidFill>
+                  <a:schemeClr val="tx1"/>
+                </a:solidFill>
+                <a:effectLst/>
+                <a:latin typeface="Avenir Next LT Pro (Body)"/>
+              </a:rPr>
+              <a:t>Revenue peaked in 2020 (COVID period)</a:t>
+            </a:r>
+            <a:r>
+              <a:rPr kumimoji="0" lang="en-US" altLang="en-US" sz="1400" b="0" i="0" u="none" strike="noStrike" cap="none" normalizeH="0" baseline="0" dirty="0">
+                <a:ln>
+                  <a:noFill/>
+                </a:ln>
+                <a:solidFill>
+                  <a:schemeClr val="tx1"/>
+                </a:solidFill>
+                <a:effectLst/>
+                <a:latin typeface="Avenir Next LT Pro (Body)"/>
+              </a:rPr>
+              <a:t> across all segments, especially in Enterprise and Medium.</a:t>
+            </a:r>
+          </a:p>
+          <a:p>
+            <a:pPr marL="285750" marR="0" lvl="0" indent="-285750" algn="l" defTabSz="914400" rtl="0" eaLnBrk="0" fontAlgn="base" latinLnBrk="0" hangingPunct="0">
+              <a:lnSpc>
+                <a:spcPct val="100000"/>
+              </a:lnSpc>
+              <a:spcBef>
+                <a:spcPct val="0"/>
+              </a:spcBef>
+              <a:spcAft>
+                <a:spcPct val="0"/>
+              </a:spcAft>
+              <a:buClrTx/>
+              <a:buSzTx/>
+              <a:buFont typeface="Arial" panose="020B0604020202020204" pitchFamily="34" charset="0"/>
+              <a:buChar char="•"/>
+              <a:tabLst/>
+            </a:pPr>
+            <a:r>
+              <a:rPr kumimoji="0" lang="en-US" altLang="en-US" sz="1400" b="1" i="0" u="none" strike="noStrike" cap="none" normalizeH="0" baseline="0" dirty="0">
+                <a:ln>
+                  <a:noFill/>
+                </a:ln>
+                <a:solidFill>
+                  <a:schemeClr val="tx1"/>
+                </a:solidFill>
+                <a:effectLst/>
+                <a:latin typeface="Avenir Next LT Pro (Body)"/>
+              </a:rPr>
+              <a:t>Post-COVID (2021) saw a decline</a:t>
+            </a:r>
+            <a:r>
+              <a:rPr kumimoji="0" lang="en-US" altLang="en-US" sz="1400" b="0" i="0" u="none" strike="noStrike" cap="none" normalizeH="0" baseline="0" dirty="0">
+                <a:ln>
+                  <a:noFill/>
+                </a:ln>
+                <a:solidFill>
+                  <a:schemeClr val="tx1"/>
+                </a:solidFill>
+                <a:effectLst/>
+                <a:latin typeface="Avenir Next LT Pro (Body)"/>
+              </a:rPr>
+              <a:t>, but volumes remained above pre-COVID levels in most segments.</a:t>
+            </a:r>
+          </a:p>
+          <a:p>
+            <a:pPr marL="285750" marR="0" lvl="0" indent="-285750" algn="l" defTabSz="914400" rtl="0" eaLnBrk="0" fontAlgn="base" latinLnBrk="0" hangingPunct="0">
+              <a:lnSpc>
+                <a:spcPct val="100000"/>
+              </a:lnSpc>
+              <a:spcBef>
+                <a:spcPct val="0"/>
+              </a:spcBef>
+              <a:spcAft>
+                <a:spcPct val="0"/>
+              </a:spcAft>
+              <a:buClrTx/>
+              <a:buSzTx/>
+              <a:buFont typeface="Arial" panose="020B0604020202020204" pitchFamily="34" charset="0"/>
+              <a:buChar char="•"/>
+              <a:tabLst/>
+            </a:pPr>
+            <a:r>
+              <a:rPr kumimoji="0" lang="en-US" altLang="en-US" sz="1400" b="1" i="0" u="none" strike="noStrike" cap="none" normalizeH="0" baseline="0" dirty="0">
+                <a:ln>
+                  <a:noFill/>
+                </a:ln>
+                <a:solidFill>
+                  <a:schemeClr val="tx1"/>
+                </a:solidFill>
+                <a:effectLst/>
+                <a:latin typeface="Avenir Next LT Pro (Body)"/>
+              </a:rPr>
+              <a:t>Medium segment showed the most consistent growth</a:t>
+            </a:r>
+            <a:r>
+              <a:rPr kumimoji="0" lang="en-US" altLang="en-US" sz="1400" b="0" i="0" u="none" strike="noStrike" cap="none" normalizeH="0" baseline="0" dirty="0">
+                <a:ln>
+                  <a:noFill/>
+                </a:ln>
+                <a:solidFill>
+                  <a:schemeClr val="tx1"/>
+                </a:solidFill>
+                <a:effectLst/>
+                <a:latin typeface="Avenir Next LT Pro (Body)"/>
+              </a:rPr>
+              <a:t>, indicating potential for long-term retention.</a:t>
+            </a:r>
+          </a:p>
+          <a:p>
+            <a:pPr marL="285750" marR="0" lvl="0" indent="-285750" algn="l" defTabSz="914400" rtl="0" eaLnBrk="0" fontAlgn="base" latinLnBrk="0" hangingPunct="0">
+              <a:lnSpc>
+                <a:spcPct val="100000"/>
+              </a:lnSpc>
+              <a:spcBef>
+                <a:spcPct val="0"/>
+              </a:spcBef>
+              <a:spcAft>
+                <a:spcPct val="0"/>
+              </a:spcAft>
+              <a:buClrTx/>
+              <a:buSzTx/>
+              <a:buFont typeface="Arial" panose="020B0604020202020204" pitchFamily="34" charset="0"/>
+              <a:buChar char="•"/>
+              <a:tabLst/>
+            </a:pPr>
+            <a:r>
+              <a:rPr kumimoji="0" lang="en-US" altLang="en-US" sz="1400" b="1" i="0" u="none" strike="noStrike" cap="none" normalizeH="0" baseline="0" dirty="0">
+                <a:ln>
+                  <a:noFill/>
+                </a:ln>
+                <a:solidFill>
+                  <a:schemeClr val="tx1"/>
+                </a:solidFill>
+                <a:effectLst/>
+                <a:latin typeface="Avenir Next LT Pro (Body)"/>
+              </a:rPr>
+              <a:t>Small segment had the lowest revenue but remained stable</a:t>
+            </a:r>
+            <a:r>
+              <a:rPr kumimoji="0" lang="en-US" altLang="en-US" sz="1400" b="0" i="0" u="none" strike="noStrike" cap="none" normalizeH="0" baseline="0" dirty="0">
+                <a:ln>
+                  <a:noFill/>
+                </a:ln>
+                <a:solidFill>
+                  <a:schemeClr val="tx1"/>
+                </a:solidFill>
+                <a:effectLst/>
+                <a:latin typeface="Avenir Next LT Pro (Body)"/>
+              </a:rPr>
+              <a:t>, with limited impact from COVID.</a:t>
+            </a:r>
+          </a:p>
+        </p:txBody>
+      </p:sp>
     </p:spTree>
     <p:extLst>
       <p:ext uri="{BB962C8B-B14F-4D97-AF65-F5344CB8AC3E}">
@@ -6052,6 +8930,41 @@
                                   </p:childTnLst>
                                 </p:cTn>
                               </p:par>
+                              <p:par>
+                                <p:cTn id="13" presetID="10" presetClass="entr" presetSubtype="0" fill="hold" grpId="0" nodeType="withEffect">
+                                  <p:stCondLst>
+                                    <p:cond delay="0"/>
+                                  </p:stCondLst>
+                                  <p:childTnLst>
+                                    <p:set>
+                                      <p:cBhvr>
+                                        <p:cTn id="14" dur="1" fill="hold">
+                                          <p:stCondLst>
+                                            <p:cond delay="0"/>
+                                          </p:stCondLst>
+                                        </p:cTn>
+                                        <p:tgtEl>
+                                          <p:spTgt spid="4"/>
+                                        </p:tgtEl>
+                                        <p:attrNameLst>
+                                          <p:attrName>style.visibility</p:attrName>
+                                        </p:attrNameLst>
+                                      </p:cBhvr>
+                                      <p:to>
+                                        <p:strVal val="visible"/>
+                                      </p:to>
+                                    </p:set>
+                                    <p:animEffect transition="in" filter="fade">
+                                      <p:cBhvr>
+                                        <p:cTn id="15" dur="500"/>
+                                        <p:tgtEl>
+                                          <p:spTgt spid="4"/>
+                                        </p:tgtEl>
+                                      </p:cBhvr>
+                                    </p:animEffect>
+                                  </p:childTnLst>
+                                </p:cTn>
+                              </p:par>
                             </p:childTnLst>
                           </p:cTn>
                         </p:par>
@@ -6081,12 +8994,13 @@
     </p:tnLst>
     <p:bldLst>
       <p:bldP spid="2" grpId="0"/>
+      <p:bldP spid="4" grpId="0"/>
     </p:bldLst>
   </p:timing>
 </p:sld>
 </file>
 
-<file path=ppt/slides/slide14.xml><?xml version="1.0" encoding="utf-8"?>
+<file path=ppt/slides/slide16.xml><?xml version="1.0" encoding="utf-8"?>
 <p:sld xmlns:a="http://schemas.openxmlformats.org/drawingml/2006/main" xmlns:r="http://schemas.openxmlformats.org/officeDocument/2006/relationships" xmlns:p="http://schemas.openxmlformats.org/presentationml/2006/main">
   <p:cSld>
     <p:spTree>
@@ -7245,7 +10159,7 @@
 </p:sld>
 </file>
 
-<file path=ppt/slides/slide15.xml><?xml version="1.0" encoding="utf-8"?>
+<file path=ppt/slides/slide17.xml><?xml version="1.0" encoding="utf-8"?>
 <p:sld xmlns:a="http://schemas.openxmlformats.org/drawingml/2006/main" xmlns:r="http://schemas.openxmlformats.org/officeDocument/2006/relationships" xmlns:p="http://schemas.openxmlformats.org/presentationml/2006/main">
   <p:cSld>
     <p:spTree>
@@ -7631,7 +10545,7 @@
 </p:sld>
 </file>
 
-<file path=ppt/slides/slide16.xml><?xml version="1.0" encoding="utf-8"?>
+<file path=ppt/slides/slide18.xml><?xml version="1.0" encoding="utf-8"?>
 <p:sld xmlns:a="http://schemas.openxmlformats.org/drawingml/2006/main" xmlns:r="http://schemas.openxmlformats.org/officeDocument/2006/relationships" xmlns:p="http://schemas.openxmlformats.org/presentationml/2006/main">
   <p:cSld>
     <p:bg>
@@ -8472,120 +11386,195 @@
               <a:buNone/>
             </a:pPr>
             <a:r>
-              <a:rPr lang="en-US" b="1" dirty="0"/>
+              <a:rPr lang="en-US" b="1" dirty="0">
+                <a:latin typeface="Avenir Next LT Pro (Body)"/>
+                <a:cs typeface="Arial" panose="020B0604020202020204" pitchFamily="34" charset="0"/>
+              </a:rPr>
               <a:t>🧭 Project Objectives</a:t>
             </a:r>
           </a:p>
           <a:p>
             <a:r>
-              <a:rPr lang="en-US" dirty="0"/>
+              <a:rPr lang="en-US" dirty="0">
+                <a:latin typeface="Avenir Next LT Pro (Body)"/>
+                <a:cs typeface="Arial" panose="020B0604020202020204" pitchFamily="34" charset="0"/>
+              </a:rPr>
               <a:t>- Analyze how the COVID-19 pandemic impacted ABC Company’s parcel delivery business.</a:t>
             </a:r>
           </a:p>
           <a:p>
             <a:r>
-              <a:rPr lang="en-US" dirty="0"/>
+              <a:rPr lang="en-US" dirty="0">
+                <a:latin typeface="Avenir Next LT Pro (Body)"/>
+                <a:cs typeface="Arial" panose="020B0604020202020204" pitchFamily="34" charset="0"/>
+              </a:rPr>
               <a:t>- Highlight the impact on </a:t>
             </a:r>
             <a:r>
-              <a:rPr lang="en-US" b="1" dirty="0"/>
+              <a:rPr lang="en-US" b="1" dirty="0">
+                <a:latin typeface="Avenir Next LT Pro (Body)"/>
+                <a:cs typeface="Arial" panose="020B0604020202020204" pitchFamily="34" charset="0"/>
+              </a:rPr>
               <a:t>peak season</a:t>
             </a:r>
             <a:r>
-              <a:rPr lang="en-US" dirty="0"/>
+              <a:rPr lang="en-US" dirty="0">
+                <a:latin typeface="Avenir Next LT Pro (Body)"/>
+                <a:cs typeface="Arial" panose="020B0604020202020204" pitchFamily="34" charset="0"/>
+              </a:rPr>
               <a:t>, </a:t>
             </a:r>
             <a:r>
-              <a:rPr lang="en-US" b="1" dirty="0"/>
+              <a:rPr lang="en-US" b="1" dirty="0">
+                <a:latin typeface="Avenir Next LT Pro (Body)"/>
+                <a:cs typeface="Arial" panose="020B0604020202020204" pitchFamily="34" charset="0"/>
+              </a:rPr>
               <a:t>customer segments</a:t>
             </a:r>
             <a:r>
-              <a:rPr lang="en-US" dirty="0"/>
+              <a:rPr lang="en-US" dirty="0">
+                <a:latin typeface="Avenir Next LT Pro (Body)"/>
+                <a:cs typeface="Arial" panose="020B0604020202020204" pitchFamily="34" charset="0"/>
+              </a:rPr>
               <a:t>, and </a:t>
             </a:r>
             <a:r>
-              <a:rPr lang="en-US" b="1" dirty="0"/>
+              <a:rPr lang="en-US" b="1" dirty="0">
+                <a:latin typeface="Avenir Next LT Pro (Body)"/>
+                <a:cs typeface="Arial" panose="020B0604020202020204" pitchFamily="34" charset="0"/>
+              </a:rPr>
               <a:t>revenue</a:t>
             </a:r>
             <a:r>
-              <a:rPr lang="en-US" dirty="0"/>
+              <a:rPr lang="en-US" dirty="0">
+                <a:latin typeface="Avenir Next LT Pro (Body)"/>
+                <a:cs typeface="Arial" panose="020B0604020202020204" pitchFamily="34" charset="0"/>
+              </a:rPr>
               <a:t>.</a:t>
             </a:r>
           </a:p>
           <a:p>
             <a:r>
-              <a:rPr lang="en-US" dirty="0"/>
+              <a:rPr lang="en-US" dirty="0">
+                <a:latin typeface="Avenir Next LT Pro (Body)"/>
+                <a:cs typeface="Arial" panose="020B0604020202020204" pitchFamily="34" charset="0"/>
+              </a:rPr>
               <a:t>- Provide </a:t>
             </a:r>
             <a:r>
-              <a:rPr lang="en-US" b="1" dirty="0"/>
+              <a:rPr lang="en-US" b="1" dirty="0">
+                <a:latin typeface="Avenir Next LT Pro (Body)"/>
+                <a:cs typeface="Arial" panose="020B0604020202020204" pitchFamily="34" charset="0"/>
+              </a:rPr>
               <a:t>insightful recommendations</a:t>
             </a:r>
             <a:r>
-              <a:rPr lang="en-US" dirty="0"/>
+              <a:rPr lang="en-US" dirty="0">
+                <a:latin typeface="Avenir Next LT Pro (Body)"/>
+                <a:cs typeface="Arial" panose="020B0604020202020204" pitchFamily="34" charset="0"/>
+              </a:rPr>
               <a:t> for future strategic decisions.</a:t>
             </a:r>
-            <a:endParaRPr lang="en-US" b="1" dirty="0"/>
+            <a:endParaRPr lang="en-US" b="1" dirty="0">
+              <a:latin typeface="Avenir Next LT Pro (Body)"/>
+              <a:cs typeface="Arial" panose="020B0604020202020204" pitchFamily="34" charset="0"/>
+            </a:endParaRPr>
           </a:p>
           <a:p>
             <a:pPr>
               <a:buNone/>
             </a:pPr>
-            <a:endParaRPr lang="en-US" b="1" dirty="0"/>
+            <a:endParaRPr lang="en-US" b="1" dirty="0">
+              <a:latin typeface="Avenir Next LT Pro (Body)"/>
+              <a:cs typeface="Arial" panose="020B0604020202020204" pitchFamily="34" charset="0"/>
+            </a:endParaRPr>
           </a:p>
           <a:p>
             <a:pPr>
               <a:buNone/>
             </a:pPr>
             <a:r>
-              <a:rPr lang="en-US" b="1" dirty="0"/>
+              <a:rPr lang="en-US" b="1" dirty="0">
+                <a:latin typeface="Avenir Next LT Pro (Body)"/>
+                <a:cs typeface="Arial" panose="020B0604020202020204" pitchFamily="34" charset="0"/>
+              </a:rPr>
               <a:t>🔍 Methodology</a:t>
             </a:r>
           </a:p>
           <a:p>
             <a:r>
-              <a:rPr lang="en-US" dirty="0"/>
+              <a:rPr lang="en-US" dirty="0">
+                <a:latin typeface="Avenir Next LT Pro (Body)"/>
+                <a:cs typeface="Arial" panose="020B0604020202020204" pitchFamily="34" charset="0"/>
+              </a:rPr>
               <a:t>- </a:t>
             </a:r>
             <a:r>
-              <a:rPr lang="en-US" b="1" dirty="0"/>
+              <a:rPr lang="en-US" b="1" dirty="0">
+                <a:latin typeface="Avenir Next LT Pro (Body)"/>
+                <a:cs typeface="Arial" panose="020B0604020202020204" pitchFamily="34" charset="0"/>
+              </a:rPr>
               <a:t>Descriptive analysis</a:t>
             </a:r>
             <a:r>
-              <a:rPr lang="en-US" dirty="0"/>
+              <a:rPr lang="en-US" dirty="0">
+                <a:latin typeface="Avenir Next LT Pro (Body)"/>
+                <a:cs typeface="Arial" panose="020B0604020202020204" pitchFamily="34" charset="0"/>
+              </a:rPr>
               <a:t> by year and week (2019 vs 2020)</a:t>
             </a:r>
           </a:p>
           <a:p>
             <a:r>
-              <a:rPr lang="en-US" dirty="0"/>
+              <a:rPr lang="en-US" dirty="0">
+                <a:latin typeface="Avenir Next LT Pro (Body)"/>
+                <a:cs typeface="Arial" panose="020B0604020202020204" pitchFamily="34" charset="0"/>
+              </a:rPr>
               <a:t>- </a:t>
             </a:r>
             <a:r>
-              <a:rPr lang="en-US" b="1" dirty="0"/>
+              <a:rPr lang="en-US" b="1" dirty="0">
+                <a:latin typeface="Avenir Next LT Pro (Body)"/>
+                <a:cs typeface="Arial" panose="020B0604020202020204" pitchFamily="34" charset="0"/>
+              </a:rPr>
               <a:t>Customer segmentation</a:t>
             </a:r>
             <a:r>
-              <a:rPr lang="en-US" dirty="0"/>
+              <a:rPr lang="en-US" dirty="0">
+                <a:latin typeface="Avenir Next LT Pro (Body)"/>
+                <a:cs typeface="Arial" panose="020B0604020202020204" pitchFamily="34" charset="0"/>
+              </a:rPr>
               <a:t>: New, Lost, Stable, High Growth</a:t>
             </a:r>
           </a:p>
           <a:p>
             <a:r>
-              <a:rPr lang="en-US" dirty="0"/>
+              <a:rPr lang="en-US" dirty="0">
+                <a:latin typeface="Avenir Next LT Pro (Body)"/>
+                <a:cs typeface="Arial" panose="020B0604020202020204" pitchFamily="34" charset="0"/>
+              </a:rPr>
               <a:t>- </a:t>
             </a:r>
             <a:r>
-              <a:rPr lang="en-US" b="1" dirty="0"/>
+              <a:rPr lang="en-US" b="1" dirty="0">
+                <a:latin typeface="Avenir Next LT Pro (Body)"/>
+                <a:cs typeface="Arial" panose="020B0604020202020204" pitchFamily="34" charset="0"/>
+              </a:rPr>
               <a:t>Comparison</a:t>
             </a:r>
             <a:r>
-              <a:rPr lang="en-US" dirty="0"/>
+              <a:rPr lang="en-US" dirty="0">
+                <a:latin typeface="Avenir Next LT Pro (Body)"/>
+                <a:cs typeface="Arial" panose="020B0604020202020204" pitchFamily="34" charset="0"/>
+              </a:rPr>
               <a:t>: Peak vs non-peak season</a:t>
             </a:r>
           </a:p>
           <a:p>
-            <a:endParaRPr lang="en-US" dirty="0"/>
+            <a:endParaRPr lang="en-US" dirty="0">
+              <a:latin typeface="Avenir Next LT Pro (Body)"/>
+              <a:cs typeface="Arial" panose="020B0604020202020204" pitchFamily="34" charset="0"/>
+            </a:endParaRPr>
           </a:p>
         </p:txBody>
       </p:sp>
@@ -9103,7 +12092,7 @@
         </p:nvSpPr>
         <p:spPr>
           <a:xfrm>
-            <a:off x="609600" y="292313"/>
+            <a:off x="609600" y="0"/>
             <a:ext cx="10972800" cy="838397"/>
           </a:xfrm>
         </p:spPr>
@@ -9122,40 +12111,10 @@
       </p:sp>
       <p:pic>
         <p:nvPicPr>
-          <p:cNvPr id="4" name="Picture 3">
+          <p:cNvPr id="5" name="Picture 4">
             <a:extLst>
               <a:ext uri="{FF2B5EF4-FFF2-40B4-BE49-F238E27FC236}">
-                <a16:creationId xmlns:a16="http://schemas.microsoft.com/office/drawing/2014/main" id="{9F7BCD0D-CFCB-9DE2-3707-5F4074BEB5A1}"/>
-              </a:ext>
-            </a:extLst>
-          </p:cNvPr>
-          <p:cNvPicPr>
-            <a:picLocks noChangeAspect="1"/>
-          </p:cNvPicPr>
-          <p:nvPr/>
-        </p:nvPicPr>
-        <p:blipFill>
-          <a:blip r:embed="rId2"/>
-          <a:stretch>
-            <a:fillRect/>
-          </a:stretch>
-        </p:blipFill>
-        <p:spPr>
-          <a:xfrm>
-            <a:off x="793820" y="1130710"/>
-            <a:ext cx="10850492" cy="4647092"/>
-          </a:xfrm>
-          <a:prstGeom prst="rect">
-            <a:avLst/>
-          </a:prstGeom>
-        </p:spPr>
-      </p:pic>
-      <p:pic>
-        <p:nvPicPr>
-          <p:cNvPr id="6" name="Picture 5">
-            <a:extLst>
-              <a:ext uri="{FF2B5EF4-FFF2-40B4-BE49-F238E27FC236}">
-                <a16:creationId xmlns:a16="http://schemas.microsoft.com/office/drawing/2014/main" id="{912452BE-D400-27B2-847F-DDB5F4554D82}"/>
+                <a16:creationId xmlns:a16="http://schemas.microsoft.com/office/drawing/2014/main" id="{A28AA835-B7E9-F327-5D60-07F153932E51}"/>
               </a:ext>
             </a:extLst>
           </p:cNvPr>
@@ -9172,8 +12131,38 @@
         </p:blipFill>
         <p:spPr>
           <a:xfrm>
-            <a:off x="2705675" y="5760144"/>
-            <a:ext cx="6619875" cy="838200"/>
+            <a:off x="609599" y="838397"/>
+            <a:ext cx="10778067" cy="4742786"/>
+          </a:xfrm>
+          <a:prstGeom prst="rect">
+            <a:avLst/>
+          </a:prstGeom>
+        </p:spPr>
+      </p:pic>
+      <p:pic>
+        <p:nvPicPr>
+          <p:cNvPr id="8" name="Picture 7">
+            <a:extLst>
+              <a:ext uri="{FF2B5EF4-FFF2-40B4-BE49-F238E27FC236}">
+                <a16:creationId xmlns:a16="http://schemas.microsoft.com/office/drawing/2014/main" id="{50423A2B-5F0E-9B23-1D40-4DF3B2124733}"/>
+              </a:ext>
+            </a:extLst>
+          </p:cNvPr>
+          <p:cNvPicPr>
+            <a:picLocks noChangeAspect="1"/>
+          </p:cNvPicPr>
+          <p:nvPr/>
+        </p:nvPicPr>
+        <p:blipFill>
+          <a:blip r:embed="rId4"/>
+          <a:stretch>
+            <a:fillRect/>
+          </a:stretch>
+        </p:blipFill>
+        <p:spPr>
+          <a:xfrm>
+            <a:off x="2261756" y="5581183"/>
+            <a:ext cx="7668487" cy="955084"/>
           </a:xfrm>
           <a:prstGeom prst="rect">
             <a:avLst/>
@@ -9277,7 +12266,7 @@
                                           </p:stCondLst>
                                         </p:cTn>
                                         <p:tgtEl>
-                                          <p:spTgt spid="4"/>
+                                          <p:spTgt spid="5"/>
                                         </p:tgtEl>
                                         <p:attrNameLst>
                                           <p:attrName>style.visibility</p:attrName>
@@ -9291,7 +12280,7 @@
                                       <p:cBhvr>
                                         <p:cTn id="12" dur="500"/>
                                         <p:tgtEl>
-                                          <p:spTgt spid="4"/>
+                                          <p:spTgt spid="5"/>
                                         </p:tgtEl>
                                       </p:cBhvr>
                                     </p:animEffect>
@@ -9312,7 +12301,7 @@
                                           </p:stCondLst>
                                         </p:cTn>
                                         <p:tgtEl>
-                                          <p:spTgt spid="6"/>
+                                          <p:spTgt spid="8"/>
                                         </p:tgtEl>
                                         <p:attrNameLst>
                                           <p:attrName>style.visibility</p:attrName>
@@ -9326,7 +12315,7 @@
                                       <p:cBhvr>
                                         <p:cTn id="15" dur="500"/>
                                         <p:tgtEl>
-                                          <p:spTgt spid="6"/>
+                                          <p:spTgt spid="8"/>
                                         </p:tgtEl>
                                       </p:cBhvr>
                                     </p:animEffect>
@@ -9447,14 +12436,287 @@
         </p:blipFill>
         <p:spPr>
           <a:xfrm>
-            <a:off x="542925" y="1034980"/>
-            <a:ext cx="10972800" cy="5697416"/>
+            <a:off x="4069080" y="1297954"/>
+            <a:ext cx="8122920" cy="4855188"/>
           </a:xfrm>
           <a:prstGeom prst="rect">
             <a:avLst/>
           </a:prstGeom>
         </p:spPr>
       </p:pic>
+      <p:sp>
+        <p:nvSpPr>
+          <p:cNvPr id="26" name="Rectangle 4">
+            <a:extLst>
+              <a:ext uri="{FF2B5EF4-FFF2-40B4-BE49-F238E27FC236}">
+                <a16:creationId xmlns:a16="http://schemas.microsoft.com/office/drawing/2014/main" id="{28D2FBB1-29EA-5998-5E77-8717A00400F6}"/>
+              </a:ext>
+            </a:extLst>
+          </p:cNvPr>
+          <p:cNvSpPr>
+            <a:spLocks noChangeArrowheads="1"/>
+          </p:cNvSpPr>
+          <p:nvPr/>
+        </p:nvSpPr>
+        <p:spPr bwMode="auto">
+          <a:xfrm>
+            <a:off x="167257" y="1416516"/>
+            <a:ext cx="3802763" cy="4257127"/>
+          </a:xfrm>
+          <a:prstGeom prst="rect">
+            <a:avLst/>
+          </a:prstGeom>
+          <a:noFill/>
+          <a:ln>
+            <a:noFill/>
+          </a:ln>
+          <a:effectLst/>
+          <a:extLst>
+            <a:ext uri="{909E8E84-426E-40DD-AFC4-6F175D3DCCD1}">
+              <a14:hiddenFill xmlns:a14="http://schemas.microsoft.com/office/drawing/2010/main">
+                <a:solidFill>
+                  <a:schemeClr val="accent1"/>
+                </a:solidFill>
+              </a14:hiddenFill>
+            </a:ext>
+            <a:ext uri="{91240B29-F687-4F45-9708-019B960494DF}">
+              <a14:hiddenLine xmlns:a14="http://schemas.microsoft.com/office/drawing/2010/main" w="9525">
+                <a:solidFill>
+                  <a:schemeClr val="tx1"/>
+                </a:solidFill>
+                <a:miter lim="800000"/>
+                <a:headEnd/>
+                <a:tailEnd/>
+              </a14:hiddenLine>
+            </a:ext>
+            <a:ext uri="{AF507438-7753-43E0-B8FC-AC1667EBCBE1}">
+              <a14:hiddenEffects xmlns:a14="http://schemas.microsoft.com/office/drawing/2010/main">
+                <a:effectLst>
+                  <a:outerShdw dist="35921" dir="2700000" algn="ctr" rotWithShape="0">
+                    <a:schemeClr val="bg2"/>
+                  </a:outerShdw>
+                </a:effectLst>
+              </a14:hiddenEffects>
+            </a:ext>
+          </a:extLst>
+        </p:spPr>
+        <p:txBody>
+          <a:bodyPr vert="horz" wrap="square" lIns="91440" tIns="45720" rIns="91440" bIns="45720" numCol="1" anchor="ctr" anchorCtr="0" compatLnSpc="1">
+            <a:prstTxWarp prst="textNoShape">
+              <a:avLst/>
+            </a:prstTxWarp>
+            <a:spAutoFit/>
+          </a:bodyPr>
+          <a:lstStyle/>
+          <a:p>
+            <a:pPr marL="285750" marR="0" lvl="0" indent="-285750" algn="l" defTabSz="914400" rtl="0" eaLnBrk="0" fontAlgn="base" latinLnBrk="0" hangingPunct="0">
+              <a:lnSpc>
+                <a:spcPct val="150000"/>
+              </a:lnSpc>
+              <a:spcBef>
+                <a:spcPct val="0"/>
+              </a:spcBef>
+              <a:spcAft>
+                <a:spcPct val="0"/>
+              </a:spcAft>
+              <a:buClrTx/>
+              <a:buSzTx/>
+              <a:buFont typeface="Arial" panose="020B0604020202020204" pitchFamily="34" charset="0"/>
+              <a:buChar char="•"/>
+              <a:tabLst/>
+            </a:pPr>
+            <a:r>
+              <a:rPr kumimoji="0" lang="en-US" altLang="en-US" sz="1400" b="1" i="0" u="none" strike="noStrike" cap="none" normalizeH="0" baseline="0" dirty="0">
+                <a:ln>
+                  <a:noFill/>
+                </a:ln>
+                <a:solidFill>
+                  <a:schemeClr val="tx1"/>
+                </a:solidFill>
+                <a:effectLst/>
+                <a:latin typeface="Avenir Next LT Pro (Body)"/>
+              </a:rPr>
+              <a:t>Volume surged starting Week 12</a:t>
+            </a:r>
+            <a:r>
+              <a:rPr kumimoji="0" lang="en-US" altLang="en-US" sz="1400" i="0" u="none" strike="noStrike" cap="none" normalizeH="0" baseline="0" dirty="0">
+                <a:ln>
+                  <a:noFill/>
+                </a:ln>
+                <a:solidFill>
+                  <a:schemeClr val="tx1"/>
+                </a:solidFill>
+                <a:effectLst/>
+                <a:latin typeface="Avenir Next LT Pro (Body)"/>
+              </a:rPr>
+              <a:t>, aligning with WHO pandemic declaration.</a:t>
+            </a:r>
+          </a:p>
+          <a:p>
+            <a:pPr marL="285750" marR="0" lvl="0" indent="-285750" algn="l" defTabSz="914400" rtl="0" eaLnBrk="0" fontAlgn="base" latinLnBrk="0" hangingPunct="0">
+              <a:lnSpc>
+                <a:spcPct val="150000"/>
+              </a:lnSpc>
+              <a:spcBef>
+                <a:spcPct val="0"/>
+              </a:spcBef>
+              <a:spcAft>
+                <a:spcPct val="0"/>
+              </a:spcAft>
+              <a:buClrTx/>
+              <a:buSzTx/>
+              <a:buFont typeface="Arial" panose="020B0604020202020204" pitchFamily="34" charset="0"/>
+              <a:buChar char="•"/>
+              <a:tabLst/>
+            </a:pPr>
+            <a:r>
+              <a:rPr kumimoji="0" lang="en-US" altLang="en-US" sz="1400" b="1" i="0" u="none" strike="noStrike" cap="none" normalizeH="0" baseline="0" dirty="0">
+                <a:ln>
+                  <a:noFill/>
+                </a:ln>
+                <a:solidFill>
+                  <a:schemeClr val="tx1"/>
+                </a:solidFill>
+                <a:effectLst/>
+                <a:latin typeface="Avenir Next LT Pro (Body)"/>
+              </a:rPr>
+              <a:t>Pre-COVID weeks </a:t>
+            </a:r>
+            <a:r>
+              <a:rPr kumimoji="0" lang="en-US" altLang="en-US" sz="1400" i="0" u="none" strike="noStrike" cap="none" normalizeH="0" baseline="0" dirty="0">
+                <a:ln>
+                  <a:noFill/>
+                </a:ln>
+                <a:solidFill>
+                  <a:schemeClr val="tx1"/>
+                </a:solidFill>
+                <a:effectLst/>
+                <a:latin typeface="Avenir Next LT Pro (Body)"/>
+              </a:rPr>
+              <a:t>show consistent but lower parcel volume.</a:t>
+            </a:r>
+          </a:p>
+          <a:p>
+            <a:pPr marL="285750" marR="0" lvl="0" indent="-285750" algn="l" defTabSz="914400" rtl="0" eaLnBrk="0" fontAlgn="base" latinLnBrk="0" hangingPunct="0">
+              <a:lnSpc>
+                <a:spcPct val="150000"/>
+              </a:lnSpc>
+              <a:spcBef>
+                <a:spcPct val="0"/>
+              </a:spcBef>
+              <a:spcAft>
+                <a:spcPct val="0"/>
+              </a:spcAft>
+              <a:buClrTx/>
+              <a:buSzTx/>
+              <a:buFont typeface="Arial" panose="020B0604020202020204" pitchFamily="34" charset="0"/>
+              <a:buChar char="•"/>
+              <a:tabLst/>
+            </a:pPr>
+            <a:r>
+              <a:rPr kumimoji="0" lang="en-US" altLang="en-US" sz="1400" b="1" i="0" u="none" strike="noStrike" cap="none" normalizeH="0" baseline="0" dirty="0">
+                <a:ln>
+                  <a:noFill/>
+                </a:ln>
+                <a:solidFill>
+                  <a:schemeClr val="tx1"/>
+                </a:solidFill>
+                <a:effectLst/>
+                <a:latin typeface="Avenir Next LT Pro (Body)"/>
+              </a:rPr>
+              <a:t>Post-COVID period </a:t>
+            </a:r>
+            <a:r>
+              <a:rPr kumimoji="0" lang="en-US" altLang="en-US" sz="1400" i="0" u="none" strike="noStrike" cap="none" normalizeH="0" baseline="0" dirty="0">
+                <a:ln>
+                  <a:noFill/>
+                </a:ln>
+                <a:solidFill>
+                  <a:schemeClr val="tx1"/>
+                </a:solidFill>
+                <a:effectLst/>
+                <a:latin typeface="Avenir Next LT Pro (Body)"/>
+              </a:rPr>
+              <a:t>shows a steep and sustained rise, reflecting increased reliance on deliveries.</a:t>
+            </a:r>
+          </a:p>
+          <a:p>
+            <a:pPr marL="285750" marR="0" lvl="0" indent="-285750" algn="l" defTabSz="914400" rtl="0" eaLnBrk="0" fontAlgn="base" latinLnBrk="0" hangingPunct="0">
+              <a:lnSpc>
+                <a:spcPct val="150000"/>
+              </a:lnSpc>
+              <a:spcBef>
+                <a:spcPct val="0"/>
+              </a:spcBef>
+              <a:spcAft>
+                <a:spcPct val="0"/>
+              </a:spcAft>
+              <a:buClrTx/>
+              <a:buSzTx/>
+              <a:buFont typeface="Arial" panose="020B0604020202020204" pitchFamily="34" charset="0"/>
+              <a:buChar char="•"/>
+              <a:tabLst/>
+            </a:pPr>
+            <a:r>
+              <a:rPr kumimoji="0" lang="en-US" altLang="en-US" sz="1400" b="1" i="0" u="none" strike="noStrike" cap="none" normalizeH="0" baseline="0" dirty="0">
+                <a:ln>
+                  <a:noFill/>
+                </a:ln>
+                <a:solidFill>
+                  <a:schemeClr val="tx1"/>
+                </a:solidFill>
+                <a:effectLst/>
+                <a:latin typeface="Avenir Next LT Pro (Body)"/>
+              </a:rPr>
+              <a:t>Lockdown</a:t>
+            </a:r>
+            <a:r>
+              <a:rPr kumimoji="0" lang="en-US" altLang="en-US" sz="1400" i="0" u="none" strike="noStrike" cap="none" normalizeH="0" baseline="0" dirty="0">
+                <a:ln>
+                  <a:noFill/>
+                </a:ln>
+                <a:solidFill>
+                  <a:schemeClr val="tx1"/>
+                </a:solidFill>
+                <a:effectLst/>
+                <a:latin typeface="Avenir Next LT Pro (Body)"/>
+              </a:rPr>
+              <a:t> measures triggered a behavioral shift, especially toward online shopping.</a:t>
+            </a:r>
+          </a:p>
+          <a:p>
+            <a:pPr marL="285750" marR="0" lvl="0" indent="-285750" algn="l" defTabSz="914400" rtl="0" eaLnBrk="0" fontAlgn="base" latinLnBrk="0" hangingPunct="0">
+              <a:lnSpc>
+                <a:spcPct val="150000"/>
+              </a:lnSpc>
+              <a:spcBef>
+                <a:spcPct val="0"/>
+              </a:spcBef>
+              <a:spcAft>
+                <a:spcPct val="0"/>
+              </a:spcAft>
+              <a:buClrTx/>
+              <a:buSzTx/>
+              <a:buFont typeface="Arial" panose="020B0604020202020204" pitchFamily="34" charset="0"/>
+              <a:buChar char="•"/>
+              <a:tabLst/>
+            </a:pPr>
+            <a:r>
+              <a:rPr kumimoji="0" lang="en-US" altLang="en-US" sz="1400" i="0" u="none" strike="noStrike" cap="none" normalizeH="0" baseline="0" dirty="0">
+                <a:ln>
+                  <a:noFill/>
+                </a:ln>
+                <a:solidFill>
+                  <a:schemeClr val="tx1"/>
+                </a:solidFill>
+                <a:effectLst/>
+                <a:latin typeface="Avenir Next LT Pro (Body)"/>
+              </a:rPr>
+              <a:t>ABC Company quickly absorbed the spike, indicating operational scalability.</a:t>
+            </a:r>
+          </a:p>
+        </p:txBody>
+      </p:sp>
     </p:spTree>
     <p:extLst>
       <p:ext uri="{BB962C8B-B14F-4D97-AF65-F5344CB8AC3E}">
@@ -9573,6 +12835,41 @@
                                   </p:childTnLst>
                                 </p:cTn>
                               </p:par>
+                              <p:par>
+                                <p:cTn id="13" presetID="10" presetClass="entr" presetSubtype="0" fill="hold" grpId="0" nodeType="withEffect">
+                                  <p:stCondLst>
+                                    <p:cond delay="0"/>
+                                  </p:stCondLst>
+                                  <p:childTnLst>
+                                    <p:set>
+                                      <p:cBhvr>
+                                        <p:cTn id="14" dur="1" fill="hold">
+                                          <p:stCondLst>
+                                            <p:cond delay="0"/>
+                                          </p:stCondLst>
+                                        </p:cTn>
+                                        <p:tgtEl>
+                                          <p:spTgt spid="26"/>
+                                        </p:tgtEl>
+                                        <p:attrNameLst>
+                                          <p:attrName>style.visibility</p:attrName>
+                                        </p:attrNameLst>
+                                      </p:cBhvr>
+                                      <p:to>
+                                        <p:strVal val="visible"/>
+                                      </p:to>
+                                    </p:set>
+                                    <p:animEffect transition="in" filter="fade">
+                                      <p:cBhvr>
+                                        <p:cTn id="15" dur="500"/>
+                                        <p:tgtEl>
+                                          <p:spTgt spid="26"/>
+                                        </p:tgtEl>
+                                      </p:cBhvr>
+                                    </p:animEffect>
+                                  </p:childTnLst>
+                                </p:cTn>
+                              </p:par>
                             </p:childTnLst>
                           </p:cTn>
                         </p:par>
@@ -9602,6 +12899,7 @@
     </p:tnLst>
     <p:bldLst>
       <p:bldP spid="2" grpId="0"/>
+      <p:bldP spid="26" grpId="0"/>
     </p:bldLst>
   </p:timing>
 </p:sld>
@@ -9679,14 +12977,652 @@
         </p:blipFill>
         <p:spPr>
           <a:xfrm>
-            <a:off x="0" y="1215736"/>
-            <a:ext cx="12192000" cy="5575095"/>
+            <a:off x="4378195" y="1879599"/>
+            <a:ext cx="7813805" cy="4545307"/>
           </a:xfrm>
           <a:prstGeom prst="rect">
             <a:avLst/>
           </a:prstGeom>
         </p:spPr>
       </p:pic>
+      <p:grpSp>
+        <p:nvGrpSpPr>
+          <p:cNvPr id="3" name="Group 2">
+            <a:extLst>
+              <a:ext uri="{FF2B5EF4-FFF2-40B4-BE49-F238E27FC236}">
+                <a16:creationId xmlns:a16="http://schemas.microsoft.com/office/drawing/2014/main" id="{F25DE2EA-1C2E-C05D-70E4-167052B6EC32}"/>
+              </a:ext>
+            </a:extLst>
+          </p:cNvPr>
+          <p:cNvGrpSpPr/>
+          <p:nvPr/>
+        </p:nvGrpSpPr>
+        <p:grpSpPr>
+          <a:xfrm>
+            <a:off x="0" y="1764487"/>
+            <a:ext cx="4266141" cy="4422282"/>
+            <a:chOff x="793790" y="1907619"/>
+            <a:chExt cx="7556420" cy="5523681"/>
+          </a:xfrm>
+        </p:grpSpPr>
+        <p:sp>
+          <p:nvSpPr>
+            <p:cNvPr id="4" name="Shape 1">
+              <a:extLst>
+                <a:ext uri="{FF2B5EF4-FFF2-40B4-BE49-F238E27FC236}">
+                  <a16:creationId xmlns:a16="http://schemas.microsoft.com/office/drawing/2014/main" id="{DB6AC7E9-2275-9A43-611D-F24F10A104EA}"/>
+                </a:ext>
+              </a:extLst>
+            </p:cNvPr>
+            <p:cNvSpPr/>
+            <p:nvPr/>
+          </p:nvSpPr>
+          <p:spPr>
+            <a:xfrm>
+              <a:off x="1048941" y="1907619"/>
+              <a:ext cx="30480" cy="5463183"/>
+            </a:xfrm>
+            <a:prstGeom prst="roundRect">
+              <a:avLst>
+                <a:gd name="adj" fmla="val 111628"/>
+              </a:avLst>
+            </a:prstGeom>
+            <a:solidFill>
+              <a:srgbClr val="D4CEC3"/>
+            </a:solidFill>
+            <a:ln/>
+          </p:spPr>
+          <p:txBody>
+            <a:bodyPr/>
+            <a:lstStyle/>
+            <a:p>
+              <a:endParaRPr lang="en-US"/>
+            </a:p>
+          </p:txBody>
+        </p:sp>
+        <p:sp>
+          <p:nvSpPr>
+            <p:cNvPr id="5" name="Shape 2">
+              <a:extLst>
+                <a:ext uri="{FF2B5EF4-FFF2-40B4-BE49-F238E27FC236}">
+                  <a16:creationId xmlns:a16="http://schemas.microsoft.com/office/drawing/2014/main" id="{8EF2EBFF-1622-6D0D-CD4C-5C76099D3F38}"/>
+                </a:ext>
+              </a:extLst>
+            </p:cNvPr>
+            <p:cNvSpPr/>
+            <p:nvPr/>
+          </p:nvSpPr>
+          <p:spPr>
+            <a:xfrm>
+              <a:off x="1273612" y="2402681"/>
+              <a:ext cx="680442" cy="30480"/>
+            </a:xfrm>
+            <a:prstGeom prst="roundRect">
+              <a:avLst>
+                <a:gd name="adj" fmla="val 111628"/>
+              </a:avLst>
+            </a:prstGeom>
+            <a:solidFill>
+              <a:srgbClr val="D4CEC3"/>
+            </a:solidFill>
+            <a:ln/>
+          </p:spPr>
+          <p:txBody>
+            <a:bodyPr/>
+            <a:lstStyle/>
+            <a:p>
+              <a:endParaRPr lang="en-US"/>
+            </a:p>
+          </p:txBody>
+        </p:sp>
+        <p:sp>
+          <p:nvSpPr>
+            <p:cNvPr id="7" name="Shape 3">
+              <a:extLst>
+                <a:ext uri="{FF2B5EF4-FFF2-40B4-BE49-F238E27FC236}">
+                  <a16:creationId xmlns:a16="http://schemas.microsoft.com/office/drawing/2014/main" id="{50F8BF2F-B825-216B-0392-991860F704BC}"/>
+                </a:ext>
+              </a:extLst>
+            </p:cNvPr>
+            <p:cNvSpPr/>
+            <p:nvPr/>
+          </p:nvSpPr>
+          <p:spPr>
+            <a:xfrm>
+              <a:off x="793790" y="2162770"/>
+              <a:ext cx="510302" cy="510302"/>
+            </a:xfrm>
+            <a:prstGeom prst="roundRect">
+              <a:avLst>
+                <a:gd name="adj" fmla="val 6667"/>
+              </a:avLst>
+            </a:prstGeom>
+            <a:solidFill>
+              <a:srgbClr val="EEE8DD"/>
+            </a:solidFill>
+            <a:ln/>
+          </p:spPr>
+          <p:txBody>
+            <a:bodyPr/>
+            <a:lstStyle/>
+            <a:p>
+              <a:endParaRPr lang="en-US"/>
+            </a:p>
+          </p:txBody>
+        </p:sp>
+        <p:pic>
+          <p:nvPicPr>
+            <p:cNvPr id="8" name="Image 1" descr="preencoded.png">
+              <a:extLst>
+                <a:ext uri="{FF2B5EF4-FFF2-40B4-BE49-F238E27FC236}">
+                  <a16:creationId xmlns:a16="http://schemas.microsoft.com/office/drawing/2014/main" id="{41CAA193-5C87-7257-F2D2-D10F272C6196}"/>
+                </a:ext>
+              </a:extLst>
+            </p:cNvPr>
+            <p:cNvPicPr>
+              <a:picLocks noChangeAspect="1"/>
+            </p:cNvPicPr>
+            <p:nvPr/>
+          </p:nvPicPr>
+          <p:blipFill>
+            <a:blip r:embed="rId3"/>
+            <a:stretch>
+              <a:fillRect/>
+            </a:stretch>
+          </p:blipFill>
+          <p:spPr>
+            <a:xfrm>
+              <a:off x="824272" y="2190036"/>
+              <a:ext cx="425232" cy="425291"/>
+            </a:xfrm>
+            <a:prstGeom prst="rect">
+              <a:avLst/>
+            </a:prstGeom>
+          </p:spPr>
+        </p:pic>
+        <p:sp>
+          <p:nvSpPr>
+            <p:cNvPr id="9" name="Text 4">
+              <a:extLst>
+                <a:ext uri="{FF2B5EF4-FFF2-40B4-BE49-F238E27FC236}">
+                  <a16:creationId xmlns:a16="http://schemas.microsoft.com/office/drawing/2014/main" id="{625E4496-DC8D-4E54-1B62-1898047F6CD5}"/>
+                </a:ext>
+              </a:extLst>
+            </p:cNvPr>
+            <p:cNvSpPr/>
+            <p:nvPr/>
+          </p:nvSpPr>
+          <p:spPr>
+            <a:xfrm>
+              <a:off x="2183011" y="2134433"/>
+              <a:ext cx="2835235" cy="354330"/>
+            </a:xfrm>
+            <a:prstGeom prst="rect">
+              <a:avLst/>
+            </a:prstGeom>
+            <a:noFill/>
+            <a:ln/>
+          </p:spPr>
+          <p:txBody>
+            <a:bodyPr wrap="none" lIns="0" tIns="0" rIns="0" bIns="0" rtlCol="0" anchor="t"/>
+            <a:lstStyle/>
+            <a:p>
+              <a:pPr marL="0" indent="0" algn="l">
+                <a:lnSpc>
+                  <a:spcPts val="2750"/>
+                </a:lnSpc>
+                <a:buNone/>
+              </a:pPr>
+              <a:r>
+                <a:rPr lang="en-US" b="1" dirty="0">
+                  <a:latin typeface="Avenir Next LT Pro (Body)"/>
+                  <a:ea typeface="Gelasio Semi Bold" pitchFamily="34" charset="-122"/>
+                  <a:cs typeface="Gelasio Semi Bold" pitchFamily="34" charset="-120"/>
+                </a:rPr>
+                <a:t>Week 10-11</a:t>
+              </a:r>
+              <a:endParaRPr lang="en-US" b="1" dirty="0">
+                <a:latin typeface="Avenir Next LT Pro (Body)"/>
+              </a:endParaRPr>
+            </a:p>
+          </p:txBody>
+        </p:sp>
+        <p:sp>
+          <p:nvSpPr>
+            <p:cNvPr id="10" name="Text 5">
+              <a:extLst>
+                <a:ext uri="{FF2B5EF4-FFF2-40B4-BE49-F238E27FC236}">
+                  <a16:creationId xmlns:a16="http://schemas.microsoft.com/office/drawing/2014/main" id="{AFB4AA2E-2F04-36C7-6A36-77B82113380A}"/>
+                </a:ext>
+              </a:extLst>
+            </p:cNvPr>
+            <p:cNvSpPr/>
+            <p:nvPr/>
+          </p:nvSpPr>
+          <p:spPr>
+            <a:xfrm>
+              <a:off x="2183011" y="2624852"/>
+              <a:ext cx="6167199" cy="725805"/>
+            </a:xfrm>
+            <a:prstGeom prst="rect">
+              <a:avLst/>
+            </a:prstGeom>
+            <a:noFill/>
+            <a:ln/>
+          </p:spPr>
+          <p:txBody>
+            <a:bodyPr wrap="square" lIns="0" tIns="0" rIns="0" bIns="0" rtlCol="0" anchor="t"/>
+            <a:lstStyle/>
+            <a:p>
+              <a:pPr marL="0" indent="0" algn="l">
+                <a:lnSpc>
+                  <a:spcPts val="2850"/>
+                </a:lnSpc>
+                <a:buNone/>
+              </a:pPr>
+              <a:r>
+                <a:rPr lang="en-US" sz="1400" dirty="0">
+                  <a:latin typeface="Avenir Next LT Pro (Body)"/>
+                  <a:ea typeface="Gelasio" pitchFamily="34" charset="-122"/>
+                  <a:cs typeface="Gelasio" pitchFamily="34" charset="-120"/>
+                </a:rPr>
+                <a:t>Initial uncertainty and slight decline in volumes as businesses assessed situation</a:t>
+              </a:r>
+              <a:endParaRPr lang="en-US" sz="1400" dirty="0">
+                <a:latin typeface="Avenir Next LT Pro (Body)"/>
+              </a:endParaRPr>
+            </a:p>
+          </p:txBody>
+        </p:sp>
+        <p:sp>
+          <p:nvSpPr>
+            <p:cNvPr id="11" name="Shape 6">
+              <a:extLst>
+                <a:ext uri="{FF2B5EF4-FFF2-40B4-BE49-F238E27FC236}">
+                  <a16:creationId xmlns:a16="http://schemas.microsoft.com/office/drawing/2014/main" id="{AEFBB7F4-A3F9-FCFA-C3CE-749688998AC9}"/>
+                </a:ext>
+              </a:extLst>
+            </p:cNvPr>
+            <p:cNvSpPr/>
+            <p:nvPr/>
+          </p:nvSpPr>
+          <p:spPr>
+            <a:xfrm>
+              <a:off x="1273612" y="4299347"/>
+              <a:ext cx="680442" cy="30480"/>
+            </a:xfrm>
+            <a:prstGeom prst="roundRect">
+              <a:avLst>
+                <a:gd name="adj" fmla="val 111628"/>
+              </a:avLst>
+            </a:prstGeom>
+            <a:solidFill>
+              <a:srgbClr val="D4CEC3"/>
+            </a:solidFill>
+            <a:ln/>
+          </p:spPr>
+          <p:txBody>
+            <a:bodyPr/>
+            <a:lstStyle/>
+            <a:p>
+              <a:endParaRPr lang="en-US"/>
+            </a:p>
+          </p:txBody>
+        </p:sp>
+        <p:sp>
+          <p:nvSpPr>
+            <p:cNvPr id="12" name="Shape 7">
+              <a:extLst>
+                <a:ext uri="{FF2B5EF4-FFF2-40B4-BE49-F238E27FC236}">
+                  <a16:creationId xmlns:a16="http://schemas.microsoft.com/office/drawing/2014/main" id="{91437E9B-19B3-5A45-20A5-CA1F6F4F56AC}"/>
+                </a:ext>
+              </a:extLst>
+            </p:cNvPr>
+            <p:cNvSpPr/>
+            <p:nvPr/>
+          </p:nvSpPr>
+          <p:spPr>
+            <a:xfrm>
+              <a:off x="793790" y="4059436"/>
+              <a:ext cx="510302" cy="510302"/>
+            </a:xfrm>
+            <a:prstGeom prst="roundRect">
+              <a:avLst>
+                <a:gd name="adj" fmla="val 6667"/>
+              </a:avLst>
+            </a:prstGeom>
+            <a:solidFill>
+              <a:srgbClr val="EEE8DD"/>
+            </a:solidFill>
+            <a:ln/>
+          </p:spPr>
+          <p:txBody>
+            <a:bodyPr/>
+            <a:lstStyle/>
+            <a:p>
+              <a:endParaRPr lang="en-US"/>
+            </a:p>
+          </p:txBody>
+        </p:sp>
+        <p:pic>
+          <p:nvPicPr>
+            <p:cNvPr id="13" name="Image 2" descr="preencoded.png">
+              <a:extLst>
+                <a:ext uri="{FF2B5EF4-FFF2-40B4-BE49-F238E27FC236}">
+                  <a16:creationId xmlns:a16="http://schemas.microsoft.com/office/drawing/2014/main" id="{1970DFA8-C8C2-70FA-6DF3-60D24C4F0D34}"/>
+                </a:ext>
+              </a:extLst>
+            </p:cNvPr>
+            <p:cNvPicPr>
+              <a:picLocks noChangeAspect="1"/>
+            </p:cNvPicPr>
+            <p:nvPr/>
+          </p:nvPicPr>
+          <p:blipFill>
+            <a:blip r:embed="rId4"/>
+            <a:stretch>
+              <a:fillRect/>
+            </a:stretch>
+          </p:blipFill>
+          <p:spPr>
+            <a:xfrm>
+              <a:off x="793790" y="4101941"/>
+              <a:ext cx="455715" cy="425291"/>
+            </a:xfrm>
+            <a:prstGeom prst="rect">
+              <a:avLst/>
+            </a:prstGeom>
+          </p:spPr>
+        </p:pic>
+        <p:sp>
+          <p:nvSpPr>
+            <p:cNvPr id="14" name="Text 8">
+              <a:extLst>
+                <a:ext uri="{FF2B5EF4-FFF2-40B4-BE49-F238E27FC236}">
+                  <a16:creationId xmlns:a16="http://schemas.microsoft.com/office/drawing/2014/main" id="{873AE62F-7510-9A80-90A1-3D9B5BB5CA78}"/>
+                </a:ext>
+              </a:extLst>
+            </p:cNvPr>
+            <p:cNvSpPr/>
+            <p:nvPr/>
+          </p:nvSpPr>
+          <p:spPr>
+            <a:xfrm>
+              <a:off x="2183011" y="4031099"/>
+              <a:ext cx="2835235" cy="354330"/>
+            </a:xfrm>
+            <a:prstGeom prst="rect">
+              <a:avLst/>
+            </a:prstGeom>
+            <a:noFill/>
+            <a:ln/>
+          </p:spPr>
+          <p:txBody>
+            <a:bodyPr wrap="none" lIns="0" tIns="0" rIns="0" bIns="0" rtlCol="0" anchor="t"/>
+            <a:lstStyle/>
+            <a:p>
+              <a:pPr marL="0" indent="0" algn="l">
+                <a:lnSpc>
+                  <a:spcPts val="2750"/>
+                </a:lnSpc>
+                <a:buNone/>
+              </a:pPr>
+              <a:r>
+                <a:rPr lang="en-US" b="1" dirty="0">
+                  <a:latin typeface="Avenir Next LT Pro (Body)"/>
+                  <a:ea typeface="Gelasio Semi Bold" pitchFamily="34" charset="-122"/>
+                  <a:cs typeface="Gelasio Semi Bold" pitchFamily="34" charset="-120"/>
+                </a:rPr>
+                <a:t>Week 12</a:t>
+              </a:r>
+              <a:endParaRPr lang="en-US" b="1" dirty="0">
+                <a:latin typeface="Avenir Next LT Pro (Body)"/>
+              </a:endParaRPr>
+            </a:p>
+          </p:txBody>
+        </p:sp>
+        <p:sp>
+          <p:nvSpPr>
+            <p:cNvPr id="15" name="Text 9">
+              <a:extLst>
+                <a:ext uri="{FF2B5EF4-FFF2-40B4-BE49-F238E27FC236}">
+                  <a16:creationId xmlns:a16="http://schemas.microsoft.com/office/drawing/2014/main" id="{9D847599-1B95-8DC7-4BA3-05FFB845D0E6}"/>
+                </a:ext>
+              </a:extLst>
+            </p:cNvPr>
+            <p:cNvSpPr/>
+            <p:nvPr/>
+          </p:nvSpPr>
+          <p:spPr>
+            <a:xfrm>
+              <a:off x="2183011" y="4521517"/>
+              <a:ext cx="6167199" cy="725805"/>
+            </a:xfrm>
+            <a:prstGeom prst="rect">
+              <a:avLst/>
+            </a:prstGeom>
+            <a:noFill/>
+            <a:ln/>
+          </p:spPr>
+          <p:txBody>
+            <a:bodyPr wrap="square" lIns="0" tIns="0" rIns="0" bIns="0" rtlCol="0" anchor="t"/>
+            <a:lstStyle/>
+            <a:p>
+              <a:pPr marL="0" indent="0" algn="l">
+                <a:lnSpc>
+                  <a:spcPts val="2850"/>
+                </a:lnSpc>
+                <a:buNone/>
+              </a:pPr>
+              <a:r>
+                <a:rPr lang="en-US" sz="1400" dirty="0">
+                  <a:latin typeface="Avenir Next LT Pro (Body)"/>
+                  <a:ea typeface="Gelasio" pitchFamily="34" charset="-122"/>
+                  <a:cs typeface="Gelasio" pitchFamily="34" charset="-120"/>
+                </a:rPr>
+                <a:t>Dramatic volume increase as lockdowns implemented and e-commerce adoption surged</a:t>
+              </a:r>
+              <a:endParaRPr lang="en-US" sz="1400" dirty="0">
+                <a:latin typeface="Avenir Next LT Pro (Body)"/>
+              </a:endParaRPr>
+            </a:p>
+          </p:txBody>
+        </p:sp>
+        <p:sp>
+          <p:nvSpPr>
+            <p:cNvPr id="16" name="Shape 10">
+              <a:extLst>
+                <a:ext uri="{FF2B5EF4-FFF2-40B4-BE49-F238E27FC236}">
+                  <a16:creationId xmlns:a16="http://schemas.microsoft.com/office/drawing/2014/main" id="{20A4C0B8-062B-F8FA-B9CF-6A5B2A5B50E6}"/>
+                </a:ext>
+              </a:extLst>
+            </p:cNvPr>
+            <p:cNvSpPr/>
+            <p:nvPr/>
+          </p:nvSpPr>
+          <p:spPr>
+            <a:xfrm>
+              <a:off x="1304093" y="6435924"/>
+              <a:ext cx="680442" cy="30479"/>
+            </a:xfrm>
+            <a:prstGeom prst="roundRect">
+              <a:avLst>
+                <a:gd name="adj" fmla="val 111628"/>
+              </a:avLst>
+            </a:prstGeom>
+            <a:solidFill>
+              <a:srgbClr val="D4CEC3"/>
+            </a:solidFill>
+            <a:ln/>
+          </p:spPr>
+          <p:txBody>
+            <a:bodyPr/>
+            <a:lstStyle/>
+            <a:p>
+              <a:endParaRPr lang="en-US"/>
+            </a:p>
+          </p:txBody>
+        </p:sp>
+        <p:sp>
+          <p:nvSpPr>
+            <p:cNvPr id="17" name="Shape 11">
+              <a:extLst>
+                <a:ext uri="{FF2B5EF4-FFF2-40B4-BE49-F238E27FC236}">
+                  <a16:creationId xmlns:a16="http://schemas.microsoft.com/office/drawing/2014/main" id="{4AEA2B05-C6C7-E0E6-695A-DFE208CA5B0D}"/>
+                </a:ext>
+              </a:extLst>
+            </p:cNvPr>
+            <p:cNvSpPr/>
+            <p:nvPr/>
+          </p:nvSpPr>
+          <p:spPr>
+            <a:xfrm>
+              <a:off x="824271" y="6196013"/>
+              <a:ext cx="510303" cy="510302"/>
+            </a:xfrm>
+            <a:prstGeom prst="roundRect">
+              <a:avLst>
+                <a:gd name="adj" fmla="val 6667"/>
+              </a:avLst>
+            </a:prstGeom>
+            <a:solidFill>
+              <a:srgbClr val="EEE8DD"/>
+            </a:solidFill>
+            <a:ln/>
+          </p:spPr>
+          <p:txBody>
+            <a:bodyPr/>
+            <a:lstStyle/>
+            <a:p>
+              <a:endParaRPr lang="en-US"/>
+            </a:p>
+          </p:txBody>
+        </p:sp>
+        <p:pic>
+          <p:nvPicPr>
+            <p:cNvPr id="18" name="Image 3" descr="preencoded.png">
+              <a:extLst>
+                <a:ext uri="{FF2B5EF4-FFF2-40B4-BE49-F238E27FC236}">
+                  <a16:creationId xmlns:a16="http://schemas.microsoft.com/office/drawing/2014/main" id="{525FE79A-590D-15BA-D59D-0B3C0E7759F2}"/>
+                </a:ext>
+              </a:extLst>
+            </p:cNvPr>
+            <p:cNvPicPr>
+              <a:picLocks noChangeAspect="1"/>
+            </p:cNvPicPr>
+            <p:nvPr/>
+          </p:nvPicPr>
+          <p:blipFill>
+            <a:blip r:embed="rId5"/>
+            <a:stretch>
+              <a:fillRect/>
+            </a:stretch>
+          </p:blipFill>
+          <p:spPr>
+            <a:xfrm>
+              <a:off x="866803" y="6217886"/>
+              <a:ext cx="425234" cy="425291"/>
+            </a:xfrm>
+            <a:prstGeom prst="rect">
+              <a:avLst/>
+            </a:prstGeom>
+          </p:spPr>
+        </p:pic>
+        <p:sp>
+          <p:nvSpPr>
+            <p:cNvPr id="19" name="Text 12">
+              <a:extLst>
+                <a:ext uri="{FF2B5EF4-FFF2-40B4-BE49-F238E27FC236}">
+                  <a16:creationId xmlns:a16="http://schemas.microsoft.com/office/drawing/2014/main" id="{2C9490A8-DE0D-C94C-C20C-FA51E648F204}"/>
+                </a:ext>
+              </a:extLst>
+            </p:cNvPr>
+            <p:cNvSpPr/>
+            <p:nvPr/>
+          </p:nvSpPr>
+          <p:spPr>
+            <a:xfrm>
+              <a:off x="2183011" y="6215079"/>
+              <a:ext cx="2835234" cy="354330"/>
+            </a:xfrm>
+            <a:prstGeom prst="rect">
+              <a:avLst/>
+            </a:prstGeom>
+            <a:noFill/>
+            <a:ln/>
+          </p:spPr>
+          <p:txBody>
+            <a:bodyPr wrap="none" lIns="0" tIns="0" rIns="0" bIns="0" rtlCol="0" anchor="t"/>
+            <a:lstStyle/>
+            <a:p>
+              <a:pPr marL="0" indent="0" algn="l">
+                <a:lnSpc>
+                  <a:spcPts val="2750"/>
+                </a:lnSpc>
+                <a:buNone/>
+              </a:pPr>
+              <a:r>
+                <a:rPr lang="en-US" b="1" dirty="0">
+                  <a:latin typeface="Avenir Next LT Pro (Body)"/>
+                  <a:ea typeface="Gelasio Semi Bold" pitchFamily="34" charset="-122"/>
+                  <a:cs typeface="Gelasio Semi Bold" pitchFamily="34" charset="-120"/>
+                </a:rPr>
+                <a:t>Week 13-16</a:t>
+              </a:r>
+              <a:endParaRPr lang="en-US" b="1" dirty="0">
+                <a:latin typeface="Avenir Next LT Pro (Body)"/>
+              </a:endParaRPr>
+            </a:p>
+          </p:txBody>
+        </p:sp>
+        <p:sp>
+          <p:nvSpPr>
+            <p:cNvPr id="20" name="Text 13">
+              <a:extLst>
+                <a:ext uri="{FF2B5EF4-FFF2-40B4-BE49-F238E27FC236}">
+                  <a16:creationId xmlns:a16="http://schemas.microsoft.com/office/drawing/2014/main" id="{3A872F36-4086-A3E5-02E8-A63F9DC1BE2B}"/>
+                </a:ext>
+              </a:extLst>
+            </p:cNvPr>
+            <p:cNvSpPr/>
+            <p:nvPr/>
+          </p:nvSpPr>
+          <p:spPr>
+            <a:xfrm>
+              <a:off x="2183011" y="6705496"/>
+              <a:ext cx="6167199" cy="725804"/>
+            </a:xfrm>
+            <a:prstGeom prst="rect">
+              <a:avLst/>
+            </a:prstGeom>
+            <a:noFill/>
+            <a:ln/>
+          </p:spPr>
+          <p:txBody>
+            <a:bodyPr wrap="square" lIns="0" tIns="0" rIns="0" bIns="0" rtlCol="0" anchor="t"/>
+            <a:lstStyle/>
+            <a:p>
+              <a:pPr marL="0" indent="0" algn="l">
+                <a:lnSpc>
+                  <a:spcPts val="2850"/>
+                </a:lnSpc>
+                <a:buNone/>
+              </a:pPr>
+              <a:r>
+                <a:rPr lang="en-US" sz="1400" dirty="0">
+                  <a:latin typeface="Avenir Next LT Pro (Body)"/>
+                  <a:ea typeface="Gelasio" pitchFamily="34" charset="-122"/>
+                  <a:cs typeface="Gelasio" pitchFamily="34" charset="-120"/>
+                </a:rPr>
+                <a:t>Sustained growth pattern establishing new baseline demand levels</a:t>
+              </a:r>
+              <a:endParaRPr lang="en-US" sz="1400" dirty="0">
+                <a:latin typeface="Avenir Next LT Pro (Body)"/>
+              </a:endParaRPr>
+            </a:p>
+          </p:txBody>
+        </p:sp>
+      </p:grpSp>
     </p:spTree>
     <p:extLst>
       <p:ext uri="{BB962C8B-B14F-4D97-AF65-F5344CB8AC3E}">
@@ -9799,6 +13735,41 @@
                                         <p:cTn id="12" dur="500"/>
                                         <p:tgtEl>
                                           <p:spTgt spid="6"/>
+                                        </p:tgtEl>
+                                      </p:cBhvr>
+                                    </p:animEffect>
+                                  </p:childTnLst>
+                                </p:cTn>
+                              </p:par>
+                              <p:par>
+                                <p:cTn id="13" presetID="10" presetClass="entr" presetSubtype="0" fill="hold" nodeType="withEffect">
+                                  <p:stCondLst>
+                                    <p:cond delay="0"/>
+                                  </p:stCondLst>
+                                  <p:childTnLst>
+                                    <p:set>
+                                      <p:cBhvr>
+                                        <p:cTn id="14" dur="1" fill="hold">
+                                          <p:stCondLst>
+                                            <p:cond delay="0"/>
+                                          </p:stCondLst>
+                                        </p:cTn>
+                                        <p:tgtEl>
+                                          <p:spTgt spid="3"/>
+                                        </p:tgtEl>
+                                        <p:attrNameLst>
+                                          <p:attrName>style.visibility</p:attrName>
+                                        </p:attrNameLst>
+                                      </p:cBhvr>
+                                      <p:to>
+                                        <p:strVal val="visible"/>
+                                      </p:to>
+                                    </p:set>
+                                    <p:animEffect transition="in" filter="fade">
+                                      <p:cBhvr>
+                                        <p:cTn id="15" dur="500"/>
+                                        <p:tgtEl>
+                                          <p:spTgt spid="3"/>
                                         </p:tgtEl>
                                       </p:cBhvr>
                                     </p:animEffect>
@@ -10173,7 +14144,7 @@
         </p:nvSpPr>
         <p:spPr>
           <a:xfrm>
-            <a:off x="609600" y="557784"/>
+            <a:off x="766917" y="400468"/>
             <a:ext cx="10972800" cy="761861"/>
           </a:xfrm>
         </p:spPr>
@@ -10190,12 +14161,66 @@
           </a:p>
         </p:txBody>
       </p:sp>
+      <p:sp>
+        <p:nvSpPr>
+          <p:cNvPr id="3" name="Title 1">
+            <a:extLst>
+              <a:ext uri="{FF2B5EF4-FFF2-40B4-BE49-F238E27FC236}">
+                <a16:creationId xmlns:a16="http://schemas.microsoft.com/office/drawing/2014/main" id="{E4FCA899-F0E8-0C5C-6FC0-4CB4577340D9}"/>
+              </a:ext>
+            </a:extLst>
+          </p:cNvPr>
+          <p:cNvSpPr txBox="1">
+            <a:spLocks/>
+          </p:cNvSpPr>
+          <p:nvPr/>
+        </p:nvSpPr>
+        <p:spPr>
+          <a:xfrm>
+            <a:off x="766917" y="400468"/>
+            <a:ext cx="10972800" cy="761861"/>
+          </a:xfrm>
+          <a:prstGeom prst="rect">
+            <a:avLst/>
+          </a:prstGeom>
+        </p:spPr>
+        <p:txBody>
+          <a:bodyPr vert="horz" lIns="91440" tIns="45720" rIns="91440" bIns="45720" rtlCol="0" anchor="b">
+            <a:noAutofit/>
+          </a:bodyPr>
+          <a:lstStyle>
+            <a:lvl1pPr algn="l" defTabSz="914400" rtl="0" eaLnBrk="1" latinLnBrk="0" hangingPunct="1">
+              <a:lnSpc>
+                <a:spcPct val="100000"/>
+              </a:lnSpc>
+              <a:spcBef>
+                <a:spcPct val="0"/>
+              </a:spcBef>
+              <a:buNone/>
+              <a:defRPr sz="4400" kern="1200">
+                <a:solidFill>
+                  <a:schemeClr val="tx1"/>
+                </a:solidFill>
+                <a:latin typeface="+mj-lt"/>
+                <a:ea typeface="+mj-ea"/>
+                <a:cs typeface="+mj-cs"/>
+              </a:defRPr>
+            </a:lvl1pPr>
+          </a:lstStyle>
+          <a:p>
+            <a:r>
+              <a:rPr lang="en-US" dirty="0"/>
+              <a:t>COVID Timeline vs Volume Spike</a:t>
+            </a:r>
+          </a:p>
+        </p:txBody>
+      </p:sp>
       <p:graphicFrame>
         <p:nvGraphicFramePr>
-          <p:cNvPr id="9" name="Table 8">
+          <p:cNvPr id="5" name="Table 4">
             <a:extLst>
               <a:ext uri="{FF2B5EF4-FFF2-40B4-BE49-F238E27FC236}">
-                <a16:creationId xmlns:a16="http://schemas.microsoft.com/office/drawing/2014/main" id="{6FD19C98-96D1-56A4-31EE-D7AC73591A56}"/>
+                <a16:creationId xmlns:a16="http://schemas.microsoft.com/office/drawing/2014/main" id="{0DD70E9B-B305-BDE0-6594-57B032FD5691}"/>
               </a:ext>
             </a:extLst>
           </p:cNvPr>
@@ -10205,13 +14230,13 @@
           <p:nvPr>
             <p:extLst>
               <p:ext uri="{D42A27DB-BD31-4B8C-83A1-F6EECF244321}">
-                <p14:modId xmlns:p14="http://schemas.microsoft.com/office/powerpoint/2010/main" val="776228562"/>
+                <p14:modId xmlns:p14="http://schemas.microsoft.com/office/powerpoint/2010/main" val="4157337827"/>
               </p:ext>
             </p:extLst>
           </p:nvPr>
         </p:nvGraphicFramePr>
         <p:xfrm>
-          <a:off x="6941575" y="1450722"/>
+          <a:off x="7098892" y="1293406"/>
           <a:ext cx="4532670" cy="2323730"/>
         </p:xfrm>
         <a:graphic>
@@ -10782,10 +14807,10 @@
       </p:graphicFrame>
       <p:cxnSp>
         <p:nvCxnSpPr>
-          <p:cNvPr id="4" name="Straight Connector 3">
+          <p:cNvPr id="6" name="Straight Connector 5">
             <a:extLst>
               <a:ext uri="{FF2B5EF4-FFF2-40B4-BE49-F238E27FC236}">
-                <a16:creationId xmlns:a16="http://schemas.microsoft.com/office/drawing/2014/main" id="{2B47827D-1C6B-DF57-E859-E74FAE2A8673}"/>
+                <a16:creationId xmlns:a16="http://schemas.microsoft.com/office/drawing/2014/main" id="{8FB612F4-A3CC-B859-BD91-0E7942CEF4D7}"/>
               </a:ext>
             </a:extLst>
           </p:cNvPr>
@@ -10796,7 +14821,7 @@
         </p:nvCxnSpPr>
         <p:spPr>
           <a:xfrm>
-            <a:off x="7101036" y="2113934"/>
+            <a:off x="7258353" y="1956618"/>
             <a:ext cx="563567" cy="0"/>
           </a:xfrm>
           <a:prstGeom prst="line">
@@ -10829,10 +14854,10 @@
       </p:cxnSp>
       <p:cxnSp>
         <p:nvCxnSpPr>
-          <p:cNvPr id="6" name="Straight Connector 5">
+          <p:cNvPr id="7" name="Straight Connector 6">
             <a:extLst>
               <a:ext uri="{FF2B5EF4-FFF2-40B4-BE49-F238E27FC236}">
-                <a16:creationId xmlns:a16="http://schemas.microsoft.com/office/drawing/2014/main" id="{4CB51246-4BE7-1EEC-73AD-2FD849BC074C}"/>
+                <a16:creationId xmlns:a16="http://schemas.microsoft.com/office/drawing/2014/main" id="{B7D43213-9FB7-CDB9-A3A7-325ED56074CA}"/>
               </a:ext>
             </a:extLst>
           </p:cNvPr>
@@ -10843,7 +14868,7 @@
         </p:nvCxnSpPr>
         <p:spPr>
           <a:xfrm>
-            <a:off x="7101036" y="2482644"/>
+            <a:off x="7258353" y="2325328"/>
             <a:ext cx="563567" cy="0"/>
           </a:xfrm>
           <a:prstGeom prst="line">
@@ -10879,7 +14904,7 @@
           <p:cNvPr id="8" name="Straight Connector 7">
             <a:extLst>
               <a:ext uri="{FF2B5EF4-FFF2-40B4-BE49-F238E27FC236}">
-                <a16:creationId xmlns:a16="http://schemas.microsoft.com/office/drawing/2014/main" id="{4BD2DBB9-4122-B065-5341-62465F606B37}"/>
+                <a16:creationId xmlns:a16="http://schemas.microsoft.com/office/drawing/2014/main" id="{F9D3C3B3-6C9A-600C-6E4D-1F764D60C66C}"/>
               </a:ext>
             </a:extLst>
           </p:cNvPr>
@@ -10890,7 +14915,7 @@
         </p:nvCxnSpPr>
         <p:spPr>
           <a:xfrm>
-            <a:off x="7129326" y="3202858"/>
+            <a:off x="7286643" y="3045542"/>
             <a:ext cx="563567" cy="0"/>
           </a:xfrm>
           <a:prstGeom prst="line">
@@ -10926,7 +14951,7 @@
           <p:cNvPr id="10" name="Straight Connector 9">
             <a:extLst>
               <a:ext uri="{FF2B5EF4-FFF2-40B4-BE49-F238E27FC236}">
-                <a16:creationId xmlns:a16="http://schemas.microsoft.com/office/drawing/2014/main" id="{B27B2BEC-209F-9E9B-A40D-B48CEBB885BF}"/>
+                <a16:creationId xmlns:a16="http://schemas.microsoft.com/office/drawing/2014/main" id="{FCF3B6D7-3B83-8E05-CA3F-2B01614A5ECA}"/>
               </a:ext>
             </a:extLst>
           </p:cNvPr>
@@ -10937,7 +14962,7 @@
         </p:nvCxnSpPr>
         <p:spPr>
           <a:xfrm>
-            <a:off x="7101036" y="3633019"/>
+            <a:off x="7258353" y="3475703"/>
             <a:ext cx="563567" cy="0"/>
           </a:xfrm>
           <a:prstGeom prst="line">
@@ -10973,7 +14998,7 @@
           <p:cNvPr id="11" name="Straight Connector 10">
             <a:extLst>
               <a:ext uri="{FF2B5EF4-FFF2-40B4-BE49-F238E27FC236}">
-                <a16:creationId xmlns:a16="http://schemas.microsoft.com/office/drawing/2014/main" id="{27104BC2-213E-33A3-0A1F-72C84D00954B}"/>
+                <a16:creationId xmlns:a16="http://schemas.microsoft.com/office/drawing/2014/main" id="{E5ADDB77-1B7E-7197-34A0-F38F13734185}"/>
               </a:ext>
             </a:extLst>
           </p:cNvPr>
@@ -10984,7 +15009,7 @@
         </p:nvCxnSpPr>
         <p:spPr>
           <a:xfrm>
-            <a:off x="7129326" y="2920179"/>
+            <a:off x="7286643" y="2762863"/>
             <a:ext cx="563567" cy="0"/>
           </a:xfrm>
           <a:prstGeom prst="line">
@@ -11017,10 +15042,10 @@
       </p:cxnSp>
       <p:pic>
         <p:nvPicPr>
-          <p:cNvPr id="23" name="Picture 22">
+          <p:cNvPr id="12" name="Picture 11">
             <a:extLst>
               <a:ext uri="{FF2B5EF4-FFF2-40B4-BE49-F238E27FC236}">
-                <a16:creationId xmlns:a16="http://schemas.microsoft.com/office/drawing/2014/main" id="{083F4164-84A4-864D-3626-F74ACDA4DBAE}"/>
+                <a16:creationId xmlns:a16="http://schemas.microsoft.com/office/drawing/2014/main" id="{578D864A-B18B-4EB3-E53E-FC5E4EF2A72A}"/>
               </a:ext>
             </a:extLst>
           </p:cNvPr>
@@ -11037,7 +15062,7 @@
         </p:blipFill>
         <p:spPr>
           <a:xfrm>
-            <a:off x="69191" y="1450722"/>
+            <a:off x="226508" y="1293406"/>
             <a:ext cx="6793726" cy="4916860"/>
           </a:xfrm>
           <a:prstGeom prst="rect">
@@ -11047,10 +15072,10 @@
       </p:pic>
       <p:sp>
         <p:nvSpPr>
-          <p:cNvPr id="24" name="TextBox 23">
+          <p:cNvPr id="13" name="TextBox 12">
             <a:extLst>
               <a:ext uri="{FF2B5EF4-FFF2-40B4-BE49-F238E27FC236}">
-                <a16:creationId xmlns:a16="http://schemas.microsoft.com/office/drawing/2014/main" id="{89AF8A89-BA15-3D09-07A5-B892EFFB0428}"/>
+                <a16:creationId xmlns:a16="http://schemas.microsoft.com/office/drawing/2014/main" id="{51BEE61F-6A18-12DA-17CD-3B1A2A4D6B0A}"/>
               </a:ext>
             </a:extLst>
           </p:cNvPr>
@@ -11059,7 +15084,7 @@
         </p:nvSpPr>
         <p:spPr>
           <a:xfrm>
-            <a:off x="6862917" y="3811012"/>
+            <a:off x="7020234" y="3653696"/>
             <a:ext cx="5259892" cy="3046988"/>
           </a:xfrm>
           <a:prstGeom prst="rect">
@@ -11171,9 +15196,6 @@
                     <p:cTn id="3" fill="hold">
                       <p:stCondLst>
                         <p:cond delay="indefinite"/>
-                        <p:cond evt="onBegin" delay="0">
-                          <p:tn val="2"/>
-                        </p:cond>
                       </p:stCondLst>
                       <p:childTnLst>
                         <p:par>
@@ -11183,7 +15205,7 @@
                             </p:stCondLst>
                             <p:childTnLst>
                               <p:par>
-                                <p:cTn id="5" presetID="10" presetClass="entr" presetSubtype="0" fill="hold" nodeType="withEffect">
+                                <p:cTn id="5" presetID="16" presetClass="entr" presetSubtype="21" fill="hold" grpId="0" nodeType="clickEffect">
                                   <p:stCondLst>
                                     <p:cond delay="0"/>
                                   </p:stCondLst>
@@ -11196,7 +15218,60 @@
                                           </p:stCondLst>
                                         </p:cTn>
                                         <p:tgtEl>
-                                          <p:spTgt spid="9"/>
+                                          <p:spTgt spid="3"/>
+                                        </p:tgtEl>
+                                        <p:attrNameLst>
+                                          <p:attrName>style.visibility</p:attrName>
+                                        </p:attrNameLst>
+                                      </p:cBhvr>
+                                      <p:to>
+                                        <p:strVal val="visible"/>
+                                      </p:to>
+                                    </p:set>
+                                    <p:animEffect transition="in" filter="barn(inVertical)">
+                                      <p:cBhvr>
+                                        <p:cTn id="7" dur="500"/>
+                                        <p:tgtEl>
+                                          <p:spTgt spid="3"/>
+                                        </p:tgtEl>
+                                      </p:cBhvr>
+                                    </p:animEffect>
+                                  </p:childTnLst>
+                                </p:cTn>
+                              </p:par>
+                            </p:childTnLst>
+                          </p:cTn>
+                        </p:par>
+                      </p:childTnLst>
+                    </p:cTn>
+                  </p:par>
+                  <p:par>
+                    <p:cTn id="8" fill="hold">
+                      <p:stCondLst>
+                        <p:cond delay="indefinite"/>
+                      </p:stCondLst>
+                      <p:childTnLst>
+                        <p:par>
+                          <p:cTn id="9" fill="hold">
+                            <p:stCondLst>
+                              <p:cond delay="0"/>
+                            </p:stCondLst>
+                            <p:childTnLst>
+                              <p:par>
+                                <p:cTn id="10" presetID="10" presetClass="entr" presetSubtype="0" fill="hold" nodeType="clickEffect">
+                                  <p:stCondLst>
+                                    <p:cond delay="0"/>
+                                  </p:stCondLst>
+                                  <p:childTnLst>
+                                    <p:set>
+                                      <p:cBhvr>
+                                        <p:cTn id="11" dur="1" fill="hold">
+                                          <p:stCondLst>
+                                            <p:cond delay="0"/>
+                                          </p:stCondLst>
+                                        </p:cTn>
+                                        <p:tgtEl>
+                                          <p:spTgt spid="5"/>
                                         </p:tgtEl>
                                         <p:attrNameLst>
                                           <p:attrName>style.visibility</p:attrName>
@@ -11208,9 +15283,505 @@
                                     </p:set>
                                     <p:animEffect transition="in" filter="fade">
                                       <p:cBhvr>
+                                        <p:cTn id="12" dur="500"/>
+                                        <p:tgtEl>
+                                          <p:spTgt spid="5"/>
+                                        </p:tgtEl>
+                                      </p:cBhvr>
+                                    </p:animEffect>
+                                  </p:childTnLst>
+                                </p:cTn>
+                              </p:par>
+                              <p:par>
+                                <p:cTn id="13" presetID="10" presetClass="entr" presetSubtype="0" fill="hold" nodeType="withEffect">
+                                  <p:stCondLst>
+                                    <p:cond delay="0"/>
+                                  </p:stCondLst>
+                                  <p:childTnLst>
+                                    <p:set>
+                                      <p:cBhvr>
+                                        <p:cTn id="14" dur="1" fill="hold">
+                                          <p:stCondLst>
+                                            <p:cond delay="0"/>
+                                          </p:stCondLst>
+                                        </p:cTn>
+                                        <p:tgtEl>
+                                          <p:spTgt spid="6"/>
+                                        </p:tgtEl>
+                                        <p:attrNameLst>
+                                          <p:attrName>style.visibility</p:attrName>
+                                        </p:attrNameLst>
+                                      </p:cBhvr>
+                                      <p:to>
+                                        <p:strVal val="visible"/>
+                                      </p:to>
+                                    </p:set>
+                                    <p:animEffect transition="in" filter="fade">
+                                      <p:cBhvr>
+                                        <p:cTn id="15" dur="500"/>
+                                        <p:tgtEl>
+                                          <p:spTgt spid="6"/>
+                                        </p:tgtEl>
+                                      </p:cBhvr>
+                                    </p:animEffect>
+                                  </p:childTnLst>
+                                </p:cTn>
+                              </p:par>
+                              <p:par>
+                                <p:cTn id="16" presetID="10" presetClass="entr" presetSubtype="0" fill="hold" nodeType="withEffect">
+                                  <p:stCondLst>
+                                    <p:cond delay="0"/>
+                                  </p:stCondLst>
+                                  <p:childTnLst>
+                                    <p:set>
+                                      <p:cBhvr>
+                                        <p:cTn id="17" dur="1" fill="hold">
+                                          <p:stCondLst>
+                                            <p:cond delay="0"/>
+                                          </p:stCondLst>
+                                        </p:cTn>
+                                        <p:tgtEl>
+                                          <p:spTgt spid="7"/>
+                                        </p:tgtEl>
+                                        <p:attrNameLst>
+                                          <p:attrName>style.visibility</p:attrName>
+                                        </p:attrNameLst>
+                                      </p:cBhvr>
+                                      <p:to>
+                                        <p:strVal val="visible"/>
+                                      </p:to>
+                                    </p:set>
+                                    <p:animEffect transition="in" filter="fade">
+                                      <p:cBhvr>
+                                        <p:cTn id="18" dur="500"/>
+                                        <p:tgtEl>
+                                          <p:spTgt spid="7"/>
+                                        </p:tgtEl>
+                                      </p:cBhvr>
+                                    </p:animEffect>
+                                  </p:childTnLst>
+                                </p:cTn>
+                              </p:par>
+                              <p:par>
+                                <p:cTn id="19" presetID="10" presetClass="entr" presetSubtype="0" fill="hold" nodeType="withEffect">
+                                  <p:stCondLst>
+                                    <p:cond delay="0"/>
+                                  </p:stCondLst>
+                                  <p:childTnLst>
+                                    <p:set>
+                                      <p:cBhvr>
+                                        <p:cTn id="20" dur="1" fill="hold">
+                                          <p:stCondLst>
+                                            <p:cond delay="0"/>
+                                          </p:stCondLst>
+                                        </p:cTn>
+                                        <p:tgtEl>
+                                          <p:spTgt spid="8"/>
+                                        </p:tgtEl>
+                                        <p:attrNameLst>
+                                          <p:attrName>style.visibility</p:attrName>
+                                        </p:attrNameLst>
+                                      </p:cBhvr>
+                                      <p:to>
+                                        <p:strVal val="visible"/>
+                                      </p:to>
+                                    </p:set>
+                                    <p:animEffect transition="in" filter="fade">
+                                      <p:cBhvr>
+                                        <p:cTn id="21" dur="500"/>
+                                        <p:tgtEl>
+                                          <p:spTgt spid="8"/>
+                                        </p:tgtEl>
+                                      </p:cBhvr>
+                                    </p:animEffect>
+                                  </p:childTnLst>
+                                </p:cTn>
+                              </p:par>
+                              <p:par>
+                                <p:cTn id="22" presetID="10" presetClass="entr" presetSubtype="0" fill="hold" nodeType="withEffect">
+                                  <p:stCondLst>
+                                    <p:cond delay="0"/>
+                                  </p:stCondLst>
+                                  <p:childTnLst>
+                                    <p:set>
+                                      <p:cBhvr>
+                                        <p:cTn id="23" dur="1" fill="hold">
+                                          <p:stCondLst>
+                                            <p:cond delay="0"/>
+                                          </p:stCondLst>
+                                        </p:cTn>
+                                        <p:tgtEl>
+                                          <p:spTgt spid="10"/>
+                                        </p:tgtEl>
+                                        <p:attrNameLst>
+                                          <p:attrName>style.visibility</p:attrName>
+                                        </p:attrNameLst>
+                                      </p:cBhvr>
+                                      <p:to>
+                                        <p:strVal val="visible"/>
+                                      </p:to>
+                                    </p:set>
+                                    <p:animEffect transition="in" filter="fade">
+                                      <p:cBhvr>
+                                        <p:cTn id="24" dur="500"/>
+                                        <p:tgtEl>
+                                          <p:spTgt spid="10"/>
+                                        </p:tgtEl>
+                                      </p:cBhvr>
+                                    </p:animEffect>
+                                  </p:childTnLst>
+                                </p:cTn>
+                              </p:par>
+                              <p:par>
+                                <p:cTn id="25" presetID="10" presetClass="entr" presetSubtype="0" fill="hold" nodeType="withEffect">
+                                  <p:stCondLst>
+                                    <p:cond delay="0"/>
+                                  </p:stCondLst>
+                                  <p:childTnLst>
+                                    <p:set>
+                                      <p:cBhvr>
+                                        <p:cTn id="26" dur="1" fill="hold">
+                                          <p:stCondLst>
+                                            <p:cond delay="0"/>
+                                          </p:stCondLst>
+                                        </p:cTn>
+                                        <p:tgtEl>
+                                          <p:spTgt spid="11"/>
+                                        </p:tgtEl>
+                                        <p:attrNameLst>
+                                          <p:attrName>style.visibility</p:attrName>
+                                        </p:attrNameLst>
+                                      </p:cBhvr>
+                                      <p:to>
+                                        <p:strVal val="visible"/>
+                                      </p:to>
+                                    </p:set>
+                                    <p:animEffect transition="in" filter="fade">
+                                      <p:cBhvr>
+                                        <p:cTn id="27" dur="500"/>
+                                        <p:tgtEl>
+                                          <p:spTgt spid="11"/>
+                                        </p:tgtEl>
+                                      </p:cBhvr>
+                                    </p:animEffect>
+                                  </p:childTnLst>
+                                </p:cTn>
+                              </p:par>
+                              <p:par>
+                                <p:cTn id="28" presetID="10" presetClass="entr" presetSubtype="0" fill="hold" nodeType="withEffect">
+                                  <p:stCondLst>
+                                    <p:cond delay="0"/>
+                                  </p:stCondLst>
+                                  <p:childTnLst>
+                                    <p:set>
+                                      <p:cBhvr>
+                                        <p:cTn id="29" dur="1" fill="hold">
+                                          <p:stCondLst>
+                                            <p:cond delay="0"/>
+                                          </p:stCondLst>
+                                        </p:cTn>
+                                        <p:tgtEl>
+                                          <p:spTgt spid="12"/>
+                                        </p:tgtEl>
+                                        <p:attrNameLst>
+                                          <p:attrName>style.visibility</p:attrName>
+                                        </p:attrNameLst>
+                                      </p:cBhvr>
+                                      <p:to>
+                                        <p:strVal val="visible"/>
+                                      </p:to>
+                                    </p:set>
+                                    <p:animEffect transition="in" filter="fade">
+                                      <p:cBhvr>
+                                        <p:cTn id="30" dur="500"/>
+                                        <p:tgtEl>
+                                          <p:spTgt spid="12"/>
+                                        </p:tgtEl>
+                                      </p:cBhvr>
+                                    </p:animEffect>
+                                  </p:childTnLst>
+                                </p:cTn>
+                              </p:par>
+                              <p:par>
+                                <p:cTn id="31" presetID="10" presetClass="entr" presetSubtype="0" fill="hold" grpId="0" nodeType="withEffect">
+                                  <p:stCondLst>
+                                    <p:cond delay="0"/>
+                                  </p:stCondLst>
+                                  <p:childTnLst>
+                                    <p:set>
+                                      <p:cBhvr>
+                                        <p:cTn id="32" dur="1" fill="hold">
+                                          <p:stCondLst>
+                                            <p:cond delay="0"/>
+                                          </p:stCondLst>
+                                        </p:cTn>
+                                        <p:tgtEl>
+                                          <p:spTgt spid="13"/>
+                                        </p:tgtEl>
+                                        <p:attrNameLst>
+                                          <p:attrName>style.visibility</p:attrName>
+                                        </p:attrNameLst>
+                                      </p:cBhvr>
+                                      <p:to>
+                                        <p:strVal val="visible"/>
+                                      </p:to>
+                                    </p:set>
+                                    <p:animEffect transition="in" filter="fade">
+                                      <p:cBhvr>
+                                        <p:cTn id="33" dur="500"/>
+                                        <p:tgtEl>
+                                          <p:spTgt spid="13"/>
+                                        </p:tgtEl>
+                                      </p:cBhvr>
+                                    </p:animEffect>
+                                  </p:childTnLst>
+                                </p:cTn>
+                              </p:par>
+                            </p:childTnLst>
+                          </p:cTn>
+                        </p:par>
+                      </p:childTnLst>
+                    </p:cTn>
+                  </p:par>
+                </p:childTnLst>
+              </p:cTn>
+              <p:prevCondLst>
+                <p:cond evt="onPrev" delay="0">
+                  <p:tgtEl>
+                    <p:sldTgt/>
+                  </p:tgtEl>
+                </p:cond>
+              </p:prevCondLst>
+              <p:nextCondLst>
+                <p:cond evt="onNext" delay="0">
+                  <p:tgtEl>
+                    <p:sldTgt/>
+                  </p:tgtEl>
+                </p:cond>
+              </p:nextCondLst>
+            </p:seq>
+          </p:childTnLst>
+        </p:cTn>
+      </p:par>
+    </p:tnLst>
+    <p:bldLst>
+      <p:bldP spid="3" grpId="0"/>
+      <p:bldP spid="13" grpId="0"/>
+    </p:bldLst>
+  </p:timing>
+</p:sld>
+</file>
+
+<file path=ppt/slides/slide8.xml><?xml version="1.0" encoding="utf-8"?>
+<p:sld xmlns:a="http://schemas.openxmlformats.org/drawingml/2006/main" xmlns:r="http://schemas.openxmlformats.org/officeDocument/2006/relationships" xmlns:p="http://schemas.openxmlformats.org/presentationml/2006/main">
+  <p:cSld>
+    <p:spTree>
+      <p:nvGrpSpPr>
+        <p:cNvPr id="1" name=""/>
+        <p:cNvGrpSpPr/>
+        <p:nvPr/>
+      </p:nvGrpSpPr>
+      <p:grpSpPr>
+        <a:xfrm>
+          <a:off x="0" y="0"/>
+          <a:ext cx="0" cy="0"/>
+          <a:chOff x="0" y="0"/>
+          <a:chExt cx="0" cy="0"/>
+        </a:xfrm>
+      </p:grpSpPr>
+      <p:sp>
+        <p:nvSpPr>
+          <p:cNvPr id="3" name="Content Placeholder 2">
+            <a:extLst>
+              <a:ext uri="{FF2B5EF4-FFF2-40B4-BE49-F238E27FC236}">
+                <a16:creationId xmlns:a16="http://schemas.microsoft.com/office/drawing/2014/main" id="{C002E309-B90F-6599-7FA2-AC787F181720}"/>
+              </a:ext>
+            </a:extLst>
+          </p:cNvPr>
+          <p:cNvSpPr>
+            <a:spLocks noGrp="1"/>
+          </p:cNvSpPr>
+          <p:nvPr>
+            <p:ph idx="1"/>
+          </p:nvPr>
+        </p:nvSpPr>
+        <p:spPr/>
+        <p:txBody>
+          <a:bodyPr/>
+          <a:lstStyle/>
+          <a:p>
+            <a:pPr algn="ctr"/>
+            <a:r>
+              <a:rPr lang="en-US" b="1" dirty="0"/>
+              <a:t>Volume increased significantly from Week 12</a:t>
+            </a:r>
+            <a:r>
+              <a:rPr lang="en-US" dirty="0"/>
+              <a:t>, right after WHO’s pandemic declaration and nationwide lockdown.</a:t>
+            </a:r>
+          </a:p>
+          <a:p>
+            <a:pPr algn="ctr"/>
+            <a:br>
+              <a:rPr lang="en-US" dirty="0"/>
+            </a:br>
+            <a:r>
+              <a:rPr lang="en-US" sz="2400" b="1" dirty="0"/>
+              <a:t>→ </a:t>
+            </a:r>
+            <a:r>
+              <a:rPr lang="en-US" sz="2400" b="1" i="1" dirty="0"/>
+              <a:t>This marks the turning point toward e-commerce reliance.</a:t>
+            </a:r>
+            <a:endParaRPr lang="en-US" b="1" dirty="0"/>
+          </a:p>
+        </p:txBody>
+      </p:sp>
+      <p:sp>
+        <p:nvSpPr>
+          <p:cNvPr id="4" name="Title 1">
+            <a:extLst>
+              <a:ext uri="{FF2B5EF4-FFF2-40B4-BE49-F238E27FC236}">
+                <a16:creationId xmlns:a16="http://schemas.microsoft.com/office/drawing/2014/main" id="{CA39C557-C068-99AB-E8F1-5D505FC91FB1}"/>
+              </a:ext>
+            </a:extLst>
+          </p:cNvPr>
+          <p:cNvSpPr>
+            <a:spLocks noGrp="1"/>
+          </p:cNvSpPr>
+          <p:nvPr>
+            <p:ph type="title"/>
+          </p:nvPr>
+        </p:nvSpPr>
+        <p:spPr>
+          <a:xfrm>
+            <a:off x="609600" y="439226"/>
+            <a:ext cx="10972800" cy="907905"/>
+          </a:xfrm>
+        </p:spPr>
+        <p:txBody>
+          <a:bodyPr>
+            <a:normAutofit/>
+          </a:bodyPr>
+          <a:lstStyle/>
+          <a:p>
+            <a:r>
+              <a:rPr lang="en-US" dirty="0"/>
+              <a:t>COVID Timeline vs Volume Spike</a:t>
+            </a:r>
+          </a:p>
+        </p:txBody>
+      </p:sp>
+    </p:spTree>
+    <p:extLst>
+      <p:ext uri="{BB962C8B-B14F-4D97-AF65-F5344CB8AC3E}">
+        <p14:creationId xmlns:p14="http://schemas.microsoft.com/office/powerpoint/2010/main" val="3873075680"/>
+      </p:ext>
+    </p:extLst>
+  </p:cSld>
+  <p:clrMapOvr>
+    <a:masterClrMapping/>
+  </p:clrMapOvr>
+  <p:timing>
+    <p:tnLst>
+      <p:par>
+        <p:cTn id="1" dur="indefinite" restart="never" nodeType="tmRoot">
+          <p:childTnLst>
+            <p:seq concurrent="1" nextAc="seek">
+              <p:cTn id="2" dur="indefinite" nodeType="mainSeq">
+                <p:childTnLst>
+                  <p:par>
+                    <p:cTn id="3" fill="hold">
+                      <p:stCondLst>
+                        <p:cond delay="indefinite"/>
+                      </p:stCondLst>
+                      <p:childTnLst>
+                        <p:par>
+                          <p:cTn id="4" fill="hold">
+                            <p:stCondLst>
+                              <p:cond delay="0"/>
+                            </p:stCondLst>
+                            <p:childTnLst>
+                              <p:par>
+                                <p:cTn id="5" presetID="16" presetClass="entr" presetSubtype="21" fill="hold" nodeType="clickEffect">
+                                  <p:stCondLst>
+                                    <p:cond delay="0"/>
+                                  </p:stCondLst>
+                                  <p:childTnLst>
+                                    <p:set>
+                                      <p:cBhvr>
+                                        <p:cTn id="6" dur="1" fill="hold">
+                                          <p:stCondLst>
+                                            <p:cond delay="0"/>
+                                          </p:stCondLst>
+                                        </p:cTn>
+                                        <p:tgtEl>
+                                          <p:spTgt spid="3">
+                                            <p:txEl>
+                                              <p:pRg st="0" end="0"/>
+                                            </p:txEl>
+                                          </p:spTgt>
+                                        </p:tgtEl>
+                                        <p:attrNameLst>
+                                          <p:attrName>style.visibility</p:attrName>
+                                        </p:attrNameLst>
+                                      </p:cBhvr>
+                                      <p:to>
+                                        <p:strVal val="visible"/>
+                                      </p:to>
+                                    </p:set>
+                                    <p:animEffect transition="in" filter="barn(inVertical)">
+                                      <p:cBhvr>
                                         <p:cTn id="7" dur="500"/>
                                         <p:tgtEl>
-                                          <p:spTgt spid="9"/>
+                                          <p:spTgt spid="3">
+                                            <p:txEl>
+                                              <p:pRg st="0" end="0"/>
+                                            </p:txEl>
+                                          </p:spTgt>
+                                        </p:tgtEl>
+                                      </p:cBhvr>
+                                    </p:animEffect>
+                                  </p:childTnLst>
+                                </p:cTn>
+                              </p:par>
+                              <p:par>
+                                <p:cTn id="8" presetID="16" presetClass="entr" presetSubtype="21" fill="hold" nodeType="withEffect">
+                                  <p:stCondLst>
+                                    <p:cond delay="0"/>
+                                  </p:stCondLst>
+                                  <p:childTnLst>
+                                    <p:set>
+                                      <p:cBhvr>
+                                        <p:cTn id="9" dur="1" fill="hold">
+                                          <p:stCondLst>
+                                            <p:cond delay="0"/>
+                                          </p:stCondLst>
+                                        </p:cTn>
+                                        <p:tgtEl>
+                                          <p:spTgt spid="3">
+                                            <p:txEl>
+                                              <p:pRg st="1" end="1"/>
+                                            </p:txEl>
+                                          </p:spTgt>
+                                        </p:tgtEl>
+                                        <p:attrNameLst>
+                                          <p:attrName>style.visibility</p:attrName>
+                                        </p:attrNameLst>
+                                      </p:cBhvr>
+                                      <p:to>
+                                        <p:strVal val="visible"/>
+                                      </p:to>
+                                    </p:set>
+                                    <p:animEffect transition="in" filter="barn(inVertical)">
+                                      <p:cBhvr>
+                                        <p:cTn id="10" dur="500"/>
+                                        <p:tgtEl>
+                                          <p:spTgt spid="3">
+                                            <p:txEl>
+                                              <p:pRg st="1" end="1"/>
+                                            </p:txEl>
+                                          </p:spTgt>
                                         </p:tgtEl>
                                       </p:cBhvr>
                                     </p:animEffect>
@@ -11248,7 +15819,7 @@
 </p:sld>
 </file>
 
-<file path=ppt/slides/slide8.xml><?xml version="1.0" encoding="utf-8"?>
+<file path=ppt/slides/slide9.xml><?xml version="1.0" encoding="utf-8"?>
 <p:sld xmlns:a="http://schemas.openxmlformats.org/drawingml/2006/main" xmlns:r="http://schemas.openxmlformats.org/officeDocument/2006/relationships" xmlns:p="http://schemas.openxmlformats.org/presentationml/2006/main">
   <p:cSld>
     <p:spTree>
@@ -11267,10 +15838,10 @@
       </p:grpSpPr>
       <p:sp>
         <p:nvSpPr>
-          <p:cNvPr id="2" name="Title 1">
+          <p:cNvPr id="17" name="Title 1">
             <a:extLst>
               <a:ext uri="{FF2B5EF4-FFF2-40B4-BE49-F238E27FC236}">
-                <a16:creationId xmlns:a16="http://schemas.microsoft.com/office/drawing/2014/main" id="{44CF171D-2B56-4ED9-151A-7775F4853279}"/>
+                <a16:creationId xmlns:a16="http://schemas.microsoft.com/office/drawing/2014/main" id="{A455D2F2-3E16-7E7B-2CFC-6D8066738B64}"/>
               </a:ext>
             </a:extLst>
           </p:cNvPr>
@@ -11299,55 +15870,12 @@
           </a:p>
         </p:txBody>
       </p:sp>
-      <p:sp>
-        <p:nvSpPr>
-          <p:cNvPr id="3" name="TextBox 2">
+      <p:grpSp>
+        <p:nvGrpSpPr>
+          <p:cNvPr id="18" name="Group 17">
             <a:extLst>
               <a:ext uri="{FF2B5EF4-FFF2-40B4-BE49-F238E27FC236}">
-                <a16:creationId xmlns:a16="http://schemas.microsoft.com/office/drawing/2014/main" id="{B528C169-16C4-E182-B705-2F3562BD06C3}"/>
-              </a:ext>
-            </a:extLst>
-          </p:cNvPr>
-          <p:cNvSpPr txBox="1"/>
-          <p:nvPr/>
-        </p:nvSpPr>
-        <p:spPr>
-          <a:xfrm>
-            <a:off x="7943846" y="2231922"/>
-            <a:ext cx="4149213" cy="2031325"/>
-          </a:xfrm>
-          <a:prstGeom prst="rect">
-            <a:avLst/>
-          </a:prstGeom>
-          <a:noFill/>
-        </p:spPr>
-        <p:txBody>
-          <a:bodyPr wrap="square" rtlCol="0">
-            <a:spAutoFit/>
-          </a:bodyPr>
-          <a:lstStyle/>
-          <a:p>
-            <a:r>
-              <a:rPr lang="en-US" dirty="0"/>
-              <a:t>Parcel volume during the 2020 peak season </a:t>
-            </a:r>
-            <a:r>
-              <a:rPr lang="en-US" b="1" dirty="0"/>
-              <a:t>increased by 26.48% </a:t>
-            </a:r>
-            <a:r>
-              <a:rPr lang="en-US" dirty="0"/>
-              <a:t>compared to 2019, with December and November showing the most significant growth, highlighting the surge in online shopping demand driven by the pandemic</a:t>
-            </a:r>
-          </a:p>
-        </p:txBody>
-      </p:sp>
-      <p:grpSp>
-        <p:nvGrpSpPr>
-          <p:cNvPr id="8" name="Group 7">
-            <a:extLst>
-              <a:ext uri="{FF2B5EF4-FFF2-40B4-BE49-F238E27FC236}">
-                <a16:creationId xmlns:a16="http://schemas.microsoft.com/office/drawing/2014/main" id="{B087772F-E72A-3F7B-B02C-ACACE6CFACA6}"/>
+                <a16:creationId xmlns:a16="http://schemas.microsoft.com/office/drawing/2014/main" id="{25CA9BBD-E5CD-DA09-BAF4-E4E0F294CF20}"/>
               </a:ext>
             </a:extLst>
           </p:cNvPr>
@@ -11364,10 +15892,10 @@
         </p:grpSpPr>
         <p:pic>
           <p:nvPicPr>
-            <p:cNvPr id="5" name="Picture 4">
+            <p:cNvPr id="19" name="Picture 18">
               <a:extLst>
                 <a:ext uri="{FF2B5EF4-FFF2-40B4-BE49-F238E27FC236}">
-                  <a16:creationId xmlns:a16="http://schemas.microsoft.com/office/drawing/2014/main" id="{4B3D1E4D-6F50-893F-E3DE-E8586E918501}"/>
+                  <a16:creationId xmlns:a16="http://schemas.microsoft.com/office/drawing/2014/main" id="{EFA554CA-A2DD-9361-6FE4-7914DFDD6EB8}"/>
                 </a:ext>
               </a:extLst>
             </p:cNvPr>
@@ -11394,10 +15922,10 @@
         </p:pic>
         <p:pic>
           <p:nvPicPr>
-            <p:cNvPr id="7" name="Picture 6">
+            <p:cNvPr id="20" name="Picture 19">
               <a:extLst>
                 <a:ext uri="{FF2B5EF4-FFF2-40B4-BE49-F238E27FC236}">
-                  <a16:creationId xmlns:a16="http://schemas.microsoft.com/office/drawing/2014/main" id="{4168449D-1385-D1FE-6D87-F88553480DBB}"/>
+                  <a16:creationId xmlns:a16="http://schemas.microsoft.com/office/drawing/2014/main" id="{06F269B0-CB2E-B3F0-59EE-F812A843BB09}"/>
                 </a:ext>
               </a:extLst>
             </p:cNvPr>
@@ -11423,10 +15951,437 @@
           </p:spPr>
         </p:pic>
       </p:grpSp>
+      <p:sp>
+        <p:nvSpPr>
+          <p:cNvPr id="21" name="Shape 1">
+            <a:extLst>
+              <a:ext uri="{FF2B5EF4-FFF2-40B4-BE49-F238E27FC236}">
+                <a16:creationId xmlns:a16="http://schemas.microsoft.com/office/drawing/2014/main" id="{EF2CE58A-E0C2-940A-B805-0C80693227C7}"/>
+              </a:ext>
+            </a:extLst>
+          </p:cNvPr>
+          <p:cNvSpPr/>
+          <p:nvPr/>
+        </p:nvSpPr>
+        <p:spPr>
+          <a:xfrm>
+            <a:off x="8357419" y="1259106"/>
+            <a:ext cx="331967" cy="304178"/>
+          </a:xfrm>
+          <a:prstGeom prst="roundRect">
+            <a:avLst>
+              <a:gd name="adj" fmla="val 18667"/>
+            </a:avLst>
+          </a:prstGeom>
+          <a:solidFill>
+            <a:srgbClr val="B5D3CC"/>
+          </a:solidFill>
+          <a:ln w="7620">
+            <a:solidFill>
+              <a:srgbClr val="C5D2CF"/>
+            </a:solidFill>
+            <a:prstDash val="solid"/>
+          </a:ln>
+        </p:spPr>
+        <p:txBody>
+          <a:bodyPr/>
+          <a:lstStyle/>
+          <a:p>
+            <a:endParaRPr lang="en-US"/>
+          </a:p>
+        </p:txBody>
+      </p:sp>
+      <p:sp>
+        <p:nvSpPr>
+          <p:cNvPr id="22" name="Text 2">
+            <a:extLst>
+              <a:ext uri="{FF2B5EF4-FFF2-40B4-BE49-F238E27FC236}">
+                <a16:creationId xmlns:a16="http://schemas.microsoft.com/office/drawing/2014/main" id="{B9A9444E-B577-C6E2-F935-04EA2C218B8D}"/>
+              </a:ext>
+            </a:extLst>
+          </p:cNvPr>
+          <p:cNvSpPr/>
+          <p:nvPr/>
+        </p:nvSpPr>
+        <p:spPr>
+          <a:xfrm>
+            <a:off x="8810769" y="1187093"/>
+            <a:ext cx="2970371" cy="673179"/>
+          </a:xfrm>
+          <a:prstGeom prst="rect">
+            <a:avLst/>
+          </a:prstGeom>
+          <a:noFill/>
+          <a:ln/>
+        </p:spPr>
+        <p:txBody>
+          <a:bodyPr wrap="square" lIns="0" tIns="0" rIns="0" bIns="0" rtlCol="0" anchor="t"/>
+          <a:lstStyle/>
+          <a:p>
+            <a:pPr marL="0" indent="0" algn="l">
+              <a:lnSpc>
+                <a:spcPts val="2650"/>
+              </a:lnSpc>
+              <a:buNone/>
+            </a:pPr>
+            <a:r>
+              <a:rPr lang="en-US" sz="2000" dirty="0">
+                <a:solidFill>
+                  <a:srgbClr val="2C3249"/>
+                </a:solidFill>
+                <a:latin typeface="Kanit Light" pitchFamily="34" charset="0"/>
+                <a:ea typeface="Kanit Light" pitchFamily="34" charset="-122"/>
+                <a:cs typeface="Kanit Light" pitchFamily="34" charset="-120"/>
+              </a:rPr>
+              <a:t>26.48% Increase in Volume</a:t>
+            </a:r>
+            <a:endParaRPr lang="en-US" sz="2000" dirty="0"/>
+          </a:p>
+        </p:txBody>
+      </p:sp>
+      <p:sp>
+        <p:nvSpPr>
+          <p:cNvPr id="23" name="Text 3">
+            <a:extLst>
+              <a:ext uri="{FF2B5EF4-FFF2-40B4-BE49-F238E27FC236}">
+                <a16:creationId xmlns:a16="http://schemas.microsoft.com/office/drawing/2014/main" id="{C247C4D5-5F5B-4C96-C96F-A7E83B958BF5}"/>
+              </a:ext>
+            </a:extLst>
+          </p:cNvPr>
+          <p:cNvSpPr/>
+          <p:nvPr/>
+        </p:nvSpPr>
+        <p:spPr>
+          <a:xfrm>
+            <a:off x="8810769" y="1848397"/>
+            <a:ext cx="2970371" cy="1034415"/>
+          </a:xfrm>
+          <a:prstGeom prst="rect">
+            <a:avLst/>
+          </a:prstGeom>
+          <a:noFill/>
+          <a:ln/>
+        </p:spPr>
+        <p:txBody>
+          <a:bodyPr wrap="square" lIns="0" tIns="0" rIns="0" bIns="0" rtlCol="0" anchor="t"/>
+          <a:lstStyle/>
+          <a:p>
+            <a:pPr marL="0" indent="0" algn="l">
+              <a:lnSpc>
+                <a:spcPts val="2700"/>
+              </a:lnSpc>
+              <a:buNone/>
+            </a:pPr>
+            <a:r>
+              <a:rPr lang="en-US" sz="1650" dirty="0">
+                <a:solidFill>
+                  <a:srgbClr val="2C3249"/>
+                </a:solidFill>
+                <a:latin typeface="Martel Sans" pitchFamily="34" charset="0"/>
+                <a:ea typeface="Martel Sans" pitchFamily="34" charset="-122"/>
+                <a:cs typeface="Martel Sans" pitchFamily="34" charset="-120"/>
+              </a:rPr>
+              <a:t>December and November saw the highest parcel influx.</a:t>
+            </a:r>
+            <a:endParaRPr lang="en-US" sz="1650" dirty="0"/>
+          </a:p>
+        </p:txBody>
+      </p:sp>
+      <p:sp>
+        <p:nvSpPr>
+          <p:cNvPr id="24" name="Text 5">
+            <a:extLst>
+              <a:ext uri="{FF2B5EF4-FFF2-40B4-BE49-F238E27FC236}">
+                <a16:creationId xmlns:a16="http://schemas.microsoft.com/office/drawing/2014/main" id="{6B798440-780E-F208-B74C-5DBAA15A8407}"/>
+              </a:ext>
+            </a:extLst>
+          </p:cNvPr>
+          <p:cNvSpPr/>
+          <p:nvPr/>
+        </p:nvSpPr>
+        <p:spPr>
+          <a:xfrm>
+            <a:off x="8891243" y="2890193"/>
+            <a:ext cx="1690661" cy="336590"/>
+          </a:xfrm>
+          <a:prstGeom prst="rect">
+            <a:avLst/>
+          </a:prstGeom>
+          <a:noFill/>
+          <a:ln/>
+        </p:spPr>
+        <p:txBody>
+          <a:bodyPr wrap="none" lIns="0" tIns="0" rIns="0" bIns="0" rtlCol="0" anchor="t"/>
+          <a:lstStyle/>
+          <a:p>
+            <a:pPr marL="0" indent="0" algn="l">
+              <a:lnSpc>
+                <a:spcPts val="2650"/>
+              </a:lnSpc>
+              <a:buNone/>
+            </a:pPr>
+            <a:r>
+              <a:rPr lang="en-US" sz="2000" dirty="0">
+                <a:solidFill>
+                  <a:srgbClr val="2C3249"/>
+                </a:solidFill>
+                <a:latin typeface="Kanit Light" pitchFamily="34" charset="0"/>
+                <a:ea typeface="Kanit Light" pitchFamily="34" charset="-122"/>
+                <a:cs typeface="Kanit Light" pitchFamily="34" charset="-120"/>
+              </a:rPr>
+              <a:t>Driving Forces</a:t>
+            </a:r>
+            <a:endParaRPr lang="en-US" sz="2000" dirty="0"/>
+          </a:p>
+        </p:txBody>
+      </p:sp>
+      <p:sp>
+        <p:nvSpPr>
+          <p:cNvPr id="25" name="Text 6">
+            <a:extLst>
+              <a:ext uri="{FF2B5EF4-FFF2-40B4-BE49-F238E27FC236}">
+                <a16:creationId xmlns:a16="http://schemas.microsoft.com/office/drawing/2014/main" id="{EE8A53B1-6668-7991-77A4-7B8716F266F0}"/>
+              </a:ext>
+            </a:extLst>
+          </p:cNvPr>
+          <p:cNvSpPr/>
+          <p:nvPr/>
+        </p:nvSpPr>
+        <p:spPr>
+          <a:xfrm>
+            <a:off x="8891243" y="3247564"/>
+            <a:ext cx="2970371" cy="1034415"/>
+          </a:xfrm>
+          <a:prstGeom prst="rect">
+            <a:avLst/>
+          </a:prstGeom>
+          <a:noFill/>
+          <a:ln/>
+        </p:spPr>
+        <p:txBody>
+          <a:bodyPr wrap="square" lIns="0" tIns="0" rIns="0" bIns="0" rtlCol="0" anchor="t"/>
+          <a:lstStyle/>
+          <a:p>
+            <a:pPr marL="0" indent="0" algn="l">
+              <a:lnSpc>
+                <a:spcPts val="2700"/>
+              </a:lnSpc>
+              <a:buNone/>
+            </a:pPr>
+            <a:r>
+              <a:rPr lang="en-US" sz="1650" dirty="0">
+                <a:solidFill>
+                  <a:srgbClr val="2C3249"/>
+                </a:solidFill>
+                <a:latin typeface="Martel Sans" pitchFamily="34" charset="0"/>
+                <a:ea typeface="Martel Sans" pitchFamily="34" charset="-122"/>
+                <a:cs typeface="Martel Sans" pitchFamily="34" charset="-120"/>
+              </a:rPr>
+              <a:t>Pandemic-driven online shopping fueled this peak demand.</a:t>
+            </a:r>
+            <a:endParaRPr lang="en-US" sz="1650" dirty="0"/>
+          </a:p>
+        </p:txBody>
+      </p:sp>
+      <p:sp>
+        <p:nvSpPr>
+          <p:cNvPr id="26" name="Text 8">
+            <a:extLst>
+              <a:ext uri="{FF2B5EF4-FFF2-40B4-BE49-F238E27FC236}">
+                <a16:creationId xmlns:a16="http://schemas.microsoft.com/office/drawing/2014/main" id="{7D32A3FE-7D83-BE79-0FDE-B2372552D459}"/>
+              </a:ext>
+            </a:extLst>
+          </p:cNvPr>
+          <p:cNvSpPr/>
+          <p:nvPr/>
+        </p:nvSpPr>
+        <p:spPr>
+          <a:xfrm>
+            <a:off x="8826222" y="4429786"/>
+            <a:ext cx="2756178" cy="336590"/>
+          </a:xfrm>
+          <a:prstGeom prst="rect">
+            <a:avLst/>
+          </a:prstGeom>
+          <a:noFill/>
+          <a:ln/>
+        </p:spPr>
+        <p:txBody>
+          <a:bodyPr wrap="none" lIns="0" tIns="0" rIns="0" bIns="0" rtlCol="0" anchor="t"/>
+          <a:lstStyle/>
+          <a:p>
+            <a:pPr marL="0" indent="0" algn="l">
+              <a:lnSpc>
+                <a:spcPts val="2650"/>
+              </a:lnSpc>
+              <a:buNone/>
+            </a:pPr>
+            <a:r>
+              <a:rPr lang="en-US" sz="2000" dirty="0">
+                <a:solidFill>
+                  <a:srgbClr val="2C3249"/>
+                </a:solidFill>
+                <a:latin typeface="Kanit Light" pitchFamily="34" charset="0"/>
+                <a:ea typeface="Kanit Light" pitchFamily="34" charset="-122"/>
+                <a:cs typeface="Kanit Light" pitchFamily="34" charset="-120"/>
+              </a:rPr>
+              <a:t>Operational Challenges</a:t>
+            </a:r>
+            <a:endParaRPr lang="en-US" sz="2000" dirty="0"/>
+          </a:p>
+        </p:txBody>
+      </p:sp>
+      <p:sp>
+        <p:nvSpPr>
+          <p:cNvPr id="27" name="Text 9">
+            <a:extLst>
+              <a:ext uri="{FF2B5EF4-FFF2-40B4-BE49-F238E27FC236}">
+                <a16:creationId xmlns:a16="http://schemas.microsoft.com/office/drawing/2014/main" id="{039B7EE6-033D-1872-C661-D27711469E9E}"/>
+              </a:ext>
+            </a:extLst>
+          </p:cNvPr>
+          <p:cNvSpPr/>
+          <p:nvPr/>
+        </p:nvSpPr>
+        <p:spPr>
+          <a:xfrm>
+            <a:off x="8826222" y="4777724"/>
+            <a:ext cx="4470864" cy="629848"/>
+          </a:xfrm>
+          <a:prstGeom prst="rect">
+            <a:avLst/>
+          </a:prstGeom>
+          <a:noFill/>
+          <a:ln/>
+        </p:spPr>
+        <p:txBody>
+          <a:bodyPr wrap="none" lIns="0" tIns="0" rIns="0" bIns="0" rtlCol="0" anchor="t"/>
+          <a:lstStyle/>
+          <a:p>
+            <a:pPr marL="0" indent="0" algn="l">
+              <a:lnSpc>
+                <a:spcPts val="2700"/>
+              </a:lnSpc>
+              <a:buNone/>
+            </a:pPr>
+            <a:r>
+              <a:rPr lang="en-US" sz="1650" dirty="0">
+                <a:solidFill>
+                  <a:srgbClr val="2C3249"/>
+                </a:solidFill>
+                <a:latin typeface="Martel Sans" pitchFamily="34" charset="0"/>
+                <a:ea typeface="Martel Sans" pitchFamily="34" charset="-122"/>
+                <a:cs typeface="Martel Sans" pitchFamily="34" charset="-120"/>
+              </a:rPr>
+              <a:t>Logistics had to scale quickly to meet </a:t>
+            </a:r>
+          </a:p>
+          <a:p>
+            <a:pPr marL="0" indent="0" algn="l">
+              <a:lnSpc>
+                <a:spcPts val="2700"/>
+              </a:lnSpc>
+              <a:buNone/>
+            </a:pPr>
+            <a:r>
+              <a:rPr lang="en-US" sz="1650" dirty="0">
+                <a:solidFill>
+                  <a:srgbClr val="2C3249"/>
+                </a:solidFill>
+                <a:latin typeface="Martel Sans" pitchFamily="34" charset="0"/>
+                <a:ea typeface="Martel Sans" pitchFamily="34" charset="-122"/>
+                <a:cs typeface="Martel Sans" pitchFamily="34" charset="-120"/>
+              </a:rPr>
+              <a:t>heightened expectations.</a:t>
+            </a:r>
+            <a:endParaRPr lang="en-US" sz="1650" dirty="0"/>
+          </a:p>
+        </p:txBody>
+      </p:sp>
+      <p:sp>
+        <p:nvSpPr>
+          <p:cNvPr id="28" name="Shape 1">
+            <a:extLst>
+              <a:ext uri="{FF2B5EF4-FFF2-40B4-BE49-F238E27FC236}">
+                <a16:creationId xmlns:a16="http://schemas.microsoft.com/office/drawing/2014/main" id="{AD305AA5-53C6-1F65-C983-53A9AA0A10C9}"/>
+              </a:ext>
+            </a:extLst>
+          </p:cNvPr>
+          <p:cNvSpPr/>
+          <p:nvPr/>
+        </p:nvSpPr>
+        <p:spPr>
+          <a:xfrm>
+            <a:off x="8357419" y="2941953"/>
+            <a:ext cx="331967" cy="304178"/>
+          </a:xfrm>
+          <a:prstGeom prst="roundRect">
+            <a:avLst>
+              <a:gd name="adj" fmla="val 18667"/>
+            </a:avLst>
+          </a:prstGeom>
+          <a:solidFill>
+            <a:srgbClr val="B5D3CC"/>
+          </a:solidFill>
+          <a:ln w="7620">
+            <a:solidFill>
+              <a:srgbClr val="C5D2CF"/>
+            </a:solidFill>
+            <a:prstDash val="solid"/>
+          </a:ln>
+        </p:spPr>
+        <p:txBody>
+          <a:bodyPr/>
+          <a:lstStyle/>
+          <a:p>
+            <a:endParaRPr lang="en-US"/>
+          </a:p>
+        </p:txBody>
+      </p:sp>
+      <p:sp>
+        <p:nvSpPr>
+          <p:cNvPr id="29" name="Shape 1">
+            <a:extLst>
+              <a:ext uri="{FF2B5EF4-FFF2-40B4-BE49-F238E27FC236}">
+                <a16:creationId xmlns:a16="http://schemas.microsoft.com/office/drawing/2014/main" id="{6D181C24-9A61-DAE3-1812-67E3F6809731}"/>
+              </a:ext>
+            </a:extLst>
+          </p:cNvPr>
+          <p:cNvSpPr/>
+          <p:nvPr/>
+        </p:nvSpPr>
+        <p:spPr>
+          <a:xfrm>
+            <a:off x="8413781" y="4445992"/>
+            <a:ext cx="331967" cy="304178"/>
+          </a:xfrm>
+          <a:prstGeom prst="roundRect">
+            <a:avLst>
+              <a:gd name="adj" fmla="val 18667"/>
+            </a:avLst>
+          </a:prstGeom>
+          <a:solidFill>
+            <a:srgbClr val="B5D3CC"/>
+          </a:solidFill>
+          <a:ln w="7620">
+            <a:solidFill>
+              <a:srgbClr val="C5D2CF"/>
+            </a:solidFill>
+            <a:prstDash val="solid"/>
+          </a:ln>
+        </p:spPr>
+        <p:txBody>
+          <a:bodyPr/>
+          <a:lstStyle/>
+          <a:p>
+            <a:endParaRPr lang="en-US"/>
+          </a:p>
+        </p:txBody>
+      </p:sp>
     </p:spTree>
     <p:extLst>
       <p:ext uri="{BB962C8B-B14F-4D97-AF65-F5344CB8AC3E}">
-        <p14:creationId xmlns:p14="http://schemas.microsoft.com/office/powerpoint/2010/main" val="3306896646"/>
+        <p14:creationId xmlns:p14="http://schemas.microsoft.com/office/powerpoint/2010/main" val="1261336868"/>
       </p:ext>
     </p:extLst>
   </p:cSld>
@@ -11467,7 +16422,7 @@
                                           </p:stCondLst>
                                         </p:cTn>
                                         <p:tgtEl>
-                                          <p:spTgt spid="2"/>
+                                          <p:spTgt spid="17"/>
                                         </p:tgtEl>
                                         <p:attrNameLst>
                                           <p:attrName>style.visibility</p:attrName>
@@ -11481,7 +16436,375 @@
                                       <p:cBhvr>
                                         <p:cTn id="7" dur="500"/>
                                         <p:tgtEl>
-                                          <p:spTgt spid="2"/>
+                                          <p:spTgt spid="17"/>
+                                        </p:tgtEl>
+                                      </p:cBhvr>
+                                    </p:animEffect>
+                                  </p:childTnLst>
+                                </p:cTn>
+                              </p:par>
+                            </p:childTnLst>
+                          </p:cTn>
+                        </p:par>
+                      </p:childTnLst>
+                    </p:cTn>
+                  </p:par>
+                  <p:par>
+                    <p:cTn id="8" fill="hold">
+                      <p:stCondLst>
+                        <p:cond delay="indefinite"/>
+                      </p:stCondLst>
+                      <p:childTnLst>
+                        <p:par>
+                          <p:cTn id="9" fill="hold">
+                            <p:stCondLst>
+                              <p:cond delay="0"/>
+                            </p:stCondLst>
+                            <p:childTnLst>
+                              <p:par>
+                                <p:cTn id="10" presetID="10" presetClass="entr" presetSubtype="0" fill="hold" nodeType="clickEffect">
+                                  <p:stCondLst>
+                                    <p:cond delay="0"/>
+                                  </p:stCondLst>
+                                  <p:childTnLst>
+                                    <p:set>
+                                      <p:cBhvr>
+                                        <p:cTn id="11" dur="1" fill="hold">
+                                          <p:stCondLst>
+                                            <p:cond delay="0"/>
+                                          </p:stCondLst>
+                                        </p:cTn>
+                                        <p:tgtEl>
+                                          <p:spTgt spid="18"/>
+                                        </p:tgtEl>
+                                        <p:attrNameLst>
+                                          <p:attrName>style.visibility</p:attrName>
+                                        </p:attrNameLst>
+                                      </p:cBhvr>
+                                      <p:to>
+                                        <p:strVal val="visible"/>
+                                      </p:to>
+                                    </p:set>
+                                    <p:animEffect transition="in" filter="fade">
+                                      <p:cBhvr>
+                                        <p:cTn id="12" dur="500"/>
+                                        <p:tgtEl>
+                                          <p:spTgt spid="18"/>
+                                        </p:tgtEl>
+                                      </p:cBhvr>
+                                    </p:animEffect>
+                                  </p:childTnLst>
+                                </p:cTn>
+                              </p:par>
+                              <p:par>
+                                <p:cTn id="13" presetID="10" presetClass="entr" presetSubtype="0" fill="hold" grpId="0" nodeType="withEffect">
+                                  <p:stCondLst>
+                                    <p:cond delay="0"/>
+                                  </p:stCondLst>
+                                  <p:childTnLst>
+                                    <p:set>
+                                      <p:cBhvr>
+                                        <p:cTn id="14" dur="1" fill="hold">
+                                          <p:stCondLst>
+                                            <p:cond delay="0"/>
+                                          </p:stCondLst>
+                                        </p:cTn>
+                                        <p:tgtEl>
+                                          <p:spTgt spid="22"/>
+                                        </p:tgtEl>
+                                        <p:attrNameLst>
+                                          <p:attrName>style.visibility</p:attrName>
+                                        </p:attrNameLst>
+                                      </p:cBhvr>
+                                      <p:to>
+                                        <p:strVal val="visible"/>
+                                      </p:to>
+                                    </p:set>
+                                    <p:animEffect transition="in" filter="fade">
+                                      <p:cBhvr>
+                                        <p:cTn id="15" dur="500"/>
+                                        <p:tgtEl>
+                                          <p:spTgt spid="22"/>
+                                        </p:tgtEl>
+                                      </p:cBhvr>
+                                    </p:animEffect>
+                                  </p:childTnLst>
+                                </p:cTn>
+                              </p:par>
+                              <p:par>
+                                <p:cTn id="16" presetID="10" presetClass="entr" presetSubtype="0" fill="hold" grpId="0" nodeType="withEffect">
+                                  <p:stCondLst>
+                                    <p:cond delay="0"/>
+                                  </p:stCondLst>
+                                  <p:childTnLst>
+                                    <p:set>
+                                      <p:cBhvr>
+                                        <p:cTn id="17" dur="1" fill="hold">
+                                          <p:stCondLst>
+                                            <p:cond delay="0"/>
+                                          </p:stCondLst>
+                                        </p:cTn>
+                                        <p:tgtEl>
+                                          <p:spTgt spid="21"/>
+                                        </p:tgtEl>
+                                        <p:attrNameLst>
+                                          <p:attrName>style.visibility</p:attrName>
+                                        </p:attrNameLst>
+                                      </p:cBhvr>
+                                      <p:to>
+                                        <p:strVal val="visible"/>
+                                      </p:to>
+                                    </p:set>
+                                    <p:animEffect transition="in" filter="fade">
+                                      <p:cBhvr>
+                                        <p:cTn id="18" dur="500"/>
+                                        <p:tgtEl>
+                                          <p:spTgt spid="21"/>
+                                        </p:tgtEl>
+                                      </p:cBhvr>
+                                    </p:animEffect>
+                                  </p:childTnLst>
+                                </p:cTn>
+                              </p:par>
+                              <p:par>
+                                <p:cTn id="19" presetID="10" presetClass="entr" presetSubtype="0" fill="hold" grpId="0" nodeType="withEffect">
+                                  <p:stCondLst>
+                                    <p:cond delay="0"/>
+                                  </p:stCondLst>
+                                  <p:childTnLst>
+                                    <p:set>
+                                      <p:cBhvr>
+                                        <p:cTn id="20" dur="1" fill="hold">
+                                          <p:stCondLst>
+                                            <p:cond delay="0"/>
+                                          </p:stCondLst>
+                                        </p:cTn>
+                                        <p:tgtEl>
+                                          <p:spTgt spid="23"/>
+                                        </p:tgtEl>
+                                        <p:attrNameLst>
+                                          <p:attrName>style.visibility</p:attrName>
+                                        </p:attrNameLst>
+                                      </p:cBhvr>
+                                      <p:to>
+                                        <p:strVal val="visible"/>
+                                      </p:to>
+                                    </p:set>
+                                    <p:animEffect transition="in" filter="fade">
+                                      <p:cBhvr>
+                                        <p:cTn id="21" dur="500"/>
+                                        <p:tgtEl>
+                                          <p:spTgt spid="23"/>
+                                        </p:tgtEl>
+                                      </p:cBhvr>
+                                    </p:animEffect>
+                                  </p:childTnLst>
+                                </p:cTn>
+                              </p:par>
+                              <p:par>
+                                <p:cTn id="22" presetID="10" presetClass="entr" presetSubtype="0" fill="hold" grpId="0" nodeType="withEffect">
+                                  <p:stCondLst>
+                                    <p:cond delay="0"/>
+                                  </p:stCondLst>
+                                  <p:childTnLst>
+                                    <p:set>
+                                      <p:cBhvr>
+                                        <p:cTn id="23" dur="1" fill="hold">
+                                          <p:stCondLst>
+                                            <p:cond delay="0"/>
+                                          </p:stCondLst>
+                                        </p:cTn>
+                                        <p:tgtEl>
+                                          <p:spTgt spid="28"/>
+                                        </p:tgtEl>
+                                        <p:attrNameLst>
+                                          <p:attrName>style.visibility</p:attrName>
+                                        </p:attrNameLst>
+                                      </p:cBhvr>
+                                      <p:to>
+                                        <p:strVal val="visible"/>
+                                      </p:to>
+                                    </p:set>
+                                    <p:animEffect transition="in" filter="fade">
+                                      <p:cBhvr>
+                                        <p:cTn id="24" dur="500"/>
+                                        <p:tgtEl>
+                                          <p:spTgt spid="28"/>
+                                        </p:tgtEl>
+                                      </p:cBhvr>
+                                    </p:animEffect>
+                                  </p:childTnLst>
+                                </p:cTn>
+                              </p:par>
+                              <p:par>
+                                <p:cTn id="25" presetID="10" presetClass="entr" presetSubtype="0" fill="hold" grpId="0" nodeType="withEffect">
+                                  <p:stCondLst>
+                                    <p:cond delay="0"/>
+                                  </p:stCondLst>
+                                  <p:childTnLst>
+                                    <p:set>
+                                      <p:cBhvr>
+                                        <p:cTn id="26" dur="1" fill="hold">
+                                          <p:stCondLst>
+                                            <p:cond delay="0"/>
+                                          </p:stCondLst>
+                                        </p:cTn>
+                                        <p:tgtEl>
+                                          <p:spTgt spid="24"/>
+                                        </p:tgtEl>
+                                        <p:attrNameLst>
+                                          <p:attrName>style.visibility</p:attrName>
+                                        </p:attrNameLst>
+                                      </p:cBhvr>
+                                      <p:to>
+                                        <p:strVal val="visible"/>
+                                      </p:to>
+                                    </p:set>
+                                    <p:animEffect transition="in" filter="fade">
+                                      <p:cBhvr>
+                                        <p:cTn id="27" dur="500"/>
+                                        <p:tgtEl>
+                                          <p:spTgt spid="24"/>
+                                        </p:tgtEl>
+                                      </p:cBhvr>
+                                    </p:animEffect>
+                                  </p:childTnLst>
+                                </p:cTn>
+                              </p:par>
+                              <p:par>
+                                <p:cTn id="28" presetID="10" presetClass="entr" presetSubtype="0" fill="hold" grpId="0" nodeType="withEffect">
+                                  <p:stCondLst>
+                                    <p:cond delay="0"/>
+                                  </p:stCondLst>
+                                  <p:childTnLst>
+                                    <p:set>
+                                      <p:cBhvr>
+                                        <p:cTn id="29" dur="1" fill="hold">
+                                          <p:stCondLst>
+                                            <p:cond delay="0"/>
+                                          </p:stCondLst>
+                                        </p:cTn>
+                                        <p:tgtEl>
+                                          <p:spTgt spid="25"/>
+                                        </p:tgtEl>
+                                        <p:attrNameLst>
+                                          <p:attrName>style.visibility</p:attrName>
+                                        </p:attrNameLst>
+                                      </p:cBhvr>
+                                      <p:to>
+                                        <p:strVal val="visible"/>
+                                      </p:to>
+                                    </p:set>
+                                    <p:animEffect transition="in" filter="fade">
+                                      <p:cBhvr>
+                                        <p:cTn id="30" dur="500"/>
+                                        <p:tgtEl>
+                                          <p:spTgt spid="25"/>
+                                        </p:tgtEl>
+                                      </p:cBhvr>
+                                    </p:animEffect>
+                                  </p:childTnLst>
+                                </p:cTn>
+                              </p:par>
+                              <p:par>
+                                <p:cTn id="31" presetID="10" presetClass="entr" presetSubtype="0" fill="hold" grpId="0" nodeType="withEffect">
+                                  <p:stCondLst>
+                                    <p:cond delay="0"/>
+                                  </p:stCondLst>
+                                  <p:childTnLst>
+                                    <p:set>
+                                      <p:cBhvr>
+                                        <p:cTn id="32" dur="1" fill="hold">
+                                          <p:stCondLst>
+                                            <p:cond delay="0"/>
+                                          </p:stCondLst>
+                                        </p:cTn>
+                                        <p:tgtEl>
+                                          <p:spTgt spid="27"/>
+                                        </p:tgtEl>
+                                        <p:attrNameLst>
+                                          <p:attrName>style.visibility</p:attrName>
+                                        </p:attrNameLst>
+                                      </p:cBhvr>
+                                      <p:to>
+                                        <p:strVal val="visible"/>
+                                      </p:to>
+                                    </p:set>
+                                    <p:animEffect transition="in" filter="fade">
+                                      <p:cBhvr>
+                                        <p:cTn id="33" dur="500"/>
+                                        <p:tgtEl>
+                                          <p:spTgt spid="27"/>
+                                        </p:tgtEl>
+                                      </p:cBhvr>
+                                    </p:animEffect>
+                                  </p:childTnLst>
+                                </p:cTn>
+                              </p:par>
+                              <p:par>
+                                <p:cTn id="34" presetID="10" presetClass="entr" presetSubtype="0" fill="hold" grpId="0" nodeType="withEffect">
+                                  <p:stCondLst>
+                                    <p:cond delay="0"/>
+                                  </p:stCondLst>
+                                  <p:childTnLst>
+                                    <p:set>
+                                      <p:cBhvr>
+                                        <p:cTn id="35" dur="1" fill="hold">
+                                          <p:stCondLst>
+                                            <p:cond delay="0"/>
+                                          </p:stCondLst>
+                                        </p:cTn>
+                                        <p:tgtEl>
+                                          <p:spTgt spid="26"/>
+                                        </p:tgtEl>
+                                        <p:attrNameLst>
+                                          <p:attrName>style.visibility</p:attrName>
+                                        </p:attrNameLst>
+                                      </p:cBhvr>
+                                      <p:to>
+                                        <p:strVal val="visible"/>
+                                      </p:to>
+                                    </p:set>
+                                    <p:animEffect transition="in" filter="fade">
+                                      <p:cBhvr>
+                                        <p:cTn id="36" dur="500"/>
+                                        <p:tgtEl>
+                                          <p:spTgt spid="26"/>
+                                        </p:tgtEl>
+                                      </p:cBhvr>
+                                    </p:animEffect>
+                                  </p:childTnLst>
+                                </p:cTn>
+                              </p:par>
+                              <p:par>
+                                <p:cTn id="37" presetID="10" presetClass="entr" presetSubtype="0" fill="hold" grpId="0" nodeType="withEffect">
+                                  <p:stCondLst>
+                                    <p:cond delay="0"/>
+                                  </p:stCondLst>
+                                  <p:childTnLst>
+                                    <p:set>
+                                      <p:cBhvr>
+                                        <p:cTn id="38" dur="1" fill="hold">
+                                          <p:stCondLst>
+                                            <p:cond delay="0"/>
+                                          </p:stCondLst>
+                                        </p:cTn>
+                                        <p:tgtEl>
+                                          <p:spTgt spid="29"/>
+                                        </p:tgtEl>
+                                        <p:attrNameLst>
+                                          <p:attrName>style.visibility</p:attrName>
+                                        </p:attrNameLst>
+                                      </p:cBhvr>
+                                      <p:to>
+                                        <p:strVal val="visible"/>
+                                      </p:to>
+                                    </p:set>
+                                    <p:animEffect transition="in" filter="fade">
+                                      <p:cBhvr>
+                                        <p:cTn id="39" dur="500"/>
+                                        <p:tgtEl>
+                                          <p:spTgt spid="29"/>
                                         </p:tgtEl>
                                       </p:cBhvr>
                                     </p:animEffect>
@@ -11516,286 +16839,16 @@
       </p:par>
     </p:tnLst>
     <p:bldLst>
-      <p:bldP spid="2" grpId="0"/>
-    </p:bldLst>
-  </p:timing>
-</p:sld>
-</file>
-
-<file path=ppt/slides/slide9.xml><?xml version="1.0" encoding="utf-8"?>
-<p:sld xmlns:a="http://schemas.openxmlformats.org/drawingml/2006/main" xmlns:r="http://schemas.openxmlformats.org/officeDocument/2006/relationships" xmlns:p="http://schemas.openxmlformats.org/presentationml/2006/main">
-  <p:cSld>
-    <p:spTree>
-      <p:nvGrpSpPr>
-        <p:cNvPr id="1" name=""/>
-        <p:cNvGrpSpPr/>
-        <p:nvPr/>
-      </p:nvGrpSpPr>
-      <p:grpSpPr>
-        <a:xfrm>
-          <a:off x="0" y="0"/>
-          <a:ext cx="0" cy="0"/>
-          <a:chOff x="0" y="0"/>
-          <a:chExt cx="0" cy="0"/>
-        </a:xfrm>
-      </p:grpSpPr>
-      <p:sp>
-        <p:nvSpPr>
-          <p:cNvPr id="2" name="Title 1">
-            <a:extLst>
-              <a:ext uri="{FF2B5EF4-FFF2-40B4-BE49-F238E27FC236}">
-                <a16:creationId xmlns:a16="http://schemas.microsoft.com/office/drawing/2014/main" id="{F588A945-E1A5-C740-0749-7206BB505B89}"/>
-              </a:ext>
-            </a:extLst>
-          </p:cNvPr>
-          <p:cNvSpPr>
-            <a:spLocks noGrp="1"/>
-          </p:cNvSpPr>
-          <p:nvPr>
-            <p:ph type="title"/>
-          </p:nvPr>
-        </p:nvSpPr>
-        <p:spPr>
-          <a:xfrm>
-            <a:off x="609600" y="557784"/>
-            <a:ext cx="10972800" cy="1094371"/>
-          </a:xfrm>
-        </p:spPr>
-        <p:txBody>
-          <a:bodyPr>
-            <a:normAutofit fontScale="90000"/>
-          </a:bodyPr>
-          <a:lstStyle/>
-          <a:p>
-            <a:r>
-              <a:rPr lang="en-US" dirty="0"/>
-              <a:t>Peak Season Analysis (Pre-COVID and COVID Observation Period )</a:t>
-            </a:r>
-          </a:p>
-        </p:txBody>
-      </p:sp>
-      <p:pic>
-        <p:nvPicPr>
-          <p:cNvPr id="4" name="Picture 3">
-            <a:extLst>
-              <a:ext uri="{FF2B5EF4-FFF2-40B4-BE49-F238E27FC236}">
-                <a16:creationId xmlns:a16="http://schemas.microsoft.com/office/drawing/2014/main" id="{9A7AE0EC-F559-6F41-087A-86A1CF471C07}"/>
-              </a:ext>
-            </a:extLst>
-          </p:cNvPr>
-          <p:cNvPicPr>
-            <a:picLocks noChangeAspect="1"/>
-          </p:cNvPicPr>
-          <p:nvPr/>
-        </p:nvPicPr>
-        <p:blipFill>
-          <a:blip r:embed="rId2"/>
-          <a:stretch>
-            <a:fillRect/>
-          </a:stretch>
-        </p:blipFill>
-        <p:spPr>
-          <a:xfrm>
-            <a:off x="200967" y="1652155"/>
-            <a:ext cx="8179358" cy="4768742"/>
-          </a:xfrm>
-          <a:prstGeom prst="rect">
-            <a:avLst/>
-          </a:prstGeom>
-        </p:spPr>
-      </p:pic>
-      <p:cxnSp>
-        <p:nvCxnSpPr>
-          <p:cNvPr id="7" name="Straight Connector 6">
-            <a:extLst>
-              <a:ext uri="{FF2B5EF4-FFF2-40B4-BE49-F238E27FC236}">
-                <a16:creationId xmlns:a16="http://schemas.microsoft.com/office/drawing/2014/main" id="{D4ED3DAE-D63D-0C04-A848-C2475A781C60}"/>
-              </a:ext>
-            </a:extLst>
-          </p:cNvPr>
-          <p:cNvCxnSpPr>
-            <a:cxnSpLocks/>
-          </p:cNvCxnSpPr>
-          <p:nvPr/>
-        </p:nvCxnSpPr>
-        <p:spPr>
-          <a:xfrm>
-            <a:off x="2159099" y="2123768"/>
-            <a:ext cx="0" cy="3292295"/>
-          </a:xfrm>
-          <a:prstGeom prst="line">
-            <a:avLst/>
-          </a:prstGeom>
-          <a:ln w="19050" cap="flat" cmpd="sng" algn="ctr">
-            <a:solidFill>
-              <a:schemeClr val="accent5"/>
-            </a:solidFill>
-            <a:prstDash val="dash"/>
-            <a:round/>
-            <a:headEnd type="none" w="med" len="med"/>
-            <a:tailEnd type="none" w="med" len="med"/>
-          </a:ln>
-        </p:spPr>
-        <p:style>
-          <a:lnRef idx="0">
-            <a:scrgbClr r="0" g="0" b="0"/>
-          </a:lnRef>
-          <a:fillRef idx="0">
-            <a:scrgbClr r="0" g="0" b="0"/>
-          </a:fillRef>
-          <a:effectRef idx="0">
-            <a:scrgbClr r="0" g="0" b="0"/>
-          </a:effectRef>
-          <a:fontRef idx="minor">
-            <a:schemeClr val="tx1"/>
-          </a:fontRef>
-        </p:style>
-      </p:cxnSp>
-      <p:sp>
-        <p:nvSpPr>
-          <p:cNvPr id="9" name="TextBox 8">
-            <a:extLst>
-              <a:ext uri="{FF2B5EF4-FFF2-40B4-BE49-F238E27FC236}">
-                <a16:creationId xmlns:a16="http://schemas.microsoft.com/office/drawing/2014/main" id="{29E2BAAC-EDA0-7E6C-11EE-E0A39BC9D8C7}"/>
-              </a:ext>
-            </a:extLst>
-          </p:cNvPr>
-          <p:cNvSpPr txBox="1"/>
-          <p:nvPr/>
-        </p:nvSpPr>
-        <p:spPr>
-          <a:xfrm>
-            <a:off x="8380324" y="1956619"/>
-            <a:ext cx="3811675" cy="2308324"/>
-          </a:xfrm>
-          <a:prstGeom prst="rect">
-            <a:avLst/>
-          </a:prstGeom>
-          <a:noFill/>
-        </p:spPr>
-        <p:txBody>
-          <a:bodyPr wrap="square" rtlCol="0">
-            <a:spAutoFit/>
-          </a:bodyPr>
-          <a:lstStyle/>
-          <a:p>
-            <a:r>
-              <a:rPr lang="en-US" dirty="0"/>
-              <a:t>After March 11 (Week 11), parcel volume </a:t>
-            </a:r>
-            <a:r>
-              <a:rPr lang="en-US" b="1" dirty="0"/>
-              <a:t>surged dramatically</a:t>
-            </a:r>
-            <a:r>
-              <a:rPr lang="en-US" dirty="0"/>
-              <a:t>, rising from 9M during the pre-COVID period to 65M post-COVID, </a:t>
-            </a:r>
-            <a:r>
-              <a:rPr lang="en-US" b="1" dirty="0"/>
-              <a:t>marking a 630% increase</a:t>
-            </a:r>
-            <a:r>
-              <a:rPr lang="en-US" dirty="0"/>
-              <a:t>. This highlights the pandemic's significant role in accelerating parcel demand</a:t>
-            </a:r>
-          </a:p>
-        </p:txBody>
-      </p:sp>
-    </p:spTree>
-    <p:extLst>
-      <p:ext uri="{BB962C8B-B14F-4D97-AF65-F5344CB8AC3E}">
-        <p14:creationId xmlns:p14="http://schemas.microsoft.com/office/powerpoint/2010/main" val="524735799"/>
-      </p:ext>
-    </p:extLst>
-  </p:cSld>
-  <p:clrMapOvr>
-    <a:masterClrMapping/>
-  </p:clrMapOvr>
-  <p:timing>
-    <p:tnLst>
-      <p:par>
-        <p:cTn id="1" dur="indefinite" restart="never" nodeType="tmRoot">
-          <p:childTnLst>
-            <p:seq concurrent="1" nextAc="seek">
-              <p:cTn id="2" dur="indefinite" nodeType="mainSeq">
-                <p:childTnLst>
-                  <p:par>
-                    <p:cTn id="3" fill="hold">
-                      <p:stCondLst>
-                        <p:cond delay="indefinite"/>
-                      </p:stCondLst>
-                      <p:childTnLst>
-                        <p:par>
-                          <p:cTn id="4" fill="hold">
-                            <p:stCondLst>
-                              <p:cond delay="0"/>
-                            </p:stCondLst>
-                            <p:childTnLst>
-                              <p:par>
-                                <p:cTn id="5" presetID="16" presetClass="entr" presetSubtype="21" fill="hold" grpId="0" nodeType="clickEffect">
-                                  <p:stCondLst>
-                                    <p:cond delay="0"/>
-                                  </p:stCondLst>
-                                  <p:childTnLst>
-                                    <p:set>
-                                      <p:cBhvr>
-                                        <p:cTn id="6" dur="1" fill="hold">
-                                          <p:stCondLst>
-                                            <p:cond delay="0"/>
-                                          </p:stCondLst>
-                                        </p:cTn>
-                                        <p:tgtEl>
-                                          <p:spTgt spid="2"/>
-                                        </p:tgtEl>
-                                        <p:attrNameLst>
-                                          <p:attrName>style.visibility</p:attrName>
-                                        </p:attrNameLst>
-                                      </p:cBhvr>
-                                      <p:to>
-                                        <p:strVal val="visible"/>
-                                      </p:to>
-                                    </p:set>
-                                    <p:animEffect transition="in" filter="barn(inVertical)">
-                                      <p:cBhvr>
-                                        <p:cTn id="7" dur="500"/>
-                                        <p:tgtEl>
-                                          <p:spTgt spid="2"/>
-                                        </p:tgtEl>
-                                      </p:cBhvr>
-                                    </p:animEffect>
-                                  </p:childTnLst>
-                                </p:cTn>
-                              </p:par>
-                            </p:childTnLst>
-                          </p:cTn>
-                        </p:par>
-                      </p:childTnLst>
-                    </p:cTn>
-                  </p:par>
-                </p:childTnLst>
-              </p:cTn>
-              <p:prevCondLst>
-                <p:cond evt="onPrev" delay="0">
-                  <p:tgtEl>
-                    <p:sldTgt/>
-                  </p:tgtEl>
-                </p:cond>
-              </p:prevCondLst>
-              <p:nextCondLst>
-                <p:cond evt="onNext" delay="0">
-                  <p:tgtEl>
-                    <p:sldTgt/>
-                  </p:tgtEl>
-                </p:cond>
-              </p:nextCondLst>
-            </p:seq>
-          </p:childTnLst>
-        </p:cTn>
-      </p:par>
-    </p:tnLst>
-    <p:bldLst>
-      <p:bldP spid="2" grpId="0"/>
+      <p:bldP spid="17" grpId="0"/>
+      <p:bldP spid="21" grpId="0" animBg="1"/>
+      <p:bldP spid="22" grpId="0" animBg="1"/>
+      <p:bldP spid="23" grpId="0" animBg="1"/>
+      <p:bldP spid="24" grpId="0" animBg="1"/>
+      <p:bldP spid="25" grpId="0" animBg="1"/>
+      <p:bldP spid="26" grpId="0" animBg="1"/>
+      <p:bldP spid="27" grpId="0" animBg="1"/>
+      <p:bldP spid="28" grpId="0" animBg="1"/>
+      <p:bldP spid="29" grpId="0" animBg="1"/>
     </p:bldLst>
   </p:timing>
 </p:sld>
@@ -12000,4 +17053,299 @@
     </a:ext>
   </a:extLst>
 </a:theme>
+</file>
+
+<file path=ppt/theme/theme2.xml><?xml version="1.0" encoding="utf-8"?>
+<a:theme xmlns:a="http://schemas.openxmlformats.org/drawingml/2006/main" name="Office Theme">
+  <a:themeElements>
+    <a:clrScheme name="Office">
+      <a:dk1>
+        <a:sysClr val="windowText" lastClr="000000"/>
+      </a:dk1>
+      <a:lt1>
+        <a:sysClr val="window" lastClr="FFFFFF"/>
+      </a:lt1>
+      <a:dk2>
+        <a:srgbClr val="44546A"/>
+      </a:dk2>
+      <a:lt2>
+        <a:srgbClr val="E7E6E6"/>
+      </a:lt2>
+      <a:accent1>
+        <a:srgbClr val="4472C4"/>
+      </a:accent1>
+      <a:accent2>
+        <a:srgbClr val="ED7D31"/>
+      </a:accent2>
+      <a:accent3>
+        <a:srgbClr val="A5A5A5"/>
+      </a:accent3>
+      <a:accent4>
+        <a:srgbClr val="FFC000"/>
+      </a:accent4>
+      <a:accent5>
+        <a:srgbClr val="5B9BD5"/>
+      </a:accent5>
+      <a:accent6>
+        <a:srgbClr val="70AD47"/>
+      </a:accent6>
+      <a:hlink>
+        <a:srgbClr val="0563C1"/>
+      </a:hlink>
+      <a:folHlink>
+        <a:srgbClr val="954F72"/>
+      </a:folHlink>
+    </a:clrScheme>
+    <a:fontScheme name="Office">
+      <a:majorFont>
+        <a:latin typeface="Calibri Light" panose="020F0302020204030204"/>
+        <a:ea typeface=""/>
+        <a:cs typeface=""/>
+        <a:font script="Jpan" typeface="游ゴシック Light"/>
+        <a:font script="Hang" typeface="맑은 고딕"/>
+        <a:font script="Hans" typeface="等线 Light"/>
+        <a:font script="Hant" typeface="新細明體"/>
+        <a:font script="Arab" typeface="Times New Roman"/>
+        <a:font script="Hebr" typeface="Times New Roman"/>
+        <a:font script="Thai" typeface="Angsana New"/>
+        <a:font script="Ethi" typeface="Nyala"/>
+        <a:font script="Beng" typeface="Vrinda"/>
+        <a:font script="Gujr" typeface="Shruti"/>
+        <a:font script="Khmr" typeface="MoolBoran"/>
+        <a:font script="Knda" typeface="Tunga"/>
+        <a:font script="Guru" typeface="Raavi"/>
+        <a:font script="Cans" typeface="Euphemia"/>
+        <a:font script="Cher" typeface="Plantagenet Cherokee"/>
+        <a:font script="Yiii" typeface="Microsoft Yi Baiti"/>
+        <a:font script="Tibt" typeface="Microsoft Himalaya"/>
+        <a:font script="Thaa" typeface="MV Boli"/>
+        <a:font script="Deva" typeface="Mangal"/>
+        <a:font script="Telu" typeface="Gautami"/>
+        <a:font script="Taml" typeface="Latha"/>
+        <a:font script="Syrc" typeface="Estrangelo Edessa"/>
+        <a:font script="Orya" typeface="Kalinga"/>
+        <a:font script="Mlym" typeface="Kartika"/>
+        <a:font script="Laoo" typeface="DokChampa"/>
+        <a:font script="Sinh" typeface="Iskoola Pota"/>
+        <a:font script="Mong" typeface="Mongolian Baiti"/>
+        <a:font script="Viet" typeface="Times New Roman"/>
+        <a:font script="Uigh" typeface="Microsoft Uighur"/>
+        <a:font script="Geor" typeface="Sylfaen"/>
+        <a:font script="Armn" typeface="Arial"/>
+        <a:font script="Bugi" typeface="Leelawadee UI"/>
+        <a:font script="Bopo" typeface="Microsoft JhengHei"/>
+        <a:font script="Java" typeface="Javanese Text"/>
+        <a:font script="Lisu" typeface="Segoe UI"/>
+        <a:font script="Mymr" typeface="Myanmar Text"/>
+        <a:font script="Nkoo" typeface="Ebrima"/>
+        <a:font script="Olck" typeface="Nirmala UI"/>
+        <a:font script="Osma" typeface="Ebrima"/>
+        <a:font script="Phag" typeface="Phagspa"/>
+        <a:font script="Syrn" typeface="Estrangelo Edessa"/>
+        <a:font script="Syrj" typeface="Estrangelo Edessa"/>
+        <a:font script="Syre" typeface="Estrangelo Edessa"/>
+        <a:font script="Sora" typeface="Nirmala UI"/>
+        <a:font script="Tale" typeface="Microsoft Tai Le"/>
+        <a:font script="Talu" typeface="Microsoft New Tai Lue"/>
+        <a:font script="Tfng" typeface="Ebrima"/>
+      </a:majorFont>
+      <a:minorFont>
+        <a:latin typeface="Calibri" panose="020F0502020204030204"/>
+        <a:ea typeface=""/>
+        <a:cs typeface=""/>
+        <a:font script="Jpan" typeface="游ゴシック"/>
+        <a:font script="Hang" typeface="맑은 고딕"/>
+        <a:font script="Hans" typeface="等线"/>
+        <a:font script="Hant" typeface="新細明體"/>
+        <a:font script="Arab" typeface="Arial"/>
+        <a:font script="Hebr" typeface="Arial"/>
+        <a:font script="Thai" typeface="Cordia New"/>
+        <a:font script="Ethi" typeface="Nyala"/>
+        <a:font script="Beng" typeface="Vrinda"/>
+        <a:font script="Gujr" typeface="Shruti"/>
+        <a:font script="Khmr" typeface="DaunPenh"/>
+        <a:font script="Knda" typeface="Tunga"/>
+        <a:font script="Guru" typeface="Raavi"/>
+        <a:font script="Cans" typeface="Euphemia"/>
+        <a:font script="Cher" typeface="Plantagenet Cherokee"/>
+        <a:font script="Yiii" typeface="Microsoft Yi Baiti"/>
+        <a:font script="Tibt" typeface="Microsoft Himalaya"/>
+        <a:font script="Thaa" typeface="MV Boli"/>
+        <a:font script="Deva" typeface="Mangal"/>
+        <a:font script="Telu" typeface="Gautami"/>
+        <a:font script="Taml" typeface="Latha"/>
+        <a:font script="Syrc" typeface="Estrangelo Edessa"/>
+        <a:font script="Orya" typeface="Kalinga"/>
+        <a:font script="Mlym" typeface="Kartika"/>
+        <a:font script="Laoo" typeface="DokChampa"/>
+        <a:font script="Sinh" typeface="Iskoola Pota"/>
+        <a:font script="Mong" typeface="Mongolian Baiti"/>
+        <a:font script="Viet" typeface="Arial"/>
+        <a:font script="Uigh" typeface="Microsoft Uighur"/>
+        <a:font script="Geor" typeface="Sylfaen"/>
+        <a:font script="Armn" typeface="Arial"/>
+        <a:font script="Bugi" typeface="Leelawadee UI"/>
+        <a:font script="Bopo" typeface="Microsoft JhengHei"/>
+        <a:font script="Java" typeface="Javanese Text"/>
+        <a:font script="Lisu" typeface="Segoe UI"/>
+        <a:font script="Mymr" typeface="Myanmar Text"/>
+        <a:font script="Nkoo" typeface="Ebrima"/>
+        <a:font script="Olck" typeface="Nirmala UI"/>
+        <a:font script="Osma" typeface="Ebrima"/>
+        <a:font script="Phag" typeface="Phagspa"/>
+        <a:font script="Syrn" typeface="Estrangelo Edessa"/>
+        <a:font script="Syrj" typeface="Estrangelo Edessa"/>
+        <a:font script="Syre" typeface="Estrangelo Edessa"/>
+        <a:font script="Sora" typeface="Nirmala UI"/>
+        <a:font script="Tale" typeface="Microsoft Tai Le"/>
+        <a:font script="Talu" typeface="Microsoft New Tai Lue"/>
+        <a:font script="Tfng" typeface="Ebrima"/>
+      </a:minorFont>
+    </a:fontScheme>
+    <a:fmtScheme name="Office">
+      <a:fillStyleLst>
+        <a:solidFill>
+          <a:schemeClr val="phClr"/>
+        </a:solidFill>
+        <a:gradFill rotWithShape="1">
+          <a:gsLst>
+            <a:gs pos="0">
+              <a:schemeClr val="phClr">
+                <a:lumMod val="110000"/>
+                <a:satMod val="105000"/>
+                <a:tint val="67000"/>
+              </a:schemeClr>
+            </a:gs>
+            <a:gs pos="50000">
+              <a:schemeClr val="phClr">
+                <a:lumMod val="105000"/>
+                <a:satMod val="103000"/>
+                <a:tint val="73000"/>
+              </a:schemeClr>
+            </a:gs>
+            <a:gs pos="100000">
+              <a:schemeClr val="phClr">
+                <a:lumMod val="105000"/>
+                <a:satMod val="109000"/>
+                <a:tint val="81000"/>
+              </a:schemeClr>
+            </a:gs>
+          </a:gsLst>
+          <a:lin ang="5400000" scaled="0"/>
+        </a:gradFill>
+        <a:gradFill rotWithShape="1">
+          <a:gsLst>
+            <a:gs pos="0">
+              <a:schemeClr val="phClr">
+                <a:satMod val="103000"/>
+                <a:lumMod val="102000"/>
+                <a:tint val="94000"/>
+              </a:schemeClr>
+            </a:gs>
+            <a:gs pos="50000">
+              <a:schemeClr val="phClr">
+                <a:satMod val="110000"/>
+                <a:lumMod val="100000"/>
+                <a:shade val="100000"/>
+              </a:schemeClr>
+            </a:gs>
+            <a:gs pos="100000">
+              <a:schemeClr val="phClr">
+                <a:lumMod val="99000"/>
+                <a:satMod val="120000"/>
+                <a:shade val="78000"/>
+              </a:schemeClr>
+            </a:gs>
+          </a:gsLst>
+          <a:lin ang="5400000" scaled="0"/>
+        </a:gradFill>
+      </a:fillStyleLst>
+      <a:lnStyleLst>
+        <a:ln w="6350" cap="flat" cmpd="sng" algn="ctr">
+          <a:solidFill>
+            <a:schemeClr val="phClr"/>
+          </a:solidFill>
+          <a:prstDash val="solid"/>
+          <a:miter lim="800000"/>
+        </a:ln>
+        <a:ln w="12700" cap="flat" cmpd="sng" algn="ctr">
+          <a:solidFill>
+            <a:schemeClr val="phClr"/>
+          </a:solidFill>
+          <a:prstDash val="solid"/>
+          <a:miter lim="800000"/>
+        </a:ln>
+        <a:ln w="19050" cap="flat" cmpd="sng" algn="ctr">
+          <a:solidFill>
+            <a:schemeClr val="phClr"/>
+          </a:solidFill>
+          <a:prstDash val="solid"/>
+          <a:miter lim="800000"/>
+        </a:ln>
+      </a:lnStyleLst>
+      <a:effectStyleLst>
+        <a:effectStyle>
+          <a:effectLst/>
+        </a:effectStyle>
+        <a:effectStyle>
+          <a:effectLst/>
+        </a:effectStyle>
+        <a:effectStyle>
+          <a:effectLst>
+            <a:outerShdw blurRad="57150" dist="19050" dir="5400000" algn="ctr" rotWithShape="0">
+              <a:srgbClr val="000000">
+                <a:alpha val="63000"/>
+              </a:srgbClr>
+            </a:outerShdw>
+          </a:effectLst>
+        </a:effectStyle>
+      </a:effectStyleLst>
+      <a:bgFillStyleLst>
+        <a:solidFill>
+          <a:schemeClr val="phClr"/>
+        </a:solidFill>
+        <a:solidFill>
+          <a:schemeClr val="phClr">
+            <a:tint val="95000"/>
+            <a:satMod val="170000"/>
+          </a:schemeClr>
+        </a:solidFill>
+        <a:gradFill rotWithShape="1">
+          <a:gsLst>
+            <a:gs pos="0">
+              <a:schemeClr val="phClr">
+                <a:tint val="93000"/>
+                <a:satMod val="150000"/>
+                <a:shade val="98000"/>
+                <a:lumMod val="102000"/>
+              </a:schemeClr>
+            </a:gs>
+            <a:gs pos="50000">
+              <a:schemeClr val="phClr">
+                <a:tint val="98000"/>
+                <a:satMod val="130000"/>
+                <a:shade val="90000"/>
+                <a:lumMod val="103000"/>
+              </a:schemeClr>
+            </a:gs>
+            <a:gs pos="100000">
+              <a:schemeClr val="phClr">
+                <a:shade val="63000"/>
+                <a:satMod val="120000"/>
+              </a:schemeClr>
+            </a:gs>
+          </a:gsLst>
+          <a:lin ang="5400000" scaled="0"/>
+        </a:gradFill>
+      </a:bgFillStyleLst>
+    </a:fmtScheme>
+  </a:themeElements>
+  <a:objectDefaults/>
+  <a:extraClrSchemeLst/>
+  <a:extLst>
+    <a:ext uri="{05A4C25C-085E-4340-85A3-A5531E510DB2}">
+      <thm15:themeFamily xmlns:thm15="http://schemas.microsoft.com/office/thememl/2012/main" name="Office Theme" id="{62F939B6-93AF-4DB8-9C6B-D6C7DFDC589F}" vid="{4A3C46E8-61CC-4603-A589-7422A47A8E4A}"/>
+    </a:ext>
+  </a:extLst>
+</a:theme>
 </file>